--- a/document/Portfolio-기획서.pptx
+++ b/document/Portfolio-기획서.pptx
@@ -11,6 +11,8 @@
     <p:sldId id="296" r:id="rId5"/>
     <p:sldId id="298" r:id="rId6"/>
     <p:sldId id="299" r:id="rId7"/>
+    <p:sldId id="300" r:id="rId8"/>
+    <p:sldId id="301" r:id="rId9"/>
   </p:sldIdLst>
   <p:sldSz cx="12192000" cy="6858000"/>
   <p:notesSz cx="6858000" cy="9144000"/>
@@ -4006,9 +4008,9 @@
         <p:grpSpPr>
           <a:xfrm>
             <a:off x="939800" y="2651109"/>
-            <a:ext cx="2047724" cy="707886"/>
+            <a:ext cx="2430842" cy="707886"/>
             <a:chOff x="939800" y="1442839"/>
-            <a:chExt cx="2047724" cy="707886"/>
+            <a:chExt cx="2430842" cy="707886"/>
           </a:xfrm>
         </p:grpSpPr>
         <p:sp>
@@ -4076,7 +4078,7 @@
           <p:spPr>
             <a:xfrm>
               <a:off x="1520456" y="1535172"/>
-              <a:ext cx="1467068" cy="523220"/>
+              <a:ext cx="1850186" cy="523220"/>
             </a:xfrm>
             <a:prstGeom prst="rect">
               <a:avLst/>
@@ -4099,6 +4101,17 @@
                   </a:solidFill>
                 </a:rPr>
                 <a:t>사이트맵</a:t>
+              </a:r>
+              <a:r>
+                <a:rPr lang="en-US" altLang="ko-KR" sz="2800" spc="-300" dirty="0" smtClean="0">
+                  <a:solidFill>
+                    <a:schemeClr val="tx1">
+                      <a:lumMod val="65000"/>
+                      <a:lumOff val="35000"/>
+                    </a:schemeClr>
+                  </a:solidFill>
+                </a:rPr>
+                <a:t>, IA</a:t>
               </a:r>
               <a:endParaRPr lang="ko-KR" altLang="en-US" sz="2800" spc="-300" dirty="0">
                 <a:solidFill>
@@ -5490,8 +5503,8 @@
         </p:nvSpPr>
         <p:spPr>
           <a:xfrm>
-            <a:off x="5300642" y="2680659"/>
-            <a:ext cx="1739579" cy="584775"/>
+            <a:off x="5300641" y="2680659"/>
+            <a:ext cx="1739580" cy="584775"/>
           </a:xfrm>
           <a:prstGeom prst="rect">
             <a:avLst/>
@@ -5514,12 +5527,12 @@
               <a:t>Part </a:t>
             </a:r>
             <a:r>
-              <a:rPr lang="en-US" altLang="ko-KR" sz="3200" spc="600" dirty="0" smtClean="0">
+              <a:rPr lang="en-US" altLang="ko-KR" sz="3200" spc="600" dirty="0">
                 <a:solidFill>
                   <a:schemeClr val="accent6"/>
                 </a:solidFill>
               </a:rPr>
-              <a:t>1</a:t>
+              <a:t>2</a:t>
             </a:r>
             <a:endParaRPr lang="ko-KR" altLang="en-US" sz="3200" spc="600" dirty="0">
               <a:solidFill>
@@ -5843,7 +5856,7 @@
           <p:spPr>
             <a:xfrm>
               <a:off x="660400" y="238397"/>
-              <a:ext cx="1723549" cy="711118"/>
+              <a:ext cx="2202847" cy="711118"/>
             </a:xfrm>
             <a:prstGeom prst="rect">
               <a:avLst/>
@@ -5866,6 +5879,28 @@
                   </a:solidFill>
                 </a:rPr>
                 <a:t>사이트맵</a:t>
+              </a:r>
+              <a:r>
+                <a:rPr lang="en-US" altLang="ko-KR" sz="3300" spc="-300" dirty="0">
+                  <a:solidFill>
+                    <a:schemeClr val="tx1">
+                      <a:lumMod val="85000"/>
+                      <a:lumOff val="15000"/>
+                    </a:schemeClr>
+                  </a:solidFill>
+                </a:rPr>
+                <a:t>, </a:t>
+              </a:r>
+              <a:r>
+                <a:rPr lang="en-US" altLang="ko-KR" sz="3300" spc="-300" dirty="0" smtClean="0">
+                  <a:solidFill>
+                    <a:schemeClr val="tx1">
+                      <a:lumMod val="85000"/>
+                      <a:lumOff val="15000"/>
+                    </a:schemeClr>
+                  </a:solidFill>
+                </a:rPr>
+                <a:t>IA</a:t>
               </a:r>
               <a:endParaRPr lang="ko-KR" altLang="en-US" sz="3300" spc="-300" dirty="0">
                 <a:solidFill>
@@ -5892,8 +5927,8 @@
           </p:nvSpPr>
           <p:spPr>
             <a:xfrm>
-              <a:off x="111760" y="81617"/>
-              <a:ext cx="527709" cy="830997"/>
+              <a:off x="111760" y="81618"/>
+              <a:ext cx="527709" cy="984625"/>
             </a:xfrm>
             <a:prstGeom prst="rect">
               <a:avLst/>
@@ -5916,7 +5951,7 @@
                   <a:latin typeface="+mj-lt"/>
                   <a:ea typeface="+mj-ea"/>
                 </a:rPr>
-                <a:t>1</a:t>
+                <a:t>2</a:t>
               </a:r>
               <a:endParaRPr lang="ko-KR" altLang="en-US" sz="4800" b="1" dirty="0">
                 <a:solidFill>
@@ -5974,10 +6009,918 @@
           </p:style>
         </p:cxnSp>
       </p:grpSp>
+      <p:pic>
+        <p:nvPicPr>
+          <p:cNvPr id="2" name="그림 1"/>
+          <p:cNvPicPr>
+            <a:picLocks noChangeAspect="1"/>
+          </p:cNvPicPr>
+          <p:nvPr/>
+        </p:nvPicPr>
+        <p:blipFill>
+          <a:blip r:embed="rId2">
+            <a:extLst>
+              <a:ext uri="{28A0092B-C50C-407E-A947-70E740481C1C}">
+                <a14:useLocalDpi xmlns:a14="http://schemas.microsoft.com/office/drawing/2010/main" val="0"/>
+              </a:ext>
+            </a:extLst>
+          </a:blip>
+          <a:stretch>
+            <a:fillRect/>
+          </a:stretch>
+        </p:blipFill>
+        <p:spPr>
+          <a:xfrm>
+            <a:off x="3298016" y="1270725"/>
+            <a:ext cx="6585568" cy="5012468"/>
+          </a:xfrm>
+          <a:prstGeom prst="rect">
+            <a:avLst/>
+          </a:prstGeom>
+        </p:spPr>
+      </p:pic>
+      <p:sp>
+        <p:nvSpPr>
+          <p:cNvPr id="10" name="TextBox 9"/>
+          <p:cNvSpPr txBox="1"/>
+          <p:nvPr/>
+        </p:nvSpPr>
+        <p:spPr>
+          <a:xfrm>
+            <a:off x="591441" y="1132945"/>
+            <a:ext cx="2706575" cy="584775"/>
+          </a:xfrm>
+          <a:prstGeom prst="rect">
+            <a:avLst/>
+          </a:prstGeom>
+          <a:noFill/>
+        </p:spPr>
+        <p:txBody>
+          <a:bodyPr wrap="square" rtlCol="0">
+            <a:spAutoFit/>
+          </a:bodyPr>
+          <a:lstStyle/>
+          <a:p>
+            <a:r>
+              <a:rPr lang="en-US" altLang="ko-KR" sz="1600" dirty="0" smtClean="0"/>
+              <a:t>- </a:t>
+            </a:r>
+            <a:r>
+              <a:rPr lang="en-US" altLang="ko-KR" sz="1600" dirty="0" smtClean="0"/>
+              <a:t>portfolio</a:t>
+            </a:r>
+            <a:r>
+              <a:rPr lang="en-US" altLang="ko-KR" sz="1600" dirty="0" smtClean="0"/>
+              <a:t>-</a:t>
+            </a:r>
+            <a:r>
+              <a:rPr lang="ko-KR" altLang="en-US" sz="1600" dirty="0" err="1" smtClean="0"/>
+              <a:t>사이트맵</a:t>
+            </a:r>
+            <a:r>
+              <a:rPr lang="en-US" altLang="ko-KR" sz="1600" dirty="0" smtClean="0"/>
+              <a:t>.xml</a:t>
+            </a:r>
+          </a:p>
+          <a:p>
+            <a:r>
+              <a:rPr lang="en-US" altLang="ko-KR" sz="1600" dirty="0"/>
+              <a:t>- portfolio-</a:t>
+            </a:r>
+            <a:r>
+              <a:rPr lang="ko-KR" altLang="en-US" sz="1600" dirty="0" err="1"/>
+              <a:t>사이트맵</a:t>
+            </a:r>
+            <a:r>
+              <a:rPr lang="en-US" altLang="ko-KR" sz="1600" dirty="0" smtClean="0"/>
+              <a:t>.</a:t>
+            </a:r>
+            <a:r>
+              <a:rPr lang="en-US" altLang="ko-KR" sz="1600" dirty="0" err="1" smtClean="0"/>
+              <a:t>png</a:t>
+            </a:r>
+            <a:endParaRPr lang="en-US" altLang="ko-KR" sz="1600" dirty="0"/>
+          </a:p>
+        </p:txBody>
+      </p:sp>
     </p:spTree>
     <p:extLst>
       <p:ext uri="{BB962C8B-B14F-4D97-AF65-F5344CB8AC3E}">
         <p14:creationId xmlns:p14="http://schemas.microsoft.com/office/powerpoint/2010/main" val="1912446738"/>
+      </p:ext>
+    </p:extLst>
+  </p:cSld>
+  <p:clrMapOvr>
+    <a:masterClrMapping/>
+  </p:clrMapOvr>
+  <mc:AlternateContent xmlns:mc="http://schemas.openxmlformats.org/markup-compatibility/2006">
+    <mc:Choice xmlns:p14="http://schemas.microsoft.com/office/powerpoint/2010/main" Requires="p14">
+      <p:transition spd="med" p14:dur="700">
+        <p:fade/>
+      </p:transition>
+    </mc:Choice>
+    <mc:Fallback>
+      <p:transition spd="med">
+        <p:fade/>
+      </p:transition>
+    </mc:Fallback>
+  </mc:AlternateContent>
+  <p:timing>
+    <p:tnLst>
+      <p:par>
+        <p:cTn id="1" dur="indefinite" restart="never" nodeType="tmRoot"/>
+      </p:par>
+    </p:tnLst>
+  </p:timing>
+</p:sld>
+</file>
+
+<file path=ppt/slides/slide7.xml><?xml version="1.0" encoding="utf-8"?>
+<p:sld xmlns:a="http://schemas.openxmlformats.org/drawingml/2006/main" xmlns:r="http://schemas.openxmlformats.org/officeDocument/2006/relationships" xmlns:p="http://schemas.openxmlformats.org/presentationml/2006/main">
+  <p:cSld>
+    <p:spTree>
+      <p:nvGrpSpPr>
+        <p:cNvPr id="1" name=""/>
+        <p:cNvGrpSpPr/>
+        <p:nvPr/>
+      </p:nvGrpSpPr>
+      <p:grpSpPr>
+        <a:xfrm>
+          <a:off x="0" y="0"/>
+          <a:ext cx="0" cy="0"/>
+          <a:chOff x="0" y="0"/>
+          <a:chExt cx="0" cy="0"/>
+        </a:xfrm>
+      </p:grpSpPr>
+      <p:sp>
+        <p:nvSpPr>
+          <p:cNvPr id="3" name="직사각형 2"/>
+          <p:cNvSpPr/>
+          <p:nvPr/>
+        </p:nvSpPr>
+        <p:spPr>
+          <a:xfrm>
+            <a:off x="330199" y="1992496"/>
+            <a:ext cx="11563855" cy="3607457"/>
+          </a:xfrm>
+          <a:prstGeom prst="rect">
+            <a:avLst/>
+          </a:prstGeom>
+          <a:solidFill>
+            <a:schemeClr val="bg1"/>
+          </a:solidFill>
+          <a:ln w="28575"/>
+        </p:spPr>
+        <p:style>
+          <a:lnRef idx="2">
+            <a:schemeClr val="accent1">
+              <a:shade val="50000"/>
+            </a:schemeClr>
+          </a:lnRef>
+          <a:fillRef idx="1">
+            <a:schemeClr val="accent1"/>
+          </a:fillRef>
+          <a:effectRef idx="0">
+            <a:schemeClr val="accent1"/>
+          </a:effectRef>
+          <a:fontRef idx="minor">
+            <a:schemeClr val="lt1"/>
+          </a:fontRef>
+        </p:style>
+        <p:txBody>
+          <a:bodyPr rtlCol="0" anchor="ctr"/>
+          <a:lstStyle/>
+          <a:p>
+            <a:pPr algn="ctr"/>
+            <a:endParaRPr lang="ko-KR" altLang="en-US"/>
+          </a:p>
+        </p:txBody>
+      </p:sp>
+      <p:grpSp>
+        <p:nvGrpSpPr>
+          <p:cNvPr id="21" name="그룹 20">
+            <a:extLst>
+              <a:ext uri="{FF2B5EF4-FFF2-40B4-BE49-F238E27FC236}">
+                <a16:creationId xmlns="" xmlns:a16="http://schemas.microsoft.com/office/drawing/2014/main" id="{34AF672D-F300-49ED-B1B1-C7AD77F1CF1D}"/>
+              </a:ext>
+            </a:extLst>
+          </p:cNvPr>
+          <p:cNvGrpSpPr/>
+          <p:nvPr/>
+        </p:nvGrpSpPr>
+        <p:grpSpPr>
+          <a:xfrm>
+            <a:off x="0" y="0"/>
+            <a:ext cx="12192000" cy="908925"/>
+            <a:chOff x="0" y="0"/>
+            <a:chExt cx="12192000" cy="1076960"/>
+          </a:xfrm>
+        </p:grpSpPr>
+        <p:sp>
+          <p:nvSpPr>
+            <p:cNvPr id="14" name="직사각형 13">
+              <a:extLst>
+                <a:ext uri="{FF2B5EF4-FFF2-40B4-BE49-F238E27FC236}">
+                  <a16:creationId xmlns="" xmlns:a16="http://schemas.microsoft.com/office/drawing/2014/main" id="{C47BEF14-6520-4B7C-A137-6786E163399F}"/>
+                </a:ext>
+              </a:extLst>
+            </p:cNvPr>
+            <p:cNvSpPr/>
+            <p:nvPr/>
+          </p:nvSpPr>
+          <p:spPr>
+            <a:xfrm>
+              <a:off x="0" y="0"/>
+              <a:ext cx="121920" cy="1076960"/>
+            </a:xfrm>
+            <a:prstGeom prst="rect">
+              <a:avLst/>
+            </a:prstGeom>
+            <a:ln>
+              <a:noFill/>
+            </a:ln>
+          </p:spPr>
+          <p:style>
+            <a:lnRef idx="2">
+              <a:schemeClr val="accent1">
+                <a:shade val="50000"/>
+              </a:schemeClr>
+            </a:lnRef>
+            <a:fillRef idx="1">
+              <a:schemeClr val="accent1"/>
+            </a:fillRef>
+            <a:effectRef idx="0">
+              <a:schemeClr val="accent1"/>
+            </a:effectRef>
+            <a:fontRef idx="minor">
+              <a:schemeClr val="lt1"/>
+            </a:fontRef>
+          </p:style>
+          <p:txBody>
+            <a:bodyPr rtlCol="0" anchor="ctr"/>
+            <a:lstStyle/>
+            <a:p>
+              <a:pPr algn="ctr"/>
+              <a:endParaRPr lang="ko-KR" altLang="en-US"/>
+            </a:p>
+          </p:txBody>
+        </p:sp>
+        <p:sp>
+          <p:nvSpPr>
+            <p:cNvPr id="15" name="직사각형 14">
+              <a:extLst>
+                <a:ext uri="{FF2B5EF4-FFF2-40B4-BE49-F238E27FC236}">
+                  <a16:creationId xmlns="" xmlns:a16="http://schemas.microsoft.com/office/drawing/2014/main" id="{AE7E944A-14D6-40FD-AC6E-795762F0A52A}"/>
+                </a:ext>
+              </a:extLst>
+            </p:cNvPr>
+            <p:cNvSpPr/>
+            <p:nvPr/>
+          </p:nvSpPr>
+          <p:spPr>
+            <a:xfrm rot="5400000">
+              <a:off x="269240" y="-147320"/>
+              <a:ext cx="121920" cy="416560"/>
+            </a:xfrm>
+            <a:prstGeom prst="rect">
+              <a:avLst/>
+            </a:prstGeom>
+            <a:solidFill>
+              <a:schemeClr val="accent4"/>
+            </a:solidFill>
+            <a:ln>
+              <a:noFill/>
+            </a:ln>
+          </p:spPr>
+          <p:style>
+            <a:lnRef idx="2">
+              <a:schemeClr val="accent1">
+                <a:shade val="50000"/>
+              </a:schemeClr>
+            </a:lnRef>
+            <a:fillRef idx="1">
+              <a:schemeClr val="accent1"/>
+            </a:fillRef>
+            <a:effectRef idx="0">
+              <a:schemeClr val="accent1"/>
+            </a:effectRef>
+            <a:fontRef idx="minor">
+              <a:schemeClr val="lt1"/>
+            </a:fontRef>
+          </p:style>
+          <p:txBody>
+            <a:bodyPr rtlCol="0" anchor="ctr"/>
+            <a:lstStyle/>
+            <a:p>
+              <a:pPr algn="ctr"/>
+              <a:endParaRPr lang="ko-KR" altLang="en-US"/>
+            </a:p>
+          </p:txBody>
+        </p:sp>
+        <p:sp>
+          <p:nvSpPr>
+            <p:cNvPr id="16" name="TextBox 15">
+              <a:extLst>
+                <a:ext uri="{FF2B5EF4-FFF2-40B4-BE49-F238E27FC236}">
+                  <a16:creationId xmlns="" xmlns:a16="http://schemas.microsoft.com/office/drawing/2014/main" id="{314989EB-2D66-48FD-AE45-E8AAC62D69DF}"/>
+                </a:ext>
+              </a:extLst>
+            </p:cNvPr>
+            <p:cNvSpPr txBox="1"/>
+            <p:nvPr/>
+          </p:nvSpPr>
+          <p:spPr>
+            <a:xfrm>
+              <a:off x="660400" y="238397"/>
+              <a:ext cx="2202847" cy="711118"/>
+            </a:xfrm>
+            <a:prstGeom prst="rect">
+              <a:avLst/>
+            </a:prstGeom>
+            <a:noFill/>
+          </p:spPr>
+          <p:txBody>
+            <a:bodyPr wrap="none" rtlCol="0">
+              <a:spAutoFit/>
+            </a:bodyPr>
+            <a:lstStyle/>
+            <a:p>
+              <a:r>
+                <a:rPr lang="ko-KR" altLang="en-US" sz="3300" spc="-300" dirty="0" err="1" smtClean="0">
+                  <a:solidFill>
+                    <a:schemeClr val="tx1">
+                      <a:lumMod val="85000"/>
+                      <a:lumOff val="15000"/>
+                    </a:schemeClr>
+                  </a:solidFill>
+                </a:rPr>
+                <a:t>사이트맵</a:t>
+              </a:r>
+              <a:r>
+                <a:rPr lang="en-US" altLang="ko-KR" sz="3300" spc="-300" dirty="0" smtClean="0">
+                  <a:solidFill>
+                    <a:schemeClr val="tx1">
+                      <a:lumMod val="85000"/>
+                      <a:lumOff val="15000"/>
+                    </a:schemeClr>
+                  </a:solidFill>
+                </a:rPr>
+                <a:t>, IA</a:t>
+              </a:r>
+              <a:endParaRPr lang="ko-KR" altLang="en-US" sz="3300" spc="-300" dirty="0">
+                <a:solidFill>
+                  <a:schemeClr val="tx1">
+                    <a:lumMod val="85000"/>
+                    <a:lumOff val="15000"/>
+                  </a:schemeClr>
+                </a:solidFill>
+              </a:endParaRPr>
+            </a:p>
+          </p:txBody>
+        </p:sp>
+        <p:sp>
+          <p:nvSpPr>
+            <p:cNvPr id="18" name="TextBox 17">
+              <a:extLst>
+                <a:ext uri="{FF2B5EF4-FFF2-40B4-BE49-F238E27FC236}">
+                  <a16:creationId xmlns="" xmlns:a16="http://schemas.microsoft.com/office/drawing/2014/main" id="{373F017D-1562-4D58-90BD-4CB746FFE587}"/>
+                </a:ext>
+              </a:extLst>
+            </p:cNvPr>
+            <p:cNvSpPr txBox="1"/>
+            <p:nvPr/>
+          </p:nvSpPr>
+          <p:spPr>
+            <a:xfrm>
+              <a:off x="111760" y="81618"/>
+              <a:ext cx="527709" cy="984625"/>
+            </a:xfrm>
+            <a:prstGeom prst="rect">
+              <a:avLst/>
+            </a:prstGeom>
+            <a:noFill/>
+          </p:spPr>
+          <p:txBody>
+            <a:bodyPr wrap="none" rtlCol="0">
+              <a:spAutoFit/>
+            </a:bodyPr>
+            <a:lstStyle/>
+            <a:p>
+              <a:r>
+                <a:rPr lang="en-US" altLang="ko-KR" sz="4800" b="1" dirty="0">
+                  <a:solidFill>
+                    <a:schemeClr val="bg1">
+                      <a:lumMod val="85000"/>
+                    </a:schemeClr>
+                  </a:solidFill>
+                  <a:latin typeface="+mj-lt"/>
+                  <a:ea typeface="+mj-ea"/>
+                </a:rPr>
+                <a:t>2</a:t>
+              </a:r>
+              <a:endParaRPr lang="ko-KR" altLang="en-US" sz="4800" b="1" dirty="0">
+                <a:solidFill>
+                  <a:schemeClr val="bg1">
+                    <a:lumMod val="85000"/>
+                  </a:schemeClr>
+                </a:solidFill>
+                <a:latin typeface="+mj-lt"/>
+                <a:ea typeface="+mj-ea"/>
+              </a:endParaRPr>
+            </a:p>
+          </p:txBody>
+        </p:sp>
+        <p:cxnSp>
+          <p:nvCxnSpPr>
+            <p:cNvPr id="20" name="직선 연결선 19">
+              <a:extLst>
+                <a:ext uri="{FF2B5EF4-FFF2-40B4-BE49-F238E27FC236}">
+                  <a16:creationId xmlns="" xmlns:a16="http://schemas.microsoft.com/office/drawing/2014/main" id="{694D31A9-4C98-4514-A4CD-FEE8123A95D4}"/>
+                </a:ext>
+              </a:extLst>
+            </p:cNvPr>
+            <p:cNvCxnSpPr/>
+            <p:nvPr/>
+          </p:nvCxnSpPr>
+          <p:spPr>
+            <a:xfrm>
+              <a:off x="660400" y="1073885"/>
+              <a:ext cx="11531600" cy="0"/>
+            </a:xfrm>
+            <a:prstGeom prst="line">
+              <a:avLst/>
+            </a:prstGeom>
+            <a:ln>
+              <a:solidFill>
+                <a:schemeClr val="bg1">
+                  <a:lumMod val="75000"/>
+                </a:schemeClr>
+              </a:solidFill>
+            </a:ln>
+          </p:spPr>
+          <p:style>
+            <a:lnRef idx="1">
+              <a:schemeClr val="accent1"/>
+            </a:lnRef>
+            <a:fillRef idx="0">
+              <a:schemeClr val="accent1"/>
+            </a:fillRef>
+            <a:effectRef idx="0">
+              <a:schemeClr val="accent1"/>
+            </a:effectRef>
+            <a:fontRef idx="minor">
+              <a:schemeClr val="tx1"/>
+            </a:fontRef>
+          </p:style>
+        </p:cxnSp>
+      </p:grpSp>
+      <p:sp>
+        <p:nvSpPr>
+          <p:cNvPr id="19" name="직사각형 18"/>
+          <p:cNvSpPr/>
+          <p:nvPr/>
+        </p:nvSpPr>
+        <p:spPr>
+          <a:xfrm>
+            <a:off x="9948891" y="6543162"/>
+            <a:ext cx="2155502" cy="271035"/>
+          </a:xfrm>
+          <a:prstGeom prst="rect">
+            <a:avLst/>
+          </a:prstGeom>
+          <a:solidFill>
+            <a:schemeClr val="bg1"/>
+          </a:solidFill>
+          <a:ln>
+            <a:solidFill>
+              <a:schemeClr val="bg1"/>
+            </a:solidFill>
+          </a:ln>
+        </p:spPr>
+        <p:style>
+          <a:lnRef idx="2">
+            <a:schemeClr val="accent1">
+              <a:shade val="50000"/>
+            </a:schemeClr>
+          </a:lnRef>
+          <a:fillRef idx="1">
+            <a:schemeClr val="accent1"/>
+          </a:fillRef>
+          <a:effectRef idx="0">
+            <a:schemeClr val="accent1"/>
+          </a:effectRef>
+          <a:fontRef idx="minor">
+            <a:schemeClr val="lt1"/>
+          </a:fontRef>
+        </p:style>
+        <p:txBody>
+          <a:bodyPr rtlCol="0" anchor="ctr"/>
+          <a:lstStyle/>
+          <a:p>
+            <a:pPr algn="ctr"/>
+            <a:endParaRPr lang="ko-KR" altLang="en-US"/>
+          </a:p>
+        </p:txBody>
+      </p:sp>
+      <p:sp>
+        <p:nvSpPr>
+          <p:cNvPr id="17" name="TextBox 16"/>
+          <p:cNvSpPr txBox="1"/>
+          <p:nvPr/>
+        </p:nvSpPr>
+        <p:spPr>
+          <a:xfrm>
+            <a:off x="632154" y="1622799"/>
+            <a:ext cx="2706575" cy="338554"/>
+          </a:xfrm>
+          <a:prstGeom prst="rect">
+            <a:avLst/>
+          </a:prstGeom>
+          <a:noFill/>
+        </p:spPr>
+        <p:txBody>
+          <a:bodyPr wrap="square" rtlCol="0">
+            <a:spAutoFit/>
+          </a:bodyPr>
+          <a:lstStyle/>
+          <a:p>
+            <a:r>
+              <a:rPr lang="en-US" altLang="ko-KR" sz="1600" dirty="0" smtClean="0"/>
+              <a:t>- </a:t>
+            </a:r>
+            <a:r>
+              <a:rPr lang="en-US" altLang="ko-KR" sz="1600" dirty="0" smtClean="0"/>
+              <a:t>portfolio</a:t>
+            </a:r>
+            <a:r>
+              <a:rPr lang="en-US" altLang="ko-KR" sz="1600" dirty="0" smtClean="0"/>
+              <a:t>-IA.xlsx</a:t>
+            </a:r>
+            <a:endParaRPr lang="ko-KR" altLang="en-US" sz="1600" dirty="0"/>
+          </a:p>
+        </p:txBody>
+      </p:sp>
+      <p:pic>
+        <p:nvPicPr>
+          <p:cNvPr id="2" name="그림 1"/>
+          <p:cNvPicPr>
+            <a:picLocks noChangeAspect="1"/>
+          </p:cNvPicPr>
+          <p:nvPr/>
+        </p:nvPicPr>
+        <p:blipFill>
+          <a:blip r:embed="rId2">
+            <a:extLst>
+              <a:ext uri="{28A0092B-C50C-407E-A947-70E740481C1C}">
+                <a14:useLocalDpi xmlns:a14="http://schemas.microsoft.com/office/drawing/2010/main" val="0"/>
+              </a:ext>
+            </a:extLst>
+          </a:blip>
+          <a:stretch>
+            <a:fillRect/>
+          </a:stretch>
+        </p:blipFill>
+        <p:spPr>
+          <a:xfrm>
+            <a:off x="330199" y="1992496"/>
+            <a:ext cx="11563855" cy="3607457"/>
+          </a:xfrm>
+          <a:prstGeom prst="rect">
+            <a:avLst/>
+          </a:prstGeom>
+        </p:spPr>
+      </p:pic>
+    </p:spTree>
+    <p:extLst>
+      <p:ext uri="{BB962C8B-B14F-4D97-AF65-F5344CB8AC3E}">
+        <p14:creationId xmlns:p14="http://schemas.microsoft.com/office/powerpoint/2010/main" val="1900186757"/>
+      </p:ext>
+    </p:extLst>
+  </p:cSld>
+  <p:clrMapOvr>
+    <a:masterClrMapping/>
+  </p:clrMapOvr>
+  <mc:AlternateContent xmlns:mc="http://schemas.openxmlformats.org/markup-compatibility/2006">
+    <mc:Choice xmlns:p14="http://schemas.microsoft.com/office/powerpoint/2010/main" Requires="p14">
+      <p:transition spd="med" p14:dur="700">
+        <p:fade/>
+      </p:transition>
+    </mc:Choice>
+    <mc:Fallback>
+      <p:transition spd="med">
+        <p:fade/>
+      </p:transition>
+    </mc:Fallback>
+  </mc:AlternateContent>
+  <p:timing>
+    <p:tnLst>
+      <p:par>
+        <p:cTn id="1" dur="indefinite" restart="never" nodeType="tmRoot"/>
+      </p:par>
+    </p:tnLst>
+  </p:timing>
+</p:sld>
+</file>
+
+<file path=ppt/slides/slide8.xml><?xml version="1.0" encoding="utf-8"?>
+<p:sld xmlns:a="http://schemas.openxmlformats.org/drawingml/2006/main" xmlns:r="http://schemas.openxmlformats.org/officeDocument/2006/relationships" xmlns:p="http://schemas.openxmlformats.org/presentationml/2006/main">
+  <p:cSld>
+    <p:spTree>
+      <p:nvGrpSpPr>
+        <p:cNvPr id="1" name=""/>
+        <p:cNvGrpSpPr/>
+        <p:nvPr/>
+      </p:nvGrpSpPr>
+      <p:grpSpPr>
+        <a:xfrm>
+          <a:off x="0" y="0"/>
+          <a:ext cx="0" cy="0"/>
+          <a:chOff x="0" y="0"/>
+          <a:chExt cx="0" cy="0"/>
+        </a:xfrm>
+      </p:grpSpPr>
+      <p:pic>
+        <p:nvPicPr>
+          <p:cNvPr id="3" name="그림 2">
+            <a:extLst>
+              <a:ext uri="{FF2B5EF4-FFF2-40B4-BE49-F238E27FC236}">
+                <a16:creationId xmlns="" xmlns:a16="http://schemas.microsoft.com/office/drawing/2014/main" id="{52A71C6D-3FC9-4ACB-8F32-BB5BB9CA6520}"/>
+              </a:ext>
+            </a:extLst>
+          </p:cNvPr>
+          <p:cNvPicPr>
+            <a:picLocks noChangeAspect="1"/>
+          </p:cNvPicPr>
+          <p:nvPr/>
+        </p:nvPicPr>
+        <p:blipFill rotWithShape="1">
+          <a:blip r:embed="rId2" cstate="screen">
+            <a:extLst>
+              <a:ext uri="{28A0092B-C50C-407E-A947-70E740481C1C}">
+                <a14:useLocalDpi xmlns:a14="http://schemas.microsoft.com/office/drawing/2010/main" val="0"/>
+              </a:ext>
+            </a:extLst>
+          </a:blip>
+          <a:srcRect/>
+          <a:stretch/>
+        </p:blipFill>
+        <p:spPr>
+          <a:xfrm>
+            <a:off x="0" y="0"/>
+            <a:ext cx="12192000" cy="6858000"/>
+          </a:xfrm>
+          <a:prstGeom prst="rect">
+            <a:avLst/>
+          </a:prstGeom>
+        </p:spPr>
+      </p:pic>
+      <p:sp>
+        <p:nvSpPr>
+          <p:cNvPr id="7" name="TextBox 6">
+            <a:extLst>
+              <a:ext uri="{FF2B5EF4-FFF2-40B4-BE49-F238E27FC236}">
+                <a16:creationId xmlns="" xmlns:a16="http://schemas.microsoft.com/office/drawing/2014/main" id="{B5A420B0-4447-4446-832A-B193CF79F776}"/>
+              </a:ext>
+            </a:extLst>
+          </p:cNvPr>
+          <p:cNvSpPr txBox="1"/>
+          <p:nvPr/>
+        </p:nvSpPr>
+        <p:spPr>
+          <a:xfrm>
+            <a:off x="3265741" y="3262771"/>
+            <a:ext cx="5660524" cy="646331"/>
+          </a:xfrm>
+          <a:prstGeom prst="rect">
+            <a:avLst/>
+          </a:prstGeom>
+          <a:noFill/>
+        </p:spPr>
+        <p:txBody>
+          <a:bodyPr wrap="none" rtlCol="0">
+            <a:spAutoFit/>
+          </a:bodyPr>
+          <a:lstStyle/>
+          <a:p>
+            <a:pPr algn="ctr"/>
+            <a:r>
+              <a:rPr lang="en-US" altLang="ko-KR" sz="3600" spc="-300" dirty="0" err="1" smtClean="0">
+                <a:solidFill>
+                  <a:schemeClr val="accent6"/>
+                </a:solidFill>
+              </a:rPr>
+              <a:t>Agratos</a:t>
+            </a:r>
+            <a:r>
+              <a:rPr lang="en-US" altLang="ko-KR" sz="3600" spc="-300" dirty="0" smtClean="0">
+                <a:solidFill>
+                  <a:schemeClr val="accent6"/>
+                </a:solidFill>
+              </a:rPr>
+              <a:t> Portfolio </a:t>
+            </a:r>
+            <a:r>
+              <a:rPr lang="ko-KR" altLang="en-US" sz="3600" spc="-300" dirty="0" smtClean="0">
+                <a:solidFill>
+                  <a:schemeClr val="accent6"/>
+                </a:solidFill>
+              </a:rPr>
+              <a:t>와이어 프레임</a:t>
+            </a:r>
+            <a:endParaRPr lang="en-US" altLang="ko-KR" sz="3600" spc="-300" dirty="0" smtClean="0">
+              <a:solidFill>
+                <a:schemeClr val="accent6"/>
+              </a:solidFill>
+            </a:endParaRPr>
+          </a:p>
+        </p:txBody>
+      </p:sp>
+      <p:sp>
+        <p:nvSpPr>
+          <p:cNvPr id="8" name="TextBox 7">
+            <a:extLst>
+              <a:ext uri="{FF2B5EF4-FFF2-40B4-BE49-F238E27FC236}">
+                <a16:creationId xmlns="" xmlns:a16="http://schemas.microsoft.com/office/drawing/2014/main" id="{6DCFF045-76E5-4311-BF73-F6435BA26739}"/>
+              </a:ext>
+            </a:extLst>
+          </p:cNvPr>
+          <p:cNvSpPr txBox="1"/>
+          <p:nvPr/>
+        </p:nvSpPr>
+        <p:spPr>
+          <a:xfrm>
+            <a:off x="5300641" y="2680659"/>
+            <a:ext cx="1739580" cy="584775"/>
+          </a:xfrm>
+          <a:prstGeom prst="rect">
+            <a:avLst/>
+          </a:prstGeom>
+          <a:noFill/>
+        </p:spPr>
+        <p:txBody>
+          <a:bodyPr wrap="none" rtlCol="0">
+            <a:spAutoFit/>
+          </a:bodyPr>
+          <a:lstStyle/>
+          <a:p>
+            <a:pPr algn="ctr"/>
+            <a:r>
+              <a:rPr lang="en-US" altLang="ko-KR" sz="3200" spc="600" dirty="0">
+                <a:solidFill>
+                  <a:schemeClr val="accent6"/>
+                </a:solidFill>
+              </a:rPr>
+              <a:t>Part </a:t>
+            </a:r>
+            <a:r>
+              <a:rPr lang="en-US" altLang="ko-KR" sz="3200" spc="600" dirty="0" smtClean="0">
+                <a:solidFill>
+                  <a:schemeClr val="accent6"/>
+                </a:solidFill>
+              </a:rPr>
+              <a:t>3</a:t>
+            </a:r>
+            <a:endParaRPr lang="ko-KR" altLang="en-US" sz="3200" spc="600" dirty="0">
+              <a:solidFill>
+                <a:schemeClr val="accent6"/>
+              </a:solidFill>
+            </a:endParaRPr>
+          </a:p>
+        </p:txBody>
+      </p:sp>
+      <p:cxnSp>
+        <p:nvCxnSpPr>
+          <p:cNvPr id="14" name="직선 연결선 13">
+            <a:extLst>
+              <a:ext uri="{FF2B5EF4-FFF2-40B4-BE49-F238E27FC236}">
+                <a16:creationId xmlns="" xmlns:a16="http://schemas.microsoft.com/office/drawing/2014/main" id="{F3F63FED-FAEC-4CDD-A60B-AFCB761E3740}"/>
+              </a:ext>
+            </a:extLst>
+          </p:cNvPr>
+          <p:cNvCxnSpPr>
+            <a:cxnSpLocks/>
+          </p:cNvCxnSpPr>
+          <p:nvPr/>
+        </p:nvCxnSpPr>
+        <p:spPr>
+          <a:xfrm>
+            <a:off x="287668" y="198470"/>
+            <a:ext cx="11861800" cy="0"/>
+          </a:xfrm>
+          <a:prstGeom prst="line">
+            <a:avLst/>
+          </a:prstGeom>
+          <a:ln>
+            <a:solidFill>
+              <a:schemeClr val="accent6"/>
+            </a:solidFill>
+          </a:ln>
+        </p:spPr>
+        <p:style>
+          <a:lnRef idx="1">
+            <a:schemeClr val="accent1"/>
+          </a:lnRef>
+          <a:fillRef idx="0">
+            <a:schemeClr val="accent1"/>
+          </a:fillRef>
+          <a:effectRef idx="0">
+            <a:schemeClr val="accent1"/>
+          </a:effectRef>
+          <a:fontRef idx="minor">
+            <a:schemeClr val="tx1"/>
+          </a:fontRef>
+        </p:style>
+      </p:cxnSp>
+      <p:cxnSp>
+        <p:nvCxnSpPr>
+          <p:cNvPr id="16" name="직선 연결선 15">
+            <a:extLst>
+              <a:ext uri="{FF2B5EF4-FFF2-40B4-BE49-F238E27FC236}">
+                <a16:creationId xmlns="" xmlns:a16="http://schemas.microsoft.com/office/drawing/2014/main" id="{7CAD2DD1-51A5-40EF-A967-25936E2EF244}"/>
+              </a:ext>
+            </a:extLst>
+          </p:cNvPr>
+          <p:cNvCxnSpPr>
+            <a:cxnSpLocks/>
+          </p:cNvCxnSpPr>
+          <p:nvPr/>
+        </p:nvCxnSpPr>
+        <p:spPr>
+          <a:xfrm>
+            <a:off x="255769" y="198470"/>
+            <a:ext cx="609600" cy="0"/>
+          </a:xfrm>
+          <a:prstGeom prst="line">
+            <a:avLst/>
+          </a:prstGeom>
+          <a:ln w="57150">
+            <a:solidFill>
+              <a:schemeClr val="accent6"/>
+            </a:solidFill>
+          </a:ln>
+        </p:spPr>
+        <p:style>
+          <a:lnRef idx="1">
+            <a:schemeClr val="accent1"/>
+          </a:lnRef>
+          <a:fillRef idx="0">
+            <a:schemeClr val="accent1"/>
+          </a:fillRef>
+          <a:effectRef idx="0">
+            <a:schemeClr val="accent1"/>
+          </a:effectRef>
+          <a:fontRef idx="minor">
+            <a:schemeClr val="tx1"/>
+          </a:fontRef>
+        </p:style>
+      </p:cxnSp>
+      <p:cxnSp>
+        <p:nvCxnSpPr>
+          <p:cNvPr id="19" name="직선 연결선 18">
+            <a:extLst>
+              <a:ext uri="{FF2B5EF4-FFF2-40B4-BE49-F238E27FC236}">
+                <a16:creationId xmlns="" xmlns:a16="http://schemas.microsoft.com/office/drawing/2014/main" id="{01EA1DCA-6C9B-4AC6-8E45-734183B280F6}"/>
+              </a:ext>
+            </a:extLst>
+          </p:cNvPr>
+          <p:cNvCxnSpPr>
+            <a:cxnSpLocks/>
+          </p:cNvCxnSpPr>
+          <p:nvPr/>
+        </p:nvCxnSpPr>
+        <p:spPr>
+          <a:xfrm>
+            <a:off x="1014228" y="6666614"/>
+            <a:ext cx="11861800" cy="0"/>
+          </a:xfrm>
+          <a:prstGeom prst="line">
+            <a:avLst/>
+          </a:prstGeom>
+          <a:ln>
+            <a:solidFill>
+              <a:schemeClr val="accent6"/>
+            </a:solidFill>
+          </a:ln>
+        </p:spPr>
+        <p:style>
+          <a:lnRef idx="1">
+            <a:schemeClr val="accent1"/>
+          </a:lnRef>
+          <a:fillRef idx="0">
+            <a:schemeClr val="accent1"/>
+          </a:fillRef>
+          <a:effectRef idx="0">
+            <a:schemeClr val="accent1"/>
+          </a:effectRef>
+          <a:fontRef idx="minor">
+            <a:schemeClr val="tx1"/>
+          </a:fontRef>
+        </p:style>
+      </p:cxnSp>
+    </p:spTree>
+    <p:extLst>
+      <p:ext uri="{BB962C8B-B14F-4D97-AF65-F5344CB8AC3E}">
+        <p14:creationId xmlns:p14="http://schemas.microsoft.com/office/powerpoint/2010/main" val="4178404930"/>
       </p:ext>
     </p:extLst>
   </p:cSld>

--- a/document/Portfolio-기획서.pptx
+++ b/document/Portfolio-기획서.pptx
@@ -13,6 +13,14 @@
     <p:sldId id="299" r:id="rId7"/>
     <p:sldId id="300" r:id="rId8"/>
     <p:sldId id="301" r:id="rId9"/>
+    <p:sldId id="302" r:id="rId10"/>
+    <p:sldId id="305" r:id="rId11"/>
+    <p:sldId id="311" r:id="rId12"/>
+    <p:sldId id="307" r:id="rId13"/>
+    <p:sldId id="312" r:id="rId14"/>
+    <p:sldId id="310" r:id="rId15"/>
+    <p:sldId id="304" r:id="rId16"/>
+    <p:sldId id="303" r:id="rId17"/>
   </p:sldIdLst>
   <p:sldSz cx="12192000" cy="6858000"/>
   <p:notesSz cx="6858000" cy="9144000"/>
@@ -152,7 +160,7 @@
           <p:cNvPr id="2" name="제목 1">
             <a:extLst>
               <a:ext uri="{FF2B5EF4-FFF2-40B4-BE49-F238E27FC236}">
-                <a16:creationId xmlns="" xmlns:a16="http://schemas.microsoft.com/office/drawing/2014/main" id="{E0B428E5-4487-4DFD-8F28-9D964CD37D40}"/>
+                <a16:creationId xmlns:a16="http://schemas.microsoft.com/office/drawing/2014/main" xmlns="" id="{E0B428E5-4487-4DFD-8F28-9D964CD37D40}"/>
               </a:ext>
             </a:extLst>
           </p:cNvPr>
@@ -189,7 +197,7 @@
           <p:cNvPr id="3" name="부제목 2">
             <a:extLst>
               <a:ext uri="{FF2B5EF4-FFF2-40B4-BE49-F238E27FC236}">
-                <a16:creationId xmlns="" xmlns:a16="http://schemas.microsoft.com/office/drawing/2014/main" id="{084DD16E-187C-4E7E-ABBE-F6BAC9F37A10}"/>
+                <a16:creationId xmlns:a16="http://schemas.microsoft.com/office/drawing/2014/main" xmlns="" id="{084DD16E-187C-4E7E-ABBE-F6BAC9F37A10}"/>
               </a:ext>
             </a:extLst>
           </p:cNvPr>
@@ -259,7 +267,7 @@
           <p:cNvPr id="4" name="날짜 개체 틀 3">
             <a:extLst>
               <a:ext uri="{FF2B5EF4-FFF2-40B4-BE49-F238E27FC236}">
-                <a16:creationId xmlns="" xmlns:a16="http://schemas.microsoft.com/office/drawing/2014/main" id="{A88A4909-5F9B-4C27-B710-67153ABAF4C6}"/>
+                <a16:creationId xmlns:a16="http://schemas.microsoft.com/office/drawing/2014/main" xmlns="" id="{A88A4909-5F9B-4C27-B710-67153ABAF4C6}"/>
               </a:ext>
             </a:extLst>
           </p:cNvPr>
@@ -288,7 +296,7 @@
           <p:cNvPr id="5" name="바닥글 개체 틀 4">
             <a:extLst>
               <a:ext uri="{FF2B5EF4-FFF2-40B4-BE49-F238E27FC236}">
-                <a16:creationId xmlns="" xmlns:a16="http://schemas.microsoft.com/office/drawing/2014/main" id="{ECFC0D00-E907-440E-A201-CB22D51C4536}"/>
+                <a16:creationId xmlns:a16="http://schemas.microsoft.com/office/drawing/2014/main" xmlns="" id="{ECFC0D00-E907-440E-A201-CB22D51C4536}"/>
               </a:ext>
             </a:extLst>
           </p:cNvPr>
@@ -313,7 +321,7 @@
           <p:cNvPr id="6" name="슬라이드 번호 개체 틀 5">
             <a:extLst>
               <a:ext uri="{FF2B5EF4-FFF2-40B4-BE49-F238E27FC236}">
-                <a16:creationId xmlns="" xmlns:a16="http://schemas.microsoft.com/office/drawing/2014/main" id="{D04CD4DB-7CDF-4DC5-A588-36FF3B79E4FE}"/>
+                <a16:creationId xmlns:a16="http://schemas.microsoft.com/office/drawing/2014/main" xmlns="" id="{D04CD4DB-7CDF-4DC5-A588-36FF3B79E4FE}"/>
               </a:ext>
             </a:extLst>
           </p:cNvPr>
@@ -372,7 +380,7 @@
           <p:cNvPr id="2" name="제목 1">
             <a:extLst>
               <a:ext uri="{FF2B5EF4-FFF2-40B4-BE49-F238E27FC236}">
-                <a16:creationId xmlns="" xmlns:a16="http://schemas.microsoft.com/office/drawing/2014/main" id="{52966B7B-1EDC-4343-9BA3-A7E1981C8ACE}"/>
+                <a16:creationId xmlns:a16="http://schemas.microsoft.com/office/drawing/2014/main" xmlns="" id="{52966B7B-1EDC-4343-9BA3-A7E1981C8ACE}"/>
               </a:ext>
             </a:extLst>
           </p:cNvPr>
@@ -409,7 +417,7 @@
           <p:cNvPr id="3" name="그림 개체 틀 2">
             <a:extLst>
               <a:ext uri="{FF2B5EF4-FFF2-40B4-BE49-F238E27FC236}">
-                <a16:creationId xmlns="" xmlns:a16="http://schemas.microsoft.com/office/drawing/2014/main" id="{195A37DD-A068-47F0-B5E9-276C85D0A72E}"/>
+                <a16:creationId xmlns:a16="http://schemas.microsoft.com/office/drawing/2014/main" xmlns="" id="{195A37DD-A068-47F0-B5E9-276C85D0A72E}"/>
               </a:ext>
             </a:extLst>
           </p:cNvPr>
@@ -476,7 +484,7 @@
           <p:cNvPr id="4" name="텍스트 개체 틀 3">
             <a:extLst>
               <a:ext uri="{FF2B5EF4-FFF2-40B4-BE49-F238E27FC236}">
-                <a16:creationId xmlns="" xmlns:a16="http://schemas.microsoft.com/office/drawing/2014/main" id="{F0B77AA3-0D93-4AAE-923B-6CB8DC910589}"/>
+                <a16:creationId xmlns:a16="http://schemas.microsoft.com/office/drawing/2014/main" xmlns="" id="{F0B77AA3-0D93-4AAE-923B-6CB8DC910589}"/>
               </a:ext>
             </a:extLst>
           </p:cNvPr>
@@ -547,7 +555,7 @@
           <p:cNvPr id="5" name="날짜 개체 틀 4">
             <a:extLst>
               <a:ext uri="{FF2B5EF4-FFF2-40B4-BE49-F238E27FC236}">
-                <a16:creationId xmlns="" xmlns:a16="http://schemas.microsoft.com/office/drawing/2014/main" id="{8B4F825F-B1F5-43F1-867C-C0771F648DB1}"/>
+                <a16:creationId xmlns:a16="http://schemas.microsoft.com/office/drawing/2014/main" xmlns="" id="{8B4F825F-B1F5-43F1-867C-C0771F648DB1}"/>
               </a:ext>
             </a:extLst>
           </p:cNvPr>
@@ -576,7 +584,7 @@
           <p:cNvPr id="6" name="바닥글 개체 틀 5">
             <a:extLst>
               <a:ext uri="{FF2B5EF4-FFF2-40B4-BE49-F238E27FC236}">
-                <a16:creationId xmlns="" xmlns:a16="http://schemas.microsoft.com/office/drawing/2014/main" id="{A1DF479B-B03B-4053-AC71-D2F3CCE3EB67}"/>
+                <a16:creationId xmlns:a16="http://schemas.microsoft.com/office/drawing/2014/main" xmlns="" id="{A1DF479B-B03B-4053-AC71-D2F3CCE3EB67}"/>
               </a:ext>
             </a:extLst>
           </p:cNvPr>
@@ -601,7 +609,7 @@
           <p:cNvPr id="7" name="슬라이드 번호 개체 틀 6">
             <a:extLst>
               <a:ext uri="{FF2B5EF4-FFF2-40B4-BE49-F238E27FC236}">
-                <a16:creationId xmlns="" xmlns:a16="http://schemas.microsoft.com/office/drawing/2014/main" id="{8E3258AE-092A-4CB5-839C-AEFEF5417DA3}"/>
+                <a16:creationId xmlns:a16="http://schemas.microsoft.com/office/drawing/2014/main" xmlns="" id="{8E3258AE-092A-4CB5-839C-AEFEF5417DA3}"/>
               </a:ext>
             </a:extLst>
           </p:cNvPr>
@@ -660,7 +668,7 @@
           <p:cNvPr id="2" name="제목 1">
             <a:extLst>
               <a:ext uri="{FF2B5EF4-FFF2-40B4-BE49-F238E27FC236}">
-                <a16:creationId xmlns="" xmlns:a16="http://schemas.microsoft.com/office/drawing/2014/main" id="{D32D5B9B-7087-4278-8D9F-742BE7B1F0BF}"/>
+                <a16:creationId xmlns:a16="http://schemas.microsoft.com/office/drawing/2014/main" xmlns="" id="{D32D5B9B-7087-4278-8D9F-742BE7B1F0BF}"/>
               </a:ext>
             </a:extLst>
           </p:cNvPr>
@@ -688,7 +696,7 @@
           <p:cNvPr id="3" name="세로 텍스트 개체 틀 2">
             <a:extLst>
               <a:ext uri="{FF2B5EF4-FFF2-40B4-BE49-F238E27FC236}">
-                <a16:creationId xmlns="" xmlns:a16="http://schemas.microsoft.com/office/drawing/2014/main" id="{33D46886-A0A8-4BC6-BC27-C23665A8603B}"/>
+                <a16:creationId xmlns:a16="http://schemas.microsoft.com/office/drawing/2014/main" xmlns="" id="{33D46886-A0A8-4BC6-BC27-C23665A8603B}"/>
               </a:ext>
             </a:extLst>
           </p:cNvPr>
@@ -745,7 +753,7 @@
           <p:cNvPr id="4" name="날짜 개체 틀 3">
             <a:extLst>
               <a:ext uri="{FF2B5EF4-FFF2-40B4-BE49-F238E27FC236}">
-                <a16:creationId xmlns="" xmlns:a16="http://schemas.microsoft.com/office/drawing/2014/main" id="{15FFBE18-7E7B-464D-AD6B-7728D293626E}"/>
+                <a16:creationId xmlns:a16="http://schemas.microsoft.com/office/drawing/2014/main" xmlns="" id="{15FFBE18-7E7B-464D-AD6B-7728D293626E}"/>
               </a:ext>
             </a:extLst>
           </p:cNvPr>
@@ -774,7 +782,7 @@
           <p:cNvPr id="5" name="바닥글 개체 틀 4">
             <a:extLst>
               <a:ext uri="{FF2B5EF4-FFF2-40B4-BE49-F238E27FC236}">
-                <a16:creationId xmlns="" xmlns:a16="http://schemas.microsoft.com/office/drawing/2014/main" id="{39FB71CC-82EF-4AF7-B753-454DFD33D956}"/>
+                <a16:creationId xmlns:a16="http://schemas.microsoft.com/office/drawing/2014/main" xmlns="" id="{39FB71CC-82EF-4AF7-B753-454DFD33D956}"/>
               </a:ext>
             </a:extLst>
           </p:cNvPr>
@@ -799,7 +807,7 @@
           <p:cNvPr id="6" name="슬라이드 번호 개체 틀 5">
             <a:extLst>
               <a:ext uri="{FF2B5EF4-FFF2-40B4-BE49-F238E27FC236}">
-                <a16:creationId xmlns="" xmlns:a16="http://schemas.microsoft.com/office/drawing/2014/main" id="{6061512D-1F1E-4E61-8590-1679657EADDF}"/>
+                <a16:creationId xmlns:a16="http://schemas.microsoft.com/office/drawing/2014/main" xmlns="" id="{6061512D-1F1E-4E61-8590-1679657EADDF}"/>
               </a:ext>
             </a:extLst>
           </p:cNvPr>
@@ -858,7 +866,7 @@
           <p:cNvPr id="2" name="세로 제목 1">
             <a:extLst>
               <a:ext uri="{FF2B5EF4-FFF2-40B4-BE49-F238E27FC236}">
-                <a16:creationId xmlns="" xmlns:a16="http://schemas.microsoft.com/office/drawing/2014/main" id="{13D78E37-5232-46D5-834E-28C0916B63C3}"/>
+                <a16:creationId xmlns:a16="http://schemas.microsoft.com/office/drawing/2014/main" xmlns="" id="{13D78E37-5232-46D5-834E-28C0916B63C3}"/>
               </a:ext>
             </a:extLst>
           </p:cNvPr>
@@ -891,7 +899,7 @@
           <p:cNvPr id="3" name="세로 텍스트 개체 틀 2">
             <a:extLst>
               <a:ext uri="{FF2B5EF4-FFF2-40B4-BE49-F238E27FC236}">
-                <a16:creationId xmlns="" xmlns:a16="http://schemas.microsoft.com/office/drawing/2014/main" id="{A0468B19-65B1-488C-AE29-F57BCDB927D5}"/>
+                <a16:creationId xmlns:a16="http://schemas.microsoft.com/office/drawing/2014/main" xmlns="" id="{A0468B19-65B1-488C-AE29-F57BCDB927D5}"/>
               </a:ext>
             </a:extLst>
           </p:cNvPr>
@@ -953,7 +961,7 @@
           <p:cNvPr id="4" name="날짜 개체 틀 3">
             <a:extLst>
               <a:ext uri="{FF2B5EF4-FFF2-40B4-BE49-F238E27FC236}">
-                <a16:creationId xmlns="" xmlns:a16="http://schemas.microsoft.com/office/drawing/2014/main" id="{DF0112E3-2C15-484C-AA1B-F968958EA164}"/>
+                <a16:creationId xmlns:a16="http://schemas.microsoft.com/office/drawing/2014/main" xmlns="" id="{DF0112E3-2C15-484C-AA1B-F968958EA164}"/>
               </a:ext>
             </a:extLst>
           </p:cNvPr>
@@ -982,7 +990,7 @@
           <p:cNvPr id="5" name="바닥글 개체 틀 4">
             <a:extLst>
               <a:ext uri="{FF2B5EF4-FFF2-40B4-BE49-F238E27FC236}">
-                <a16:creationId xmlns="" xmlns:a16="http://schemas.microsoft.com/office/drawing/2014/main" id="{0F28E4BE-748D-4FB8-BC6B-A661EC4E89AD}"/>
+                <a16:creationId xmlns:a16="http://schemas.microsoft.com/office/drawing/2014/main" xmlns="" id="{0F28E4BE-748D-4FB8-BC6B-A661EC4E89AD}"/>
               </a:ext>
             </a:extLst>
           </p:cNvPr>
@@ -1007,7 +1015,7 @@
           <p:cNvPr id="6" name="슬라이드 번호 개체 틀 5">
             <a:extLst>
               <a:ext uri="{FF2B5EF4-FFF2-40B4-BE49-F238E27FC236}">
-                <a16:creationId xmlns="" xmlns:a16="http://schemas.microsoft.com/office/drawing/2014/main" id="{24E3EE48-1179-4BE7-B1F5-AAA66B518432}"/>
+                <a16:creationId xmlns:a16="http://schemas.microsoft.com/office/drawing/2014/main" xmlns="" id="{24E3EE48-1179-4BE7-B1F5-AAA66B518432}"/>
               </a:ext>
             </a:extLst>
           </p:cNvPr>
@@ -1066,7 +1074,7 @@
           <p:cNvPr id="2" name="제목 1">
             <a:extLst>
               <a:ext uri="{FF2B5EF4-FFF2-40B4-BE49-F238E27FC236}">
-                <a16:creationId xmlns="" xmlns:a16="http://schemas.microsoft.com/office/drawing/2014/main" id="{3CC0765E-FEE5-4F3E-B758-957F9D1DD3F1}"/>
+                <a16:creationId xmlns:a16="http://schemas.microsoft.com/office/drawing/2014/main" xmlns="" id="{3CC0765E-FEE5-4F3E-B758-957F9D1DD3F1}"/>
               </a:ext>
             </a:extLst>
           </p:cNvPr>
@@ -1094,7 +1102,7 @@
           <p:cNvPr id="3" name="내용 개체 틀 2">
             <a:extLst>
               <a:ext uri="{FF2B5EF4-FFF2-40B4-BE49-F238E27FC236}">
-                <a16:creationId xmlns="" xmlns:a16="http://schemas.microsoft.com/office/drawing/2014/main" id="{0B8203BB-146D-4B44-AA2A-D336C0BFBEB5}"/>
+                <a16:creationId xmlns:a16="http://schemas.microsoft.com/office/drawing/2014/main" xmlns="" id="{0B8203BB-146D-4B44-AA2A-D336C0BFBEB5}"/>
               </a:ext>
             </a:extLst>
           </p:cNvPr>
@@ -1151,7 +1159,7 @@
           <p:cNvPr id="4" name="날짜 개체 틀 3">
             <a:extLst>
               <a:ext uri="{FF2B5EF4-FFF2-40B4-BE49-F238E27FC236}">
-                <a16:creationId xmlns="" xmlns:a16="http://schemas.microsoft.com/office/drawing/2014/main" id="{4FEA8557-8690-42D1-8E15-36046512D9FF}"/>
+                <a16:creationId xmlns:a16="http://schemas.microsoft.com/office/drawing/2014/main" xmlns="" id="{4FEA8557-8690-42D1-8E15-36046512D9FF}"/>
               </a:ext>
             </a:extLst>
           </p:cNvPr>
@@ -1180,7 +1188,7 @@
           <p:cNvPr id="5" name="바닥글 개체 틀 4">
             <a:extLst>
               <a:ext uri="{FF2B5EF4-FFF2-40B4-BE49-F238E27FC236}">
-                <a16:creationId xmlns="" xmlns:a16="http://schemas.microsoft.com/office/drawing/2014/main" id="{6D162651-A169-457B-99EA-EA1182CF16C4}"/>
+                <a16:creationId xmlns:a16="http://schemas.microsoft.com/office/drawing/2014/main" xmlns="" id="{6D162651-A169-457B-99EA-EA1182CF16C4}"/>
               </a:ext>
             </a:extLst>
           </p:cNvPr>
@@ -1205,7 +1213,7 @@
           <p:cNvPr id="6" name="슬라이드 번호 개체 틀 5">
             <a:extLst>
               <a:ext uri="{FF2B5EF4-FFF2-40B4-BE49-F238E27FC236}">
-                <a16:creationId xmlns="" xmlns:a16="http://schemas.microsoft.com/office/drawing/2014/main" id="{7244B403-3C1C-4CE4-AA5F-DF4C2A7CBCC6}"/>
+                <a16:creationId xmlns:a16="http://schemas.microsoft.com/office/drawing/2014/main" xmlns="" id="{7244B403-3C1C-4CE4-AA5F-DF4C2A7CBCC6}"/>
               </a:ext>
             </a:extLst>
           </p:cNvPr>
@@ -1264,7 +1272,7 @@
           <p:cNvPr id="2" name="제목 1">
             <a:extLst>
               <a:ext uri="{FF2B5EF4-FFF2-40B4-BE49-F238E27FC236}">
-                <a16:creationId xmlns="" xmlns:a16="http://schemas.microsoft.com/office/drawing/2014/main" id="{830486F1-7E70-4862-B180-2F6D6C675A77}"/>
+                <a16:creationId xmlns:a16="http://schemas.microsoft.com/office/drawing/2014/main" xmlns="" id="{830486F1-7E70-4862-B180-2F6D6C675A77}"/>
               </a:ext>
             </a:extLst>
           </p:cNvPr>
@@ -1301,7 +1309,7 @@
           <p:cNvPr id="3" name="텍스트 개체 틀 2">
             <a:extLst>
               <a:ext uri="{FF2B5EF4-FFF2-40B4-BE49-F238E27FC236}">
-                <a16:creationId xmlns="" xmlns:a16="http://schemas.microsoft.com/office/drawing/2014/main" id="{36908656-EF8F-48E0-9146-072072465B59}"/>
+                <a16:creationId xmlns:a16="http://schemas.microsoft.com/office/drawing/2014/main" xmlns="" id="{36908656-EF8F-48E0-9146-072072465B59}"/>
               </a:ext>
             </a:extLst>
           </p:cNvPr>
@@ -1426,7 +1434,7 @@
           <p:cNvPr id="4" name="날짜 개체 틀 3">
             <a:extLst>
               <a:ext uri="{FF2B5EF4-FFF2-40B4-BE49-F238E27FC236}">
-                <a16:creationId xmlns="" xmlns:a16="http://schemas.microsoft.com/office/drawing/2014/main" id="{B16B4667-8BEE-4EC9-BA83-01E5A6FD48D8}"/>
+                <a16:creationId xmlns:a16="http://schemas.microsoft.com/office/drawing/2014/main" xmlns="" id="{B16B4667-8BEE-4EC9-BA83-01E5A6FD48D8}"/>
               </a:ext>
             </a:extLst>
           </p:cNvPr>
@@ -1455,7 +1463,7 @@
           <p:cNvPr id="5" name="바닥글 개체 틀 4">
             <a:extLst>
               <a:ext uri="{FF2B5EF4-FFF2-40B4-BE49-F238E27FC236}">
-                <a16:creationId xmlns="" xmlns:a16="http://schemas.microsoft.com/office/drawing/2014/main" id="{4F9D9826-20A3-4308-8A7E-4443ADE46121}"/>
+                <a16:creationId xmlns:a16="http://schemas.microsoft.com/office/drawing/2014/main" xmlns="" id="{4F9D9826-20A3-4308-8A7E-4443ADE46121}"/>
               </a:ext>
             </a:extLst>
           </p:cNvPr>
@@ -1480,7 +1488,7 @@
           <p:cNvPr id="6" name="슬라이드 번호 개체 틀 5">
             <a:extLst>
               <a:ext uri="{FF2B5EF4-FFF2-40B4-BE49-F238E27FC236}">
-                <a16:creationId xmlns="" xmlns:a16="http://schemas.microsoft.com/office/drawing/2014/main" id="{A7094DF9-3D1A-4060-B052-7334DBE8C6D3}"/>
+                <a16:creationId xmlns:a16="http://schemas.microsoft.com/office/drawing/2014/main" xmlns="" id="{A7094DF9-3D1A-4060-B052-7334DBE8C6D3}"/>
               </a:ext>
             </a:extLst>
           </p:cNvPr>
@@ -1539,7 +1547,7 @@
           <p:cNvPr id="2" name="제목 1">
             <a:extLst>
               <a:ext uri="{FF2B5EF4-FFF2-40B4-BE49-F238E27FC236}">
-                <a16:creationId xmlns="" xmlns:a16="http://schemas.microsoft.com/office/drawing/2014/main" id="{9F522D55-7DBF-4DF1-AA0F-67C643A6A0D6}"/>
+                <a16:creationId xmlns:a16="http://schemas.microsoft.com/office/drawing/2014/main" xmlns="" id="{9F522D55-7DBF-4DF1-AA0F-67C643A6A0D6}"/>
               </a:ext>
             </a:extLst>
           </p:cNvPr>
@@ -1567,7 +1575,7 @@
           <p:cNvPr id="3" name="내용 개체 틀 2">
             <a:extLst>
               <a:ext uri="{FF2B5EF4-FFF2-40B4-BE49-F238E27FC236}">
-                <a16:creationId xmlns="" xmlns:a16="http://schemas.microsoft.com/office/drawing/2014/main" id="{3B12F76A-C30B-4227-9FF3-E27F34C3E101}"/>
+                <a16:creationId xmlns:a16="http://schemas.microsoft.com/office/drawing/2014/main" xmlns="" id="{3B12F76A-C30B-4227-9FF3-E27F34C3E101}"/>
               </a:ext>
             </a:extLst>
           </p:cNvPr>
@@ -1629,7 +1637,7 @@
           <p:cNvPr id="4" name="내용 개체 틀 3">
             <a:extLst>
               <a:ext uri="{FF2B5EF4-FFF2-40B4-BE49-F238E27FC236}">
-                <a16:creationId xmlns="" xmlns:a16="http://schemas.microsoft.com/office/drawing/2014/main" id="{67C20396-A042-42DD-9F0A-41B357119CC9}"/>
+                <a16:creationId xmlns:a16="http://schemas.microsoft.com/office/drawing/2014/main" xmlns="" id="{67C20396-A042-42DD-9F0A-41B357119CC9}"/>
               </a:ext>
             </a:extLst>
           </p:cNvPr>
@@ -1691,7 +1699,7 @@
           <p:cNvPr id="5" name="날짜 개체 틀 4">
             <a:extLst>
               <a:ext uri="{FF2B5EF4-FFF2-40B4-BE49-F238E27FC236}">
-                <a16:creationId xmlns="" xmlns:a16="http://schemas.microsoft.com/office/drawing/2014/main" id="{AC3142A1-0A63-479E-9A20-AF9E0235C1C6}"/>
+                <a16:creationId xmlns:a16="http://schemas.microsoft.com/office/drawing/2014/main" xmlns="" id="{AC3142A1-0A63-479E-9A20-AF9E0235C1C6}"/>
               </a:ext>
             </a:extLst>
           </p:cNvPr>
@@ -1720,7 +1728,7 @@
           <p:cNvPr id="6" name="바닥글 개체 틀 5">
             <a:extLst>
               <a:ext uri="{FF2B5EF4-FFF2-40B4-BE49-F238E27FC236}">
-                <a16:creationId xmlns="" xmlns:a16="http://schemas.microsoft.com/office/drawing/2014/main" id="{ADA1015A-5E4C-48EF-B12F-BAC88CCB5713}"/>
+                <a16:creationId xmlns:a16="http://schemas.microsoft.com/office/drawing/2014/main" xmlns="" id="{ADA1015A-5E4C-48EF-B12F-BAC88CCB5713}"/>
               </a:ext>
             </a:extLst>
           </p:cNvPr>
@@ -1745,7 +1753,7 @@
           <p:cNvPr id="7" name="슬라이드 번호 개체 틀 6">
             <a:extLst>
               <a:ext uri="{FF2B5EF4-FFF2-40B4-BE49-F238E27FC236}">
-                <a16:creationId xmlns="" xmlns:a16="http://schemas.microsoft.com/office/drawing/2014/main" id="{46BA470E-15C8-4466-BB2E-CE85324BD3CF}"/>
+                <a16:creationId xmlns:a16="http://schemas.microsoft.com/office/drawing/2014/main" xmlns="" id="{46BA470E-15C8-4466-BB2E-CE85324BD3CF}"/>
               </a:ext>
             </a:extLst>
           </p:cNvPr>
@@ -1804,7 +1812,7 @@
           <p:cNvPr id="2" name="제목 1">
             <a:extLst>
               <a:ext uri="{FF2B5EF4-FFF2-40B4-BE49-F238E27FC236}">
-                <a16:creationId xmlns="" xmlns:a16="http://schemas.microsoft.com/office/drawing/2014/main" id="{E1AA09FD-4F6B-48E5-BE06-783FEA30E52D}"/>
+                <a16:creationId xmlns:a16="http://schemas.microsoft.com/office/drawing/2014/main" xmlns="" id="{E1AA09FD-4F6B-48E5-BE06-783FEA30E52D}"/>
               </a:ext>
             </a:extLst>
           </p:cNvPr>
@@ -1837,7 +1845,7 @@
           <p:cNvPr id="3" name="텍스트 개체 틀 2">
             <a:extLst>
               <a:ext uri="{FF2B5EF4-FFF2-40B4-BE49-F238E27FC236}">
-                <a16:creationId xmlns="" xmlns:a16="http://schemas.microsoft.com/office/drawing/2014/main" id="{DFAB8419-E738-4085-9DEA-BCA42D09E1E7}"/>
+                <a16:creationId xmlns:a16="http://schemas.microsoft.com/office/drawing/2014/main" xmlns="" id="{DFAB8419-E738-4085-9DEA-BCA42D09E1E7}"/>
               </a:ext>
             </a:extLst>
           </p:cNvPr>
@@ -1908,7 +1916,7 @@
           <p:cNvPr id="4" name="내용 개체 틀 3">
             <a:extLst>
               <a:ext uri="{FF2B5EF4-FFF2-40B4-BE49-F238E27FC236}">
-                <a16:creationId xmlns="" xmlns:a16="http://schemas.microsoft.com/office/drawing/2014/main" id="{0F587FC7-027E-491E-BED2-077EECD8E778}"/>
+                <a16:creationId xmlns:a16="http://schemas.microsoft.com/office/drawing/2014/main" xmlns="" id="{0F587FC7-027E-491E-BED2-077EECD8E778}"/>
               </a:ext>
             </a:extLst>
           </p:cNvPr>
@@ -1970,7 +1978,7 @@
           <p:cNvPr id="5" name="텍스트 개체 틀 4">
             <a:extLst>
               <a:ext uri="{FF2B5EF4-FFF2-40B4-BE49-F238E27FC236}">
-                <a16:creationId xmlns="" xmlns:a16="http://schemas.microsoft.com/office/drawing/2014/main" id="{52F5D329-9162-4215-8C89-91A50AF8A21E}"/>
+                <a16:creationId xmlns:a16="http://schemas.microsoft.com/office/drawing/2014/main" xmlns="" id="{52F5D329-9162-4215-8C89-91A50AF8A21E}"/>
               </a:ext>
             </a:extLst>
           </p:cNvPr>
@@ -2041,7 +2049,7 @@
           <p:cNvPr id="6" name="내용 개체 틀 5">
             <a:extLst>
               <a:ext uri="{FF2B5EF4-FFF2-40B4-BE49-F238E27FC236}">
-                <a16:creationId xmlns="" xmlns:a16="http://schemas.microsoft.com/office/drawing/2014/main" id="{E0CA0DCA-1843-474C-A22A-E55A19E91AD5}"/>
+                <a16:creationId xmlns:a16="http://schemas.microsoft.com/office/drawing/2014/main" xmlns="" id="{E0CA0DCA-1843-474C-A22A-E55A19E91AD5}"/>
               </a:ext>
             </a:extLst>
           </p:cNvPr>
@@ -2103,7 +2111,7 @@
           <p:cNvPr id="7" name="날짜 개체 틀 6">
             <a:extLst>
               <a:ext uri="{FF2B5EF4-FFF2-40B4-BE49-F238E27FC236}">
-                <a16:creationId xmlns="" xmlns:a16="http://schemas.microsoft.com/office/drawing/2014/main" id="{D80573AA-E75C-4AEF-B12E-B708309CD399}"/>
+                <a16:creationId xmlns:a16="http://schemas.microsoft.com/office/drawing/2014/main" xmlns="" id="{D80573AA-E75C-4AEF-B12E-B708309CD399}"/>
               </a:ext>
             </a:extLst>
           </p:cNvPr>
@@ -2132,7 +2140,7 @@
           <p:cNvPr id="8" name="바닥글 개체 틀 7">
             <a:extLst>
               <a:ext uri="{FF2B5EF4-FFF2-40B4-BE49-F238E27FC236}">
-                <a16:creationId xmlns="" xmlns:a16="http://schemas.microsoft.com/office/drawing/2014/main" id="{B403317B-845F-46B5-AEAD-5D1A351EDFB2}"/>
+                <a16:creationId xmlns:a16="http://schemas.microsoft.com/office/drawing/2014/main" xmlns="" id="{B403317B-845F-46B5-AEAD-5D1A351EDFB2}"/>
               </a:ext>
             </a:extLst>
           </p:cNvPr>
@@ -2157,7 +2165,7 @@
           <p:cNvPr id="9" name="슬라이드 번호 개체 틀 8">
             <a:extLst>
               <a:ext uri="{FF2B5EF4-FFF2-40B4-BE49-F238E27FC236}">
-                <a16:creationId xmlns="" xmlns:a16="http://schemas.microsoft.com/office/drawing/2014/main" id="{C00B0CCC-652B-4FAD-9905-871FB0B1302D}"/>
+                <a16:creationId xmlns:a16="http://schemas.microsoft.com/office/drawing/2014/main" xmlns="" id="{C00B0CCC-652B-4FAD-9905-871FB0B1302D}"/>
               </a:ext>
             </a:extLst>
           </p:cNvPr>
@@ -2216,7 +2224,7 @@
           <p:cNvPr id="2" name="제목 1">
             <a:extLst>
               <a:ext uri="{FF2B5EF4-FFF2-40B4-BE49-F238E27FC236}">
-                <a16:creationId xmlns="" xmlns:a16="http://schemas.microsoft.com/office/drawing/2014/main" id="{B3211D18-6A50-431A-910D-D067F0BD7AC5}"/>
+                <a16:creationId xmlns:a16="http://schemas.microsoft.com/office/drawing/2014/main" xmlns="" id="{B3211D18-6A50-431A-910D-D067F0BD7AC5}"/>
               </a:ext>
             </a:extLst>
           </p:cNvPr>
@@ -2244,7 +2252,7 @@
           <p:cNvPr id="3" name="날짜 개체 틀 2">
             <a:extLst>
               <a:ext uri="{FF2B5EF4-FFF2-40B4-BE49-F238E27FC236}">
-                <a16:creationId xmlns="" xmlns:a16="http://schemas.microsoft.com/office/drawing/2014/main" id="{0FD8662F-716A-4A1D-B2EA-998F00F97723}"/>
+                <a16:creationId xmlns:a16="http://schemas.microsoft.com/office/drawing/2014/main" xmlns="" id="{0FD8662F-716A-4A1D-B2EA-998F00F97723}"/>
               </a:ext>
             </a:extLst>
           </p:cNvPr>
@@ -2273,7 +2281,7 @@
           <p:cNvPr id="4" name="바닥글 개체 틀 3">
             <a:extLst>
               <a:ext uri="{FF2B5EF4-FFF2-40B4-BE49-F238E27FC236}">
-                <a16:creationId xmlns="" xmlns:a16="http://schemas.microsoft.com/office/drawing/2014/main" id="{41E16FA2-A4DB-4FA7-9701-60D7AF4260F2}"/>
+                <a16:creationId xmlns:a16="http://schemas.microsoft.com/office/drawing/2014/main" xmlns="" id="{41E16FA2-A4DB-4FA7-9701-60D7AF4260F2}"/>
               </a:ext>
             </a:extLst>
           </p:cNvPr>
@@ -2298,7 +2306,7 @@
           <p:cNvPr id="5" name="슬라이드 번호 개체 틀 4">
             <a:extLst>
               <a:ext uri="{FF2B5EF4-FFF2-40B4-BE49-F238E27FC236}">
-                <a16:creationId xmlns="" xmlns:a16="http://schemas.microsoft.com/office/drawing/2014/main" id="{4FB5A49D-3517-4E67-A938-EB73ECC0C59C}"/>
+                <a16:creationId xmlns:a16="http://schemas.microsoft.com/office/drawing/2014/main" xmlns="" id="{4FB5A49D-3517-4E67-A938-EB73ECC0C59C}"/>
               </a:ext>
             </a:extLst>
           </p:cNvPr>
@@ -2357,7 +2365,7 @@
           <p:cNvPr id="2" name="날짜 개체 틀 1">
             <a:extLst>
               <a:ext uri="{FF2B5EF4-FFF2-40B4-BE49-F238E27FC236}">
-                <a16:creationId xmlns="" xmlns:a16="http://schemas.microsoft.com/office/drawing/2014/main" id="{977F62E5-67D8-42BE-9DF1-88D6EFCA10B9}"/>
+                <a16:creationId xmlns:a16="http://schemas.microsoft.com/office/drawing/2014/main" xmlns="" id="{977F62E5-67D8-42BE-9DF1-88D6EFCA10B9}"/>
               </a:ext>
             </a:extLst>
           </p:cNvPr>
@@ -2386,7 +2394,7 @@
           <p:cNvPr id="3" name="바닥글 개체 틀 2">
             <a:extLst>
               <a:ext uri="{FF2B5EF4-FFF2-40B4-BE49-F238E27FC236}">
-                <a16:creationId xmlns="" xmlns:a16="http://schemas.microsoft.com/office/drawing/2014/main" id="{0D1683B0-EB4C-4A8A-96E4-0FF5D6FD7C6E}"/>
+                <a16:creationId xmlns:a16="http://schemas.microsoft.com/office/drawing/2014/main" xmlns="" id="{0D1683B0-EB4C-4A8A-96E4-0FF5D6FD7C6E}"/>
               </a:ext>
             </a:extLst>
           </p:cNvPr>
@@ -2411,7 +2419,7 @@
           <p:cNvPr id="4" name="슬라이드 번호 개체 틀 3">
             <a:extLst>
               <a:ext uri="{FF2B5EF4-FFF2-40B4-BE49-F238E27FC236}">
-                <a16:creationId xmlns="" xmlns:a16="http://schemas.microsoft.com/office/drawing/2014/main" id="{53859FCB-EB4F-4D28-900A-B3B9CC0A05FC}"/>
+                <a16:creationId xmlns:a16="http://schemas.microsoft.com/office/drawing/2014/main" xmlns="" id="{53859FCB-EB4F-4D28-900A-B3B9CC0A05FC}"/>
               </a:ext>
             </a:extLst>
           </p:cNvPr>
@@ -2470,7 +2478,7 @@
           <p:cNvPr id="5" name="TextBox 4">
             <a:extLst>
               <a:ext uri="{FF2B5EF4-FFF2-40B4-BE49-F238E27FC236}">
-                <a16:creationId xmlns="" xmlns:a16="http://schemas.microsoft.com/office/drawing/2014/main" id="{D02E3444-C2C2-4681-9513-DB0E82875E96}"/>
+                <a16:creationId xmlns:a16="http://schemas.microsoft.com/office/drawing/2014/main" xmlns="" id="{D02E3444-C2C2-4681-9513-DB0E82875E96}"/>
               </a:ext>
             </a:extLst>
           </p:cNvPr>
@@ -2559,7 +2567,7 @@
           <p:cNvPr id="2" name="날짜 개체 틀 1">
             <a:extLst>
               <a:ext uri="{FF2B5EF4-FFF2-40B4-BE49-F238E27FC236}">
-                <a16:creationId xmlns="" xmlns:a16="http://schemas.microsoft.com/office/drawing/2014/main" id="{977F62E5-67D8-42BE-9DF1-88D6EFCA10B9}"/>
+                <a16:creationId xmlns:a16="http://schemas.microsoft.com/office/drawing/2014/main" xmlns="" id="{977F62E5-67D8-42BE-9DF1-88D6EFCA10B9}"/>
               </a:ext>
             </a:extLst>
           </p:cNvPr>
@@ -2588,7 +2596,7 @@
           <p:cNvPr id="3" name="바닥글 개체 틀 2">
             <a:extLst>
               <a:ext uri="{FF2B5EF4-FFF2-40B4-BE49-F238E27FC236}">
-                <a16:creationId xmlns="" xmlns:a16="http://schemas.microsoft.com/office/drawing/2014/main" id="{0D1683B0-EB4C-4A8A-96E4-0FF5D6FD7C6E}"/>
+                <a16:creationId xmlns:a16="http://schemas.microsoft.com/office/drawing/2014/main" xmlns="" id="{0D1683B0-EB4C-4A8A-96E4-0FF5D6FD7C6E}"/>
               </a:ext>
             </a:extLst>
           </p:cNvPr>
@@ -2613,7 +2621,7 @@
           <p:cNvPr id="4" name="슬라이드 번호 개체 틀 3">
             <a:extLst>
               <a:ext uri="{FF2B5EF4-FFF2-40B4-BE49-F238E27FC236}">
-                <a16:creationId xmlns="" xmlns:a16="http://schemas.microsoft.com/office/drawing/2014/main" id="{53859FCB-EB4F-4D28-900A-B3B9CC0A05FC}"/>
+                <a16:creationId xmlns:a16="http://schemas.microsoft.com/office/drawing/2014/main" xmlns="" id="{53859FCB-EB4F-4D28-900A-B3B9CC0A05FC}"/>
               </a:ext>
             </a:extLst>
           </p:cNvPr>
@@ -2672,7 +2680,7 @@
           <p:cNvPr id="2" name="제목 1">
             <a:extLst>
               <a:ext uri="{FF2B5EF4-FFF2-40B4-BE49-F238E27FC236}">
-                <a16:creationId xmlns="" xmlns:a16="http://schemas.microsoft.com/office/drawing/2014/main" id="{59BD9945-F253-480F-B350-42D8872454C3}"/>
+                <a16:creationId xmlns:a16="http://schemas.microsoft.com/office/drawing/2014/main" xmlns="" id="{59BD9945-F253-480F-B350-42D8872454C3}"/>
               </a:ext>
             </a:extLst>
           </p:cNvPr>
@@ -2709,7 +2717,7 @@
           <p:cNvPr id="3" name="내용 개체 틀 2">
             <a:extLst>
               <a:ext uri="{FF2B5EF4-FFF2-40B4-BE49-F238E27FC236}">
-                <a16:creationId xmlns="" xmlns:a16="http://schemas.microsoft.com/office/drawing/2014/main" id="{3EAA3872-D885-4E5E-93E0-787173DD7A90}"/>
+                <a16:creationId xmlns:a16="http://schemas.microsoft.com/office/drawing/2014/main" xmlns="" id="{3EAA3872-D885-4E5E-93E0-787173DD7A90}"/>
               </a:ext>
             </a:extLst>
           </p:cNvPr>
@@ -2799,7 +2807,7 @@
           <p:cNvPr id="4" name="텍스트 개체 틀 3">
             <a:extLst>
               <a:ext uri="{FF2B5EF4-FFF2-40B4-BE49-F238E27FC236}">
-                <a16:creationId xmlns="" xmlns:a16="http://schemas.microsoft.com/office/drawing/2014/main" id="{51EA71B0-39FE-4979-8EEE-D65F5EED9F29}"/>
+                <a16:creationId xmlns:a16="http://schemas.microsoft.com/office/drawing/2014/main" xmlns="" id="{51EA71B0-39FE-4979-8EEE-D65F5EED9F29}"/>
               </a:ext>
             </a:extLst>
           </p:cNvPr>
@@ -2870,7 +2878,7 @@
           <p:cNvPr id="5" name="날짜 개체 틀 4">
             <a:extLst>
               <a:ext uri="{FF2B5EF4-FFF2-40B4-BE49-F238E27FC236}">
-                <a16:creationId xmlns="" xmlns:a16="http://schemas.microsoft.com/office/drawing/2014/main" id="{F1FD771C-80C4-4A89-9DDE-75DEF39A46DE}"/>
+                <a16:creationId xmlns:a16="http://schemas.microsoft.com/office/drawing/2014/main" xmlns="" id="{F1FD771C-80C4-4A89-9DDE-75DEF39A46DE}"/>
               </a:ext>
             </a:extLst>
           </p:cNvPr>
@@ -2899,7 +2907,7 @@
           <p:cNvPr id="6" name="바닥글 개체 틀 5">
             <a:extLst>
               <a:ext uri="{FF2B5EF4-FFF2-40B4-BE49-F238E27FC236}">
-                <a16:creationId xmlns="" xmlns:a16="http://schemas.microsoft.com/office/drawing/2014/main" id="{701BA1B2-C8F1-4247-A6DE-B7406BF0127C}"/>
+                <a16:creationId xmlns:a16="http://schemas.microsoft.com/office/drawing/2014/main" xmlns="" id="{701BA1B2-C8F1-4247-A6DE-B7406BF0127C}"/>
               </a:ext>
             </a:extLst>
           </p:cNvPr>
@@ -2924,7 +2932,7 @@
           <p:cNvPr id="7" name="슬라이드 번호 개체 틀 6">
             <a:extLst>
               <a:ext uri="{FF2B5EF4-FFF2-40B4-BE49-F238E27FC236}">
-                <a16:creationId xmlns="" xmlns:a16="http://schemas.microsoft.com/office/drawing/2014/main" id="{E95EDE68-03B7-446B-9B78-5F31A3A376A5}"/>
+                <a16:creationId xmlns:a16="http://schemas.microsoft.com/office/drawing/2014/main" xmlns="" id="{E95EDE68-03B7-446B-9B78-5F31A3A376A5}"/>
               </a:ext>
             </a:extLst>
           </p:cNvPr>
@@ -2988,7 +2996,7 @@
           <p:cNvPr id="2" name="제목 개체 틀 1">
             <a:extLst>
               <a:ext uri="{FF2B5EF4-FFF2-40B4-BE49-F238E27FC236}">
-                <a16:creationId xmlns="" xmlns:a16="http://schemas.microsoft.com/office/drawing/2014/main" id="{64E0DACC-CEE6-4418-B167-457C89CF006A}"/>
+                <a16:creationId xmlns:a16="http://schemas.microsoft.com/office/drawing/2014/main" xmlns="" id="{64E0DACC-CEE6-4418-B167-457C89CF006A}"/>
               </a:ext>
             </a:extLst>
           </p:cNvPr>
@@ -3026,7 +3034,7 @@
           <p:cNvPr id="3" name="텍스트 개체 틀 2">
             <a:extLst>
               <a:ext uri="{FF2B5EF4-FFF2-40B4-BE49-F238E27FC236}">
-                <a16:creationId xmlns="" xmlns:a16="http://schemas.microsoft.com/office/drawing/2014/main" id="{C29CE159-3C04-447D-A17B-131FA8317807}"/>
+                <a16:creationId xmlns:a16="http://schemas.microsoft.com/office/drawing/2014/main" xmlns="" id="{C29CE159-3C04-447D-A17B-131FA8317807}"/>
               </a:ext>
             </a:extLst>
           </p:cNvPr>
@@ -3093,7 +3101,7 @@
           <p:cNvPr id="4" name="날짜 개체 틀 3">
             <a:extLst>
               <a:ext uri="{FF2B5EF4-FFF2-40B4-BE49-F238E27FC236}">
-                <a16:creationId xmlns="" xmlns:a16="http://schemas.microsoft.com/office/drawing/2014/main" id="{7C73AF69-C0A0-4CD9-9332-EB467E43C91A}"/>
+                <a16:creationId xmlns:a16="http://schemas.microsoft.com/office/drawing/2014/main" xmlns="" id="{7C73AF69-C0A0-4CD9-9332-EB467E43C91A}"/>
               </a:ext>
             </a:extLst>
           </p:cNvPr>
@@ -3140,7 +3148,7 @@
           <p:cNvPr id="5" name="바닥글 개체 틀 4">
             <a:extLst>
               <a:ext uri="{FF2B5EF4-FFF2-40B4-BE49-F238E27FC236}">
-                <a16:creationId xmlns="" xmlns:a16="http://schemas.microsoft.com/office/drawing/2014/main" id="{B7477B31-56FC-4575-A118-0FB21F2D81DA}"/>
+                <a16:creationId xmlns:a16="http://schemas.microsoft.com/office/drawing/2014/main" xmlns="" id="{B7477B31-56FC-4575-A118-0FB21F2D81DA}"/>
               </a:ext>
             </a:extLst>
           </p:cNvPr>
@@ -3183,7 +3191,7 @@
           <p:cNvPr id="6" name="슬라이드 번호 개체 틀 5">
             <a:extLst>
               <a:ext uri="{FF2B5EF4-FFF2-40B4-BE49-F238E27FC236}">
-                <a16:creationId xmlns="" xmlns:a16="http://schemas.microsoft.com/office/drawing/2014/main" id="{987745DC-A89F-4B55-AEDC-D856DADB5825}"/>
+                <a16:creationId xmlns:a16="http://schemas.microsoft.com/office/drawing/2014/main" xmlns="" id="{987745DC-A89F-4B55-AEDC-D856DADB5825}"/>
               </a:ext>
             </a:extLst>
           </p:cNvPr>
@@ -3585,7 +3593,7 @@
           <p:cNvPr id="5" name="TextBox 4">
             <a:extLst>
               <a:ext uri="{FF2B5EF4-FFF2-40B4-BE49-F238E27FC236}">
-                <a16:creationId xmlns="" xmlns:a16="http://schemas.microsoft.com/office/drawing/2014/main" id="{EE01BB15-838B-44E2-82D2-653300432D78}"/>
+                <a16:creationId xmlns:a16="http://schemas.microsoft.com/office/drawing/2014/main" xmlns="" id="{EE01BB15-838B-44E2-82D2-653300432D78}"/>
               </a:ext>
             </a:extLst>
           </p:cNvPr>
@@ -3658,6 +3666,7371 @@
       </p:transition>
     </mc:Choice>
     <mc:Fallback xmlns="">
+      <p:transition spd="med">
+        <p:fade/>
+      </p:transition>
+    </mc:Fallback>
+  </mc:AlternateContent>
+  <p:timing>
+    <p:tnLst>
+      <p:par>
+        <p:cTn id="1" dur="indefinite" restart="never" nodeType="tmRoot"/>
+      </p:par>
+    </p:tnLst>
+  </p:timing>
+</p:sld>
+</file>
+
+<file path=ppt/slides/slide10.xml><?xml version="1.0" encoding="utf-8"?>
+<p:sld xmlns:a="http://schemas.openxmlformats.org/drawingml/2006/main" xmlns:r="http://schemas.openxmlformats.org/officeDocument/2006/relationships" xmlns:p="http://schemas.openxmlformats.org/presentationml/2006/main">
+  <p:cSld>
+    <p:spTree>
+      <p:nvGrpSpPr>
+        <p:cNvPr id="1" name=""/>
+        <p:cNvGrpSpPr/>
+        <p:nvPr/>
+      </p:nvGrpSpPr>
+      <p:grpSpPr>
+        <a:xfrm>
+          <a:off x="0" y="0"/>
+          <a:ext cx="0" cy="0"/>
+          <a:chOff x="0" y="0"/>
+          <a:chExt cx="0" cy="0"/>
+        </a:xfrm>
+      </p:grpSpPr>
+      <p:grpSp>
+        <p:nvGrpSpPr>
+          <p:cNvPr id="21" name="그룹 20">
+            <a:extLst>
+              <a:ext uri="{FF2B5EF4-FFF2-40B4-BE49-F238E27FC236}">
+                <a16:creationId xmlns:a16="http://schemas.microsoft.com/office/drawing/2014/main" xmlns="" id="{34AF672D-F300-49ED-B1B1-C7AD77F1CF1D}"/>
+              </a:ext>
+            </a:extLst>
+          </p:cNvPr>
+          <p:cNvGrpSpPr/>
+          <p:nvPr/>
+        </p:nvGrpSpPr>
+        <p:grpSpPr>
+          <a:xfrm>
+            <a:off x="0" y="0"/>
+            <a:ext cx="12192000" cy="908925"/>
+            <a:chOff x="0" y="0"/>
+            <a:chExt cx="12192000" cy="1076960"/>
+          </a:xfrm>
+        </p:grpSpPr>
+        <p:sp>
+          <p:nvSpPr>
+            <p:cNvPr id="14" name="직사각형 13">
+              <a:extLst>
+                <a:ext uri="{FF2B5EF4-FFF2-40B4-BE49-F238E27FC236}">
+                  <a16:creationId xmlns:a16="http://schemas.microsoft.com/office/drawing/2014/main" xmlns="" id="{C47BEF14-6520-4B7C-A137-6786E163399F}"/>
+                </a:ext>
+              </a:extLst>
+            </p:cNvPr>
+            <p:cNvSpPr/>
+            <p:nvPr/>
+          </p:nvSpPr>
+          <p:spPr>
+            <a:xfrm>
+              <a:off x="0" y="0"/>
+              <a:ext cx="121920" cy="1076960"/>
+            </a:xfrm>
+            <a:prstGeom prst="rect">
+              <a:avLst/>
+            </a:prstGeom>
+            <a:ln>
+              <a:noFill/>
+            </a:ln>
+          </p:spPr>
+          <p:style>
+            <a:lnRef idx="2">
+              <a:schemeClr val="accent1">
+                <a:shade val="50000"/>
+              </a:schemeClr>
+            </a:lnRef>
+            <a:fillRef idx="1">
+              <a:schemeClr val="accent1"/>
+            </a:fillRef>
+            <a:effectRef idx="0">
+              <a:schemeClr val="accent1"/>
+            </a:effectRef>
+            <a:fontRef idx="minor">
+              <a:schemeClr val="lt1"/>
+            </a:fontRef>
+          </p:style>
+          <p:txBody>
+            <a:bodyPr rtlCol="0" anchor="ctr"/>
+            <a:lstStyle/>
+            <a:p>
+              <a:pPr algn="ctr"/>
+              <a:endParaRPr lang="ko-KR" altLang="en-US"/>
+            </a:p>
+          </p:txBody>
+        </p:sp>
+        <p:sp>
+          <p:nvSpPr>
+            <p:cNvPr id="15" name="직사각형 14">
+              <a:extLst>
+                <a:ext uri="{FF2B5EF4-FFF2-40B4-BE49-F238E27FC236}">
+                  <a16:creationId xmlns:a16="http://schemas.microsoft.com/office/drawing/2014/main" xmlns="" id="{AE7E944A-14D6-40FD-AC6E-795762F0A52A}"/>
+                </a:ext>
+              </a:extLst>
+            </p:cNvPr>
+            <p:cNvSpPr/>
+            <p:nvPr/>
+          </p:nvSpPr>
+          <p:spPr>
+            <a:xfrm rot="5400000">
+              <a:off x="269240" y="-147320"/>
+              <a:ext cx="121920" cy="416560"/>
+            </a:xfrm>
+            <a:prstGeom prst="rect">
+              <a:avLst/>
+            </a:prstGeom>
+            <a:solidFill>
+              <a:schemeClr val="accent4"/>
+            </a:solidFill>
+            <a:ln>
+              <a:noFill/>
+            </a:ln>
+          </p:spPr>
+          <p:style>
+            <a:lnRef idx="2">
+              <a:schemeClr val="accent1">
+                <a:shade val="50000"/>
+              </a:schemeClr>
+            </a:lnRef>
+            <a:fillRef idx="1">
+              <a:schemeClr val="accent1"/>
+            </a:fillRef>
+            <a:effectRef idx="0">
+              <a:schemeClr val="accent1"/>
+            </a:effectRef>
+            <a:fontRef idx="minor">
+              <a:schemeClr val="lt1"/>
+            </a:fontRef>
+          </p:style>
+          <p:txBody>
+            <a:bodyPr rtlCol="0" anchor="ctr"/>
+            <a:lstStyle/>
+            <a:p>
+              <a:pPr algn="ctr"/>
+              <a:endParaRPr lang="ko-KR" altLang="en-US"/>
+            </a:p>
+          </p:txBody>
+        </p:sp>
+        <p:sp>
+          <p:nvSpPr>
+            <p:cNvPr id="16" name="TextBox 15">
+              <a:extLst>
+                <a:ext uri="{FF2B5EF4-FFF2-40B4-BE49-F238E27FC236}">
+                  <a16:creationId xmlns:a16="http://schemas.microsoft.com/office/drawing/2014/main" xmlns="" id="{314989EB-2D66-48FD-AE45-E8AAC62D69DF}"/>
+                </a:ext>
+              </a:extLst>
+            </p:cNvPr>
+            <p:cNvSpPr txBox="1"/>
+            <p:nvPr/>
+          </p:nvSpPr>
+          <p:spPr>
+            <a:xfrm>
+              <a:off x="660400" y="238397"/>
+              <a:ext cx="2571538" cy="711118"/>
+            </a:xfrm>
+            <a:prstGeom prst="rect">
+              <a:avLst/>
+            </a:prstGeom>
+            <a:noFill/>
+          </p:spPr>
+          <p:txBody>
+            <a:bodyPr wrap="none" rtlCol="0">
+              <a:spAutoFit/>
+            </a:bodyPr>
+            <a:lstStyle/>
+            <a:p>
+              <a:r>
+                <a:rPr lang="ko-KR" altLang="en-US" sz="3300" spc="-300" dirty="0" smtClean="0">
+                  <a:solidFill>
+                    <a:schemeClr val="tx1">
+                      <a:lumMod val="85000"/>
+                      <a:lumOff val="15000"/>
+                    </a:schemeClr>
+                  </a:solidFill>
+                </a:rPr>
+                <a:t>와이어 프레임</a:t>
+              </a:r>
+              <a:endParaRPr lang="ko-KR" altLang="en-US" sz="3300" spc="-300" dirty="0">
+                <a:solidFill>
+                  <a:schemeClr val="tx1">
+                    <a:lumMod val="85000"/>
+                    <a:lumOff val="15000"/>
+                  </a:schemeClr>
+                </a:solidFill>
+              </a:endParaRPr>
+            </a:p>
+          </p:txBody>
+        </p:sp>
+        <p:sp>
+          <p:nvSpPr>
+            <p:cNvPr id="18" name="TextBox 17">
+              <a:extLst>
+                <a:ext uri="{FF2B5EF4-FFF2-40B4-BE49-F238E27FC236}">
+                  <a16:creationId xmlns:a16="http://schemas.microsoft.com/office/drawing/2014/main" xmlns="" id="{373F017D-1562-4D58-90BD-4CB746FFE587}"/>
+                </a:ext>
+              </a:extLst>
+            </p:cNvPr>
+            <p:cNvSpPr txBox="1"/>
+            <p:nvPr/>
+          </p:nvSpPr>
+          <p:spPr>
+            <a:xfrm>
+              <a:off x="111760" y="81618"/>
+              <a:ext cx="527709" cy="984625"/>
+            </a:xfrm>
+            <a:prstGeom prst="rect">
+              <a:avLst/>
+            </a:prstGeom>
+            <a:noFill/>
+          </p:spPr>
+          <p:txBody>
+            <a:bodyPr wrap="none" rtlCol="0">
+              <a:spAutoFit/>
+            </a:bodyPr>
+            <a:lstStyle/>
+            <a:p>
+              <a:r>
+                <a:rPr lang="en-US" altLang="ko-KR" sz="4800" b="1" dirty="0">
+                  <a:solidFill>
+                    <a:schemeClr val="bg1">
+                      <a:lumMod val="85000"/>
+                    </a:schemeClr>
+                  </a:solidFill>
+                  <a:latin typeface="+mj-lt"/>
+                  <a:ea typeface="+mj-ea"/>
+                </a:rPr>
+                <a:t>3</a:t>
+              </a:r>
+              <a:endParaRPr lang="ko-KR" altLang="en-US" sz="4800" b="1" dirty="0">
+                <a:solidFill>
+                  <a:schemeClr val="bg1">
+                    <a:lumMod val="85000"/>
+                  </a:schemeClr>
+                </a:solidFill>
+                <a:latin typeface="+mj-lt"/>
+                <a:ea typeface="+mj-ea"/>
+              </a:endParaRPr>
+            </a:p>
+          </p:txBody>
+        </p:sp>
+        <p:cxnSp>
+          <p:nvCxnSpPr>
+            <p:cNvPr id="20" name="직선 연결선 19">
+              <a:extLst>
+                <a:ext uri="{FF2B5EF4-FFF2-40B4-BE49-F238E27FC236}">
+                  <a16:creationId xmlns:a16="http://schemas.microsoft.com/office/drawing/2014/main" xmlns="" id="{694D31A9-4C98-4514-A4CD-FEE8123A95D4}"/>
+                </a:ext>
+              </a:extLst>
+            </p:cNvPr>
+            <p:cNvCxnSpPr/>
+            <p:nvPr/>
+          </p:nvCxnSpPr>
+          <p:spPr>
+            <a:xfrm>
+              <a:off x="660400" y="1073885"/>
+              <a:ext cx="11531600" cy="0"/>
+            </a:xfrm>
+            <a:prstGeom prst="line">
+              <a:avLst/>
+            </a:prstGeom>
+            <a:ln>
+              <a:solidFill>
+                <a:schemeClr val="bg1">
+                  <a:lumMod val="75000"/>
+                </a:schemeClr>
+              </a:solidFill>
+            </a:ln>
+          </p:spPr>
+          <p:style>
+            <a:lnRef idx="1">
+              <a:schemeClr val="accent1"/>
+            </a:lnRef>
+            <a:fillRef idx="0">
+              <a:schemeClr val="accent1"/>
+            </a:fillRef>
+            <a:effectRef idx="0">
+              <a:schemeClr val="accent1"/>
+            </a:effectRef>
+            <a:fontRef idx="minor">
+              <a:schemeClr val="tx1"/>
+            </a:fontRef>
+          </p:style>
+        </p:cxnSp>
+      </p:grpSp>
+      <p:sp>
+        <p:nvSpPr>
+          <p:cNvPr id="19" name="직사각형 18"/>
+          <p:cNvSpPr/>
+          <p:nvPr/>
+        </p:nvSpPr>
+        <p:spPr>
+          <a:xfrm>
+            <a:off x="9948891" y="6543162"/>
+            <a:ext cx="2155502" cy="271035"/>
+          </a:xfrm>
+          <a:prstGeom prst="rect">
+            <a:avLst/>
+          </a:prstGeom>
+          <a:solidFill>
+            <a:schemeClr val="bg1"/>
+          </a:solidFill>
+          <a:ln>
+            <a:solidFill>
+              <a:schemeClr val="bg1"/>
+            </a:solidFill>
+          </a:ln>
+        </p:spPr>
+        <p:style>
+          <a:lnRef idx="2">
+            <a:schemeClr val="accent1">
+              <a:shade val="50000"/>
+            </a:schemeClr>
+          </a:lnRef>
+          <a:fillRef idx="1">
+            <a:schemeClr val="accent1"/>
+          </a:fillRef>
+          <a:effectRef idx="0">
+            <a:schemeClr val="accent1"/>
+          </a:effectRef>
+          <a:fontRef idx="minor">
+            <a:schemeClr val="lt1"/>
+          </a:fontRef>
+        </p:style>
+        <p:txBody>
+          <a:bodyPr rtlCol="0" anchor="ctr"/>
+          <a:lstStyle/>
+          <a:p>
+            <a:pPr algn="ctr"/>
+            <a:endParaRPr lang="ko-KR" altLang="en-US"/>
+          </a:p>
+        </p:txBody>
+      </p:sp>
+      <p:sp>
+        <p:nvSpPr>
+          <p:cNvPr id="4" name="직사각형 3"/>
+          <p:cNvSpPr/>
+          <p:nvPr/>
+        </p:nvSpPr>
+        <p:spPr>
+          <a:xfrm>
+            <a:off x="327615" y="1549552"/>
+            <a:ext cx="11536771" cy="5048364"/>
+          </a:xfrm>
+          <a:prstGeom prst="rect">
+            <a:avLst/>
+          </a:prstGeom>
+          <a:solidFill>
+            <a:schemeClr val="bg1"/>
+          </a:solidFill>
+          <a:ln>
+            <a:solidFill>
+              <a:schemeClr val="tx1"/>
+            </a:solidFill>
+          </a:ln>
+        </p:spPr>
+        <p:style>
+          <a:lnRef idx="2">
+            <a:schemeClr val="accent1">
+              <a:shade val="50000"/>
+            </a:schemeClr>
+          </a:lnRef>
+          <a:fillRef idx="1">
+            <a:schemeClr val="accent1"/>
+          </a:fillRef>
+          <a:effectRef idx="0">
+            <a:schemeClr val="accent1"/>
+          </a:effectRef>
+          <a:fontRef idx="minor">
+            <a:schemeClr val="lt1"/>
+          </a:fontRef>
+        </p:style>
+        <p:txBody>
+          <a:bodyPr rtlCol="0" anchor="ctr"/>
+          <a:lstStyle/>
+          <a:p>
+            <a:pPr algn="ctr"/>
+            <a:endParaRPr lang="ko-KR" altLang="en-US"/>
+          </a:p>
+        </p:txBody>
+      </p:sp>
+      <p:sp>
+        <p:nvSpPr>
+          <p:cNvPr id="23" name="직사각형 22"/>
+          <p:cNvSpPr/>
+          <p:nvPr/>
+        </p:nvSpPr>
+        <p:spPr>
+          <a:xfrm>
+            <a:off x="3167485" y="3340278"/>
+            <a:ext cx="5857030" cy="1466912"/>
+          </a:xfrm>
+          <a:prstGeom prst="rect">
+            <a:avLst/>
+          </a:prstGeom>
+          <a:solidFill>
+            <a:schemeClr val="accent1"/>
+          </a:solidFill>
+        </p:spPr>
+        <p:style>
+          <a:lnRef idx="2">
+            <a:schemeClr val="accent1">
+              <a:shade val="50000"/>
+            </a:schemeClr>
+          </a:lnRef>
+          <a:fillRef idx="1">
+            <a:schemeClr val="accent1"/>
+          </a:fillRef>
+          <a:effectRef idx="0">
+            <a:schemeClr val="accent1"/>
+          </a:effectRef>
+          <a:fontRef idx="minor">
+            <a:schemeClr val="lt1"/>
+          </a:fontRef>
+        </p:style>
+        <p:txBody>
+          <a:bodyPr rtlCol="0" anchor="ctr"/>
+          <a:lstStyle/>
+          <a:p>
+            <a:pPr algn="ctr"/>
+            <a:r>
+              <a:rPr lang="en-US" altLang="ko-KR" dirty="0" smtClean="0"/>
+              <a:t>Text Area</a:t>
+            </a:r>
+            <a:endParaRPr lang="ko-KR" altLang="en-US" dirty="0"/>
+          </a:p>
+        </p:txBody>
+      </p:sp>
+      <p:sp>
+        <p:nvSpPr>
+          <p:cNvPr id="22" name="직사각형 21"/>
+          <p:cNvSpPr/>
+          <p:nvPr/>
+        </p:nvSpPr>
+        <p:spPr>
+          <a:xfrm>
+            <a:off x="5772036" y="6302242"/>
+            <a:ext cx="647928" cy="240919"/>
+          </a:xfrm>
+          <a:prstGeom prst="rect">
+            <a:avLst/>
+          </a:prstGeom>
+          <a:solidFill>
+            <a:schemeClr val="accent1"/>
+          </a:solidFill>
+        </p:spPr>
+        <p:style>
+          <a:lnRef idx="2">
+            <a:schemeClr val="accent1">
+              <a:shade val="50000"/>
+            </a:schemeClr>
+          </a:lnRef>
+          <a:fillRef idx="1">
+            <a:schemeClr val="accent1"/>
+          </a:fillRef>
+          <a:effectRef idx="0">
+            <a:schemeClr val="accent1"/>
+          </a:effectRef>
+          <a:fontRef idx="minor">
+            <a:schemeClr val="lt1"/>
+          </a:fontRef>
+        </p:style>
+        <p:txBody>
+          <a:bodyPr rtlCol="0" anchor="ctr"/>
+          <a:lstStyle/>
+          <a:p>
+            <a:pPr algn="ctr"/>
+            <a:r>
+              <a:rPr lang="ko-KR" altLang="en-US" sz="1000" dirty="0" smtClean="0"/>
+              <a:t>휠 모양</a:t>
+            </a:r>
+            <a:endParaRPr lang="ko-KR" altLang="en-US" sz="1000" dirty="0"/>
+          </a:p>
+        </p:txBody>
+      </p:sp>
+      <p:cxnSp>
+        <p:nvCxnSpPr>
+          <p:cNvPr id="12" name="직선 연결선 11"/>
+          <p:cNvCxnSpPr/>
+          <p:nvPr/>
+        </p:nvCxnSpPr>
+        <p:spPr>
+          <a:xfrm>
+            <a:off x="327615" y="1549552"/>
+            <a:ext cx="11536771" cy="5048364"/>
+          </a:xfrm>
+          <a:prstGeom prst="line">
+            <a:avLst/>
+          </a:prstGeom>
+        </p:spPr>
+        <p:style>
+          <a:lnRef idx="1">
+            <a:schemeClr val="accent1"/>
+          </a:lnRef>
+          <a:fillRef idx="0">
+            <a:schemeClr val="accent1"/>
+          </a:fillRef>
+          <a:effectRef idx="0">
+            <a:schemeClr val="accent1"/>
+          </a:effectRef>
+          <a:fontRef idx="minor">
+            <a:schemeClr val="tx1"/>
+          </a:fontRef>
+        </p:style>
+      </p:cxnSp>
+      <p:cxnSp>
+        <p:nvCxnSpPr>
+          <p:cNvPr id="31" name="직선 연결선 30"/>
+          <p:cNvCxnSpPr/>
+          <p:nvPr/>
+        </p:nvCxnSpPr>
+        <p:spPr>
+          <a:xfrm flipH="1">
+            <a:off x="327615" y="1549552"/>
+            <a:ext cx="11536771" cy="5048364"/>
+          </a:xfrm>
+          <a:prstGeom prst="line">
+            <a:avLst/>
+          </a:prstGeom>
+        </p:spPr>
+        <p:style>
+          <a:lnRef idx="1">
+            <a:schemeClr val="accent1"/>
+          </a:lnRef>
+          <a:fillRef idx="0">
+            <a:schemeClr val="accent1"/>
+          </a:fillRef>
+          <a:effectRef idx="0">
+            <a:schemeClr val="accent1"/>
+          </a:effectRef>
+          <a:fontRef idx="minor">
+            <a:schemeClr val="tx1"/>
+          </a:fontRef>
+        </p:style>
+      </p:cxnSp>
+      <p:sp>
+        <p:nvSpPr>
+          <p:cNvPr id="32" name="TextBox 31"/>
+          <p:cNvSpPr txBox="1"/>
+          <p:nvPr/>
+        </p:nvSpPr>
+        <p:spPr>
+          <a:xfrm>
+            <a:off x="9899612" y="1148605"/>
+            <a:ext cx="1964774" cy="369332"/>
+          </a:xfrm>
+          <a:prstGeom prst="rect">
+            <a:avLst/>
+          </a:prstGeom>
+          <a:noFill/>
+        </p:spPr>
+        <p:txBody>
+          <a:bodyPr wrap="square" rtlCol="0">
+            <a:spAutoFit/>
+          </a:bodyPr>
+          <a:lstStyle/>
+          <a:p>
+            <a:r>
+              <a:rPr lang="en-US" altLang="ko-KR" dirty="0" smtClean="0"/>
+              <a:t>Main Page / Main</a:t>
+            </a:r>
+            <a:endParaRPr lang="ko-KR" altLang="en-US" dirty="0"/>
+          </a:p>
+        </p:txBody>
+      </p:sp>
+      <p:sp>
+        <p:nvSpPr>
+          <p:cNvPr id="2" name="직사각형 1"/>
+          <p:cNvSpPr/>
+          <p:nvPr/>
+        </p:nvSpPr>
+        <p:spPr>
+          <a:xfrm>
+            <a:off x="327615" y="1549552"/>
+            <a:ext cx="11536772" cy="5041913"/>
+          </a:xfrm>
+          <a:prstGeom prst="rect">
+            <a:avLst/>
+          </a:prstGeom>
+          <a:solidFill>
+            <a:srgbClr val="F2F2F2">
+              <a:alpha val="50196"/>
+            </a:srgbClr>
+          </a:solidFill>
+        </p:spPr>
+        <p:style>
+          <a:lnRef idx="2">
+            <a:schemeClr val="accent1">
+              <a:shade val="50000"/>
+            </a:schemeClr>
+          </a:lnRef>
+          <a:fillRef idx="1">
+            <a:schemeClr val="accent1"/>
+          </a:fillRef>
+          <a:effectRef idx="0">
+            <a:schemeClr val="accent1"/>
+          </a:effectRef>
+          <a:fontRef idx="minor">
+            <a:schemeClr val="lt1"/>
+          </a:fontRef>
+        </p:style>
+        <p:txBody>
+          <a:bodyPr rtlCol="0" anchor="ctr"/>
+          <a:lstStyle/>
+          <a:p>
+            <a:pPr algn="ctr"/>
+            <a:endParaRPr lang="ko-KR" altLang="en-US"/>
+          </a:p>
+        </p:txBody>
+      </p:sp>
+      <p:sp>
+        <p:nvSpPr>
+          <p:cNvPr id="5" name="직사각형 4"/>
+          <p:cNvSpPr/>
+          <p:nvPr/>
+        </p:nvSpPr>
+        <p:spPr>
+          <a:xfrm>
+            <a:off x="10863291" y="1643568"/>
+            <a:ext cx="903449" cy="438036"/>
+          </a:xfrm>
+          <a:prstGeom prst="rect">
+            <a:avLst/>
+          </a:prstGeom>
+          <a:solidFill>
+            <a:schemeClr val="accent1"/>
+          </a:solidFill>
+        </p:spPr>
+        <p:style>
+          <a:lnRef idx="2">
+            <a:schemeClr val="accent1">
+              <a:shade val="50000"/>
+            </a:schemeClr>
+          </a:lnRef>
+          <a:fillRef idx="1">
+            <a:schemeClr val="accent1"/>
+          </a:fillRef>
+          <a:effectRef idx="0">
+            <a:schemeClr val="accent1"/>
+          </a:effectRef>
+          <a:fontRef idx="minor">
+            <a:schemeClr val="lt1"/>
+          </a:fontRef>
+        </p:style>
+        <p:txBody>
+          <a:bodyPr rtlCol="0" anchor="ctr"/>
+          <a:lstStyle/>
+          <a:p>
+            <a:pPr algn="ctr"/>
+            <a:r>
+              <a:rPr lang="ko-KR" altLang="en-US" dirty="0" smtClean="0"/>
+              <a:t>메뉴</a:t>
+            </a:r>
+            <a:endParaRPr lang="ko-KR" altLang="en-US" dirty="0"/>
+          </a:p>
+        </p:txBody>
+      </p:sp>
+      <p:sp>
+        <p:nvSpPr>
+          <p:cNvPr id="3" name="직사각형 2"/>
+          <p:cNvSpPr/>
+          <p:nvPr/>
+        </p:nvSpPr>
+        <p:spPr>
+          <a:xfrm>
+            <a:off x="327614" y="1556003"/>
+            <a:ext cx="5768385" cy="5041913"/>
+          </a:xfrm>
+          <a:prstGeom prst="rect">
+            <a:avLst/>
+          </a:prstGeom>
+        </p:spPr>
+        <p:style>
+          <a:lnRef idx="2">
+            <a:schemeClr val="accent1">
+              <a:shade val="50000"/>
+            </a:schemeClr>
+          </a:lnRef>
+          <a:fillRef idx="1">
+            <a:schemeClr val="accent1"/>
+          </a:fillRef>
+          <a:effectRef idx="0">
+            <a:schemeClr val="accent1"/>
+          </a:effectRef>
+          <a:fontRef idx="minor">
+            <a:schemeClr val="lt1"/>
+          </a:fontRef>
+        </p:style>
+        <p:txBody>
+          <a:bodyPr rtlCol="0" anchor="ctr"/>
+          <a:lstStyle/>
+          <a:p>
+            <a:pPr algn="ctr"/>
+            <a:endParaRPr lang="ko-KR" altLang="en-US"/>
+          </a:p>
+        </p:txBody>
+      </p:sp>
+      <p:sp>
+        <p:nvSpPr>
+          <p:cNvPr id="6" name="직사각형 5"/>
+          <p:cNvSpPr/>
+          <p:nvPr/>
+        </p:nvSpPr>
+        <p:spPr>
+          <a:xfrm>
+            <a:off x="538480" y="1780886"/>
+            <a:ext cx="1660506" cy="1340746"/>
+          </a:xfrm>
+          <a:prstGeom prst="rect">
+            <a:avLst/>
+          </a:prstGeom>
+          <a:solidFill>
+            <a:schemeClr val="bg1"/>
+          </a:solidFill>
+        </p:spPr>
+        <p:style>
+          <a:lnRef idx="2">
+            <a:schemeClr val="accent1">
+              <a:shade val="50000"/>
+            </a:schemeClr>
+          </a:lnRef>
+          <a:fillRef idx="1">
+            <a:schemeClr val="accent1"/>
+          </a:fillRef>
+          <a:effectRef idx="0">
+            <a:schemeClr val="accent1"/>
+          </a:effectRef>
+          <a:fontRef idx="minor">
+            <a:schemeClr val="lt1"/>
+          </a:fontRef>
+        </p:style>
+        <p:txBody>
+          <a:bodyPr rtlCol="0" anchor="ctr"/>
+          <a:lstStyle/>
+          <a:p>
+            <a:pPr algn="ctr"/>
+            <a:r>
+              <a:rPr lang="en-US" altLang="ko-KR" dirty="0" smtClean="0">
+                <a:solidFill>
+                  <a:schemeClr val="tx1"/>
+                </a:solidFill>
+              </a:rPr>
+              <a:t>Menu</a:t>
+            </a:r>
+            <a:endParaRPr lang="ko-KR" altLang="en-US" dirty="0">
+              <a:solidFill>
+                <a:schemeClr val="tx1"/>
+              </a:solidFill>
+            </a:endParaRPr>
+          </a:p>
+        </p:txBody>
+      </p:sp>
+      <p:sp>
+        <p:nvSpPr>
+          <p:cNvPr id="26" name="직사각형 25"/>
+          <p:cNvSpPr/>
+          <p:nvPr/>
+        </p:nvSpPr>
+        <p:spPr>
+          <a:xfrm>
+            <a:off x="5899143" y="1568377"/>
+            <a:ext cx="196857" cy="172281"/>
+          </a:xfrm>
+          <a:prstGeom prst="rect">
+            <a:avLst/>
+          </a:prstGeom>
+          <a:solidFill>
+            <a:schemeClr val="bg1"/>
+          </a:solidFill>
+        </p:spPr>
+        <p:style>
+          <a:lnRef idx="2">
+            <a:schemeClr val="accent1">
+              <a:shade val="50000"/>
+            </a:schemeClr>
+          </a:lnRef>
+          <a:fillRef idx="1">
+            <a:schemeClr val="accent1"/>
+          </a:fillRef>
+          <a:effectRef idx="0">
+            <a:schemeClr val="accent1"/>
+          </a:effectRef>
+          <a:fontRef idx="minor">
+            <a:schemeClr val="lt1"/>
+          </a:fontRef>
+        </p:style>
+        <p:txBody>
+          <a:bodyPr rtlCol="0" anchor="ctr"/>
+          <a:lstStyle/>
+          <a:p>
+            <a:pPr algn="ctr"/>
+            <a:r>
+              <a:rPr lang="en-US" altLang="ko-KR" dirty="0" smtClean="0">
+                <a:solidFill>
+                  <a:schemeClr val="tx1"/>
+                </a:solidFill>
+              </a:rPr>
+              <a:t>X</a:t>
+            </a:r>
+            <a:endParaRPr lang="ko-KR" altLang="en-US" dirty="0">
+              <a:solidFill>
+                <a:schemeClr val="tx1"/>
+              </a:solidFill>
+            </a:endParaRPr>
+          </a:p>
+        </p:txBody>
+      </p:sp>
+      <p:sp>
+        <p:nvSpPr>
+          <p:cNvPr id="27" name="직사각형 26"/>
+          <p:cNvSpPr/>
+          <p:nvPr/>
+        </p:nvSpPr>
+        <p:spPr>
+          <a:xfrm>
+            <a:off x="400156" y="6312364"/>
+            <a:ext cx="758607" cy="230797"/>
+          </a:xfrm>
+          <a:prstGeom prst="rect">
+            <a:avLst/>
+          </a:prstGeom>
+          <a:solidFill>
+            <a:schemeClr val="bg1"/>
+          </a:solidFill>
+        </p:spPr>
+        <p:style>
+          <a:lnRef idx="2">
+            <a:schemeClr val="accent1">
+              <a:shade val="50000"/>
+            </a:schemeClr>
+          </a:lnRef>
+          <a:fillRef idx="1">
+            <a:schemeClr val="accent1"/>
+          </a:fillRef>
+          <a:effectRef idx="0">
+            <a:schemeClr val="accent1"/>
+          </a:effectRef>
+          <a:fontRef idx="minor">
+            <a:schemeClr val="lt1"/>
+          </a:fontRef>
+        </p:style>
+        <p:txBody>
+          <a:bodyPr rtlCol="0" anchor="ctr"/>
+          <a:lstStyle/>
+          <a:p>
+            <a:pPr algn="ctr"/>
+            <a:r>
+              <a:rPr lang="ko-KR" altLang="en-US" sz="1400" dirty="0" smtClean="0">
+                <a:solidFill>
+                  <a:schemeClr val="tx1"/>
+                </a:solidFill>
+              </a:rPr>
+              <a:t>로그인</a:t>
+            </a:r>
+            <a:endParaRPr lang="ko-KR" altLang="en-US" sz="1400" dirty="0">
+              <a:solidFill>
+                <a:schemeClr val="tx1"/>
+              </a:solidFill>
+            </a:endParaRPr>
+          </a:p>
+        </p:txBody>
+      </p:sp>
+      <p:sp>
+        <p:nvSpPr>
+          <p:cNvPr id="33" name="직사각형 32"/>
+          <p:cNvSpPr/>
+          <p:nvPr/>
+        </p:nvSpPr>
+        <p:spPr>
+          <a:xfrm>
+            <a:off x="2399104" y="3297648"/>
+            <a:ext cx="1660506" cy="1340746"/>
+          </a:xfrm>
+          <a:prstGeom prst="rect">
+            <a:avLst/>
+          </a:prstGeom>
+          <a:solidFill>
+            <a:schemeClr val="bg1"/>
+          </a:solidFill>
+        </p:spPr>
+        <p:style>
+          <a:lnRef idx="2">
+            <a:schemeClr val="accent1">
+              <a:shade val="50000"/>
+            </a:schemeClr>
+          </a:lnRef>
+          <a:fillRef idx="1">
+            <a:schemeClr val="accent1"/>
+          </a:fillRef>
+          <a:effectRef idx="0">
+            <a:schemeClr val="accent1"/>
+          </a:effectRef>
+          <a:fontRef idx="minor">
+            <a:schemeClr val="lt1"/>
+          </a:fontRef>
+        </p:style>
+        <p:txBody>
+          <a:bodyPr rtlCol="0" anchor="ctr"/>
+          <a:lstStyle/>
+          <a:p>
+            <a:pPr algn="ctr"/>
+            <a:r>
+              <a:rPr lang="en-US" altLang="ko-KR" dirty="0">
+                <a:solidFill>
+                  <a:schemeClr val="tx1"/>
+                </a:solidFill>
+              </a:rPr>
+              <a:t>Menu</a:t>
+            </a:r>
+            <a:endParaRPr lang="ko-KR" altLang="en-US" dirty="0">
+              <a:solidFill>
+                <a:schemeClr val="tx1"/>
+              </a:solidFill>
+            </a:endParaRPr>
+          </a:p>
+        </p:txBody>
+      </p:sp>
+      <p:sp>
+        <p:nvSpPr>
+          <p:cNvPr id="37" name="직사각형 36"/>
+          <p:cNvSpPr/>
+          <p:nvPr/>
+        </p:nvSpPr>
+        <p:spPr>
+          <a:xfrm>
+            <a:off x="4259727" y="4838663"/>
+            <a:ext cx="1660506" cy="1340746"/>
+          </a:xfrm>
+          <a:prstGeom prst="rect">
+            <a:avLst/>
+          </a:prstGeom>
+          <a:solidFill>
+            <a:schemeClr val="bg1"/>
+          </a:solidFill>
+        </p:spPr>
+        <p:style>
+          <a:lnRef idx="2">
+            <a:schemeClr val="accent1">
+              <a:shade val="50000"/>
+            </a:schemeClr>
+          </a:lnRef>
+          <a:fillRef idx="1">
+            <a:schemeClr val="accent1"/>
+          </a:fillRef>
+          <a:effectRef idx="0">
+            <a:schemeClr val="accent1"/>
+          </a:effectRef>
+          <a:fontRef idx="minor">
+            <a:schemeClr val="lt1"/>
+          </a:fontRef>
+        </p:style>
+        <p:txBody>
+          <a:bodyPr rtlCol="0" anchor="ctr"/>
+          <a:lstStyle/>
+          <a:p>
+            <a:pPr algn="ctr"/>
+            <a:r>
+              <a:rPr lang="en-US" altLang="ko-KR" dirty="0">
+                <a:solidFill>
+                  <a:schemeClr val="tx1"/>
+                </a:solidFill>
+              </a:rPr>
+              <a:t>Menu</a:t>
+            </a:r>
+            <a:endParaRPr lang="ko-KR" altLang="en-US" dirty="0">
+              <a:solidFill>
+                <a:schemeClr val="tx1"/>
+              </a:solidFill>
+            </a:endParaRPr>
+          </a:p>
+        </p:txBody>
+      </p:sp>
+    </p:spTree>
+    <p:extLst>
+      <p:ext uri="{BB962C8B-B14F-4D97-AF65-F5344CB8AC3E}">
+        <p14:creationId xmlns:p14="http://schemas.microsoft.com/office/powerpoint/2010/main" val="4028574820"/>
+      </p:ext>
+    </p:extLst>
+  </p:cSld>
+  <p:clrMapOvr>
+    <a:masterClrMapping/>
+  </p:clrMapOvr>
+  <mc:AlternateContent xmlns:mc="http://schemas.openxmlformats.org/markup-compatibility/2006">
+    <mc:Choice xmlns:p14="http://schemas.microsoft.com/office/powerpoint/2010/main" Requires="p14">
+      <p:transition spd="med" p14:dur="700">
+        <p:fade/>
+      </p:transition>
+    </mc:Choice>
+    <mc:Fallback>
+      <p:transition spd="med">
+        <p:fade/>
+      </p:transition>
+    </mc:Fallback>
+  </mc:AlternateContent>
+  <p:timing>
+    <p:tnLst>
+      <p:par>
+        <p:cTn id="1" dur="indefinite" restart="never" nodeType="tmRoot"/>
+      </p:par>
+    </p:tnLst>
+  </p:timing>
+</p:sld>
+</file>
+
+<file path=ppt/slides/slide11.xml><?xml version="1.0" encoding="utf-8"?>
+<p:sld xmlns:a="http://schemas.openxmlformats.org/drawingml/2006/main" xmlns:r="http://schemas.openxmlformats.org/officeDocument/2006/relationships" xmlns:p="http://schemas.openxmlformats.org/presentationml/2006/main">
+  <p:cSld>
+    <p:spTree>
+      <p:nvGrpSpPr>
+        <p:cNvPr id="1" name=""/>
+        <p:cNvGrpSpPr/>
+        <p:nvPr/>
+      </p:nvGrpSpPr>
+      <p:grpSpPr>
+        <a:xfrm>
+          <a:off x="0" y="0"/>
+          <a:ext cx="0" cy="0"/>
+          <a:chOff x="0" y="0"/>
+          <a:chExt cx="0" cy="0"/>
+        </a:xfrm>
+      </p:grpSpPr>
+      <p:grpSp>
+        <p:nvGrpSpPr>
+          <p:cNvPr id="21" name="그룹 20">
+            <a:extLst>
+              <a:ext uri="{FF2B5EF4-FFF2-40B4-BE49-F238E27FC236}">
+                <a16:creationId xmlns:a16="http://schemas.microsoft.com/office/drawing/2014/main" xmlns="" id="{34AF672D-F300-49ED-B1B1-C7AD77F1CF1D}"/>
+              </a:ext>
+            </a:extLst>
+          </p:cNvPr>
+          <p:cNvGrpSpPr/>
+          <p:nvPr/>
+        </p:nvGrpSpPr>
+        <p:grpSpPr>
+          <a:xfrm>
+            <a:off x="0" y="0"/>
+            <a:ext cx="12192000" cy="908925"/>
+            <a:chOff x="0" y="0"/>
+            <a:chExt cx="12192000" cy="1076960"/>
+          </a:xfrm>
+        </p:grpSpPr>
+        <p:sp>
+          <p:nvSpPr>
+            <p:cNvPr id="14" name="직사각형 13">
+              <a:extLst>
+                <a:ext uri="{FF2B5EF4-FFF2-40B4-BE49-F238E27FC236}">
+                  <a16:creationId xmlns:a16="http://schemas.microsoft.com/office/drawing/2014/main" xmlns="" id="{C47BEF14-6520-4B7C-A137-6786E163399F}"/>
+                </a:ext>
+              </a:extLst>
+            </p:cNvPr>
+            <p:cNvSpPr/>
+            <p:nvPr/>
+          </p:nvSpPr>
+          <p:spPr>
+            <a:xfrm>
+              <a:off x="0" y="0"/>
+              <a:ext cx="121920" cy="1076960"/>
+            </a:xfrm>
+            <a:prstGeom prst="rect">
+              <a:avLst/>
+            </a:prstGeom>
+            <a:ln>
+              <a:noFill/>
+            </a:ln>
+          </p:spPr>
+          <p:style>
+            <a:lnRef idx="2">
+              <a:schemeClr val="accent1">
+                <a:shade val="50000"/>
+              </a:schemeClr>
+            </a:lnRef>
+            <a:fillRef idx="1">
+              <a:schemeClr val="accent1"/>
+            </a:fillRef>
+            <a:effectRef idx="0">
+              <a:schemeClr val="accent1"/>
+            </a:effectRef>
+            <a:fontRef idx="minor">
+              <a:schemeClr val="lt1"/>
+            </a:fontRef>
+          </p:style>
+          <p:txBody>
+            <a:bodyPr rtlCol="0" anchor="ctr"/>
+            <a:lstStyle/>
+            <a:p>
+              <a:pPr algn="ctr"/>
+              <a:endParaRPr lang="ko-KR" altLang="en-US"/>
+            </a:p>
+          </p:txBody>
+        </p:sp>
+        <p:sp>
+          <p:nvSpPr>
+            <p:cNvPr id="15" name="직사각형 14">
+              <a:extLst>
+                <a:ext uri="{FF2B5EF4-FFF2-40B4-BE49-F238E27FC236}">
+                  <a16:creationId xmlns:a16="http://schemas.microsoft.com/office/drawing/2014/main" xmlns="" id="{AE7E944A-14D6-40FD-AC6E-795762F0A52A}"/>
+                </a:ext>
+              </a:extLst>
+            </p:cNvPr>
+            <p:cNvSpPr/>
+            <p:nvPr/>
+          </p:nvSpPr>
+          <p:spPr>
+            <a:xfrm rot="5400000">
+              <a:off x="269240" y="-147320"/>
+              <a:ext cx="121920" cy="416560"/>
+            </a:xfrm>
+            <a:prstGeom prst="rect">
+              <a:avLst/>
+            </a:prstGeom>
+            <a:solidFill>
+              <a:schemeClr val="accent4"/>
+            </a:solidFill>
+            <a:ln>
+              <a:noFill/>
+            </a:ln>
+          </p:spPr>
+          <p:style>
+            <a:lnRef idx="2">
+              <a:schemeClr val="accent1">
+                <a:shade val="50000"/>
+              </a:schemeClr>
+            </a:lnRef>
+            <a:fillRef idx="1">
+              <a:schemeClr val="accent1"/>
+            </a:fillRef>
+            <a:effectRef idx="0">
+              <a:schemeClr val="accent1"/>
+            </a:effectRef>
+            <a:fontRef idx="minor">
+              <a:schemeClr val="lt1"/>
+            </a:fontRef>
+          </p:style>
+          <p:txBody>
+            <a:bodyPr rtlCol="0" anchor="ctr"/>
+            <a:lstStyle/>
+            <a:p>
+              <a:pPr algn="ctr"/>
+              <a:endParaRPr lang="ko-KR" altLang="en-US"/>
+            </a:p>
+          </p:txBody>
+        </p:sp>
+        <p:sp>
+          <p:nvSpPr>
+            <p:cNvPr id="16" name="TextBox 15">
+              <a:extLst>
+                <a:ext uri="{FF2B5EF4-FFF2-40B4-BE49-F238E27FC236}">
+                  <a16:creationId xmlns:a16="http://schemas.microsoft.com/office/drawing/2014/main" xmlns="" id="{314989EB-2D66-48FD-AE45-E8AAC62D69DF}"/>
+                </a:ext>
+              </a:extLst>
+            </p:cNvPr>
+            <p:cNvSpPr txBox="1"/>
+            <p:nvPr/>
+          </p:nvSpPr>
+          <p:spPr>
+            <a:xfrm>
+              <a:off x="660400" y="238397"/>
+              <a:ext cx="2571538" cy="711118"/>
+            </a:xfrm>
+            <a:prstGeom prst="rect">
+              <a:avLst/>
+            </a:prstGeom>
+            <a:noFill/>
+          </p:spPr>
+          <p:txBody>
+            <a:bodyPr wrap="none" rtlCol="0">
+              <a:spAutoFit/>
+            </a:bodyPr>
+            <a:lstStyle/>
+            <a:p>
+              <a:r>
+                <a:rPr lang="ko-KR" altLang="en-US" sz="3300" spc="-300" dirty="0" smtClean="0">
+                  <a:solidFill>
+                    <a:schemeClr val="tx1">
+                      <a:lumMod val="85000"/>
+                      <a:lumOff val="15000"/>
+                    </a:schemeClr>
+                  </a:solidFill>
+                </a:rPr>
+                <a:t>와이어 프레임</a:t>
+              </a:r>
+              <a:endParaRPr lang="ko-KR" altLang="en-US" sz="3300" spc="-300" dirty="0">
+                <a:solidFill>
+                  <a:schemeClr val="tx1">
+                    <a:lumMod val="85000"/>
+                    <a:lumOff val="15000"/>
+                  </a:schemeClr>
+                </a:solidFill>
+              </a:endParaRPr>
+            </a:p>
+          </p:txBody>
+        </p:sp>
+        <p:sp>
+          <p:nvSpPr>
+            <p:cNvPr id="18" name="TextBox 17">
+              <a:extLst>
+                <a:ext uri="{FF2B5EF4-FFF2-40B4-BE49-F238E27FC236}">
+                  <a16:creationId xmlns:a16="http://schemas.microsoft.com/office/drawing/2014/main" xmlns="" id="{373F017D-1562-4D58-90BD-4CB746FFE587}"/>
+                </a:ext>
+              </a:extLst>
+            </p:cNvPr>
+            <p:cNvSpPr txBox="1"/>
+            <p:nvPr/>
+          </p:nvSpPr>
+          <p:spPr>
+            <a:xfrm>
+              <a:off x="111760" y="81618"/>
+              <a:ext cx="527709" cy="984625"/>
+            </a:xfrm>
+            <a:prstGeom prst="rect">
+              <a:avLst/>
+            </a:prstGeom>
+            <a:noFill/>
+          </p:spPr>
+          <p:txBody>
+            <a:bodyPr wrap="none" rtlCol="0">
+              <a:spAutoFit/>
+            </a:bodyPr>
+            <a:lstStyle/>
+            <a:p>
+              <a:r>
+                <a:rPr lang="en-US" altLang="ko-KR" sz="4800" b="1" dirty="0">
+                  <a:solidFill>
+                    <a:schemeClr val="bg1">
+                      <a:lumMod val="85000"/>
+                    </a:schemeClr>
+                  </a:solidFill>
+                  <a:latin typeface="+mj-lt"/>
+                  <a:ea typeface="+mj-ea"/>
+                </a:rPr>
+                <a:t>3</a:t>
+              </a:r>
+              <a:endParaRPr lang="ko-KR" altLang="en-US" sz="4800" b="1" dirty="0">
+                <a:solidFill>
+                  <a:schemeClr val="bg1">
+                    <a:lumMod val="85000"/>
+                  </a:schemeClr>
+                </a:solidFill>
+                <a:latin typeface="+mj-lt"/>
+                <a:ea typeface="+mj-ea"/>
+              </a:endParaRPr>
+            </a:p>
+          </p:txBody>
+        </p:sp>
+        <p:cxnSp>
+          <p:nvCxnSpPr>
+            <p:cNvPr id="20" name="직선 연결선 19">
+              <a:extLst>
+                <a:ext uri="{FF2B5EF4-FFF2-40B4-BE49-F238E27FC236}">
+                  <a16:creationId xmlns:a16="http://schemas.microsoft.com/office/drawing/2014/main" xmlns="" id="{694D31A9-4C98-4514-A4CD-FEE8123A95D4}"/>
+                </a:ext>
+              </a:extLst>
+            </p:cNvPr>
+            <p:cNvCxnSpPr/>
+            <p:nvPr/>
+          </p:nvCxnSpPr>
+          <p:spPr>
+            <a:xfrm>
+              <a:off x="660400" y="1073885"/>
+              <a:ext cx="11531600" cy="0"/>
+            </a:xfrm>
+            <a:prstGeom prst="line">
+              <a:avLst/>
+            </a:prstGeom>
+            <a:ln>
+              <a:solidFill>
+                <a:schemeClr val="bg1">
+                  <a:lumMod val="75000"/>
+                </a:schemeClr>
+              </a:solidFill>
+            </a:ln>
+          </p:spPr>
+          <p:style>
+            <a:lnRef idx="1">
+              <a:schemeClr val="accent1"/>
+            </a:lnRef>
+            <a:fillRef idx="0">
+              <a:schemeClr val="accent1"/>
+            </a:fillRef>
+            <a:effectRef idx="0">
+              <a:schemeClr val="accent1"/>
+            </a:effectRef>
+            <a:fontRef idx="minor">
+              <a:schemeClr val="tx1"/>
+            </a:fontRef>
+          </p:style>
+        </p:cxnSp>
+      </p:grpSp>
+      <p:sp>
+        <p:nvSpPr>
+          <p:cNvPr id="19" name="직사각형 18"/>
+          <p:cNvSpPr/>
+          <p:nvPr/>
+        </p:nvSpPr>
+        <p:spPr>
+          <a:xfrm>
+            <a:off x="9948891" y="6543162"/>
+            <a:ext cx="2155502" cy="271035"/>
+          </a:xfrm>
+          <a:prstGeom prst="rect">
+            <a:avLst/>
+          </a:prstGeom>
+          <a:solidFill>
+            <a:schemeClr val="bg1"/>
+          </a:solidFill>
+          <a:ln>
+            <a:solidFill>
+              <a:schemeClr val="bg1"/>
+            </a:solidFill>
+          </a:ln>
+        </p:spPr>
+        <p:style>
+          <a:lnRef idx="2">
+            <a:schemeClr val="accent1">
+              <a:shade val="50000"/>
+            </a:schemeClr>
+          </a:lnRef>
+          <a:fillRef idx="1">
+            <a:schemeClr val="accent1"/>
+          </a:fillRef>
+          <a:effectRef idx="0">
+            <a:schemeClr val="accent1"/>
+          </a:effectRef>
+          <a:fontRef idx="minor">
+            <a:schemeClr val="lt1"/>
+          </a:fontRef>
+        </p:style>
+        <p:txBody>
+          <a:bodyPr rtlCol="0" anchor="ctr"/>
+          <a:lstStyle/>
+          <a:p>
+            <a:pPr algn="ctr"/>
+            <a:endParaRPr lang="ko-KR" altLang="en-US"/>
+          </a:p>
+        </p:txBody>
+      </p:sp>
+      <p:sp>
+        <p:nvSpPr>
+          <p:cNvPr id="4" name="직사각형 3"/>
+          <p:cNvSpPr/>
+          <p:nvPr/>
+        </p:nvSpPr>
+        <p:spPr>
+          <a:xfrm>
+            <a:off x="327615" y="1549552"/>
+            <a:ext cx="11536771" cy="5048364"/>
+          </a:xfrm>
+          <a:prstGeom prst="rect">
+            <a:avLst/>
+          </a:prstGeom>
+          <a:solidFill>
+            <a:schemeClr val="bg1"/>
+          </a:solidFill>
+          <a:ln>
+            <a:solidFill>
+              <a:schemeClr val="tx1"/>
+            </a:solidFill>
+          </a:ln>
+        </p:spPr>
+        <p:style>
+          <a:lnRef idx="2">
+            <a:schemeClr val="accent1">
+              <a:shade val="50000"/>
+            </a:schemeClr>
+          </a:lnRef>
+          <a:fillRef idx="1">
+            <a:schemeClr val="accent1"/>
+          </a:fillRef>
+          <a:effectRef idx="0">
+            <a:schemeClr val="accent1"/>
+          </a:effectRef>
+          <a:fontRef idx="minor">
+            <a:schemeClr val="lt1"/>
+          </a:fontRef>
+        </p:style>
+        <p:txBody>
+          <a:bodyPr rtlCol="0" anchor="ctr"/>
+          <a:lstStyle/>
+          <a:p>
+            <a:pPr algn="ctr"/>
+            <a:endParaRPr lang="ko-KR" altLang="en-US"/>
+          </a:p>
+        </p:txBody>
+      </p:sp>
+      <p:sp>
+        <p:nvSpPr>
+          <p:cNvPr id="23" name="직사각형 22"/>
+          <p:cNvSpPr/>
+          <p:nvPr/>
+        </p:nvSpPr>
+        <p:spPr>
+          <a:xfrm>
+            <a:off x="3167485" y="3340278"/>
+            <a:ext cx="5857030" cy="1466912"/>
+          </a:xfrm>
+          <a:prstGeom prst="rect">
+            <a:avLst/>
+          </a:prstGeom>
+          <a:solidFill>
+            <a:schemeClr val="accent1"/>
+          </a:solidFill>
+        </p:spPr>
+        <p:style>
+          <a:lnRef idx="2">
+            <a:schemeClr val="accent1">
+              <a:shade val="50000"/>
+            </a:schemeClr>
+          </a:lnRef>
+          <a:fillRef idx="1">
+            <a:schemeClr val="accent1"/>
+          </a:fillRef>
+          <a:effectRef idx="0">
+            <a:schemeClr val="accent1"/>
+          </a:effectRef>
+          <a:fontRef idx="minor">
+            <a:schemeClr val="lt1"/>
+          </a:fontRef>
+        </p:style>
+        <p:txBody>
+          <a:bodyPr rtlCol="0" anchor="ctr"/>
+          <a:lstStyle/>
+          <a:p>
+            <a:pPr algn="ctr"/>
+            <a:r>
+              <a:rPr lang="en-US" altLang="ko-KR" dirty="0" smtClean="0"/>
+              <a:t>Text Area</a:t>
+            </a:r>
+            <a:endParaRPr lang="ko-KR" altLang="en-US" dirty="0"/>
+          </a:p>
+        </p:txBody>
+      </p:sp>
+      <p:sp>
+        <p:nvSpPr>
+          <p:cNvPr id="22" name="직사각형 21"/>
+          <p:cNvSpPr/>
+          <p:nvPr/>
+        </p:nvSpPr>
+        <p:spPr>
+          <a:xfrm>
+            <a:off x="5772036" y="6302242"/>
+            <a:ext cx="647928" cy="240919"/>
+          </a:xfrm>
+          <a:prstGeom prst="rect">
+            <a:avLst/>
+          </a:prstGeom>
+          <a:solidFill>
+            <a:schemeClr val="accent1"/>
+          </a:solidFill>
+        </p:spPr>
+        <p:style>
+          <a:lnRef idx="2">
+            <a:schemeClr val="accent1">
+              <a:shade val="50000"/>
+            </a:schemeClr>
+          </a:lnRef>
+          <a:fillRef idx="1">
+            <a:schemeClr val="accent1"/>
+          </a:fillRef>
+          <a:effectRef idx="0">
+            <a:schemeClr val="accent1"/>
+          </a:effectRef>
+          <a:fontRef idx="minor">
+            <a:schemeClr val="lt1"/>
+          </a:fontRef>
+        </p:style>
+        <p:txBody>
+          <a:bodyPr rtlCol="0" anchor="ctr"/>
+          <a:lstStyle/>
+          <a:p>
+            <a:pPr algn="ctr"/>
+            <a:r>
+              <a:rPr lang="ko-KR" altLang="en-US" sz="1000" dirty="0" smtClean="0"/>
+              <a:t>휠 모양</a:t>
+            </a:r>
+            <a:endParaRPr lang="ko-KR" altLang="en-US" sz="1000" dirty="0"/>
+          </a:p>
+        </p:txBody>
+      </p:sp>
+      <p:cxnSp>
+        <p:nvCxnSpPr>
+          <p:cNvPr id="12" name="직선 연결선 11"/>
+          <p:cNvCxnSpPr/>
+          <p:nvPr/>
+        </p:nvCxnSpPr>
+        <p:spPr>
+          <a:xfrm>
+            <a:off x="327615" y="1549552"/>
+            <a:ext cx="11536771" cy="5048364"/>
+          </a:xfrm>
+          <a:prstGeom prst="line">
+            <a:avLst/>
+          </a:prstGeom>
+        </p:spPr>
+        <p:style>
+          <a:lnRef idx="1">
+            <a:schemeClr val="accent1"/>
+          </a:lnRef>
+          <a:fillRef idx="0">
+            <a:schemeClr val="accent1"/>
+          </a:fillRef>
+          <a:effectRef idx="0">
+            <a:schemeClr val="accent1"/>
+          </a:effectRef>
+          <a:fontRef idx="minor">
+            <a:schemeClr val="tx1"/>
+          </a:fontRef>
+        </p:style>
+      </p:cxnSp>
+      <p:cxnSp>
+        <p:nvCxnSpPr>
+          <p:cNvPr id="31" name="직선 연결선 30"/>
+          <p:cNvCxnSpPr/>
+          <p:nvPr/>
+        </p:nvCxnSpPr>
+        <p:spPr>
+          <a:xfrm flipH="1">
+            <a:off x="327615" y="1549552"/>
+            <a:ext cx="11536771" cy="5048364"/>
+          </a:xfrm>
+          <a:prstGeom prst="line">
+            <a:avLst/>
+          </a:prstGeom>
+        </p:spPr>
+        <p:style>
+          <a:lnRef idx="1">
+            <a:schemeClr val="accent1"/>
+          </a:lnRef>
+          <a:fillRef idx="0">
+            <a:schemeClr val="accent1"/>
+          </a:fillRef>
+          <a:effectRef idx="0">
+            <a:schemeClr val="accent1"/>
+          </a:effectRef>
+          <a:fontRef idx="minor">
+            <a:schemeClr val="tx1"/>
+          </a:fontRef>
+        </p:style>
+      </p:cxnSp>
+      <p:sp>
+        <p:nvSpPr>
+          <p:cNvPr id="32" name="TextBox 31"/>
+          <p:cNvSpPr txBox="1"/>
+          <p:nvPr/>
+        </p:nvSpPr>
+        <p:spPr>
+          <a:xfrm>
+            <a:off x="9899612" y="1148605"/>
+            <a:ext cx="1964774" cy="369332"/>
+          </a:xfrm>
+          <a:prstGeom prst="rect">
+            <a:avLst/>
+          </a:prstGeom>
+          <a:noFill/>
+        </p:spPr>
+        <p:txBody>
+          <a:bodyPr wrap="square" rtlCol="0">
+            <a:spAutoFit/>
+          </a:bodyPr>
+          <a:lstStyle/>
+          <a:p>
+            <a:r>
+              <a:rPr lang="en-US" altLang="ko-KR" dirty="0" smtClean="0"/>
+              <a:t>Main Page / Main</a:t>
+            </a:r>
+            <a:endParaRPr lang="ko-KR" altLang="en-US" dirty="0"/>
+          </a:p>
+        </p:txBody>
+      </p:sp>
+      <p:sp>
+        <p:nvSpPr>
+          <p:cNvPr id="2" name="직사각형 1"/>
+          <p:cNvSpPr/>
+          <p:nvPr/>
+        </p:nvSpPr>
+        <p:spPr>
+          <a:xfrm>
+            <a:off x="327615" y="1549552"/>
+            <a:ext cx="11536772" cy="5041913"/>
+          </a:xfrm>
+          <a:prstGeom prst="rect">
+            <a:avLst/>
+          </a:prstGeom>
+          <a:solidFill>
+            <a:srgbClr val="F2F2F2">
+              <a:alpha val="50196"/>
+            </a:srgbClr>
+          </a:solidFill>
+        </p:spPr>
+        <p:style>
+          <a:lnRef idx="2">
+            <a:schemeClr val="accent1">
+              <a:shade val="50000"/>
+            </a:schemeClr>
+          </a:lnRef>
+          <a:fillRef idx="1">
+            <a:schemeClr val="accent1"/>
+          </a:fillRef>
+          <a:effectRef idx="0">
+            <a:schemeClr val="accent1"/>
+          </a:effectRef>
+          <a:fontRef idx="minor">
+            <a:schemeClr val="lt1"/>
+          </a:fontRef>
+        </p:style>
+        <p:txBody>
+          <a:bodyPr rtlCol="0" anchor="ctr"/>
+          <a:lstStyle/>
+          <a:p>
+            <a:pPr algn="ctr"/>
+            <a:endParaRPr lang="ko-KR" altLang="en-US"/>
+          </a:p>
+        </p:txBody>
+      </p:sp>
+      <p:sp>
+        <p:nvSpPr>
+          <p:cNvPr id="5" name="직사각형 4"/>
+          <p:cNvSpPr/>
+          <p:nvPr/>
+        </p:nvSpPr>
+        <p:spPr>
+          <a:xfrm>
+            <a:off x="10863291" y="1643568"/>
+            <a:ext cx="903449" cy="438036"/>
+          </a:xfrm>
+          <a:prstGeom prst="rect">
+            <a:avLst/>
+          </a:prstGeom>
+          <a:solidFill>
+            <a:schemeClr val="accent1"/>
+          </a:solidFill>
+        </p:spPr>
+        <p:style>
+          <a:lnRef idx="2">
+            <a:schemeClr val="accent1">
+              <a:shade val="50000"/>
+            </a:schemeClr>
+          </a:lnRef>
+          <a:fillRef idx="1">
+            <a:schemeClr val="accent1"/>
+          </a:fillRef>
+          <a:effectRef idx="0">
+            <a:schemeClr val="accent1"/>
+          </a:effectRef>
+          <a:fontRef idx="minor">
+            <a:schemeClr val="lt1"/>
+          </a:fontRef>
+        </p:style>
+        <p:txBody>
+          <a:bodyPr rtlCol="0" anchor="ctr"/>
+          <a:lstStyle/>
+          <a:p>
+            <a:pPr algn="ctr"/>
+            <a:r>
+              <a:rPr lang="ko-KR" altLang="en-US" dirty="0" smtClean="0"/>
+              <a:t>메뉴</a:t>
+            </a:r>
+            <a:endParaRPr lang="ko-KR" altLang="en-US" dirty="0"/>
+          </a:p>
+        </p:txBody>
+      </p:sp>
+      <p:sp>
+        <p:nvSpPr>
+          <p:cNvPr id="3" name="직사각형 2"/>
+          <p:cNvSpPr/>
+          <p:nvPr/>
+        </p:nvSpPr>
+        <p:spPr>
+          <a:xfrm>
+            <a:off x="327614" y="1556003"/>
+            <a:ext cx="5768385" cy="5041913"/>
+          </a:xfrm>
+          <a:prstGeom prst="rect">
+            <a:avLst/>
+          </a:prstGeom>
+        </p:spPr>
+        <p:style>
+          <a:lnRef idx="2">
+            <a:schemeClr val="accent1">
+              <a:shade val="50000"/>
+            </a:schemeClr>
+          </a:lnRef>
+          <a:fillRef idx="1">
+            <a:schemeClr val="accent1"/>
+          </a:fillRef>
+          <a:effectRef idx="0">
+            <a:schemeClr val="accent1"/>
+          </a:effectRef>
+          <a:fontRef idx="minor">
+            <a:schemeClr val="lt1"/>
+          </a:fontRef>
+        </p:style>
+        <p:txBody>
+          <a:bodyPr rtlCol="0" anchor="ctr"/>
+          <a:lstStyle/>
+          <a:p>
+            <a:pPr algn="ctr"/>
+            <a:endParaRPr lang="ko-KR" altLang="en-US"/>
+          </a:p>
+        </p:txBody>
+      </p:sp>
+      <p:sp>
+        <p:nvSpPr>
+          <p:cNvPr id="26" name="직사각형 25"/>
+          <p:cNvSpPr/>
+          <p:nvPr/>
+        </p:nvSpPr>
+        <p:spPr>
+          <a:xfrm>
+            <a:off x="5899143" y="1568377"/>
+            <a:ext cx="196857" cy="172281"/>
+          </a:xfrm>
+          <a:prstGeom prst="rect">
+            <a:avLst/>
+          </a:prstGeom>
+          <a:solidFill>
+            <a:schemeClr val="bg1"/>
+          </a:solidFill>
+        </p:spPr>
+        <p:style>
+          <a:lnRef idx="2">
+            <a:schemeClr val="accent1">
+              <a:shade val="50000"/>
+            </a:schemeClr>
+          </a:lnRef>
+          <a:fillRef idx="1">
+            <a:schemeClr val="accent1"/>
+          </a:fillRef>
+          <a:effectRef idx="0">
+            <a:schemeClr val="accent1"/>
+          </a:effectRef>
+          <a:fontRef idx="minor">
+            <a:schemeClr val="lt1"/>
+          </a:fontRef>
+        </p:style>
+        <p:txBody>
+          <a:bodyPr rtlCol="0" anchor="ctr"/>
+          <a:lstStyle/>
+          <a:p>
+            <a:pPr algn="ctr"/>
+            <a:r>
+              <a:rPr lang="en-US" altLang="ko-KR" dirty="0" smtClean="0">
+                <a:solidFill>
+                  <a:schemeClr val="tx1"/>
+                </a:solidFill>
+              </a:rPr>
+              <a:t>X</a:t>
+            </a:r>
+            <a:endParaRPr lang="ko-KR" altLang="en-US" dirty="0">
+              <a:solidFill>
+                <a:schemeClr val="tx1"/>
+              </a:solidFill>
+            </a:endParaRPr>
+          </a:p>
+        </p:txBody>
+      </p:sp>
+      <p:sp>
+        <p:nvSpPr>
+          <p:cNvPr id="27" name="직사각형 26"/>
+          <p:cNvSpPr/>
+          <p:nvPr/>
+        </p:nvSpPr>
+        <p:spPr>
+          <a:xfrm>
+            <a:off x="400156" y="6312364"/>
+            <a:ext cx="758607" cy="230797"/>
+          </a:xfrm>
+          <a:prstGeom prst="rect">
+            <a:avLst/>
+          </a:prstGeom>
+          <a:solidFill>
+            <a:schemeClr val="bg1"/>
+          </a:solidFill>
+        </p:spPr>
+        <p:style>
+          <a:lnRef idx="2">
+            <a:schemeClr val="accent1">
+              <a:shade val="50000"/>
+            </a:schemeClr>
+          </a:lnRef>
+          <a:fillRef idx="1">
+            <a:schemeClr val="accent1"/>
+          </a:fillRef>
+          <a:effectRef idx="0">
+            <a:schemeClr val="accent1"/>
+          </a:effectRef>
+          <a:fontRef idx="minor">
+            <a:schemeClr val="lt1"/>
+          </a:fontRef>
+        </p:style>
+        <p:txBody>
+          <a:bodyPr rtlCol="0" anchor="ctr"/>
+          <a:lstStyle/>
+          <a:p>
+            <a:pPr algn="ctr"/>
+            <a:r>
+              <a:rPr lang="ko-KR" altLang="en-US" sz="1400" dirty="0" smtClean="0">
+                <a:solidFill>
+                  <a:schemeClr val="tx1"/>
+                </a:solidFill>
+              </a:rPr>
+              <a:t>로그인</a:t>
+            </a:r>
+            <a:endParaRPr lang="ko-KR" altLang="en-US" sz="1400" dirty="0">
+              <a:solidFill>
+                <a:schemeClr val="tx1"/>
+              </a:solidFill>
+            </a:endParaRPr>
+          </a:p>
+        </p:txBody>
+      </p:sp>
+      <p:sp>
+        <p:nvSpPr>
+          <p:cNvPr id="28" name="직사각형 27"/>
+          <p:cNvSpPr/>
+          <p:nvPr/>
+        </p:nvSpPr>
+        <p:spPr>
+          <a:xfrm>
+            <a:off x="2399104" y="1781007"/>
+            <a:ext cx="1660506" cy="1340746"/>
+          </a:xfrm>
+          <a:prstGeom prst="rect">
+            <a:avLst/>
+          </a:prstGeom>
+          <a:solidFill>
+            <a:schemeClr val="bg1"/>
+          </a:solidFill>
+        </p:spPr>
+        <p:style>
+          <a:lnRef idx="2">
+            <a:schemeClr val="accent1">
+              <a:shade val="50000"/>
+            </a:schemeClr>
+          </a:lnRef>
+          <a:fillRef idx="1">
+            <a:schemeClr val="accent1"/>
+          </a:fillRef>
+          <a:effectRef idx="0">
+            <a:schemeClr val="accent1"/>
+          </a:effectRef>
+          <a:fontRef idx="minor">
+            <a:schemeClr val="lt1"/>
+          </a:fontRef>
+        </p:style>
+        <p:txBody>
+          <a:bodyPr rtlCol="0" anchor="ctr"/>
+          <a:lstStyle/>
+          <a:p>
+            <a:pPr algn="ctr"/>
+            <a:r>
+              <a:rPr lang="en-US" altLang="ko-KR" dirty="0" smtClean="0">
+                <a:solidFill>
+                  <a:schemeClr val="tx1"/>
+                </a:solidFill>
+              </a:rPr>
+              <a:t>Menu</a:t>
+            </a:r>
+            <a:endParaRPr lang="ko-KR" altLang="en-US" dirty="0">
+              <a:solidFill>
+                <a:schemeClr val="tx1"/>
+              </a:solidFill>
+            </a:endParaRPr>
+          </a:p>
+        </p:txBody>
+      </p:sp>
+      <p:sp>
+        <p:nvSpPr>
+          <p:cNvPr id="30" name="직사각형 29"/>
+          <p:cNvSpPr/>
+          <p:nvPr/>
+        </p:nvSpPr>
+        <p:spPr>
+          <a:xfrm>
+            <a:off x="538480" y="3297527"/>
+            <a:ext cx="1660506" cy="1340746"/>
+          </a:xfrm>
+          <a:prstGeom prst="rect">
+            <a:avLst/>
+          </a:prstGeom>
+          <a:solidFill>
+            <a:schemeClr val="bg1"/>
+          </a:solidFill>
+        </p:spPr>
+        <p:style>
+          <a:lnRef idx="2">
+            <a:schemeClr val="accent1">
+              <a:shade val="50000"/>
+            </a:schemeClr>
+          </a:lnRef>
+          <a:fillRef idx="1">
+            <a:schemeClr val="accent1"/>
+          </a:fillRef>
+          <a:effectRef idx="0">
+            <a:schemeClr val="accent1"/>
+          </a:effectRef>
+          <a:fontRef idx="minor">
+            <a:schemeClr val="lt1"/>
+          </a:fontRef>
+        </p:style>
+        <p:txBody>
+          <a:bodyPr rtlCol="0" anchor="ctr"/>
+          <a:lstStyle/>
+          <a:p>
+            <a:pPr algn="ctr"/>
+            <a:r>
+              <a:rPr lang="en-US" altLang="ko-KR" dirty="0" smtClean="0">
+                <a:solidFill>
+                  <a:schemeClr val="tx1"/>
+                </a:solidFill>
+              </a:rPr>
+              <a:t>Menu</a:t>
+            </a:r>
+            <a:endParaRPr lang="ko-KR" altLang="en-US" dirty="0">
+              <a:solidFill>
+                <a:schemeClr val="tx1"/>
+              </a:solidFill>
+            </a:endParaRPr>
+          </a:p>
+        </p:txBody>
+      </p:sp>
+      <p:sp>
+        <p:nvSpPr>
+          <p:cNvPr id="34" name="직사각형 33"/>
+          <p:cNvSpPr/>
+          <p:nvPr/>
+        </p:nvSpPr>
+        <p:spPr>
+          <a:xfrm>
+            <a:off x="4259727" y="3297527"/>
+            <a:ext cx="1660506" cy="1340746"/>
+          </a:xfrm>
+          <a:prstGeom prst="rect">
+            <a:avLst/>
+          </a:prstGeom>
+          <a:solidFill>
+            <a:schemeClr val="bg1"/>
+          </a:solidFill>
+        </p:spPr>
+        <p:style>
+          <a:lnRef idx="2">
+            <a:schemeClr val="accent1">
+              <a:shade val="50000"/>
+            </a:schemeClr>
+          </a:lnRef>
+          <a:fillRef idx="1">
+            <a:schemeClr val="accent1"/>
+          </a:fillRef>
+          <a:effectRef idx="0">
+            <a:schemeClr val="accent1"/>
+          </a:effectRef>
+          <a:fontRef idx="minor">
+            <a:schemeClr val="lt1"/>
+          </a:fontRef>
+        </p:style>
+        <p:txBody>
+          <a:bodyPr rtlCol="0" anchor="ctr"/>
+          <a:lstStyle/>
+          <a:p>
+            <a:pPr algn="ctr"/>
+            <a:r>
+              <a:rPr lang="en-US" altLang="ko-KR" dirty="0">
+                <a:solidFill>
+                  <a:schemeClr val="tx1"/>
+                </a:solidFill>
+              </a:rPr>
+              <a:t>Menu</a:t>
+            </a:r>
+            <a:endParaRPr lang="ko-KR" altLang="en-US" dirty="0">
+              <a:solidFill>
+                <a:schemeClr val="tx1"/>
+              </a:solidFill>
+            </a:endParaRPr>
+          </a:p>
+        </p:txBody>
+      </p:sp>
+      <p:sp>
+        <p:nvSpPr>
+          <p:cNvPr id="36" name="직사각형 35"/>
+          <p:cNvSpPr/>
+          <p:nvPr/>
+        </p:nvSpPr>
+        <p:spPr>
+          <a:xfrm>
+            <a:off x="2399104" y="4838784"/>
+            <a:ext cx="1660506" cy="1340746"/>
+          </a:xfrm>
+          <a:prstGeom prst="rect">
+            <a:avLst/>
+          </a:prstGeom>
+          <a:solidFill>
+            <a:schemeClr val="bg1"/>
+          </a:solidFill>
+        </p:spPr>
+        <p:style>
+          <a:lnRef idx="2">
+            <a:schemeClr val="accent1">
+              <a:shade val="50000"/>
+            </a:schemeClr>
+          </a:lnRef>
+          <a:fillRef idx="1">
+            <a:schemeClr val="accent1"/>
+          </a:fillRef>
+          <a:effectRef idx="0">
+            <a:schemeClr val="accent1"/>
+          </a:effectRef>
+          <a:fontRef idx="minor">
+            <a:schemeClr val="lt1"/>
+          </a:fontRef>
+        </p:style>
+        <p:txBody>
+          <a:bodyPr rtlCol="0" anchor="ctr"/>
+          <a:lstStyle/>
+          <a:p>
+            <a:pPr algn="ctr"/>
+            <a:r>
+              <a:rPr lang="en-US" altLang="ko-KR" dirty="0">
+                <a:solidFill>
+                  <a:schemeClr val="tx1"/>
+                </a:solidFill>
+              </a:rPr>
+              <a:t>Menu</a:t>
+            </a:r>
+            <a:endParaRPr lang="ko-KR" altLang="en-US" dirty="0">
+              <a:solidFill>
+                <a:schemeClr val="tx1"/>
+              </a:solidFill>
+            </a:endParaRPr>
+          </a:p>
+        </p:txBody>
+      </p:sp>
+    </p:spTree>
+    <p:extLst>
+      <p:ext uri="{BB962C8B-B14F-4D97-AF65-F5344CB8AC3E}">
+        <p14:creationId xmlns:p14="http://schemas.microsoft.com/office/powerpoint/2010/main" val="1846174584"/>
+      </p:ext>
+    </p:extLst>
+  </p:cSld>
+  <p:clrMapOvr>
+    <a:masterClrMapping/>
+  </p:clrMapOvr>
+  <mc:AlternateContent xmlns:mc="http://schemas.openxmlformats.org/markup-compatibility/2006">
+    <mc:Choice xmlns:p14="http://schemas.microsoft.com/office/powerpoint/2010/main" Requires="p14">
+      <p:transition spd="med" p14:dur="700">
+        <p:fade/>
+      </p:transition>
+    </mc:Choice>
+    <mc:Fallback>
+      <p:transition spd="med">
+        <p:fade/>
+      </p:transition>
+    </mc:Fallback>
+  </mc:AlternateContent>
+  <p:timing>
+    <p:tnLst>
+      <p:par>
+        <p:cTn id="1" dur="indefinite" restart="never" nodeType="tmRoot"/>
+      </p:par>
+    </p:tnLst>
+  </p:timing>
+</p:sld>
+</file>
+
+<file path=ppt/slides/slide12.xml><?xml version="1.0" encoding="utf-8"?>
+<p:sld xmlns:a="http://schemas.openxmlformats.org/drawingml/2006/main" xmlns:r="http://schemas.openxmlformats.org/officeDocument/2006/relationships" xmlns:p="http://schemas.openxmlformats.org/presentationml/2006/main">
+  <p:cSld>
+    <p:spTree>
+      <p:nvGrpSpPr>
+        <p:cNvPr id="1" name=""/>
+        <p:cNvGrpSpPr/>
+        <p:nvPr/>
+      </p:nvGrpSpPr>
+      <p:grpSpPr>
+        <a:xfrm>
+          <a:off x="0" y="0"/>
+          <a:ext cx="0" cy="0"/>
+          <a:chOff x="0" y="0"/>
+          <a:chExt cx="0" cy="0"/>
+        </a:xfrm>
+      </p:grpSpPr>
+      <p:grpSp>
+        <p:nvGrpSpPr>
+          <p:cNvPr id="21" name="그룹 20">
+            <a:extLst>
+              <a:ext uri="{FF2B5EF4-FFF2-40B4-BE49-F238E27FC236}">
+                <a16:creationId xmlns:a16="http://schemas.microsoft.com/office/drawing/2014/main" xmlns="" id="{34AF672D-F300-49ED-B1B1-C7AD77F1CF1D}"/>
+              </a:ext>
+            </a:extLst>
+          </p:cNvPr>
+          <p:cNvGrpSpPr/>
+          <p:nvPr/>
+        </p:nvGrpSpPr>
+        <p:grpSpPr>
+          <a:xfrm>
+            <a:off x="0" y="0"/>
+            <a:ext cx="12192000" cy="908925"/>
+            <a:chOff x="0" y="0"/>
+            <a:chExt cx="12192000" cy="1076960"/>
+          </a:xfrm>
+        </p:grpSpPr>
+        <p:sp>
+          <p:nvSpPr>
+            <p:cNvPr id="14" name="직사각형 13">
+              <a:extLst>
+                <a:ext uri="{FF2B5EF4-FFF2-40B4-BE49-F238E27FC236}">
+                  <a16:creationId xmlns:a16="http://schemas.microsoft.com/office/drawing/2014/main" xmlns="" id="{C47BEF14-6520-4B7C-A137-6786E163399F}"/>
+                </a:ext>
+              </a:extLst>
+            </p:cNvPr>
+            <p:cNvSpPr/>
+            <p:nvPr/>
+          </p:nvSpPr>
+          <p:spPr>
+            <a:xfrm>
+              <a:off x="0" y="0"/>
+              <a:ext cx="121920" cy="1076960"/>
+            </a:xfrm>
+            <a:prstGeom prst="rect">
+              <a:avLst/>
+            </a:prstGeom>
+            <a:ln>
+              <a:noFill/>
+            </a:ln>
+          </p:spPr>
+          <p:style>
+            <a:lnRef idx="2">
+              <a:schemeClr val="accent1">
+                <a:shade val="50000"/>
+              </a:schemeClr>
+            </a:lnRef>
+            <a:fillRef idx="1">
+              <a:schemeClr val="accent1"/>
+            </a:fillRef>
+            <a:effectRef idx="0">
+              <a:schemeClr val="accent1"/>
+            </a:effectRef>
+            <a:fontRef idx="minor">
+              <a:schemeClr val="lt1"/>
+            </a:fontRef>
+          </p:style>
+          <p:txBody>
+            <a:bodyPr rtlCol="0" anchor="ctr"/>
+            <a:lstStyle/>
+            <a:p>
+              <a:pPr algn="ctr"/>
+              <a:endParaRPr lang="ko-KR" altLang="en-US"/>
+            </a:p>
+          </p:txBody>
+        </p:sp>
+        <p:sp>
+          <p:nvSpPr>
+            <p:cNvPr id="15" name="직사각형 14">
+              <a:extLst>
+                <a:ext uri="{FF2B5EF4-FFF2-40B4-BE49-F238E27FC236}">
+                  <a16:creationId xmlns:a16="http://schemas.microsoft.com/office/drawing/2014/main" xmlns="" id="{AE7E944A-14D6-40FD-AC6E-795762F0A52A}"/>
+                </a:ext>
+              </a:extLst>
+            </p:cNvPr>
+            <p:cNvSpPr/>
+            <p:nvPr/>
+          </p:nvSpPr>
+          <p:spPr>
+            <a:xfrm rot="5400000">
+              <a:off x="269240" y="-147320"/>
+              <a:ext cx="121920" cy="416560"/>
+            </a:xfrm>
+            <a:prstGeom prst="rect">
+              <a:avLst/>
+            </a:prstGeom>
+            <a:solidFill>
+              <a:schemeClr val="accent4"/>
+            </a:solidFill>
+            <a:ln>
+              <a:noFill/>
+            </a:ln>
+          </p:spPr>
+          <p:style>
+            <a:lnRef idx="2">
+              <a:schemeClr val="accent1">
+                <a:shade val="50000"/>
+              </a:schemeClr>
+            </a:lnRef>
+            <a:fillRef idx="1">
+              <a:schemeClr val="accent1"/>
+            </a:fillRef>
+            <a:effectRef idx="0">
+              <a:schemeClr val="accent1"/>
+            </a:effectRef>
+            <a:fontRef idx="minor">
+              <a:schemeClr val="lt1"/>
+            </a:fontRef>
+          </p:style>
+          <p:txBody>
+            <a:bodyPr rtlCol="0" anchor="ctr"/>
+            <a:lstStyle/>
+            <a:p>
+              <a:pPr algn="ctr"/>
+              <a:endParaRPr lang="ko-KR" altLang="en-US"/>
+            </a:p>
+          </p:txBody>
+        </p:sp>
+        <p:sp>
+          <p:nvSpPr>
+            <p:cNvPr id="16" name="TextBox 15">
+              <a:extLst>
+                <a:ext uri="{FF2B5EF4-FFF2-40B4-BE49-F238E27FC236}">
+                  <a16:creationId xmlns:a16="http://schemas.microsoft.com/office/drawing/2014/main" xmlns="" id="{314989EB-2D66-48FD-AE45-E8AAC62D69DF}"/>
+                </a:ext>
+              </a:extLst>
+            </p:cNvPr>
+            <p:cNvSpPr txBox="1"/>
+            <p:nvPr/>
+          </p:nvSpPr>
+          <p:spPr>
+            <a:xfrm>
+              <a:off x="660400" y="238397"/>
+              <a:ext cx="2571538" cy="711118"/>
+            </a:xfrm>
+            <a:prstGeom prst="rect">
+              <a:avLst/>
+            </a:prstGeom>
+            <a:noFill/>
+          </p:spPr>
+          <p:txBody>
+            <a:bodyPr wrap="none" rtlCol="0">
+              <a:spAutoFit/>
+            </a:bodyPr>
+            <a:lstStyle/>
+            <a:p>
+              <a:r>
+                <a:rPr lang="ko-KR" altLang="en-US" sz="3300" spc="-300" dirty="0" smtClean="0">
+                  <a:solidFill>
+                    <a:schemeClr val="tx1">
+                      <a:lumMod val="85000"/>
+                      <a:lumOff val="15000"/>
+                    </a:schemeClr>
+                  </a:solidFill>
+                </a:rPr>
+                <a:t>와이어 프레임</a:t>
+              </a:r>
+              <a:endParaRPr lang="ko-KR" altLang="en-US" sz="3300" spc="-300" dirty="0">
+                <a:solidFill>
+                  <a:schemeClr val="tx1">
+                    <a:lumMod val="85000"/>
+                    <a:lumOff val="15000"/>
+                  </a:schemeClr>
+                </a:solidFill>
+              </a:endParaRPr>
+            </a:p>
+          </p:txBody>
+        </p:sp>
+        <p:sp>
+          <p:nvSpPr>
+            <p:cNvPr id="18" name="TextBox 17">
+              <a:extLst>
+                <a:ext uri="{FF2B5EF4-FFF2-40B4-BE49-F238E27FC236}">
+                  <a16:creationId xmlns:a16="http://schemas.microsoft.com/office/drawing/2014/main" xmlns="" id="{373F017D-1562-4D58-90BD-4CB746FFE587}"/>
+                </a:ext>
+              </a:extLst>
+            </p:cNvPr>
+            <p:cNvSpPr txBox="1"/>
+            <p:nvPr/>
+          </p:nvSpPr>
+          <p:spPr>
+            <a:xfrm>
+              <a:off x="111760" y="81618"/>
+              <a:ext cx="527709" cy="984625"/>
+            </a:xfrm>
+            <a:prstGeom prst="rect">
+              <a:avLst/>
+            </a:prstGeom>
+            <a:noFill/>
+          </p:spPr>
+          <p:txBody>
+            <a:bodyPr wrap="none" rtlCol="0">
+              <a:spAutoFit/>
+            </a:bodyPr>
+            <a:lstStyle/>
+            <a:p>
+              <a:r>
+                <a:rPr lang="en-US" altLang="ko-KR" sz="4800" b="1" dirty="0">
+                  <a:solidFill>
+                    <a:schemeClr val="bg1">
+                      <a:lumMod val="85000"/>
+                    </a:schemeClr>
+                  </a:solidFill>
+                  <a:latin typeface="+mj-lt"/>
+                  <a:ea typeface="+mj-ea"/>
+                </a:rPr>
+                <a:t>3</a:t>
+              </a:r>
+              <a:endParaRPr lang="ko-KR" altLang="en-US" sz="4800" b="1" dirty="0">
+                <a:solidFill>
+                  <a:schemeClr val="bg1">
+                    <a:lumMod val="85000"/>
+                  </a:schemeClr>
+                </a:solidFill>
+                <a:latin typeface="+mj-lt"/>
+                <a:ea typeface="+mj-ea"/>
+              </a:endParaRPr>
+            </a:p>
+          </p:txBody>
+        </p:sp>
+        <p:cxnSp>
+          <p:nvCxnSpPr>
+            <p:cNvPr id="20" name="직선 연결선 19">
+              <a:extLst>
+                <a:ext uri="{FF2B5EF4-FFF2-40B4-BE49-F238E27FC236}">
+                  <a16:creationId xmlns:a16="http://schemas.microsoft.com/office/drawing/2014/main" xmlns="" id="{694D31A9-4C98-4514-A4CD-FEE8123A95D4}"/>
+                </a:ext>
+              </a:extLst>
+            </p:cNvPr>
+            <p:cNvCxnSpPr/>
+            <p:nvPr/>
+          </p:nvCxnSpPr>
+          <p:spPr>
+            <a:xfrm>
+              <a:off x="660400" y="1073885"/>
+              <a:ext cx="11531600" cy="0"/>
+            </a:xfrm>
+            <a:prstGeom prst="line">
+              <a:avLst/>
+            </a:prstGeom>
+            <a:ln>
+              <a:solidFill>
+                <a:schemeClr val="bg1">
+                  <a:lumMod val="75000"/>
+                </a:schemeClr>
+              </a:solidFill>
+            </a:ln>
+          </p:spPr>
+          <p:style>
+            <a:lnRef idx="1">
+              <a:schemeClr val="accent1"/>
+            </a:lnRef>
+            <a:fillRef idx="0">
+              <a:schemeClr val="accent1"/>
+            </a:fillRef>
+            <a:effectRef idx="0">
+              <a:schemeClr val="accent1"/>
+            </a:effectRef>
+            <a:fontRef idx="minor">
+              <a:schemeClr val="tx1"/>
+            </a:fontRef>
+          </p:style>
+        </p:cxnSp>
+      </p:grpSp>
+      <p:sp>
+        <p:nvSpPr>
+          <p:cNvPr id="19" name="직사각형 18"/>
+          <p:cNvSpPr/>
+          <p:nvPr/>
+        </p:nvSpPr>
+        <p:spPr>
+          <a:xfrm>
+            <a:off x="9948891" y="6543162"/>
+            <a:ext cx="2155502" cy="271035"/>
+          </a:xfrm>
+          <a:prstGeom prst="rect">
+            <a:avLst/>
+          </a:prstGeom>
+          <a:solidFill>
+            <a:schemeClr val="bg1"/>
+          </a:solidFill>
+          <a:ln>
+            <a:solidFill>
+              <a:schemeClr val="bg1"/>
+            </a:solidFill>
+          </a:ln>
+        </p:spPr>
+        <p:style>
+          <a:lnRef idx="2">
+            <a:schemeClr val="accent1">
+              <a:shade val="50000"/>
+            </a:schemeClr>
+          </a:lnRef>
+          <a:fillRef idx="1">
+            <a:schemeClr val="accent1"/>
+          </a:fillRef>
+          <a:effectRef idx="0">
+            <a:schemeClr val="accent1"/>
+          </a:effectRef>
+          <a:fontRef idx="minor">
+            <a:schemeClr val="lt1"/>
+          </a:fontRef>
+        </p:style>
+        <p:txBody>
+          <a:bodyPr rtlCol="0" anchor="ctr"/>
+          <a:lstStyle/>
+          <a:p>
+            <a:pPr algn="ctr"/>
+            <a:endParaRPr lang="ko-KR" altLang="en-US"/>
+          </a:p>
+        </p:txBody>
+      </p:sp>
+      <p:sp>
+        <p:nvSpPr>
+          <p:cNvPr id="4" name="직사각형 3"/>
+          <p:cNvSpPr/>
+          <p:nvPr/>
+        </p:nvSpPr>
+        <p:spPr>
+          <a:xfrm>
+            <a:off x="327615" y="1549552"/>
+            <a:ext cx="11536771" cy="5048364"/>
+          </a:xfrm>
+          <a:prstGeom prst="rect">
+            <a:avLst/>
+          </a:prstGeom>
+          <a:solidFill>
+            <a:schemeClr val="bg1"/>
+          </a:solidFill>
+          <a:ln>
+            <a:solidFill>
+              <a:schemeClr val="tx1"/>
+            </a:solidFill>
+          </a:ln>
+        </p:spPr>
+        <p:style>
+          <a:lnRef idx="2">
+            <a:schemeClr val="accent1">
+              <a:shade val="50000"/>
+            </a:schemeClr>
+          </a:lnRef>
+          <a:fillRef idx="1">
+            <a:schemeClr val="accent1"/>
+          </a:fillRef>
+          <a:effectRef idx="0">
+            <a:schemeClr val="accent1"/>
+          </a:effectRef>
+          <a:fontRef idx="minor">
+            <a:schemeClr val="lt1"/>
+          </a:fontRef>
+        </p:style>
+        <p:txBody>
+          <a:bodyPr rtlCol="0" anchor="ctr"/>
+          <a:lstStyle/>
+          <a:p>
+            <a:pPr algn="ctr"/>
+            <a:endParaRPr lang="ko-KR" altLang="en-US"/>
+          </a:p>
+        </p:txBody>
+      </p:sp>
+      <p:sp>
+        <p:nvSpPr>
+          <p:cNvPr id="23" name="직사각형 22"/>
+          <p:cNvSpPr/>
+          <p:nvPr/>
+        </p:nvSpPr>
+        <p:spPr>
+          <a:xfrm>
+            <a:off x="3167485" y="3340278"/>
+            <a:ext cx="5857030" cy="1466912"/>
+          </a:xfrm>
+          <a:prstGeom prst="rect">
+            <a:avLst/>
+          </a:prstGeom>
+          <a:solidFill>
+            <a:schemeClr val="accent1"/>
+          </a:solidFill>
+        </p:spPr>
+        <p:style>
+          <a:lnRef idx="2">
+            <a:schemeClr val="accent1">
+              <a:shade val="50000"/>
+            </a:schemeClr>
+          </a:lnRef>
+          <a:fillRef idx="1">
+            <a:schemeClr val="accent1"/>
+          </a:fillRef>
+          <a:effectRef idx="0">
+            <a:schemeClr val="accent1"/>
+          </a:effectRef>
+          <a:fontRef idx="minor">
+            <a:schemeClr val="lt1"/>
+          </a:fontRef>
+        </p:style>
+        <p:txBody>
+          <a:bodyPr rtlCol="0" anchor="ctr"/>
+          <a:lstStyle/>
+          <a:p>
+            <a:pPr algn="ctr"/>
+            <a:r>
+              <a:rPr lang="en-US" altLang="ko-KR" dirty="0" smtClean="0"/>
+              <a:t>Text Area</a:t>
+            </a:r>
+            <a:endParaRPr lang="ko-KR" altLang="en-US" dirty="0"/>
+          </a:p>
+        </p:txBody>
+      </p:sp>
+      <p:sp>
+        <p:nvSpPr>
+          <p:cNvPr id="22" name="직사각형 21"/>
+          <p:cNvSpPr/>
+          <p:nvPr/>
+        </p:nvSpPr>
+        <p:spPr>
+          <a:xfrm>
+            <a:off x="5772036" y="6302242"/>
+            <a:ext cx="647928" cy="240919"/>
+          </a:xfrm>
+          <a:prstGeom prst="rect">
+            <a:avLst/>
+          </a:prstGeom>
+          <a:solidFill>
+            <a:schemeClr val="accent1"/>
+          </a:solidFill>
+        </p:spPr>
+        <p:style>
+          <a:lnRef idx="2">
+            <a:schemeClr val="accent1">
+              <a:shade val="50000"/>
+            </a:schemeClr>
+          </a:lnRef>
+          <a:fillRef idx="1">
+            <a:schemeClr val="accent1"/>
+          </a:fillRef>
+          <a:effectRef idx="0">
+            <a:schemeClr val="accent1"/>
+          </a:effectRef>
+          <a:fontRef idx="minor">
+            <a:schemeClr val="lt1"/>
+          </a:fontRef>
+        </p:style>
+        <p:txBody>
+          <a:bodyPr rtlCol="0" anchor="ctr"/>
+          <a:lstStyle/>
+          <a:p>
+            <a:pPr algn="ctr"/>
+            <a:r>
+              <a:rPr lang="ko-KR" altLang="en-US" sz="1000" dirty="0" smtClean="0"/>
+              <a:t>휠 모양</a:t>
+            </a:r>
+            <a:endParaRPr lang="ko-KR" altLang="en-US" sz="1000" dirty="0"/>
+          </a:p>
+        </p:txBody>
+      </p:sp>
+      <p:cxnSp>
+        <p:nvCxnSpPr>
+          <p:cNvPr id="12" name="직선 연결선 11"/>
+          <p:cNvCxnSpPr/>
+          <p:nvPr/>
+        </p:nvCxnSpPr>
+        <p:spPr>
+          <a:xfrm>
+            <a:off x="327615" y="1549552"/>
+            <a:ext cx="11536771" cy="5048364"/>
+          </a:xfrm>
+          <a:prstGeom prst="line">
+            <a:avLst/>
+          </a:prstGeom>
+        </p:spPr>
+        <p:style>
+          <a:lnRef idx="1">
+            <a:schemeClr val="accent1"/>
+          </a:lnRef>
+          <a:fillRef idx="0">
+            <a:schemeClr val="accent1"/>
+          </a:fillRef>
+          <a:effectRef idx="0">
+            <a:schemeClr val="accent1"/>
+          </a:effectRef>
+          <a:fontRef idx="minor">
+            <a:schemeClr val="tx1"/>
+          </a:fontRef>
+        </p:style>
+      </p:cxnSp>
+      <p:cxnSp>
+        <p:nvCxnSpPr>
+          <p:cNvPr id="31" name="직선 연결선 30"/>
+          <p:cNvCxnSpPr/>
+          <p:nvPr/>
+        </p:nvCxnSpPr>
+        <p:spPr>
+          <a:xfrm flipH="1">
+            <a:off x="327615" y="1549552"/>
+            <a:ext cx="11536771" cy="5048364"/>
+          </a:xfrm>
+          <a:prstGeom prst="line">
+            <a:avLst/>
+          </a:prstGeom>
+        </p:spPr>
+        <p:style>
+          <a:lnRef idx="1">
+            <a:schemeClr val="accent1"/>
+          </a:lnRef>
+          <a:fillRef idx="0">
+            <a:schemeClr val="accent1"/>
+          </a:fillRef>
+          <a:effectRef idx="0">
+            <a:schemeClr val="accent1"/>
+          </a:effectRef>
+          <a:fontRef idx="minor">
+            <a:schemeClr val="tx1"/>
+          </a:fontRef>
+        </p:style>
+      </p:cxnSp>
+      <p:sp>
+        <p:nvSpPr>
+          <p:cNvPr id="32" name="TextBox 31"/>
+          <p:cNvSpPr txBox="1"/>
+          <p:nvPr/>
+        </p:nvSpPr>
+        <p:spPr>
+          <a:xfrm>
+            <a:off x="9899612" y="1148605"/>
+            <a:ext cx="1964774" cy="369332"/>
+          </a:xfrm>
+          <a:prstGeom prst="rect">
+            <a:avLst/>
+          </a:prstGeom>
+          <a:noFill/>
+        </p:spPr>
+        <p:txBody>
+          <a:bodyPr wrap="square" rtlCol="0">
+            <a:spAutoFit/>
+          </a:bodyPr>
+          <a:lstStyle/>
+          <a:p>
+            <a:r>
+              <a:rPr lang="en-US" altLang="ko-KR" dirty="0" smtClean="0"/>
+              <a:t>Main Page / Main</a:t>
+            </a:r>
+            <a:endParaRPr lang="ko-KR" altLang="en-US" dirty="0"/>
+          </a:p>
+        </p:txBody>
+      </p:sp>
+      <p:sp>
+        <p:nvSpPr>
+          <p:cNvPr id="2" name="직사각형 1"/>
+          <p:cNvSpPr/>
+          <p:nvPr/>
+        </p:nvSpPr>
+        <p:spPr>
+          <a:xfrm>
+            <a:off x="327615" y="1549552"/>
+            <a:ext cx="11536772" cy="5041913"/>
+          </a:xfrm>
+          <a:prstGeom prst="rect">
+            <a:avLst/>
+          </a:prstGeom>
+          <a:solidFill>
+            <a:srgbClr val="F2F2F2">
+              <a:alpha val="50196"/>
+            </a:srgbClr>
+          </a:solidFill>
+        </p:spPr>
+        <p:style>
+          <a:lnRef idx="2">
+            <a:schemeClr val="accent1">
+              <a:shade val="50000"/>
+            </a:schemeClr>
+          </a:lnRef>
+          <a:fillRef idx="1">
+            <a:schemeClr val="accent1"/>
+          </a:fillRef>
+          <a:effectRef idx="0">
+            <a:schemeClr val="accent1"/>
+          </a:effectRef>
+          <a:fontRef idx="minor">
+            <a:schemeClr val="lt1"/>
+          </a:fontRef>
+        </p:style>
+        <p:txBody>
+          <a:bodyPr rtlCol="0" anchor="ctr"/>
+          <a:lstStyle/>
+          <a:p>
+            <a:pPr algn="ctr"/>
+            <a:endParaRPr lang="ko-KR" altLang="en-US"/>
+          </a:p>
+        </p:txBody>
+      </p:sp>
+      <p:sp>
+        <p:nvSpPr>
+          <p:cNvPr id="5" name="직사각형 4"/>
+          <p:cNvSpPr/>
+          <p:nvPr/>
+        </p:nvSpPr>
+        <p:spPr>
+          <a:xfrm>
+            <a:off x="10863291" y="1643568"/>
+            <a:ext cx="903449" cy="438036"/>
+          </a:xfrm>
+          <a:prstGeom prst="rect">
+            <a:avLst/>
+          </a:prstGeom>
+          <a:solidFill>
+            <a:schemeClr val="accent1"/>
+          </a:solidFill>
+        </p:spPr>
+        <p:style>
+          <a:lnRef idx="2">
+            <a:schemeClr val="accent1">
+              <a:shade val="50000"/>
+            </a:schemeClr>
+          </a:lnRef>
+          <a:fillRef idx="1">
+            <a:schemeClr val="accent1"/>
+          </a:fillRef>
+          <a:effectRef idx="0">
+            <a:schemeClr val="accent1"/>
+          </a:effectRef>
+          <a:fontRef idx="minor">
+            <a:schemeClr val="lt1"/>
+          </a:fontRef>
+        </p:style>
+        <p:txBody>
+          <a:bodyPr rtlCol="0" anchor="ctr"/>
+          <a:lstStyle/>
+          <a:p>
+            <a:pPr algn="ctr"/>
+            <a:r>
+              <a:rPr lang="ko-KR" altLang="en-US" dirty="0" smtClean="0"/>
+              <a:t>메뉴</a:t>
+            </a:r>
+            <a:endParaRPr lang="ko-KR" altLang="en-US" dirty="0"/>
+          </a:p>
+        </p:txBody>
+      </p:sp>
+      <p:sp>
+        <p:nvSpPr>
+          <p:cNvPr id="3" name="직사각형 2"/>
+          <p:cNvSpPr/>
+          <p:nvPr/>
+        </p:nvSpPr>
+        <p:spPr>
+          <a:xfrm>
+            <a:off x="327614" y="1556003"/>
+            <a:ext cx="5768385" cy="5041913"/>
+          </a:xfrm>
+          <a:prstGeom prst="rect">
+            <a:avLst/>
+          </a:prstGeom>
+        </p:spPr>
+        <p:style>
+          <a:lnRef idx="2">
+            <a:schemeClr val="accent1">
+              <a:shade val="50000"/>
+            </a:schemeClr>
+          </a:lnRef>
+          <a:fillRef idx="1">
+            <a:schemeClr val="accent1"/>
+          </a:fillRef>
+          <a:effectRef idx="0">
+            <a:schemeClr val="accent1"/>
+          </a:effectRef>
+          <a:fontRef idx="minor">
+            <a:schemeClr val="lt1"/>
+          </a:fontRef>
+        </p:style>
+        <p:txBody>
+          <a:bodyPr rtlCol="0" anchor="ctr"/>
+          <a:lstStyle/>
+          <a:p>
+            <a:pPr algn="ctr"/>
+            <a:endParaRPr lang="ko-KR" altLang="en-US"/>
+          </a:p>
+        </p:txBody>
+      </p:sp>
+      <p:sp>
+        <p:nvSpPr>
+          <p:cNvPr id="6" name="직사각형 5"/>
+          <p:cNvSpPr/>
+          <p:nvPr/>
+        </p:nvSpPr>
+        <p:spPr>
+          <a:xfrm>
+            <a:off x="538480" y="1780886"/>
+            <a:ext cx="1660506" cy="1340746"/>
+          </a:xfrm>
+          <a:prstGeom prst="rect">
+            <a:avLst/>
+          </a:prstGeom>
+          <a:solidFill>
+            <a:schemeClr val="bg1"/>
+          </a:solidFill>
+        </p:spPr>
+        <p:style>
+          <a:lnRef idx="2">
+            <a:schemeClr val="accent1">
+              <a:shade val="50000"/>
+            </a:schemeClr>
+          </a:lnRef>
+          <a:fillRef idx="1">
+            <a:schemeClr val="accent1"/>
+          </a:fillRef>
+          <a:effectRef idx="0">
+            <a:schemeClr val="accent1"/>
+          </a:effectRef>
+          <a:fontRef idx="minor">
+            <a:schemeClr val="lt1"/>
+          </a:fontRef>
+        </p:style>
+        <p:txBody>
+          <a:bodyPr rtlCol="0" anchor="ctr"/>
+          <a:lstStyle/>
+          <a:p>
+            <a:pPr algn="ctr"/>
+            <a:r>
+              <a:rPr lang="en-US" altLang="ko-KR" dirty="0" smtClean="0">
+                <a:solidFill>
+                  <a:schemeClr val="tx1"/>
+                </a:solidFill>
+              </a:rPr>
+              <a:t>Menu</a:t>
+            </a:r>
+            <a:endParaRPr lang="ko-KR" altLang="en-US" dirty="0">
+              <a:solidFill>
+                <a:schemeClr val="tx1"/>
+              </a:solidFill>
+            </a:endParaRPr>
+          </a:p>
+        </p:txBody>
+      </p:sp>
+      <p:sp>
+        <p:nvSpPr>
+          <p:cNvPr id="26" name="직사각형 25"/>
+          <p:cNvSpPr/>
+          <p:nvPr/>
+        </p:nvSpPr>
+        <p:spPr>
+          <a:xfrm>
+            <a:off x="5899143" y="1568377"/>
+            <a:ext cx="196857" cy="172281"/>
+          </a:xfrm>
+          <a:prstGeom prst="rect">
+            <a:avLst/>
+          </a:prstGeom>
+          <a:solidFill>
+            <a:schemeClr val="bg1"/>
+          </a:solidFill>
+        </p:spPr>
+        <p:style>
+          <a:lnRef idx="2">
+            <a:schemeClr val="accent1">
+              <a:shade val="50000"/>
+            </a:schemeClr>
+          </a:lnRef>
+          <a:fillRef idx="1">
+            <a:schemeClr val="accent1"/>
+          </a:fillRef>
+          <a:effectRef idx="0">
+            <a:schemeClr val="accent1"/>
+          </a:effectRef>
+          <a:fontRef idx="minor">
+            <a:schemeClr val="lt1"/>
+          </a:fontRef>
+        </p:style>
+        <p:txBody>
+          <a:bodyPr rtlCol="0" anchor="ctr"/>
+          <a:lstStyle/>
+          <a:p>
+            <a:pPr algn="ctr"/>
+            <a:r>
+              <a:rPr lang="en-US" altLang="ko-KR" dirty="0" smtClean="0">
+                <a:solidFill>
+                  <a:schemeClr val="tx1"/>
+                </a:solidFill>
+              </a:rPr>
+              <a:t>X</a:t>
+            </a:r>
+            <a:endParaRPr lang="ko-KR" altLang="en-US" dirty="0">
+              <a:solidFill>
+                <a:schemeClr val="tx1"/>
+              </a:solidFill>
+            </a:endParaRPr>
+          </a:p>
+        </p:txBody>
+      </p:sp>
+      <p:sp>
+        <p:nvSpPr>
+          <p:cNvPr id="27" name="직사각형 26"/>
+          <p:cNvSpPr/>
+          <p:nvPr/>
+        </p:nvSpPr>
+        <p:spPr>
+          <a:xfrm>
+            <a:off x="400156" y="6312364"/>
+            <a:ext cx="758607" cy="230797"/>
+          </a:xfrm>
+          <a:prstGeom prst="rect">
+            <a:avLst/>
+          </a:prstGeom>
+          <a:solidFill>
+            <a:schemeClr val="bg1"/>
+          </a:solidFill>
+        </p:spPr>
+        <p:style>
+          <a:lnRef idx="2">
+            <a:schemeClr val="accent1">
+              <a:shade val="50000"/>
+            </a:schemeClr>
+          </a:lnRef>
+          <a:fillRef idx="1">
+            <a:schemeClr val="accent1"/>
+          </a:fillRef>
+          <a:effectRef idx="0">
+            <a:schemeClr val="accent1"/>
+          </a:effectRef>
+          <a:fontRef idx="minor">
+            <a:schemeClr val="lt1"/>
+          </a:fontRef>
+        </p:style>
+        <p:txBody>
+          <a:bodyPr rtlCol="0" anchor="ctr"/>
+          <a:lstStyle/>
+          <a:p>
+            <a:pPr algn="ctr"/>
+            <a:r>
+              <a:rPr lang="ko-KR" altLang="en-US" sz="1400" dirty="0" smtClean="0">
+                <a:solidFill>
+                  <a:schemeClr val="tx1"/>
+                </a:solidFill>
+              </a:rPr>
+              <a:t>로그인</a:t>
+            </a:r>
+            <a:endParaRPr lang="ko-KR" altLang="en-US" sz="1400" dirty="0">
+              <a:solidFill>
+                <a:schemeClr val="tx1"/>
+              </a:solidFill>
+            </a:endParaRPr>
+          </a:p>
+        </p:txBody>
+      </p:sp>
+      <p:sp>
+        <p:nvSpPr>
+          <p:cNvPr id="29" name="직사각형 28"/>
+          <p:cNvSpPr/>
+          <p:nvPr/>
+        </p:nvSpPr>
+        <p:spPr>
+          <a:xfrm>
+            <a:off x="4259727" y="1780869"/>
+            <a:ext cx="1660506" cy="1340746"/>
+          </a:xfrm>
+          <a:prstGeom prst="rect">
+            <a:avLst/>
+          </a:prstGeom>
+          <a:solidFill>
+            <a:schemeClr val="bg1"/>
+          </a:solidFill>
+        </p:spPr>
+        <p:style>
+          <a:lnRef idx="2">
+            <a:schemeClr val="accent1">
+              <a:shade val="50000"/>
+            </a:schemeClr>
+          </a:lnRef>
+          <a:fillRef idx="1">
+            <a:schemeClr val="accent1"/>
+          </a:fillRef>
+          <a:effectRef idx="0">
+            <a:schemeClr val="accent1"/>
+          </a:effectRef>
+          <a:fontRef idx="minor">
+            <a:schemeClr val="lt1"/>
+          </a:fontRef>
+        </p:style>
+        <p:txBody>
+          <a:bodyPr rtlCol="0" anchor="ctr"/>
+          <a:lstStyle/>
+          <a:p>
+            <a:pPr algn="ctr"/>
+            <a:r>
+              <a:rPr lang="en-US" altLang="ko-KR" dirty="0" smtClean="0">
+                <a:solidFill>
+                  <a:schemeClr val="tx1"/>
+                </a:solidFill>
+              </a:rPr>
+              <a:t>Menu</a:t>
+            </a:r>
+            <a:endParaRPr lang="ko-KR" altLang="en-US" dirty="0">
+              <a:solidFill>
+                <a:schemeClr val="tx1"/>
+              </a:solidFill>
+            </a:endParaRPr>
+          </a:p>
+        </p:txBody>
+      </p:sp>
+      <p:sp>
+        <p:nvSpPr>
+          <p:cNvPr id="33" name="직사각형 32"/>
+          <p:cNvSpPr/>
+          <p:nvPr/>
+        </p:nvSpPr>
+        <p:spPr>
+          <a:xfrm>
+            <a:off x="2399104" y="3297648"/>
+            <a:ext cx="1660506" cy="1340746"/>
+          </a:xfrm>
+          <a:prstGeom prst="rect">
+            <a:avLst/>
+          </a:prstGeom>
+          <a:solidFill>
+            <a:schemeClr val="bg1"/>
+          </a:solidFill>
+        </p:spPr>
+        <p:style>
+          <a:lnRef idx="2">
+            <a:schemeClr val="accent1">
+              <a:shade val="50000"/>
+            </a:schemeClr>
+          </a:lnRef>
+          <a:fillRef idx="1">
+            <a:schemeClr val="accent1"/>
+          </a:fillRef>
+          <a:effectRef idx="0">
+            <a:schemeClr val="accent1"/>
+          </a:effectRef>
+          <a:fontRef idx="minor">
+            <a:schemeClr val="lt1"/>
+          </a:fontRef>
+        </p:style>
+        <p:txBody>
+          <a:bodyPr rtlCol="0" anchor="ctr"/>
+          <a:lstStyle/>
+          <a:p>
+            <a:pPr algn="ctr"/>
+            <a:r>
+              <a:rPr lang="en-US" altLang="ko-KR" dirty="0">
+                <a:solidFill>
+                  <a:schemeClr val="tx1"/>
+                </a:solidFill>
+              </a:rPr>
+              <a:t>Menu</a:t>
+            </a:r>
+            <a:endParaRPr lang="ko-KR" altLang="en-US" dirty="0">
+              <a:solidFill>
+                <a:schemeClr val="tx1"/>
+              </a:solidFill>
+            </a:endParaRPr>
+          </a:p>
+        </p:txBody>
+      </p:sp>
+      <p:sp>
+        <p:nvSpPr>
+          <p:cNvPr id="35" name="직사각형 34"/>
+          <p:cNvSpPr/>
+          <p:nvPr/>
+        </p:nvSpPr>
+        <p:spPr>
+          <a:xfrm>
+            <a:off x="538480" y="4838663"/>
+            <a:ext cx="1660506" cy="1340746"/>
+          </a:xfrm>
+          <a:prstGeom prst="rect">
+            <a:avLst/>
+          </a:prstGeom>
+          <a:solidFill>
+            <a:schemeClr val="bg1"/>
+          </a:solidFill>
+        </p:spPr>
+        <p:style>
+          <a:lnRef idx="2">
+            <a:schemeClr val="accent1">
+              <a:shade val="50000"/>
+            </a:schemeClr>
+          </a:lnRef>
+          <a:fillRef idx="1">
+            <a:schemeClr val="accent1"/>
+          </a:fillRef>
+          <a:effectRef idx="0">
+            <a:schemeClr val="accent1"/>
+          </a:effectRef>
+          <a:fontRef idx="minor">
+            <a:schemeClr val="lt1"/>
+          </a:fontRef>
+        </p:style>
+        <p:txBody>
+          <a:bodyPr rtlCol="0" anchor="ctr"/>
+          <a:lstStyle/>
+          <a:p>
+            <a:pPr algn="ctr"/>
+            <a:r>
+              <a:rPr lang="en-US" altLang="ko-KR" dirty="0">
+                <a:solidFill>
+                  <a:schemeClr val="tx1"/>
+                </a:solidFill>
+              </a:rPr>
+              <a:t>Menu</a:t>
+            </a:r>
+            <a:endParaRPr lang="ko-KR" altLang="en-US" dirty="0">
+              <a:solidFill>
+                <a:schemeClr val="tx1"/>
+              </a:solidFill>
+            </a:endParaRPr>
+          </a:p>
+        </p:txBody>
+      </p:sp>
+      <p:sp>
+        <p:nvSpPr>
+          <p:cNvPr id="37" name="직사각형 36"/>
+          <p:cNvSpPr/>
+          <p:nvPr/>
+        </p:nvSpPr>
+        <p:spPr>
+          <a:xfrm>
+            <a:off x="4259727" y="4838663"/>
+            <a:ext cx="1660506" cy="1340746"/>
+          </a:xfrm>
+          <a:prstGeom prst="rect">
+            <a:avLst/>
+          </a:prstGeom>
+          <a:solidFill>
+            <a:schemeClr val="bg1"/>
+          </a:solidFill>
+        </p:spPr>
+        <p:style>
+          <a:lnRef idx="2">
+            <a:schemeClr val="accent1">
+              <a:shade val="50000"/>
+            </a:schemeClr>
+          </a:lnRef>
+          <a:fillRef idx="1">
+            <a:schemeClr val="accent1"/>
+          </a:fillRef>
+          <a:effectRef idx="0">
+            <a:schemeClr val="accent1"/>
+          </a:effectRef>
+          <a:fontRef idx="minor">
+            <a:schemeClr val="lt1"/>
+          </a:fontRef>
+        </p:style>
+        <p:txBody>
+          <a:bodyPr rtlCol="0" anchor="ctr"/>
+          <a:lstStyle/>
+          <a:p>
+            <a:pPr algn="ctr"/>
+            <a:r>
+              <a:rPr lang="en-US" altLang="ko-KR" dirty="0">
+                <a:solidFill>
+                  <a:schemeClr val="tx1"/>
+                </a:solidFill>
+              </a:rPr>
+              <a:t>Menu</a:t>
+            </a:r>
+            <a:endParaRPr lang="ko-KR" altLang="en-US" dirty="0">
+              <a:solidFill>
+                <a:schemeClr val="tx1"/>
+              </a:solidFill>
+            </a:endParaRPr>
+          </a:p>
+        </p:txBody>
+      </p:sp>
+    </p:spTree>
+    <p:extLst>
+      <p:ext uri="{BB962C8B-B14F-4D97-AF65-F5344CB8AC3E}">
+        <p14:creationId xmlns:p14="http://schemas.microsoft.com/office/powerpoint/2010/main" val="636227252"/>
+      </p:ext>
+    </p:extLst>
+  </p:cSld>
+  <p:clrMapOvr>
+    <a:masterClrMapping/>
+  </p:clrMapOvr>
+  <mc:AlternateContent xmlns:mc="http://schemas.openxmlformats.org/markup-compatibility/2006">
+    <mc:Choice xmlns:p14="http://schemas.microsoft.com/office/powerpoint/2010/main" Requires="p14">
+      <p:transition spd="med" p14:dur="700">
+        <p:fade/>
+      </p:transition>
+    </mc:Choice>
+    <mc:Fallback>
+      <p:transition spd="med">
+        <p:fade/>
+      </p:transition>
+    </mc:Fallback>
+  </mc:AlternateContent>
+  <p:timing>
+    <p:tnLst>
+      <p:par>
+        <p:cTn id="1" dur="indefinite" restart="never" nodeType="tmRoot"/>
+      </p:par>
+    </p:tnLst>
+  </p:timing>
+</p:sld>
+</file>
+
+<file path=ppt/slides/slide13.xml><?xml version="1.0" encoding="utf-8"?>
+<p:sld xmlns:a="http://schemas.openxmlformats.org/drawingml/2006/main" xmlns:r="http://schemas.openxmlformats.org/officeDocument/2006/relationships" xmlns:p="http://schemas.openxmlformats.org/presentationml/2006/main">
+  <p:cSld>
+    <p:spTree>
+      <p:nvGrpSpPr>
+        <p:cNvPr id="1" name=""/>
+        <p:cNvGrpSpPr/>
+        <p:nvPr/>
+      </p:nvGrpSpPr>
+      <p:grpSpPr>
+        <a:xfrm>
+          <a:off x="0" y="0"/>
+          <a:ext cx="0" cy="0"/>
+          <a:chOff x="0" y="0"/>
+          <a:chExt cx="0" cy="0"/>
+        </a:xfrm>
+      </p:grpSpPr>
+      <p:grpSp>
+        <p:nvGrpSpPr>
+          <p:cNvPr id="21" name="그룹 20">
+            <a:extLst>
+              <a:ext uri="{FF2B5EF4-FFF2-40B4-BE49-F238E27FC236}">
+                <a16:creationId xmlns:a16="http://schemas.microsoft.com/office/drawing/2014/main" xmlns="" id="{34AF672D-F300-49ED-B1B1-C7AD77F1CF1D}"/>
+              </a:ext>
+            </a:extLst>
+          </p:cNvPr>
+          <p:cNvGrpSpPr/>
+          <p:nvPr/>
+        </p:nvGrpSpPr>
+        <p:grpSpPr>
+          <a:xfrm>
+            <a:off x="0" y="0"/>
+            <a:ext cx="12192000" cy="908925"/>
+            <a:chOff x="0" y="0"/>
+            <a:chExt cx="12192000" cy="1076960"/>
+          </a:xfrm>
+        </p:grpSpPr>
+        <p:sp>
+          <p:nvSpPr>
+            <p:cNvPr id="14" name="직사각형 13">
+              <a:extLst>
+                <a:ext uri="{FF2B5EF4-FFF2-40B4-BE49-F238E27FC236}">
+                  <a16:creationId xmlns:a16="http://schemas.microsoft.com/office/drawing/2014/main" xmlns="" id="{C47BEF14-6520-4B7C-A137-6786E163399F}"/>
+                </a:ext>
+              </a:extLst>
+            </p:cNvPr>
+            <p:cNvSpPr/>
+            <p:nvPr/>
+          </p:nvSpPr>
+          <p:spPr>
+            <a:xfrm>
+              <a:off x="0" y="0"/>
+              <a:ext cx="121920" cy="1076960"/>
+            </a:xfrm>
+            <a:prstGeom prst="rect">
+              <a:avLst/>
+            </a:prstGeom>
+            <a:ln>
+              <a:noFill/>
+            </a:ln>
+          </p:spPr>
+          <p:style>
+            <a:lnRef idx="2">
+              <a:schemeClr val="accent1">
+                <a:shade val="50000"/>
+              </a:schemeClr>
+            </a:lnRef>
+            <a:fillRef idx="1">
+              <a:schemeClr val="accent1"/>
+            </a:fillRef>
+            <a:effectRef idx="0">
+              <a:schemeClr val="accent1"/>
+            </a:effectRef>
+            <a:fontRef idx="minor">
+              <a:schemeClr val="lt1"/>
+            </a:fontRef>
+          </p:style>
+          <p:txBody>
+            <a:bodyPr rtlCol="0" anchor="ctr"/>
+            <a:lstStyle/>
+            <a:p>
+              <a:pPr algn="ctr"/>
+              <a:endParaRPr lang="ko-KR" altLang="en-US"/>
+            </a:p>
+          </p:txBody>
+        </p:sp>
+        <p:sp>
+          <p:nvSpPr>
+            <p:cNvPr id="15" name="직사각형 14">
+              <a:extLst>
+                <a:ext uri="{FF2B5EF4-FFF2-40B4-BE49-F238E27FC236}">
+                  <a16:creationId xmlns:a16="http://schemas.microsoft.com/office/drawing/2014/main" xmlns="" id="{AE7E944A-14D6-40FD-AC6E-795762F0A52A}"/>
+                </a:ext>
+              </a:extLst>
+            </p:cNvPr>
+            <p:cNvSpPr/>
+            <p:nvPr/>
+          </p:nvSpPr>
+          <p:spPr>
+            <a:xfrm rot="5400000">
+              <a:off x="269240" y="-147320"/>
+              <a:ext cx="121920" cy="416560"/>
+            </a:xfrm>
+            <a:prstGeom prst="rect">
+              <a:avLst/>
+            </a:prstGeom>
+            <a:solidFill>
+              <a:schemeClr val="accent4"/>
+            </a:solidFill>
+            <a:ln>
+              <a:noFill/>
+            </a:ln>
+          </p:spPr>
+          <p:style>
+            <a:lnRef idx="2">
+              <a:schemeClr val="accent1">
+                <a:shade val="50000"/>
+              </a:schemeClr>
+            </a:lnRef>
+            <a:fillRef idx="1">
+              <a:schemeClr val="accent1"/>
+            </a:fillRef>
+            <a:effectRef idx="0">
+              <a:schemeClr val="accent1"/>
+            </a:effectRef>
+            <a:fontRef idx="minor">
+              <a:schemeClr val="lt1"/>
+            </a:fontRef>
+          </p:style>
+          <p:txBody>
+            <a:bodyPr rtlCol="0" anchor="ctr"/>
+            <a:lstStyle/>
+            <a:p>
+              <a:pPr algn="ctr"/>
+              <a:endParaRPr lang="ko-KR" altLang="en-US"/>
+            </a:p>
+          </p:txBody>
+        </p:sp>
+        <p:sp>
+          <p:nvSpPr>
+            <p:cNvPr id="16" name="TextBox 15">
+              <a:extLst>
+                <a:ext uri="{FF2B5EF4-FFF2-40B4-BE49-F238E27FC236}">
+                  <a16:creationId xmlns:a16="http://schemas.microsoft.com/office/drawing/2014/main" xmlns="" id="{314989EB-2D66-48FD-AE45-E8AAC62D69DF}"/>
+                </a:ext>
+              </a:extLst>
+            </p:cNvPr>
+            <p:cNvSpPr txBox="1"/>
+            <p:nvPr/>
+          </p:nvSpPr>
+          <p:spPr>
+            <a:xfrm>
+              <a:off x="660400" y="238397"/>
+              <a:ext cx="2571538" cy="711118"/>
+            </a:xfrm>
+            <a:prstGeom prst="rect">
+              <a:avLst/>
+            </a:prstGeom>
+            <a:noFill/>
+          </p:spPr>
+          <p:txBody>
+            <a:bodyPr wrap="none" rtlCol="0">
+              <a:spAutoFit/>
+            </a:bodyPr>
+            <a:lstStyle/>
+            <a:p>
+              <a:r>
+                <a:rPr lang="ko-KR" altLang="en-US" sz="3300" spc="-300" dirty="0" smtClean="0">
+                  <a:solidFill>
+                    <a:schemeClr val="tx1">
+                      <a:lumMod val="85000"/>
+                      <a:lumOff val="15000"/>
+                    </a:schemeClr>
+                  </a:solidFill>
+                </a:rPr>
+                <a:t>와이어 프레임</a:t>
+              </a:r>
+              <a:endParaRPr lang="ko-KR" altLang="en-US" sz="3300" spc="-300" dirty="0">
+                <a:solidFill>
+                  <a:schemeClr val="tx1">
+                    <a:lumMod val="85000"/>
+                    <a:lumOff val="15000"/>
+                  </a:schemeClr>
+                </a:solidFill>
+              </a:endParaRPr>
+            </a:p>
+          </p:txBody>
+        </p:sp>
+        <p:sp>
+          <p:nvSpPr>
+            <p:cNvPr id="18" name="TextBox 17">
+              <a:extLst>
+                <a:ext uri="{FF2B5EF4-FFF2-40B4-BE49-F238E27FC236}">
+                  <a16:creationId xmlns:a16="http://schemas.microsoft.com/office/drawing/2014/main" xmlns="" id="{373F017D-1562-4D58-90BD-4CB746FFE587}"/>
+                </a:ext>
+              </a:extLst>
+            </p:cNvPr>
+            <p:cNvSpPr txBox="1"/>
+            <p:nvPr/>
+          </p:nvSpPr>
+          <p:spPr>
+            <a:xfrm>
+              <a:off x="111760" y="81618"/>
+              <a:ext cx="527709" cy="984625"/>
+            </a:xfrm>
+            <a:prstGeom prst="rect">
+              <a:avLst/>
+            </a:prstGeom>
+            <a:noFill/>
+          </p:spPr>
+          <p:txBody>
+            <a:bodyPr wrap="none" rtlCol="0">
+              <a:spAutoFit/>
+            </a:bodyPr>
+            <a:lstStyle/>
+            <a:p>
+              <a:r>
+                <a:rPr lang="en-US" altLang="ko-KR" sz="4800" b="1" dirty="0">
+                  <a:solidFill>
+                    <a:schemeClr val="bg1">
+                      <a:lumMod val="85000"/>
+                    </a:schemeClr>
+                  </a:solidFill>
+                  <a:latin typeface="+mj-lt"/>
+                  <a:ea typeface="+mj-ea"/>
+                </a:rPr>
+                <a:t>3</a:t>
+              </a:r>
+              <a:endParaRPr lang="ko-KR" altLang="en-US" sz="4800" b="1" dirty="0">
+                <a:solidFill>
+                  <a:schemeClr val="bg1">
+                    <a:lumMod val="85000"/>
+                  </a:schemeClr>
+                </a:solidFill>
+                <a:latin typeface="+mj-lt"/>
+                <a:ea typeface="+mj-ea"/>
+              </a:endParaRPr>
+            </a:p>
+          </p:txBody>
+        </p:sp>
+        <p:cxnSp>
+          <p:nvCxnSpPr>
+            <p:cNvPr id="20" name="직선 연결선 19">
+              <a:extLst>
+                <a:ext uri="{FF2B5EF4-FFF2-40B4-BE49-F238E27FC236}">
+                  <a16:creationId xmlns:a16="http://schemas.microsoft.com/office/drawing/2014/main" xmlns="" id="{694D31A9-4C98-4514-A4CD-FEE8123A95D4}"/>
+                </a:ext>
+              </a:extLst>
+            </p:cNvPr>
+            <p:cNvCxnSpPr/>
+            <p:nvPr/>
+          </p:nvCxnSpPr>
+          <p:spPr>
+            <a:xfrm>
+              <a:off x="660400" y="1073885"/>
+              <a:ext cx="11531600" cy="0"/>
+            </a:xfrm>
+            <a:prstGeom prst="line">
+              <a:avLst/>
+            </a:prstGeom>
+            <a:ln>
+              <a:solidFill>
+                <a:schemeClr val="bg1">
+                  <a:lumMod val="75000"/>
+                </a:schemeClr>
+              </a:solidFill>
+            </a:ln>
+          </p:spPr>
+          <p:style>
+            <a:lnRef idx="1">
+              <a:schemeClr val="accent1"/>
+            </a:lnRef>
+            <a:fillRef idx="0">
+              <a:schemeClr val="accent1"/>
+            </a:fillRef>
+            <a:effectRef idx="0">
+              <a:schemeClr val="accent1"/>
+            </a:effectRef>
+            <a:fontRef idx="minor">
+              <a:schemeClr val="tx1"/>
+            </a:fontRef>
+          </p:style>
+        </p:cxnSp>
+      </p:grpSp>
+      <p:sp>
+        <p:nvSpPr>
+          <p:cNvPr id="19" name="직사각형 18"/>
+          <p:cNvSpPr/>
+          <p:nvPr/>
+        </p:nvSpPr>
+        <p:spPr>
+          <a:xfrm>
+            <a:off x="9948891" y="6543162"/>
+            <a:ext cx="2155502" cy="271035"/>
+          </a:xfrm>
+          <a:prstGeom prst="rect">
+            <a:avLst/>
+          </a:prstGeom>
+          <a:solidFill>
+            <a:schemeClr val="bg1"/>
+          </a:solidFill>
+          <a:ln>
+            <a:solidFill>
+              <a:schemeClr val="bg1"/>
+            </a:solidFill>
+          </a:ln>
+        </p:spPr>
+        <p:style>
+          <a:lnRef idx="2">
+            <a:schemeClr val="accent1">
+              <a:shade val="50000"/>
+            </a:schemeClr>
+          </a:lnRef>
+          <a:fillRef idx="1">
+            <a:schemeClr val="accent1"/>
+          </a:fillRef>
+          <a:effectRef idx="0">
+            <a:schemeClr val="accent1"/>
+          </a:effectRef>
+          <a:fontRef idx="minor">
+            <a:schemeClr val="lt1"/>
+          </a:fontRef>
+        </p:style>
+        <p:txBody>
+          <a:bodyPr rtlCol="0" anchor="ctr"/>
+          <a:lstStyle/>
+          <a:p>
+            <a:pPr algn="ctr"/>
+            <a:endParaRPr lang="ko-KR" altLang="en-US"/>
+          </a:p>
+        </p:txBody>
+      </p:sp>
+      <p:sp>
+        <p:nvSpPr>
+          <p:cNvPr id="4" name="직사각형 3"/>
+          <p:cNvSpPr/>
+          <p:nvPr/>
+        </p:nvSpPr>
+        <p:spPr>
+          <a:xfrm>
+            <a:off x="327615" y="1549552"/>
+            <a:ext cx="11536771" cy="5048364"/>
+          </a:xfrm>
+          <a:prstGeom prst="rect">
+            <a:avLst/>
+          </a:prstGeom>
+          <a:solidFill>
+            <a:schemeClr val="bg1"/>
+          </a:solidFill>
+          <a:ln>
+            <a:solidFill>
+              <a:schemeClr val="tx1"/>
+            </a:solidFill>
+          </a:ln>
+        </p:spPr>
+        <p:style>
+          <a:lnRef idx="2">
+            <a:schemeClr val="accent1">
+              <a:shade val="50000"/>
+            </a:schemeClr>
+          </a:lnRef>
+          <a:fillRef idx="1">
+            <a:schemeClr val="accent1"/>
+          </a:fillRef>
+          <a:effectRef idx="0">
+            <a:schemeClr val="accent1"/>
+          </a:effectRef>
+          <a:fontRef idx="minor">
+            <a:schemeClr val="lt1"/>
+          </a:fontRef>
+        </p:style>
+        <p:txBody>
+          <a:bodyPr rtlCol="0" anchor="ctr"/>
+          <a:lstStyle/>
+          <a:p>
+            <a:pPr algn="ctr"/>
+            <a:endParaRPr lang="ko-KR" altLang="en-US"/>
+          </a:p>
+        </p:txBody>
+      </p:sp>
+      <p:sp>
+        <p:nvSpPr>
+          <p:cNvPr id="23" name="직사각형 22"/>
+          <p:cNvSpPr/>
+          <p:nvPr/>
+        </p:nvSpPr>
+        <p:spPr>
+          <a:xfrm>
+            <a:off x="3167485" y="3340278"/>
+            <a:ext cx="5857030" cy="1466912"/>
+          </a:xfrm>
+          <a:prstGeom prst="rect">
+            <a:avLst/>
+          </a:prstGeom>
+          <a:solidFill>
+            <a:schemeClr val="accent1"/>
+          </a:solidFill>
+        </p:spPr>
+        <p:style>
+          <a:lnRef idx="2">
+            <a:schemeClr val="accent1">
+              <a:shade val="50000"/>
+            </a:schemeClr>
+          </a:lnRef>
+          <a:fillRef idx="1">
+            <a:schemeClr val="accent1"/>
+          </a:fillRef>
+          <a:effectRef idx="0">
+            <a:schemeClr val="accent1"/>
+          </a:effectRef>
+          <a:fontRef idx="minor">
+            <a:schemeClr val="lt1"/>
+          </a:fontRef>
+        </p:style>
+        <p:txBody>
+          <a:bodyPr rtlCol="0" anchor="ctr"/>
+          <a:lstStyle/>
+          <a:p>
+            <a:pPr algn="ctr"/>
+            <a:r>
+              <a:rPr lang="en-US" altLang="ko-KR" dirty="0" smtClean="0"/>
+              <a:t>Text Area</a:t>
+            </a:r>
+            <a:endParaRPr lang="ko-KR" altLang="en-US" dirty="0"/>
+          </a:p>
+        </p:txBody>
+      </p:sp>
+      <p:sp>
+        <p:nvSpPr>
+          <p:cNvPr id="22" name="직사각형 21"/>
+          <p:cNvSpPr/>
+          <p:nvPr/>
+        </p:nvSpPr>
+        <p:spPr>
+          <a:xfrm>
+            <a:off x="5772036" y="6302242"/>
+            <a:ext cx="647928" cy="240919"/>
+          </a:xfrm>
+          <a:prstGeom prst="rect">
+            <a:avLst/>
+          </a:prstGeom>
+          <a:solidFill>
+            <a:schemeClr val="accent1"/>
+          </a:solidFill>
+        </p:spPr>
+        <p:style>
+          <a:lnRef idx="2">
+            <a:schemeClr val="accent1">
+              <a:shade val="50000"/>
+            </a:schemeClr>
+          </a:lnRef>
+          <a:fillRef idx="1">
+            <a:schemeClr val="accent1"/>
+          </a:fillRef>
+          <a:effectRef idx="0">
+            <a:schemeClr val="accent1"/>
+          </a:effectRef>
+          <a:fontRef idx="minor">
+            <a:schemeClr val="lt1"/>
+          </a:fontRef>
+        </p:style>
+        <p:txBody>
+          <a:bodyPr rtlCol="0" anchor="ctr"/>
+          <a:lstStyle/>
+          <a:p>
+            <a:pPr algn="ctr"/>
+            <a:r>
+              <a:rPr lang="ko-KR" altLang="en-US" sz="1000" dirty="0" smtClean="0"/>
+              <a:t>휠 모양</a:t>
+            </a:r>
+            <a:endParaRPr lang="ko-KR" altLang="en-US" sz="1000" dirty="0"/>
+          </a:p>
+        </p:txBody>
+      </p:sp>
+      <p:cxnSp>
+        <p:nvCxnSpPr>
+          <p:cNvPr id="12" name="직선 연결선 11"/>
+          <p:cNvCxnSpPr/>
+          <p:nvPr/>
+        </p:nvCxnSpPr>
+        <p:spPr>
+          <a:xfrm>
+            <a:off x="327615" y="1549552"/>
+            <a:ext cx="11536771" cy="5048364"/>
+          </a:xfrm>
+          <a:prstGeom prst="line">
+            <a:avLst/>
+          </a:prstGeom>
+        </p:spPr>
+        <p:style>
+          <a:lnRef idx="1">
+            <a:schemeClr val="accent1"/>
+          </a:lnRef>
+          <a:fillRef idx="0">
+            <a:schemeClr val="accent1"/>
+          </a:fillRef>
+          <a:effectRef idx="0">
+            <a:schemeClr val="accent1"/>
+          </a:effectRef>
+          <a:fontRef idx="minor">
+            <a:schemeClr val="tx1"/>
+          </a:fontRef>
+        </p:style>
+      </p:cxnSp>
+      <p:cxnSp>
+        <p:nvCxnSpPr>
+          <p:cNvPr id="31" name="직선 연결선 30"/>
+          <p:cNvCxnSpPr/>
+          <p:nvPr/>
+        </p:nvCxnSpPr>
+        <p:spPr>
+          <a:xfrm flipH="1">
+            <a:off x="327615" y="1549552"/>
+            <a:ext cx="11536771" cy="5048364"/>
+          </a:xfrm>
+          <a:prstGeom prst="line">
+            <a:avLst/>
+          </a:prstGeom>
+        </p:spPr>
+        <p:style>
+          <a:lnRef idx="1">
+            <a:schemeClr val="accent1"/>
+          </a:lnRef>
+          <a:fillRef idx="0">
+            <a:schemeClr val="accent1"/>
+          </a:fillRef>
+          <a:effectRef idx="0">
+            <a:schemeClr val="accent1"/>
+          </a:effectRef>
+          <a:fontRef idx="minor">
+            <a:schemeClr val="tx1"/>
+          </a:fontRef>
+        </p:style>
+      </p:cxnSp>
+      <p:sp>
+        <p:nvSpPr>
+          <p:cNvPr id="32" name="TextBox 31"/>
+          <p:cNvSpPr txBox="1"/>
+          <p:nvPr/>
+        </p:nvSpPr>
+        <p:spPr>
+          <a:xfrm>
+            <a:off x="9899612" y="1148605"/>
+            <a:ext cx="1964774" cy="369332"/>
+          </a:xfrm>
+          <a:prstGeom prst="rect">
+            <a:avLst/>
+          </a:prstGeom>
+          <a:noFill/>
+        </p:spPr>
+        <p:txBody>
+          <a:bodyPr wrap="square" rtlCol="0">
+            <a:spAutoFit/>
+          </a:bodyPr>
+          <a:lstStyle/>
+          <a:p>
+            <a:r>
+              <a:rPr lang="en-US" altLang="ko-KR" dirty="0" smtClean="0"/>
+              <a:t>Main Page / Main</a:t>
+            </a:r>
+            <a:endParaRPr lang="ko-KR" altLang="en-US" dirty="0"/>
+          </a:p>
+        </p:txBody>
+      </p:sp>
+      <p:sp>
+        <p:nvSpPr>
+          <p:cNvPr id="2" name="직사각형 1"/>
+          <p:cNvSpPr/>
+          <p:nvPr/>
+        </p:nvSpPr>
+        <p:spPr>
+          <a:xfrm>
+            <a:off x="327615" y="1549552"/>
+            <a:ext cx="11536772" cy="5041913"/>
+          </a:xfrm>
+          <a:prstGeom prst="rect">
+            <a:avLst/>
+          </a:prstGeom>
+          <a:solidFill>
+            <a:srgbClr val="F2F2F2">
+              <a:alpha val="50196"/>
+            </a:srgbClr>
+          </a:solidFill>
+        </p:spPr>
+        <p:style>
+          <a:lnRef idx="2">
+            <a:schemeClr val="accent1">
+              <a:shade val="50000"/>
+            </a:schemeClr>
+          </a:lnRef>
+          <a:fillRef idx="1">
+            <a:schemeClr val="accent1"/>
+          </a:fillRef>
+          <a:effectRef idx="0">
+            <a:schemeClr val="accent1"/>
+          </a:effectRef>
+          <a:fontRef idx="minor">
+            <a:schemeClr val="lt1"/>
+          </a:fontRef>
+        </p:style>
+        <p:txBody>
+          <a:bodyPr rtlCol="0" anchor="ctr"/>
+          <a:lstStyle/>
+          <a:p>
+            <a:pPr algn="ctr"/>
+            <a:endParaRPr lang="ko-KR" altLang="en-US"/>
+          </a:p>
+        </p:txBody>
+      </p:sp>
+      <p:sp>
+        <p:nvSpPr>
+          <p:cNvPr id="5" name="직사각형 4"/>
+          <p:cNvSpPr/>
+          <p:nvPr/>
+        </p:nvSpPr>
+        <p:spPr>
+          <a:xfrm>
+            <a:off x="10863291" y="1643568"/>
+            <a:ext cx="903449" cy="438036"/>
+          </a:xfrm>
+          <a:prstGeom prst="rect">
+            <a:avLst/>
+          </a:prstGeom>
+          <a:solidFill>
+            <a:schemeClr val="accent1"/>
+          </a:solidFill>
+        </p:spPr>
+        <p:style>
+          <a:lnRef idx="2">
+            <a:schemeClr val="accent1">
+              <a:shade val="50000"/>
+            </a:schemeClr>
+          </a:lnRef>
+          <a:fillRef idx="1">
+            <a:schemeClr val="accent1"/>
+          </a:fillRef>
+          <a:effectRef idx="0">
+            <a:schemeClr val="accent1"/>
+          </a:effectRef>
+          <a:fontRef idx="minor">
+            <a:schemeClr val="lt1"/>
+          </a:fontRef>
+        </p:style>
+        <p:txBody>
+          <a:bodyPr rtlCol="0" anchor="ctr"/>
+          <a:lstStyle/>
+          <a:p>
+            <a:pPr algn="ctr"/>
+            <a:r>
+              <a:rPr lang="ko-KR" altLang="en-US" dirty="0" smtClean="0"/>
+              <a:t>메뉴</a:t>
+            </a:r>
+            <a:endParaRPr lang="ko-KR" altLang="en-US" dirty="0"/>
+          </a:p>
+        </p:txBody>
+      </p:sp>
+      <p:sp>
+        <p:nvSpPr>
+          <p:cNvPr id="3" name="직사각형 2"/>
+          <p:cNvSpPr/>
+          <p:nvPr/>
+        </p:nvSpPr>
+        <p:spPr>
+          <a:xfrm>
+            <a:off x="327614" y="1556003"/>
+            <a:ext cx="5768385" cy="5041913"/>
+          </a:xfrm>
+          <a:prstGeom prst="rect">
+            <a:avLst/>
+          </a:prstGeom>
+        </p:spPr>
+        <p:style>
+          <a:lnRef idx="2">
+            <a:schemeClr val="accent1">
+              <a:shade val="50000"/>
+            </a:schemeClr>
+          </a:lnRef>
+          <a:fillRef idx="1">
+            <a:schemeClr val="accent1"/>
+          </a:fillRef>
+          <a:effectRef idx="0">
+            <a:schemeClr val="accent1"/>
+          </a:effectRef>
+          <a:fontRef idx="minor">
+            <a:schemeClr val="lt1"/>
+          </a:fontRef>
+        </p:style>
+        <p:txBody>
+          <a:bodyPr rtlCol="0" anchor="ctr"/>
+          <a:lstStyle/>
+          <a:p>
+            <a:pPr algn="ctr"/>
+            <a:endParaRPr lang="ko-KR" altLang="en-US"/>
+          </a:p>
+        </p:txBody>
+      </p:sp>
+      <p:sp>
+        <p:nvSpPr>
+          <p:cNvPr id="26" name="직사각형 25"/>
+          <p:cNvSpPr/>
+          <p:nvPr/>
+        </p:nvSpPr>
+        <p:spPr>
+          <a:xfrm>
+            <a:off x="5899143" y="1568377"/>
+            <a:ext cx="196857" cy="172281"/>
+          </a:xfrm>
+          <a:prstGeom prst="rect">
+            <a:avLst/>
+          </a:prstGeom>
+          <a:solidFill>
+            <a:schemeClr val="bg1"/>
+          </a:solidFill>
+        </p:spPr>
+        <p:style>
+          <a:lnRef idx="2">
+            <a:schemeClr val="accent1">
+              <a:shade val="50000"/>
+            </a:schemeClr>
+          </a:lnRef>
+          <a:fillRef idx="1">
+            <a:schemeClr val="accent1"/>
+          </a:fillRef>
+          <a:effectRef idx="0">
+            <a:schemeClr val="accent1"/>
+          </a:effectRef>
+          <a:fontRef idx="minor">
+            <a:schemeClr val="lt1"/>
+          </a:fontRef>
+        </p:style>
+        <p:txBody>
+          <a:bodyPr rtlCol="0" anchor="ctr"/>
+          <a:lstStyle/>
+          <a:p>
+            <a:pPr algn="ctr"/>
+            <a:r>
+              <a:rPr lang="en-US" altLang="ko-KR" dirty="0" smtClean="0">
+                <a:solidFill>
+                  <a:schemeClr val="tx1"/>
+                </a:solidFill>
+              </a:rPr>
+              <a:t>X</a:t>
+            </a:r>
+            <a:endParaRPr lang="ko-KR" altLang="en-US" dirty="0">
+              <a:solidFill>
+                <a:schemeClr val="tx1"/>
+              </a:solidFill>
+            </a:endParaRPr>
+          </a:p>
+        </p:txBody>
+      </p:sp>
+      <p:sp>
+        <p:nvSpPr>
+          <p:cNvPr id="27" name="직사각형 26"/>
+          <p:cNvSpPr/>
+          <p:nvPr/>
+        </p:nvSpPr>
+        <p:spPr>
+          <a:xfrm>
+            <a:off x="400156" y="6312364"/>
+            <a:ext cx="758607" cy="230797"/>
+          </a:xfrm>
+          <a:prstGeom prst="rect">
+            <a:avLst/>
+          </a:prstGeom>
+          <a:solidFill>
+            <a:schemeClr val="bg1"/>
+          </a:solidFill>
+        </p:spPr>
+        <p:style>
+          <a:lnRef idx="2">
+            <a:schemeClr val="accent1">
+              <a:shade val="50000"/>
+            </a:schemeClr>
+          </a:lnRef>
+          <a:fillRef idx="1">
+            <a:schemeClr val="accent1"/>
+          </a:fillRef>
+          <a:effectRef idx="0">
+            <a:schemeClr val="accent1"/>
+          </a:effectRef>
+          <a:fontRef idx="minor">
+            <a:schemeClr val="lt1"/>
+          </a:fontRef>
+        </p:style>
+        <p:txBody>
+          <a:bodyPr rtlCol="0" anchor="ctr"/>
+          <a:lstStyle/>
+          <a:p>
+            <a:pPr algn="ctr"/>
+            <a:r>
+              <a:rPr lang="ko-KR" altLang="en-US" sz="1400" dirty="0" smtClean="0">
+                <a:solidFill>
+                  <a:schemeClr val="tx1"/>
+                </a:solidFill>
+              </a:rPr>
+              <a:t>로그인</a:t>
+            </a:r>
+            <a:endParaRPr lang="ko-KR" altLang="en-US" sz="1400" dirty="0">
+              <a:solidFill>
+                <a:schemeClr val="tx1"/>
+              </a:solidFill>
+            </a:endParaRPr>
+          </a:p>
+        </p:txBody>
+      </p:sp>
+      <p:sp>
+        <p:nvSpPr>
+          <p:cNvPr id="28" name="직사각형 27"/>
+          <p:cNvSpPr/>
+          <p:nvPr/>
+        </p:nvSpPr>
+        <p:spPr>
+          <a:xfrm>
+            <a:off x="2399104" y="1781007"/>
+            <a:ext cx="1660506" cy="1340746"/>
+          </a:xfrm>
+          <a:prstGeom prst="rect">
+            <a:avLst/>
+          </a:prstGeom>
+          <a:solidFill>
+            <a:schemeClr val="bg1"/>
+          </a:solidFill>
+        </p:spPr>
+        <p:style>
+          <a:lnRef idx="2">
+            <a:schemeClr val="accent1">
+              <a:shade val="50000"/>
+            </a:schemeClr>
+          </a:lnRef>
+          <a:fillRef idx="1">
+            <a:schemeClr val="accent1"/>
+          </a:fillRef>
+          <a:effectRef idx="0">
+            <a:schemeClr val="accent1"/>
+          </a:effectRef>
+          <a:fontRef idx="minor">
+            <a:schemeClr val="lt1"/>
+          </a:fontRef>
+        </p:style>
+        <p:txBody>
+          <a:bodyPr rtlCol="0" anchor="ctr"/>
+          <a:lstStyle/>
+          <a:p>
+            <a:pPr algn="ctr"/>
+            <a:r>
+              <a:rPr lang="en-US" altLang="ko-KR" dirty="0" smtClean="0">
+                <a:solidFill>
+                  <a:schemeClr val="tx1"/>
+                </a:solidFill>
+              </a:rPr>
+              <a:t>Menu</a:t>
+            </a:r>
+            <a:endParaRPr lang="ko-KR" altLang="en-US" dirty="0">
+              <a:solidFill>
+                <a:schemeClr val="tx1"/>
+              </a:solidFill>
+            </a:endParaRPr>
+          </a:p>
+        </p:txBody>
+      </p:sp>
+      <p:sp>
+        <p:nvSpPr>
+          <p:cNvPr id="29" name="직사각형 28"/>
+          <p:cNvSpPr/>
+          <p:nvPr/>
+        </p:nvSpPr>
+        <p:spPr>
+          <a:xfrm>
+            <a:off x="4259727" y="1780869"/>
+            <a:ext cx="1660506" cy="1340746"/>
+          </a:xfrm>
+          <a:prstGeom prst="rect">
+            <a:avLst/>
+          </a:prstGeom>
+          <a:solidFill>
+            <a:schemeClr val="bg1"/>
+          </a:solidFill>
+        </p:spPr>
+        <p:style>
+          <a:lnRef idx="2">
+            <a:schemeClr val="accent1">
+              <a:shade val="50000"/>
+            </a:schemeClr>
+          </a:lnRef>
+          <a:fillRef idx="1">
+            <a:schemeClr val="accent1"/>
+          </a:fillRef>
+          <a:effectRef idx="0">
+            <a:schemeClr val="accent1"/>
+          </a:effectRef>
+          <a:fontRef idx="minor">
+            <a:schemeClr val="lt1"/>
+          </a:fontRef>
+        </p:style>
+        <p:txBody>
+          <a:bodyPr rtlCol="0" anchor="ctr"/>
+          <a:lstStyle/>
+          <a:p>
+            <a:pPr algn="ctr"/>
+            <a:r>
+              <a:rPr lang="en-US" altLang="ko-KR" dirty="0" smtClean="0">
+                <a:solidFill>
+                  <a:schemeClr val="tx1"/>
+                </a:solidFill>
+              </a:rPr>
+              <a:t>Menu</a:t>
+            </a:r>
+            <a:endParaRPr lang="ko-KR" altLang="en-US" dirty="0">
+              <a:solidFill>
+                <a:schemeClr val="tx1"/>
+              </a:solidFill>
+            </a:endParaRPr>
+          </a:p>
+        </p:txBody>
+      </p:sp>
+      <p:sp>
+        <p:nvSpPr>
+          <p:cNvPr id="30" name="직사각형 29"/>
+          <p:cNvSpPr/>
+          <p:nvPr/>
+        </p:nvSpPr>
+        <p:spPr>
+          <a:xfrm>
+            <a:off x="538480" y="3297527"/>
+            <a:ext cx="1660506" cy="1340746"/>
+          </a:xfrm>
+          <a:prstGeom prst="rect">
+            <a:avLst/>
+          </a:prstGeom>
+          <a:solidFill>
+            <a:schemeClr val="bg1"/>
+          </a:solidFill>
+        </p:spPr>
+        <p:style>
+          <a:lnRef idx="2">
+            <a:schemeClr val="accent1">
+              <a:shade val="50000"/>
+            </a:schemeClr>
+          </a:lnRef>
+          <a:fillRef idx="1">
+            <a:schemeClr val="accent1"/>
+          </a:fillRef>
+          <a:effectRef idx="0">
+            <a:schemeClr val="accent1"/>
+          </a:effectRef>
+          <a:fontRef idx="minor">
+            <a:schemeClr val="lt1"/>
+          </a:fontRef>
+        </p:style>
+        <p:txBody>
+          <a:bodyPr rtlCol="0" anchor="ctr"/>
+          <a:lstStyle/>
+          <a:p>
+            <a:pPr algn="ctr"/>
+            <a:r>
+              <a:rPr lang="en-US" altLang="ko-KR" dirty="0" smtClean="0">
+                <a:solidFill>
+                  <a:schemeClr val="tx1"/>
+                </a:solidFill>
+              </a:rPr>
+              <a:t>Menu</a:t>
+            </a:r>
+            <a:endParaRPr lang="ko-KR" altLang="en-US" dirty="0">
+              <a:solidFill>
+                <a:schemeClr val="tx1"/>
+              </a:solidFill>
+            </a:endParaRPr>
+          </a:p>
+        </p:txBody>
+      </p:sp>
+      <p:sp>
+        <p:nvSpPr>
+          <p:cNvPr id="34" name="직사각형 33"/>
+          <p:cNvSpPr/>
+          <p:nvPr/>
+        </p:nvSpPr>
+        <p:spPr>
+          <a:xfrm>
+            <a:off x="4259727" y="3297527"/>
+            <a:ext cx="1660506" cy="1340746"/>
+          </a:xfrm>
+          <a:prstGeom prst="rect">
+            <a:avLst/>
+          </a:prstGeom>
+          <a:solidFill>
+            <a:schemeClr val="bg1"/>
+          </a:solidFill>
+        </p:spPr>
+        <p:style>
+          <a:lnRef idx="2">
+            <a:schemeClr val="accent1">
+              <a:shade val="50000"/>
+            </a:schemeClr>
+          </a:lnRef>
+          <a:fillRef idx="1">
+            <a:schemeClr val="accent1"/>
+          </a:fillRef>
+          <a:effectRef idx="0">
+            <a:schemeClr val="accent1"/>
+          </a:effectRef>
+          <a:fontRef idx="minor">
+            <a:schemeClr val="lt1"/>
+          </a:fontRef>
+        </p:style>
+        <p:txBody>
+          <a:bodyPr rtlCol="0" anchor="ctr"/>
+          <a:lstStyle/>
+          <a:p>
+            <a:pPr algn="ctr"/>
+            <a:r>
+              <a:rPr lang="en-US" altLang="ko-KR" dirty="0">
+                <a:solidFill>
+                  <a:schemeClr val="tx1"/>
+                </a:solidFill>
+              </a:rPr>
+              <a:t>Menu</a:t>
+            </a:r>
+            <a:endParaRPr lang="ko-KR" altLang="en-US" dirty="0">
+              <a:solidFill>
+                <a:schemeClr val="tx1"/>
+              </a:solidFill>
+            </a:endParaRPr>
+          </a:p>
+        </p:txBody>
+      </p:sp>
+      <p:sp>
+        <p:nvSpPr>
+          <p:cNvPr id="35" name="직사각형 34"/>
+          <p:cNvSpPr/>
+          <p:nvPr/>
+        </p:nvSpPr>
+        <p:spPr>
+          <a:xfrm>
+            <a:off x="538480" y="4838663"/>
+            <a:ext cx="1660506" cy="1340746"/>
+          </a:xfrm>
+          <a:prstGeom prst="rect">
+            <a:avLst/>
+          </a:prstGeom>
+          <a:solidFill>
+            <a:schemeClr val="bg1"/>
+          </a:solidFill>
+        </p:spPr>
+        <p:style>
+          <a:lnRef idx="2">
+            <a:schemeClr val="accent1">
+              <a:shade val="50000"/>
+            </a:schemeClr>
+          </a:lnRef>
+          <a:fillRef idx="1">
+            <a:schemeClr val="accent1"/>
+          </a:fillRef>
+          <a:effectRef idx="0">
+            <a:schemeClr val="accent1"/>
+          </a:effectRef>
+          <a:fontRef idx="minor">
+            <a:schemeClr val="lt1"/>
+          </a:fontRef>
+        </p:style>
+        <p:txBody>
+          <a:bodyPr rtlCol="0" anchor="ctr"/>
+          <a:lstStyle/>
+          <a:p>
+            <a:pPr algn="ctr"/>
+            <a:r>
+              <a:rPr lang="en-US" altLang="ko-KR" dirty="0">
+                <a:solidFill>
+                  <a:schemeClr val="tx1"/>
+                </a:solidFill>
+              </a:rPr>
+              <a:t>Menu</a:t>
+            </a:r>
+            <a:endParaRPr lang="ko-KR" altLang="en-US" dirty="0">
+              <a:solidFill>
+                <a:schemeClr val="tx1"/>
+              </a:solidFill>
+            </a:endParaRPr>
+          </a:p>
+        </p:txBody>
+      </p:sp>
+      <p:sp>
+        <p:nvSpPr>
+          <p:cNvPr id="36" name="직사각형 35"/>
+          <p:cNvSpPr/>
+          <p:nvPr/>
+        </p:nvSpPr>
+        <p:spPr>
+          <a:xfrm>
+            <a:off x="2399104" y="4838784"/>
+            <a:ext cx="1660506" cy="1340746"/>
+          </a:xfrm>
+          <a:prstGeom prst="rect">
+            <a:avLst/>
+          </a:prstGeom>
+          <a:solidFill>
+            <a:schemeClr val="bg1"/>
+          </a:solidFill>
+        </p:spPr>
+        <p:style>
+          <a:lnRef idx="2">
+            <a:schemeClr val="accent1">
+              <a:shade val="50000"/>
+            </a:schemeClr>
+          </a:lnRef>
+          <a:fillRef idx="1">
+            <a:schemeClr val="accent1"/>
+          </a:fillRef>
+          <a:effectRef idx="0">
+            <a:schemeClr val="accent1"/>
+          </a:effectRef>
+          <a:fontRef idx="minor">
+            <a:schemeClr val="lt1"/>
+          </a:fontRef>
+        </p:style>
+        <p:txBody>
+          <a:bodyPr rtlCol="0" anchor="ctr"/>
+          <a:lstStyle/>
+          <a:p>
+            <a:pPr algn="ctr"/>
+            <a:r>
+              <a:rPr lang="en-US" altLang="ko-KR" dirty="0">
+                <a:solidFill>
+                  <a:schemeClr val="tx1"/>
+                </a:solidFill>
+              </a:rPr>
+              <a:t>Menu</a:t>
+            </a:r>
+            <a:endParaRPr lang="ko-KR" altLang="en-US" dirty="0">
+              <a:solidFill>
+                <a:schemeClr val="tx1"/>
+              </a:solidFill>
+            </a:endParaRPr>
+          </a:p>
+        </p:txBody>
+      </p:sp>
+    </p:spTree>
+    <p:extLst>
+      <p:ext uri="{BB962C8B-B14F-4D97-AF65-F5344CB8AC3E}">
+        <p14:creationId xmlns:p14="http://schemas.microsoft.com/office/powerpoint/2010/main" val="2765120336"/>
+      </p:ext>
+    </p:extLst>
+  </p:cSld>
+  <p:clrMapOvr>
+    <a:masterClrMapping/>
+  </p:clrMapOvr>
+  <mc:AlternateContent xmlns:mc="http://schemas.openxmlformats.org/markup-compatibility/2006">
+    <mc:Choice xmlns:p14="http://schemas.microsoft.com/office/powerpoint/2010/main" Requires="p14">
+      <p:transition spd="med" p14:dur="700">
+        <p:fade/>
+      </p:transition>
+    </mc:Choice>
+    <mc:Fallback>
+      <p:transition spd="med">
+        <p:fade/>
+      </p:transition>
+    </mc:Fallback>
+  </mc:AlternateContent>
+  <p:timing>
+    <p:tnLst>
+      <p:par>
+        <p:cTn id="1" dur="indefinite" restart="never" nodeType="tmRoot"/>
+      </p:par>
+    </p:tnLst>
+  </p:timing>
+</p:sld>
+</file>
+
+<file path=ppt/slides/slide14.xml><?xml version="1.0" encoding="utf-8"?>
+<p:sld xmlns:a="http://schemas.openxmlformats.org/drawingml/2006/main" xmlns:r="http://schemas.openxmlformats.org/officeDocument/2006/relationships" xmlns:p="http://schemas.openxmlformats.org/presentationml/2006/main">
+  <p:cSld>
+    <p:spTree>
+      <p:nvGrpSpPr>
+        <p:cNvPr id="1" name=""/>
+        <p:cNvGrpSpPr/>
+        <p:nvPr/>
+      </p:nvGrpSpPr>
+      <p:grpSpPr>
+        <a:xfrm>
+          <a:off x="0" y="0"/>
+          <a:ext cx="0" cy="0"/>
+          <a:chOff x="0" y="0"/>
+          <a:chExt cx="0" cy="0"/>
+        </a:xfrm>
+      </p:grpSpPr>
+      <p:grpSp>
+        <p:nvGrpSpPr>
+          <p:cNvPr id="21" name="그룹 20">
+            <a:extLst>
+              <a:ext uri="{FF2B5EF4-FFF2-40B4-BE49-F238E27FC236}">
+                <a16:creationId xmlns:a16="http://schemas.microsoft.com/office/drawing/2014/main" xmlns="" id="{34AF672D-F300-49ED-B1B1-C7AD77F1CF1D}"/>
+              </a:ext>
+            </a:extLst>
+          </p:cNvPr>
+          <p:cNvGrpSpPr/>
+          <p:nvPr/>
+        </p:nvGrpSpPr>
+        <p:grpSpPr>
+          <a:xfrm>
+            <a:off x="0" y="0"/>
+            <a:ext cx="12192000" cy="908925"/>
+            <a:chOff x="0" y="0"/>
+            <a:chExt cx="12192000" cy="1076960"/>
+          </a:xfrm>
+        </p:grpSpPr>
+        <p:sp>
+          <p:nvSpPr>
+            <p:cNvPr id="14" name="직사각형 13">
+              <a:extLst>
+                <a:ext uri="{FF2B5EF4-FFF2-40B4-BE49-F238E27FC236}">
+                  <a16:creationId xmlns:a16="http://schemas.microsoft.com/office/drawing/2014/main" xmlns="" id="{C47BEF14-6520-4B7C-A137-6786E163399F}"/>
+                </a:ext>
+              </a:extLst>
+            </p:cNvPr>
+            <p:cNvSpPr/>
+            <p:nvPr/>
+          </p:nvSpPr>
+          <p:spPr>
+            <a:xfrm>
+              <a:off x="0" y="0"/>
+              <a:ext cx="121920" cy="1076960"/>
+            </a:xfrm>
+            <a:prstGeom prst="rect">
+              <a:avLst/>
+            </a:prstGeom>
+            <a:ln>
+              <a:noFill/>
+            </a:ln>
+          </p:spPr>
+          <p:style>
+            <a:lnRef idx="2">
+              <a:schemeClr val="accent1">
+                <a:shade val="50000"/>
+              </a:schemeClr>
+            </a:lnRef>
+            <a:fillRef idx="1">
+              <a:schemeClr val="accent1"/>
+            </a:fillRef>
+            <a:effectRef idx="0">
+              <a:schemeClr val="accent1"/>
+            </a:effectRef>
+            <a:fontRef idx="minor">
+              <a:schemeClr val="lt1"/>
+            </a:fontRef>
+          </p:style>
+          <p:txBody>
+            <a:bodyPr rtlCol="0" anchor="ctr"/>
+            <a:lstStyle/>
+            <a:p>
+              <a:pPr algn="ctr"/>
+              <a:endParaRPr lang="ko-KR" altLang="en-US"/>
+            </a:p>
+          </p:txBody>
+        </p:sp>
+        <p:sp>
+          <p:nvSpPr>
+            <p:cNvPr id="15" name="직사각형 14">
+              <a:extLst>
+                <a:ext uri="{FF2B5EF4-FFF2-40B4-BE49-F238E27FC236}">
+                  <a16:creationId xmlns:a16="http://schemas.microsoft.com/office/drawing/2014/main" xmlns="" id="{AE7E944A-14D6-40FD-AC6E-795762F0A52A}"/>
+                </a:ext>
+              </a:extLst>
+            </p:cNvPr>
+            <p:cNvSpPr/>
+            <p:nvPr/>
+          </p:nvSpPr>
+          <p:spPr>
+            <a:xfrm rot="5400000">
+              <a:off x="269240" y="-147320"/>
+              <a:ext cx="121920" cy="416560"/>
+            </a:xfrm>
+            <a:prstGeom prst="rect">
+              <a:avLst/>
+            </a:prstGeom>
+            <a:solidFill>
+              <a:schemeClr val="accent4"/>
+            </a:solidFill>
+            <a:ln>
+              <a:noFill/>
+            </a:ln>
+          </p:spPr>
+          <p:style>
+            <a:lnRef idx="2">
+              <a:schemeClr val="accent1">
+                <a:shade val="50000"/>
+              </a:schemeClr>
+            </a:lnRef>
+            <a:fillRef idx="1">
+              <a:schemeClr val="accent1"/>
+            </a:fillRef>
+            <a:effectRef idx="0">
+              <a:schemeClr val="accent1"/>
+            </a:effectRef>
+            <a:fontRef idx="minor">
+              <a:schemeClr val="lt1"/>
+            </a:fontRef>
+          </p:style>
+          <p:txBody>
+            <a:bodyPr rtlCol="0" anchor="ctr"/>
+            <a:lstStyle/>
+            <a:p>
+              <a:pPr algn="ctr"/>
+              <a:endParaRPr lang="ko-KR" altLang="en-US"/>
+            </a:p>
+          </p:txBody>
+        </p:sp>
+        <p:sp>
+          <p:nvSpPr>
+            <p:cNvPr id="16" name="TextBox 15">
+              <a:extLst>
+                <a:ext uri="{FF2B5EF4-FFF2-40B4-BE49-F238E27FC236}">
+                  <a16:creationId xmlns:a16="http://schemas.microsoft.com/office/drawing/2014/main" xmlns="" id="{314989EB-2D66-48FD-AE45-E8AAC62D69DF}"/>
+                </a:ext>
+              </a:extLst>
+            </p:cNvPr>
+            <p:cNvSpPr txBox="1"/>
+            <p:nvPr/>
+          </p:nvSpPr>
+          <p:spPr>
+            <a:xfrm>
+              <a:off x="660400" y="238397"/>
+              <a:ext cx="2571538" cy="711118"/>
+            </a:xfrm>
+            <a:prstGeom prst="rect">
+              <a:avLst/>
+            </a:prstGeom>
+            <a:noFill/>
+          </p:spPr>
+          <p:txBody>
+            <a:bodyPr wrap="none" rtlCol="0">
+              <a:spAutoFit/>
+            </a:bodyPr>
+            <a:lstStyle/>
+            <a:p>
+              <a:r>
+                <a:rPr lang="ko-KR" altLang="en-US" sz="3300" spc="-300" dirty="0" smtClean="0">
+                  <a:solidFill>
+                    <a:schemeClr val="tx1">
+                      <a:lumMod val="85000"/>
+                      <a:lumOff val="15000"/>
+                    </a:schemeClr>
+                  </a:solidFill>
+                </a:rPr>
+                <a:t>와이어 프레임</a:t>
+              </a:r>
+              <a:endParaRPr lang="ko-KR" altLang="en-US" sz="3300" spc="-300" dirty="0">
+                <a:solidFill>
+                  <a:schemeClr val="tx1">
+                    <a:lumMod val="85000"/>
+                    <a:lumOff val="15000"/>
+                  </a:schemeClr>
+                </a:solidFill>
+              </a:endParaRPr>
+            </a:p>
+          </p:txBody>
+        </p:sp>
+        <p:sp>
+          <p:nvSpPr>
+            <p:cNvPr id="18" name="TextBox 17">
+              <a:extLst>
+                <a:ext uri="{FF2B5EF4-FFF2-40B4-BE49-F238E27FC236}">
+                  <a16:creationId xmlns:a16="http://schemas.microsoft.com/office/drawing/2014/main" xmlns="" id="{373F017D-1562-4D58-90BD-4CB746FFE587}"/>
+                </a:ext>
+              </a:extLst>
+            </p:cNvPr>
+            <p:cNvSpPr txBox="1"/>
+            <p:nvPr/>
+          </p:nvSpPr>
+          <p:spPr>
+            <a:xfrm>
+              <a:off x="111760" y="81618"/>
+              <a:ext cx="527709" cy="984625"/>
+            </a:xfrm>
+            <a:prstGeom prst="rect">
+              <a:avLst/>
+            </a:prstGeom>
+            <a:noFill/>
+          </p:spPr>
+          <p:txBody>
+            <a:bodyPr wrap="none" rtlCol="0">
+              <a:spAutoFit/>
+            </a:bodyPr>
+            <a:lstStyle/>
+            <a:p>
+              <a:r>
+                <a:rPr lang="en-US" altLang="ko-KR" sz="4800" b="1" dirty="0">
+                  <a:solidFill>
+                    <a:schemeClr val="bg1">
+                      <a:lumMod val="85000"/>
+                    </a:schemeClr>
+                  </a:solidFill>
+                  <a:latin typeface="+mj-lt"/>
+                  <a:ea typeface="+mj-ea"/>
+                </a:rPr>
+                <a:t>3</a:t>
+              </a:r>
+              <a:endParaRPr lang="ko-KR" altLang="en-US" sz="4800" b="1" dirty="0">
+                <a:solidFill>
+                  <a:schemeClr val="bg1">
+                    <a:lumMod val="85000"/>
+                  </a:schemeClr>
+                </a:solidFill>
+                <a:latin typeface="+mj-lt"/>
+                <a:ea typeface="+mj-ea"/>
+              </a:endParaRPr>
+            </a:p>
+          </p:txBody>
+        </p:sp>
+        <p:cxnSp>
+          <p:nvCxnSpPr>
+            <p:cNvPr id="20" name="직선 연결선 19">
+              <a:extLst>
+                <a:ext uri="{FF2B5EF4-FFF2-40B4-BE49-F238E27FC236}">
+                  <a16:creationId xmlns:a16="http://schemas.microsoft.com/office/drawing/2014/main" xmlns="" id="{694D31A9-4C98-4514-A4CD-FEE8123A95D4}"/>
+                </a:ext>
+              </a:extLst>
+            </p:cNvPr>
+            <p:cNvCxnSpPr/>
+            <p:nvPr/>
+          </p:nvCxnSpPr>
+          <p:spPr>
+            <a:xfrm>
+              <a:off x="660400" y="1073885"/>
+              <a:ext cx="11531600" cy="0"/>
+            </a:xfrm>
+            <a:prstGeom prst="line">
+              <a:avLst/>
+            </a:prstGeom>
+            <a:ln>
+              <a:solidFill>
+                <a:schemeClr val="bg1">
+                  <a:lumMod val="75000"/>
+                </a:schemeClr>
+              </a:solidFill>
+            </a:ln>
+          </p:spPr>
+          <p:style>
+            <a:lnRef idx="1">
+              <a:schemeClr val="accent1"/>
+            </a:lnRef>
+            <a:fillRef idx="0">
+              <a:schemeClr val="accent1"/>
+            </a:fillRef>
+            <a:effectRef idx="0">
+              <a:schemeClr val="accent1"/>
+            </a:effectRef>
+            <a:fontRef idx="minor">
+              <a:schemeClr val="tx1"/>
+            </a:fontRef>
+          </p:style>
+        </p:cxnSp>
+      </p:grpSp>
+      <p:sp>
+        <p:nvSpPr>
+          <p:cNvPr id="19" name="직사각형 18"/>
+          <p:cNvSpPr/>
+          <p:nvPr/>
+        </p:nvSpPr>
+        <p:spPr>
+          <a:xfrm>
+            <a:off x="9948891" y="6543162"/>
+            <a:ext cx="2155502" cy="271035"/>
+          </a:xfrm>
+          <a:prstGeom prst="rect">
+            <a:avLst/>
+          </a:prstGeom>
+          <a:solidFill>
+            <a:schemeClr val="bg1"/>
+          </a:solidFill>
+          <a:ln>
+            <a:solidFill>
+              <a:schemeClr val="bg1"/>
+            </a:solidFill>
+          </a:ln>
+        </p:spPr>
+        <p:style>
+          <a:lnRef idx="2">
+            <a:schemeClr val="accent1">
+              <a:shade val="50000"/>
+            </a:schemeClr>
+          </a:lnRef>
+          <a:fillRef idx="1">
+            <a:schemeClr val="accent1"/>
+          </a:fillRef>
+          <a:effectRef idx="0">
+            <a:schemeClr val="accent1"/>
+          </a:effectRef>
+          <a:fontRef idx="minor">
+            <a:schemeClr val="lt1"/>
+          </a:fontRef>
+        </p:style>
+        <p:txBody>
+          <a:bodyPr rtlCol="0" anchor="ctr"/>
+          <a:lstStyle/>
+          <a:p>
+            <a:pPr algn="ctr"/>
+            <a:endParaRPr lang="ko-KR" altLang="en-US"/>
+          </a:p>
+        </p:txBody>
+      </p:sp>
+      <p:sp>
+        <p:nvSpPr>
+          <p:cNvPr id="4" name="직사각형 3"/>
+          <p:cNvSpPr/>
+          <p:nvPr/>
+        </p:nvSpPr>
+        <p:spPr>
+          <a:xfrm>
+            <a:off x="327615" y="1549552"/>
+            <a:ext cx="11536771" cy="5048364"/>
+          </a:xfrm>
+          <a:prstGeom prst="rect">
+            <a:avLst/>
+          </a:prstGeom>
+          <a:solidFill>
+            <a:schemeClr val="bg1"/>
+          </a:solidFill>
+          <a:ln>
+            <a:solidFill>
+              <a:schemeClr val="tx1"/>
+            </a:solidFill>
+          </a:ln>
+        </p:spPr>
+        <p:style>
+          <a:lnRef idx="2">
+            <a:schemeClr val="accent1">
+              <a:shade val="50000"/>
+            </a:schemeClr>
+          </a:lnRef>
+          <a:fillRef idx="1">
+            <a:schemeClr val="accent1"/>
+          </a:fillRef>
+          <a:effectRef idx="0">
+            <a:schemeClr val="accent1"/>
+          </a:effectRef>
+          <a:fontRef idx="minor">
+            <a:schemeClr val="lt1"/>
+          </a:fontRef>
+        </p:style>
+        <p:txBody>
+          <a:bodyPr rtlCol="0" anchor="ctr"/>
+          <a:lstStyle/>
+          <a:p>
+            <a:pPr algn="ctr"/>
+            <a:endParaRPr lang="ko-KR" altLang="en-US"/>
+          </a:p>
+        </p:txBody>
+      </p:sp>
+      <p:sp>
+        <p:nvSpPr>
+          <p:cNvPr id="23" name="직사각형 22"/>
+          <p:cNvSpPr/>
+          <p:nvPr/>
+        </p:nvSpPr>
+        <p:spPr>
+          <a:xfrm>
+            <a:off x="3167485" y="3340278"/>
+            <a:ext cx="5857030" cy="1466912"/>
+          </a:xfrm>
+          <a:prstGeom prst="rect">
+            <a:avLst/>
+          </a:prstGeom>
+          <a:solidFill>
+            <a:schemeClr val="accent1"/>
+          </a:solidFill>
+        </p:spPr>
+        <p:style>
+          <a:lnRef idx="2">
+            <a:schemeClr val="accent1">
+              <a:shade val="50000"/>
+            </a:schemeClr>
+          </a:lnRef>
+          <a:fillRef idx="1">
+            <a:schemeClr val="accent1"/>
+          </a:fillRef>
+          <a:effectRef idx="0">
+            <a:schemeClr val="accent1"/>
+          </a:effectRef>
+          <a:fontRef idx="minor">
+            <a:schemeClr val="lt1"/>
+          </a:fontRef>
+        </p:style>
+        <p:txBody>
+          <a:bodyPr rtlCol="0" anchor="ctr"/>
+          <a:lstStyle/>
+          <a:p>
+            <a:pPr algn="ctr"/>
+            <a:r>
+              <a:rPr lang="en-US" altLang="ko-KR" dirty="0" smtClean="0"/>
+              <a:t>Text Area</a:t>
+            </a:r>
+            <a:endParaRPr lang="ko-KR" altLang="en-US" dirty="0"/>
+          </a:p>
+        </p:txBody>
+      </p:sp>
+      <p:sp>
+        <p:nvSpPr>
+          <p:cNvPr id="22" name="직사각형 21"/>
+          <p:cNvSpPr/>
+          <p:nvPr/>
+        </p:nvSpPr>
+        <p:spPr>
+          <a:xfrm>
+            <a:off x="5772036" y="6302242"/>
+            <a:ext cx="647928" cy="240919"/>
+          </a:xfrm>
+          <a:prstGeom prst="rect">
+            <a:avLst/>
+          </a:prstGeom>
+          <a:solidFill>
+            <a:schemeClr val="accent1"/>
+          </a:solidFill>
+        </p:spPr>
+        <p:style>
+          <a:lnRef idx="2">
+            <a:schemeClr val="accent1">
+              <a:shade val="50000"/>
+            </a:schemeClr>
+          </a:lnRef>
+          <a:fillRef idx="1">
+            <a:schemeClr val="accent1"/>
+          </a:fillRef>
+          <a:effectRef idx="0">
+            <a:schemeClr val="accent1"/>
+          </a:effectRef>
+          <a:fontRef idx="minor">
+            <a:schemeClr val="lt1"/>
+          </a:fontRef>
+        </p:style>
+        <p:txBody>
+          <a:bodyPr rtlCol="0" anchor="ctr"/>
+          <a:lstStyle/>
+          <a:p>
+            <a:pPr algn="ctr"/>
+            <a:r>
+              <a:rPr lang="ko-KR" altLang="en-US" sz="1000" dirty="0" smtClean="0"/>
+              <a:t>휠 모양</a:t>
+            </a:r>
+            <a:endParaRPr lang="ko-KR" altLang="en-US" sz="1000" dirty="0"/>
+          </a:p>
+        </p:txBody>
+      </p:sp>
+      <p:cxnSp>
+        <p:nvCxnSpPr>
+          <p:cNvPr id="12" name="직선 연결선 11"/>
+          <p:cNvCxnSpPr/>
+          <p:nvPr/>
+        </p:nvCxnSpPr>
+        <p:spPr>
+          <a:xfrm>
+            <a:off x="327615" y="1549552"/>
+            <a:ext cx="11536771" cy="5048364"/>
+          </a:xfrm>
+          <a:prstGeom prst="line">
+            <a:avLst/>
+          </a:prstGeom>
+        </p:spPr>
+        <p:style>
+          <a:lnRef idx="1">
+            <a:schemeClr val="accent1"/>
+          </a:lnRef>
+          <a:fillRef idx="0">
+            <a:schemeClr val="accent1"/>
+          </a:fillRef>
+          <a:effectRef idx="0">
+            <a:schemeClr val="accent1"/>
+          </a:effectRef>
+          <a:fontRef idx="minor">
+            <a:schemeClr val="tx1"/>
+          </a:fontRef>
+        </p:style>
+      </p:cxnSp>
+      <p:cxnSp>
+        <p:nvCxnSpPr>
+          <p:cNvPr id="31" name="직선 연결선 30"/>
+          <p:cNvCxnSpPr/>
+          <p:nvPr/>
+        </p:nvCxnSpPr>
+        <p:spPr>
+          <a:xfrm flipH="1">
+            <a:off x="327615" y="1549552"/>
+            <a:ext cx="11536771" cy="5048364"/>
+          </a:xfrm>
+          <a:prstGeom prst="line">
+            <a:avLst/>
+          </a:prstGeom>
+        </p:spPr>
+        <p:style>
+          <a:lnRef idx="1">
+            <a:schemeClr val="accent1"/>
+          </a:lnRef>
+          <a:fillRef idx="0">
+            <a:schemeClr val="accent1"/>
+          </a:fillRef>
+          <a:effectRef idx="0">
+            <a:schemeClr val="accent1"/>
+          </a:effectRef>
+          <a:fontRef idx="minor">
+            <a:schemeClr val="tx1"/>
+          </a:fontRef>
+        </p:style>
+      </p:cxnSp>
+      <p:sp>
+        <p:nvSpPr>
+          <p:cNvPr id="32" name="TextBox 31"/>
+          <p:cNvSpPr txBox="1"/>
+          <p:nvPr/>
+        </p:nvSpPr>
+        <p:spPr>
+          <a:xfrm>
+            <a:off x="9899612" y="1148605"/>
+            <a:ext cx="1964774" cy="369332"/>
+          </a:xfrm>
+          <a:prstGeom prst="rect">
+            <a:avLst/>
+          </a:prstGeom>
+          <a:noFill/>
+        </p:spPr>
+        <p:txBody>
+          <a:bodyPr wrap="square" rtlCol="0">
+            <a:spAutoFit/>
+          </a:bodyPr>
+          <a:lstStyle/>
+          <a:p>
+            <a:r>
+              <a:rPr lang="en-US" altLang="ko-KR" dirty="0" smtClean="0"/>
+              <a:t>Main Page / Main</a:t>
+            </a:r>
+            <a:endParaRPr lang="ko-KR" altLang="en-US" dirty="0"/>
+          </a:p>
+        </p:txBody>
+      </p:sp>
+      <p:sp>
+        <p:nvSpPr>
+          <p:cNvPr id="2" name="직사각형 1"/>
+          <p:cNvSpPr/>
+          <p:nvPr/>
+        </p:nvSpPr>
+        <p:spPr>
+          <a:xfrm>
+            <a:off x="327615" y="1549552"/>
+            <a:ext cx="11536772" cy="5041913"/>
+          </a:xfrm>
+          <a:prstGeom prst="rect">
+            <a:avLst/>
+          </a:prstGeom>
+          <a:solidFill>
+            <a:srgbClr val="F2F2F2">
+              <a:alpha val="50196"/>
+            </a:srgbClr>
+          </a:solidFill>
+        </p:spPr>
+        <p:style>
+          <a:lnRef idx="2">
+            <a:schemeClr val="accent1">
+              <a:shade val="50000"/>
+            </a:schemeClr>
+          </a:lnRef>
+          <a:fillRef idx="1">
+            <a:schemeClr val="accent1"/>
+          </a:fillRef>
+          <a:effectRef idx="0">
+            <a:schemeClr val="accent1"/>
+          </a:effectRef>
+          <a:fontRef idx="minor">
+            <a:schemeClr val="lt1"/>
+          </a:fontRef>
+        </p:style>
+        <p:txBody>
+          <a:bodyPr rtlCol="0" anchor="ctr"/>
+          <a:lstStyle/>
+          <a:p>
+            <a:pPr algn="ctr"/>
+            <a:endParaRPr lang="ko-KR" altLang="en-US"/>
+          </a:p>
+        </p:txBody>
+      </p:sp>
+      <p:sp>
+        <p:nvSpPr>
+          <p:cNvPr id="5" name="직사각형 4"/>
+          <p:cNvSpPr/>
+          <p:nvPr/>
+        </p:nvSpPr>
+        <p:spPr>
+          <a:xfrm>
+            <a:off x="10863291" y="1643568"/>
+            <a:ext cx="903449" cy="438036"/>
+          </a:xfrm>
+          <a:prstGeom prst="rect">
+            <a:avLst/>
+          </a:prstGeom>
+          <a:solidFill>
+            <a:schemeClr val="accent1"/>
+          </a:solidFill>
+        </p:spPr>
+        <p:style>
+          <a:lnRef idx="2">
+            <a:schemeClr val="accent1">
+              <a:shade val="50000"/>
+            </a:schemeClr>
+          </a:lnRef>
+          <a:fillRef idx="1">
+            <a:schemeClr val="accent1"/>
+          </a:fillRef>
+          <a:effectRef idx="0">
+            <a:schemeClr val="accent1"/>
+          </a:effectRef>
+          <a:fontRef idx="minor">
+            <a:schemeClr val="lt1"/>
+          </a:fontRef>
+        </p:style>
+        <p:txBody>
+          <a:bodyPr rtlCol="0" anchor="ctr"/>
+          <a:lstStyle/>
+          <a:p>
+            <a:pPr algn="ctr"/>
+            <a:r>
+              <a:rPr lang="ko-KR" altLang="en-US" dirty="0" smtClean="0"/>
+              <a:t>메뉴</a:t>
+            </a:r>
+            <a:endParaRPr lang="ko-KR" altLang="en-US" dirty="0"/>
+          </a:p>
+        </p:txBody>
+      </p:sp>
+      <p:sp>
+        <p:nvSpPr>
+          <p:cNvPr id="3" name="직사각형 2"/>
+          <p:cNvSpPr/>
+          <p:nvPr/>
+        </p:nvSpPr>
+        <p:spPr>
+          <a:xfrm>
+            <a:off x="327614" y="1556003"/>
+            <a:ext cx="5768385" cy="5041913"/>
+          </a:xfrm>
+          <a:prstGeom prst="rect">
+            <a:avLst/>
+          </a:prstGeom>
+        </p:spPr>
+        <p:style>
+          <a:lnRef idx="2">
+            <a:schemeClr val="accent1">
+              <a:shade val="50000"/>
+            </a:schemeClr>
+          </a:lnRef>
+          <a:fillRef idx="1">
+            <a:schemeClr val="accent1"/>
+          </a:fillRef>
+          <a:effectRef idx="0">
+            <a:schemeClr val="accent1"/>
+          </a:effectRef>
+          <a:fontRef idx="minor">
+            <a:schemeClr val="lt1"/>
+          </a:fontRef>
+        </p:style>
+        <p:txBody>
+          <a:bodyPr rtlCol="0" anchor="ctr"/>
+          <a:lstStyle/>
+          <a:p>
+            <a:pPr algn="ctr"/>
+            <a:endParaRPr lang="ko-KR" altLang="en-US"/>
+          </a:p>
+        </p:txBody>
+      </p:sp>
+      <p:sp>
+        <p:nvSpPr>
+          <p:cNvPr id="6" name="직사각형 5"/>
+          <p:cNvSpPr/>
+          <p:nvPr/>
+        </p:nvSpPr>
+        <p:spPr>
+          <a:xfrm>
+            <a:off x="538480" y="1780886"/>
+            <a:ext cx="1660506" cy="1340746"/>
+          </a:xfrm>
+          <a:prstGeom prst="rect">
+            <a:avLst/>
+          </a:prstGeom>
+          <a:solidFill>
+            <a:schemeClr val="bg1"/>
+          </a:solidFill>
+        </p:spPr>
+        <p:style>
+          <a:lnRef idx="2">
+            <a:schemeClr val="accent1">
+              <a:shade val="50000"/>
+            </a:schemeClr>
+          </a:lnRef>
+          <a:fillRef idx="1">
+            <a:schemeClr val="accent1"/>
+          </a:fillRef>
+          <a:effectRef idx="0">
+            <a:schemeClr val="accent1"/>
+          </a:effectRef>
+          <a:fontRef idx="minor">
+            <a:schemeClr val="lt1"/>
+          </a:fontRef>
+        </p:style>
+        <p:txBody>
+          <a:bodyPr rtlCol="0" anchor="ctr"/>
+          <a:lstStyle/>
+          <a:p>
+            <a:pPr algn="ctr"/>
+            <a:r>
+              <a:rPr lang="en-US" altLang="ko-KR" dirty="0" smtClean="0">
+                <a:solidFill>
+                  <a:schemeClr val="tx1"/>
+                </a:solidFill>
+              </a:rPr>
+              <a:t>Menu</a:t>
+            </a:r>
+            <a:endParaRPr lang="ko-KR" altLang="en-US" dirty="0">
+              <a:solidFill>
+                <a:schemeClr val="tx1"/>
+              </a:solidFill>
+            </a:endParaRPr>
+          </a:p>
+        </p:txBody>
+      </p:sp>
+      <p:sp>
+        <p:nvSpPr>
+          <p:cNvPr id="26" name="직사각형 25"/>
+          <p:cNvSpPr/>
+          <p:nvPr/>
+        </p:nvSpPr>
+        <p:spPr>
+          <a:xfrm>
+            <a:off x="5899143" y="1568377"/>
+            <a:ext cx="196857" cy="172281"/>
+          </a:xfrm>
+          <a:prstGeom prst="rect">
+            <a:avLst/>
+          </a:prstGeom>
+          <a:solidFill>
+            <a:schemeClr val="bg1"/>
+          </a:solidFill>
+        </p:spPr>
+        <p:style>
+          <a:lnRef idx="2">
+            <a:schemeClr val="accent1">
+              <a:shade val="50000"/>
+            </a:schemeClr>
+          </a:lnRef>
+          <a:fillRef idx="1">
+            <a:schemeClr val="accent1"/>
+          </a:fillRef>
+          <a:effectRef idx="0">
+            <a:schemeClr val="accent1"/>
+          </a:effectRef>
+          <a:fontRef idx="minor">
+            <a:schemeClr val="lt1"/>
+          </a:fontRef>
+        </p:style>
+        <p:txBody>
+          <a:bodyPr rtlCol="0" anchor="ctr"/>
+          <a:lstStyle/>
+          <a:p>
+            <a:pPr algn="ctr"/>
+            <a:r>
+              <a:rPr lang="en-US" altLang="ko-KR" dirty="0" smtClean="0">
+                <a:solidFill>
+                  <a:schemeClr val="tx1"/>
+                </a:solidFill>
+              </a:rPr>
+              <a:t>X</a:t>
+            </a:r>
+            <a:endParaRPr lang="ko-KR" altLang="en-US" dirty="0">
+              <a:solidFill>
+                <a:schemeClr val="tx1"/>
+              </a:solidFill>
+            </a:endParaRPr>
+          </a:p>
+        </p:txBody>
+      </p:sp>
+      <p:sp>
+        <p:nvSpPr>
+          <p:cNvPr id="27" name="직사각형 26"/>
+          <p:cNvSpPr/>
+          <p:nvPr/>
+        </p:nvSpPr>
+        <p:spPr>
+          <a:xfrm>
+            <a:off x="400156" y="6312364"/>
+            <a:ext cx="758607" cy="230797"/>
+          </a:xfrm>
+          <a:prstGeom prst="rect">
+            <a:avLst/>
+          </a:prstGeom>
+          <a:solidFill>
+            <a:schemeClr val="bg1"/>
+          </a:solidFill>
+        </p:spPr>
+        <p:style>
+          <a:lnRef idx="2">
+            <a:schemeClr val="accent1">
+              <a:shade val="50000"/>
+            </a:schemeClr>
+          </a:lnRef>
+          <a:fillRef idx="1">
+            <a:schemeClr val="accent1"/>
+          </a:fillRef>
+          <a:effectRef idx="0">
+            <a:schemeClr val="accent1"/>
+          </a:effectRef>
+          <a:fontRef idx="minor">
+            <a:schemeClr val="lt1"/>
+          </a:fontRef>
+        </p:style>
+        <p:txBody>
+          <a:bodyPr rtlCol="0" anchor="ctr"/>
+          <a:lstStyle/>
+          <a:p>
+            <a:pPr algn="ctr"/>
+            <a:r>
+              <a:rPr lang="ko-KR" altLang="en-US" sz="1400" dirty="0" smtClean="0">
+                <a:solidFill>
+                  <a:schemeClr val="tx1"/>
+                </a:solidFill>
+              </a:rPr>
+              <a:t>로그인</a:t>
+            </a:r>
+            <a:endParaRPr lang="ko-KR" altLang="en-US" sz="1400" dirty="0">
+              <a:solidFill>
+                <a:schemeClr val="tx1"/>
+              </a:solidFill>
+            </a:endParaRPr>
+          </a:p>
+        </p:txBody>
+      </p:sp>
+      <p:sp>
+        <p:nvSpPr>
+          <p:cNvPr id="28" name="직사각형 27"/>
+          <p:cNvSpPr/>
+          <p:nvPr/>
+        </p:nvSpPr>
+        <p:spPr>
+          <a:xfrm>
+            <a:off x="2399104" y="1781007"/>
+            <a:ext cx="1660506" cy="1340746"/>
+          </a:xfrm>
+          <a:prstGeom prst="rect">
+            <a:avLst/>
+          </a:prstGeom>
+          <a:solidFill>
+            <a:schemeClr val="bg1"/>
+          </a:solidFill>
+        </p:spPr>
+        <p:style>
+          <a:lnRef idx="2">
+            <a:schemeClr val="accent1">
+              <a:shade val="50000"/>
+            </a:schemeClr>
+          </a:lnRef>
+          <a:fillRef idx="1">
+            <a:schemeClr val="accent1"/>
+          </a:fillRef>
+          <a:effectRef idx="0">
+            <a:schemeClr val="accent1"/>
+          </a:effectRef>
+          <a:fontRef idx="minor">
+            <a:schemeClr val="lt1"/>
+          </a:fontRef>
+        </p:style>
+        <p:txBody>
+          <a:bodyPr rtlCol="0" anchor="ctr"/>
+          <a:lstStyle/>
+          <a:p>
+            <a:pPr algn="ctr"/>
+            <a:r>
+              <a:rPr lang="en-US" altLang="ko-KR" dirty="0" smtClean="0">
+                <a:solidFill>
+                  <a:schemeClr val="tx1"/>
+                </a:solidFill>
+              </a:rPr>
+              <a:t>Menu</a:t>
+            </a:r>
+            <a:endParaRPr lang="ko-KR" altLang="en-US" dirty="0">
+              <a:solidFill>
+                <a:schemeClr val="tx1"/>
+              </a:solidFill>
+            </a:endParaRPr>
+          </a:p>
+        </p:txBody>
+      </p:sp>
+      <p:sp>
+        <p:nvSpPr>
+          <p:cNvPr id="29" name="직사각형 28"/>
+          <p:cNvSpPr/>
+          <p:nvPr/>
+        </p:nvSpPr>
+        <p:spPr>
+          <a:xfrm>
+            <a:off x="4259727" y="1780869"/>
+            <a:ext cx="1660506" cy="1340746"/>
+          </a:xfrm>
+          <a:prstGeom prst="rect">
+            <a:avLst/>
+          </a:prstGeom>
+          <a:solidFill>
+            <a:schemeClr val="bg1"/>
+          </a:solidFill>
+        </p:spPr>
+        <p:style>
+          <a:lnRef idx="2">
+            <a:schemeClr val="accent1">
+              <a:shade val="50000"/>
+            </a:schemeClr>
+          </a:lnRef>
+          <a:fillRef idx="1">
+            <a:schemeClr val="accent1"/>
+          </a:fillRef>
+          <a:effectRef idx="0">
+            <a:schemeClr val="accent1"/>
+          </a:effectRef>
+          <a:fontRef idx="minor">
+            <a:schemeClr val="lt1"/>
+          </a:fontRef>
+        </p:style>
+        <p:txBody>
+          <a:bodyPr rtlCol="0" anchor="ctr"/>
+          <a:lstStyle/>
+          <a:p>
+            <a:pPr algn="ctr"/>
+            <a:r>
+              <a:rPr lang="en-US" altLang="ko-KR" dirty="0" smtClean="0">
+                <a:solidFill>
+                  <a:schemeClr val="tx1"/>
+                </a:solidFill>
+              </a:rPr>
+              <a:t>Menu</a:t>
+            </a:r>
+            <a:endParaRPr lang="ko-KR" altLang="en-US" dirty="0">
+              <a:solidFill>
+                <a:schemeClr val="tx1"/>
+              </a:solidFill>
+            </a:endParaRPr>
+          </a:p>
+        </p:txBody>
+      </p:sp>
+      <p:sp>
+        <p:nvSpPr>
+          <p:cNvPr id="30" name="직사각형 29"/>
+          <p:cNvSpPr/>
+          <p:nvPr/>
+        </p:nvSpPr>
+        <p:spPr>
+          <a:xfrm>
+            <a:off x="538480" y="3297527"/>
+            <a:ext cx="1660506" cy="1340746"/>
+          </a:xfrm>
+          <a:prstGeom prst="rect">
+            <a:avLst/>
+          </a:prstGeom>
+          <a:solidFill>
+            <a:schemeClr val="bg1"/>
+          </a:solidFill>
+        </p:spPr>
+        <p:style>
+          <a:lnRef idx="2">
+            <a:schemeClr val="accent1">
+              <a:shade val="50000"/>
+            </a:schemeClr>
+          </a:lnRef>
+          <a:fillRef idx="1">
+            <a:schemeClr val="accent1"/>
+          </a:fillRef>
+          <a:effectRef idx="0">
+            <a:schemeClr val="accent1"/>
+          </a:effectRef>
+          <a:fontRef idx="minor">
+            <a:schemeClr val="lt1"/>
+          </a:fontRef>
+        </p:style>
+        <p:txBody>
+          <a:bodyPr rtlCol="0" anchor="ctr"/>
+          <a:lstStyle/>
+          <a:p>
+            <a:pPr algn="ctr"/>
+            <a:r>
+              <a:rPr lang="en-US" altLang="ko-KR" dirty="0" smtClean="0">
+                <a:solidFill>
+                  <a:schemeClr val="tx1"/>
+                </a:solidFill>
+              </a:rPr>
+              <a:t>Menu</a:t>
+            </a:r>
+            <a:endParaRPr lang="ko-KR" altLang="en-US" dirty="0">
+              <a:solidFill>
+                <a:schemeClr val="tx1"/>
+              </a:solidFill>
+            </a:endParaRPr>
+          </a:p>
+        </p:txBody>
+      </p:sp>
+      <p:sp>
+        <p:nvSpPr>
+          <p:cNvPr id="34" name="직사각형 33"/>
+          <p:cNvSpPr/>
+          <p:nvPr/>
+        </p:nvSpPr>
+        <p:spPr>
+          <a:xfrm>
+            <a:off x="4259727" y="3297527"/>
+            <a:ext cx="1660506" cy="1340746"/>
+          </a:xfrm>
+          <a:prstGeom prst="rect">
+            <a:avLst/>
+          </a:prstGeom>
+          <a:solidFill>
+            <a:schemeClr val="bg1"/>
+          </a:solidFill>
+        </p:spPr>
+        <p:style>
+          <a:lnRef idx="2">
+            <a:schemeClr val="accent1">
+              <a:shade val="50000"/>
+            </a:schemeClr>
+          </a:lnRef>
+          <a:fillRef idx="1">
+            <a:schemeClr val="accent1"/>
+          </a:fillRef>
+          <a:effectRef idx="0">
+            <a:schemeClr val="accent1"/>
+          </a:effectRef>
+          <a:fontRef idx="minor">
+            <a:schemeClr val="lt1"/>
+          </a:fontRef>
+        </p:style>
+        <p:txBody>
+          <a:bodyPr rtlCol="0" anchor="ctr"/>
+          <a:lstStyle/>
+          <a:p>
+            <a:pPr algn="ctr"/>
+            <a:r>
+              <a:rPr lang="en-US" altLang="ko-KR" dirty="0">
+                <a:solidFill>
+                  <a:schemeClr val="tx1"/>
+                </a:solidFill>
+              </a:rPr>
+              <a:t>Menu</a:t>
+            </a:r>
+            <a:endParaRPr lang="ko-KR" altLang="en-US" dirty="0">
+              <a:solidFill>
+                <a:schemeClr val="tx1"/>
+              </a:solidFill>
+            </a:endParaRPr>
+          </a:p>
+        </p:txBody>
+      </p:sp>
+      <p:sp>
+        <p:nvSpPr>
+          <p:cNvPr id="35" name="직사각형 34"/>
+          <p:cNvSpPr/>
+          <p:nvPr/>
+        </p:nvSpPr>
+        <p:spPr>
+          <a:xfrm>
+            <a:off x="538480" y="4838663"/>
+            <a:ext cx="1660506" cy="1340746"/>
+          </a:xfrm>
+          <a:prstGeom prst="rect">
+            <a:avLst/>
+          </a:prstGeom>
+          <a:solidFill>
+            <a:schemeClr val="bg1"/>
+          </a:solidFill>
+        </p:spPr>
+        <p:style>
+          <a:lnRef idx="2">
+            <a:schemeClr val="accent1">
+              <a:shade val="50000"/>
+            </a:schemeClr>
+          </a:lnRef>
+          <a:fillRef idx="1">
+            <a:schemeClr val="accent1"/>
+          </a:fillRef>
+          <a:effectRef idx="0">
+            <a:schemeClr val="accent1"/>
+          </a:effectRef>
+          <a:fontRef idx="minor">
+            <a:schemeClr val="lt1"/>
+          </a:fontRef>
+        </p:style>
+        <p:txBody>
+          <a:bodyPr rtlCol="0" anchor="ctr"/>
+          <a:lstStyle/>
+          <a:p>
+            <a:pPr algn="ctr"/>
+            <a:r>
+              <a:rPr lang="en-US" altLang="ko-KR" dirty="0">
+                <a:solidFill>
+                  <a:schemeClr val="tx1"/>
+                </a:solidFill>
+              </a:rPr>
+              <a:t>Menu</a:t>
+            </a:r>
+            <a:endParaRPr lang="ko-KR" altLang="en-US" dirty="0">
+              <a:solidFill>
+                <a:schemeClr val="tx1"/>
+              </a:solidFill>
+            </a:endParaRPr>
+          </a:p>
+        </p:txBody>
+      </p:sp>
+      <p:sp>
+        <p:nvSpPr>
+          <p:cNvPr id="36" name="직사각형 35"/>
+          <p:cNvSpPr/>
+          <p:nvPr/>
+        </p:nvSpPr>
+        <p:spPr>
+          <a:xfrm>
+            <a:off x="2399104" y="4838784"/>
+            <a:ext cx="1660506" cy="1340746"/>
+          </a:xfrm>
+          <a:prstGeom prst="rect">
+            <a:avLst/>
+          </a:prstGeom>
+          <a:solidFill>
+            <a:schemeClr val="bg1"/>
+          </a:solidFill>
+        </p:spPr>
+        <p:style>
+          <a:lnRef idx="2">
+            <a:schemeClr val="accent1">
+              <a:shade val="50000"/>
+            </a:schemeClr>
+          </a:lnRef>
+          <a:fillRef idx="1">
+            <a:schemeClr val="accent1"/>
+          </a:fillRef>
+          <a:effectRef idx="0">
+            <a:schemeClr val="accent1"/>
+          </a:effectRef>
+          <a:fontRef idx="minor">
+            <a:schemeClr val="lt1"/>
+          </a:fontRef>
+        </p:style>
+        <p:txBody>
+          <a:bodyPr rtlCol="0" anchor="ctr"/>
+          <a:lstStyle/>
+          <a:p>
+            <a:pPr algn="ctr"/>
+            <a:r>
+              <a:rPr lang="en-US" altLang="ko-KR" dirty="0">
+                <a:solidFill>
+                  <a:schemeClr val="tx1"/>
+                </a:solidFill>
+              </a:rPr>
+              <a:t>Menu</a:t>
+            </a:r>
+            <a:endParaRPr lang="ko-KR" altLang="en-US" dirty="0">
+              <a:solidFill>
+                <a:schemeClr val="tx1"/>
+              </a:solidFill>
+            </a:endParaRPr>
+          </a:p>
+        </p:txBody>
+      </p:sp>
+      <p:sp>
+        <p:nvSpPr>
+          <p:cNvPr id="37" name="직사각형 36"/>
+          <p:cNvSpPr/>
+          <p:nvPr/>
+        </p:nvSpPr>
+        <p:spPr>
+          <a:xfrm>
+            <a:off x="4259727" y="4838663"/>
+            <a:ext cx="1660506" cy="1340746"/>
+          </a:xfrm>
+          <a:prstGeom prst="rect">
+            <a:avLst/>
+          </a:prstGeom>
+          <a:solidFill>
+            <a:schemeClr val="bg1"/>
+          </a:solidFill>
+        </p:spPr>
+        <p:style>
+          <a:lnRef idx="2">
+            <a:schemeClr val="accent1">
+              <a:shade val="50000"/>
+            </a:schemeClr>
+          </a:lnRef>
+          <a:fillRef idx="1">
+            <a:schemeClr val="accent1"/>
+          </a:fillRef>
+          <a:effectRef idx="0">
+            <a:schemeClr val="accent1"/>
+          </a:effectRef>
+          <a:fontRef idx="minor">
+            <a:schemeClr val="lt1"/>
+          </a:fontRef>
+        </p:style>
+        <p:txBody>
+          <a:bodyPr rtlCol="0" anchor="ctr"/>
+          <a:lstStyle/>
+          <a:p>
+            <a:pPr algn="ctr"/>
+            <a:r>
+              <a:rPr lang="en-US" altLang="ko-KR" dirty="0">
+                <a:solidFill>
+                  <a:schemeClr val="tx1"/>
+                </a:solidFill>
+              </a:rPr>
+              <a:t>Menu</a:t>
+            </a:r>
+            <a:endParaRPr lang="ko-KR" altLang="en-US" dirty="0">
+              <a:solidFill>
+                <a:schemeClr val="tx1"/>
+              </a:solidFill>
+            </a:endParaRPr>
+          </a:p>
+        </p:txBody>
+      </p:sp>
+    </p:spTree>
+    <p:extLst>
+      <p:ext uri="{BB962C8B-B14F-4D97-AF65-F5344CB8AC3E}">
+        <p14:creationId xmlns:p14="http://schemas.microsoft.com/office/powerpoint/2010/main" val="888807212"/>
+      </p:ext>
+    </p:extLst>
+  </p:cSld>
+  <p:clrMapOvr>
+    <a:masterClrMapping/>
+  </p:clrMapOvr>
+  <mc:AlternateContent xmlns:mc="http://schemas.openxmlformats.org/markup-compatibility/2006">
+    <mc:Choice xmlns:p14="http://schemas.microsoft.com/office/powerpoint/2010/main" Requires="p14">
+      <p:transition spd="med" p14:dur="700">
+        <p:fade/>
+      </p:transition>
+    </mc:Choice>
+    <mc:Fallback>
+      <p:transition spd="med">
+        <p:fade/>
+      </p:transition>
+    </mc:Fallback>
+  </mc:AlternateContent>
+  <p:timing>
+    <p:tnLst>
+      <p:par>
+        <p:cTn id="1" dur="indefinite" restart="never" nodeType="tmRoot"/>
+      </p:par>
+    </p:tnLst>
+  </p:timing>
+</p:sld>
+</file>
+
+<file path=ppt/slides/slide15.xml><?xml version="1.0" encoding="utf-8"?>
+<p:sld xmlns:a="http://schemas.openxmlformats.org/drawingml/2006/main" xmlns:r="http://schemas.openxmlformats.org/officeDocument/2006/relationships" xmlns:p="http://schemas.openxmlformats.org/presentationml/2006/main">
+  <p:cSld>
+    <p:spTree>
+      <p:nvGrpSpPr>
+        <p:cNvPr id="1" name=""/>
+        <p:cNvGrpSpPr/>
+        <p:nvPr/>
+      </p:nvGrpSpPr>
+      <p:grpSpPr>
+        <a:xfrm>
+          <a:off x="0" y="0"/>
+          <a:ext cx="0" cy="0"/>
+          <a:chOff x="0" y="0"/>
+          <a:chExt cx="0" cy="0"/>
+        </a:xfrm>
+      </p:grpSpPr>
+      <p:grpSp>
+        <p:nvGrpSpPr>
+          <p:cNvPr id="21" name="그룹 20">
+            <a:extLst>
+              <a:ext uri="{FF2B5EF4-FFF2-40B4-BE49-F238E27FC236}">
+                <a16:creationId xmlns:a16="http://schemas.microsoft.com/office/drawing/2014/main" xmlns="" id="{34AF672D-F300-49ED-B1B1-C7AD77F1CF1D}"/>
+              </a:ext>
+            </a:extLst>
+          </p:cNvPr>
+          <p:cNvGrpSpPr/>
+          <p:nvPr/>
+        </p:nvGrpSpPr>
+        <p:grpSpPr>
+          <a:xfrm>
+            <a:off x="0" y="0"/>
+            <a:ext cx="12192000" cy="908925"/>
+            <a:chOff x="0" y="0"/>
+            <a:chExt cx="12192000" cy="1076960"/>
+          </a:xfrm>
+        </p:grpSpPr>
+        <p:sp>
+          <p:nvSpPr>
+            <p:cNvPr id="14" name="직사각형 13">
+              <a:extLst>
+                <a:ext uri="{FF2B5EF4-FFF2-40B4-BE49-F238E27FC236}">
+                  <a16:creationId xmlns:a16="http://schemas.microsoft.com/office/drawing/2014/main" xmlns="" id="{C47BEF14-6520-4B7C-A137-6786E163399F}"/>
+                </a:ext>
+              </a:extLst>
+            </p:cNvPr>
+            <p:cNvSpPr/>
+            <p:nvPr/>
+          </p:nvSpPr>
+          <p:spPr>
+            <a:xfrm>
+              <a:off x="0" y="0"/>
+              <a:ext cx="121920" cy="1076960"/>
+            </a:xfrm>
+            <a:prstGeom prst="rect">
+              <a:avLst/>
+            </a:prstGeom>
+            <a:ln>
+              <a:noFill/>
+            </a:ln>
+          </p:spPr>
+          <p:style>
+            <a:lnRef idx="2">
+              <a:schemeClr val="accent1">
+                <a:shade val="50000"/>
+              </a:schemeClr>
+            </a:lnRef>
+            <a:fillRef idx="1">
+              <a:schemeClr val="accent1"/>
+            </a:fillRef>
+            <a:effectRef idx="0">
+              <a:schemeClr val="accent1"/>
+            </a:effectRef>
+            <a:fontRef idx="minor">
+              <a:schemeClr val="lt1"/>
+            </a:fontRef>
+          </p:style>
+          <p:txBody>
+            <a:bodyPr rtlCol="0" anchor="ctr"/>
+            <a:lstStyle/>
+            <a:p>
+              <a:pPr algn="ctr"/>
+              <a:endParaRPr lang="ko-KR" altLang="en-US"/>
+            </a:p>
+          </p:txBody>
+        </p:sp>
+        <p:sp>
+          <p:nvSpPr>
+            <p:cNvPr id="15" name="직사각형 14">
+              <a:extLst>
+                <a:ext uri="{FF2B5EF4-FFF2-40B4-BE49-F238E27FC236}">
+                  <a16:creationId xmlns:a16="http://schemas.microsoft.com/office/drawing/2014/main" xmlns="" id="{AE7E944A-14D6-40FD-AC6E-795762F0A52A}"/>
+                </a:ext>
+              </a:extLst>
+            </p:cNvPr>
+            <p:cNvSpPr/>
+            <p:nvPr/>
+          </p:nvSpPr>
+          <p:spPr>
+            <a:xfrm rot="5400000">
+              <a:off x="269240" y="-147320"/>
+              <a:ext cx="121920" cy="416560"/>
+            </a:xfrm>
+            <a:prstGeom prst="rect">
+              <a:avLst/>
+            </a:prstGeom>
+            <a:solidFill>
+              <a:schemeClr val="accent4"/>
+            </a:solidFill>
+            <a:ln>
+              <a:noFill/>
+            </a:ln>
+          </p:spPr>
+          <p:style>
+            <a:lnRef idx="2">
+              <a:schemeClr val="accent1">
+                <a:shade val="50000"/>
+              </a:schemeClr>
+            </a:lnRef>
+            <a:fillRef idx="1">
+              <a:schemeClr val="accent1"/>
+            </a:fillRef>
+            <a:effectRef idx="0">
+              <a:schemeClr val="accent1"/>
+            </a:effectRef>
+            <a:fontRef idx="minor">
+              <a:schemeClr val="lt1"/>
+            </a:fontRef>
+          </p:style>
+          <p:txBody>
+            <a:bodyPr rtlCol="0" anchor="ctr"/>
+            <a:lstStyle/>
+            <a:p>
+              <a:pPr algn="ctr"/>
+              <a:endParaRPr lang="ko-KR" altLang="en-US"/>
+            </a:p>
+          </p:txBody>
+        </p:sp>
+        <p:sp>
+          <p:nvSpPr>
+            <p:cNvPr id="16" name="TextBox 15">
+              <a:extLst>
+                <a:ext uri="{FF2B5EF4-FFF2-40B4-BE49-F238E27FC236}">
+                  <a16:creationId xmlns:a16="http://schemas.microsoft.com/office/drawing/2014/main" xmlns="" id="{314989EB-2D66-48FD-AE45-E8AAC62D69DF}"/>
+                </a:ext>
+              </a:extLst>
+            </p:cNvPr>
+            <p:cNvSpPr txBox="1"/>
+            <p:nvPr/>
+          </p:nvSpPr>
+          <p:spPr>
+            <a:xfrm>
+              <a:off x="660400" y="238397"/>
+              <a:ext cx="2571538" cy="711118"/>
+            </a:xfrm>
+            <a:prstGeom prst="rect">
+              <a:avLst/>
+            </a:prstGeom>
+            <a:noFill/>
+          </p:spPr>
+          <p:txBody>
+            <a:bodyPr wrap="none" rtlCol="0">
+              <a:spAutoFit/>
+            </a:bodyPr>
+            <a:lstStyle/>
+            <a:p>
+              <a:r>
+                <a:rPr lang="ko-KR" altLang="en-US" sz="3300" spc="-300" dirty="0" smtClean="0">
+                  <a:solidFill>
+                    <a:schemeClr val="tx1">
+                      <a:lumMod val="85000"/>
+                      <a:lumOff val="15000"/>
+                    </a:schemeClr>
+                  </a:solidFill>
+                </a:rPr>
+                <a:t>와이어 프레임</a:t>
+              </a:r>
+              <a:endParaRPr lang="ko-KR" altLang="en-US" sz="3300" spc="-300" dirty="0">
+                <a:solidFill>
+                  <a:schemeClr val="tx1">
+                    <a:lumMod val="85000"/>
+                    <a:lumOff val="15000"/>
+                  </a:schemeClr>
+                </a:solidFill>
+              </a:endParaRPr>
+            </a:p>
+          </p:txBody>
+        </p:sp>
+        <p:sp>
+          <p:nvSpPr>
+            <p:cNvPr id="18" name="TextBox 17">
+              <a:extLst>
+                <a:ext uri="{FF2B5EF4-FFF2-40B4-BE49-F238E27FC236}">
+                  <a16:creationId xmlns:a16="http://schemas.microsoft.com/office/drawing/2014/main" xmlns="" id="{373F017D-1562-4D58-90BD-4CB746FFE587}"/>
+                </a:ext>
+              </a:extLst>
+            </p:cNvPr>
+            <p:cNvSpPr txBox="1"/>
+            <p:nvPr/>
+          </p:nvSpPr>
+          <p:spPr>
+            <a:xfrm>
+              <a:off x="111760" y="81618"/>
+              <a:ext cx="527709" cy="984625"/>
+            </a:xfrm>
+            <a:prstGeom prst="rect">
+              <a:avLst/>
+            </a:prstGeom>
+            <a:noFill/>
+          </p:spPr>
+          <p:txBody>
+            <a:bodyPr wrap="none" rtlCol="0">
+              <a:spAutoFit/>
+            </a:bodyPr>
+            <a:lstStyle/>
+            <a:p>
+              <a:r>
+                <a:rPr lang="en-US" altLang="ko-KR" sz="4800" b="1" dirty="0">
+                  <a:solidFill>
+                    <a:schemeClr val="bg1">
+                      <a:lumMod val="85000"/>
+                    </a:schemeClr>
+                  </a:solidFill>
+                  <a:latin typeface="+mj-lt"/>
+                  <a:ea typeface="+mj-ea"/>
+                </a:rPr>
+                <a:t>3</a:t>
+              </a:r>
+              <a:endParaRPr lang="ko-KR" altLang="en-US" sz="4800" b="1" dirty="0">
+                <a:solidFill>
+                  <a:schemeClr val="bg1">
+                    <a:lumMod val="85000"/>
+                  </a:schemeClr>
+                </a:solidFill>
+                <a:latin typeface="+mj-lt"/>
+                <a:ea typeface="+mj-ea"/>
+              </a:endParaRPr>
+            </a:p>
+          </p:txBody>
+        </p:sp>
+        <p:cxnSp>
+          <p:nvCxnSpPr>
+            <p:cNvPr id="20" name="직선 연결선 19">
+              <a:extLst>
+                <a:ext uri="{FF2B5EF4-FFF2-40B4-BE49-F238E27FC236}">
+                  <a16:creationId xmlns:a16="http://schemas.microsoft.com/office/drawing/2014/main" xmlns="" id="{694D31A9-4C98-4514-A4CD-FEE8123A95D4}"/>
+                </a:ext>
+              </a:extLst>
+            </p:cNvPr>
+            <p:cNvCxnSpPr/>
+            <p:nvPr/>
+          </p:nvCxnSpPr>
+          <p:spPr>
+            <a:xfrm>
+              <a:off x="660400" y="1073885"/>
+              <a:ext cx="11531600" cy="0"/>
+            </a:xfrm>
+            <a:prstGeom prst="line">
+              <a:avLst/>
+            </a:prstGeom>
+            <a:ln>
+              <a:solidFill>
+                <a:schemeClr val="bg1">
+                  <a:lumMod val="75000"/>
+                </a:schemeClr>
+              </a:solidFill>
+            </a:ln>
+          </p:spPr>
+          <p:style>
+            <a:lnRef idx="1">
+              <a:schemeClr val="accent1"/>
+            </a:lnRef>
+            <a:fillRef idx="0">
+              <a:schemeClr val="accent1"/>
+            </a:fillRef>
+            <a:effectRef idx="0">
+              <a:schemeClr val="accent1"/>
+            </a:effectRef>
+            <a:fontRef idx="minor">
+              <a:schemeClr val="tx1"/>
+            </a:fontRef>
+          </p:style>
+        </p:cxnSp>
+      </p:grpSp>
+      <p:sp>
+        <p:nvSpPr>
+          <p:cNvPr id="19" name="직사각형 18"/>
+          <p:cNvSpPr/>
+          <p:nvPr/>
+        </p:nvSpPr>
+        <p:spPr>
+          <a:xfrm>
+            <a:off x="9948891" y="6543162"/>
+            <a:ext cx="2155502" cy="271035"/>
+          </a:xfrm>
+          <a:prstGeom prst="rect">
+            <a:avLst/>
+          </a:prstGeom>
+          <a:solidFill>
+            <a:schemeClr val="bg1"/>
+          </a:solidFill>
+          <a:ln>
+            <a:solidFill>
+              <a:schemeClr val="bg1"/>
+            </a:solidFill>
+          </a:ln>
+        </p:spPr>
+        <p:style>
+          <a:lnRef idx="2">
+            <a:schemeClr val="accent1">
+              <a:shade val="50000"/>
+            </a:schemeClr>
+          </a:lnRef>
+          <a:fillRef idx="1">
+            <a:schemeClr val="accent1"/>
+          </a:fillRef>
+          <a:effectRef idx="0">
+            <a:schemeClr val="accent1"/>
+          </a:effectRef>
+          <a:fontRef idx="minor">
+            <a:schemeClr val="lt1"/>
+          </a:fontRef>
+        </p:style>
+        <p:txBody>
+          <a:bodyPr rtlCol="0" anchor="ctr"/>
+          <a:lstStyle/>
+          <a:p>
+            <a:pPr algn="ctr"/>
+            <a:endParaRPr lang="ko-KR" altLang="en-US"/>
+          </a:p>
+        </p:txBody>
+      </p:sp>
+      <p:sp>
+        <p:nvSpPr>
+          <p:cNvPr id="4" name="직사각형 3"/>
+          <p:cNvSpPr/>
+          <p:nvPr/>
+        </p:nvSpPr>
+        <p:spPr>
+          <a:xfrm>
+            <a:off x="327615" y="1549552"/>
+            <a:ext cx="11536771" cy="5048364"/>
+          </a:xfrm>
+          <a:prstGeom prst="rect">
+            <a:avLst/>
+          </a:prstGeom>
+          <a:solidFill>
+            <a:schemeClr val="bg1"/>
+          </a:solidFill>
+          <a:ln>
+            <a:solidFill>
+              <a:schemeClr val="tx1"/>
+            </a:solidFill>
+          </a:ln>
+        </p:spPr>
+        <p:style>
+          <a:lnRef idx="2">
+            <a:schemeClr val="accent1">
+              <a:shade val="50000"/>
+            </a:schemeClr>
+          </a:lnRef>
+          <a:fillRef idx="1">
+            <a:schemeClr val="accent1"/>
+          </a:fillRef>
+          <a:effectRef idx="0">
+            <a:schemeClr val="accent1"/>
+          </a:effectRef>
+          <a:fontRef idx="minor">
+            <a:schemeClr val="lt1"/>
+          </a:fontRef>
+        </p:style>
+        <p:txBody>
+          <a:bodyPr rtlCol="0" anchor="ctr"/>
+          <a:lstStyle/>
+          <a:p>
+            <a:pPr algn="ctr"/>
+            <a:endParaRPr lang="ko-KR" altLang="en-US"/>
+          </a:p>
+        </p:txBody>
+      </p:sp>
+      <p:sp>
+        <p:nvSpPr>
+          <p:cNvPr id="23" name="직사각형 22"/>
+          <p:cNvSpPr/>
+          <p:nvPr/>
+        </p:nvSpPr>
+        <p:spPr>
+          <a:xfrm>
+            <a:off x="3167485" y="3340278"/>
+            <a:ext cx="5857030" cy="1466912"/>
+          </a:xfrm>
+          <a:prstGeom prst="rect">
+            <a:avLst/>
+          </a:prstGeom>
+          <a:solidFill>
+            <a:schemeClr val="accent1"/>
+          </a:solidFill>
+        </p:spPr>
+        <p:style>
+          <a:lnRef idx="2">
+            <a:schemeClr val="accent1">
+              <a:shade val="50000"/>
+            </a:schemeClr>
+          </a:lnRef>
+          <a:fillRef idx="1">
+            <a:schemeClr val="accent1"/>
+          </a:fillRef>
+          <a:effectRef idx="0">
+            <a:schemeClr val="accent1"/>
+          </a:effectRef>
+          <a:fontRef idx="minor">
+            <a:schemeClr val="lt1"/>
+          </a:fontRef>
+        </p:style>
+        <p:txBody>
+          <a:bodyPr rtlCol="0" anchor="ctr"/>
+          <a:lstStyle/>
+          <a:p>
+            <a:pPr algn="ctr"/>
+            <a:r>
+              <a:rPr lang="en-US" altLang="ko-KR" dirty="0" smtClean="0"/>
+              <a:t>Text Area</a:t>
+            </a:r>
+            <a:endParaRPr lang="ko-KR" altLang="en-US" dirty="0"/>
+          </a:p>
+        </p:txBody>
+      </p:sp>
+      <p:sp>
+        <p:nvSpPr>
+          <p:cNvPr id="22" name="직사각형 21"/>
+          <p:cNvSpPr/>
+          <p:nvPr/>
+        </p:nvSpPr>
+        <p:spPr>
+          <a:xfrm>
+            <a:off x="5772036" y="6302242"/>
+            <a:ext cx="647928" cy="240919"/>
+          </a:xfrm>
+          <a:prstGeom prst="rect">
+            <a:avLst/>
+          </a:prstGeom>
+          <a:solidFill>
+            <a:schemeClr val="accent1"/>
+          </a:solidFill>
+        </p:spPr>
+        <p:style>
+          <a:lnRef idx="2">
+            <a:schemeClr val="accent1">
+              <a:shade val="50000"/>
+            </a:schemeClr>
+          </a:lnRef>
+          <a:fillRef idx="1">
+            <a:schemeClr val="accent1"/>
+          </a:fillRef>
+          <a:effectRef idx="0">
+            <a:schemeClr val="accent1"/>
+          </a:effectRef>
+          <a:fontRef idx="minor">
+            <a:schemeClr val="lt1"/>
+          </a:fontRef>
+        </p:style>
+        <p:txBody>
+          <a:bodyPr rtlCol="0" anchor="ctr"/>
+          <a:lstStyle/>
+          <a:p>
+            <a:pPr algn="ctr"/>
+            <a:r>
+              <a:rPr lang="ko-KR" altLang="en-US" sz="1000" dirty="0" smtClean="0"/>
+              <a:t>휠 모양</a:t>
+            </a:r>
+            <a:endParaRPr lang="ko-KR" altLang="en-US" sz="1000" dirty="0"/>
+          </a:p>
+        </p:txBody>
+      </p:sp>
+      <p:cxnSp>
+        <p:nvCxnSpPr>
+          <p:cNvPr id="12" name="직선 연결선 11"/>
+          <p:cNvCxnSpPr/>
+          <p:nvPr/>
+        </p:nvCxnSpPr>
+        <p:spPr>
+          <a:xfrm>
+            <a:off x="327615" y="1549552"/>
+            <a:ext cx="11536771" cy="5048364"/>
+          </a:xfrm>
+          <a:prstGeom prst="line">
+            <a:avLst/>
+          </a:prstGeom>
+        </p:spPr>
+        <p:style>
+          <a:lnRef idx="1">
+            <a:schemeClr val="accent1"/>
+          </a:lnRef>
+          <a:fillRef idx="0">
+            <a:schemeClr val="accent1"/>
+          </a:fillRef>
+          <a:effectRef idx="0">
+            <a:schemeClr val="accent1"/>
+          </a:effectRef>
+          <a:fontRef idx="minor">
+            <a:schemeClr val="tx1"/>
+          </a:fontRef>
+        </p:style>
+      </p:cxnSp>
+      <p:cxnSp>
+        <p:nvCxnSpPr>
+          <p:cNvPr id="31" name="직선 연결선 30"/>
+          <p:cNvCxnSpPr/>
+          <p:nvPr/>
+        </p:nvCxnSpPr>
+        <p:spPr>
+          <a:xfrm flipH="1">
+            <a:off x="327615" y="1549552"/>
+            <a:ext cx="11536771" cy="5048364"/>
+          </a:xfrm>
+          <a:prstGeom prst="line">
+            <a:avLst/>
+          </a:prstGeom>
+        </p:spPr>
+        <p:style>
+          <a:lnRef idx="1">
+            <a:schemeClr val="accent1"/>
+          </a:lnRef>
+          <a:fillRef idx="0">
+            <a:schemeClr val="accent1"/>
+          </a:fillRef>
+          <a:effectRef idx="0">
+            <a:schemeClr val="accent1"/>
+          </a:effectRef>
+          <a:fontRef idx="minor">
+            <a:schemeClr val="tx1"/>
+          </a:fontRef>
+        </p:style>
+      </p:cxnSp>
+      <p:sp>
+        <p:nvSpPr>
+          <p:cNvPr id="32" name="TextBox 31"/>
+          <p:cNvSpPr txBox="1"/>
+          <p:nvPr/>
+        </p:nvSpPr>
+        <p:spPr>
+          <a:xfrm>
+            <a:off x="9899612" y="1148605"/>
+            <a:ext cx="1964774" cy="369332"/>
+          </a:xfrm>
+          <a:prstGeom prst="rect">
+            <a:avLst/>
+          </a:prstGeom>
+          <a:noFill/>
+        </p:spPr>
+        <p:txBody>
+          <a:bodyPr wrap="square" rtlCol="0">
+            <a:spAutoFit/>
+          </a:bodyPr>
+          <a:lstStyle/>
+          <a:p>
+            <a:r>
+              <a:rPr lang="en-US" altLang="ko-KR" dirty="0" smtClean="0"/>
+              <a:t>Main Page / Main</a:t>
+            </a:r>
+            <a:endParaRPr lang="ko-KR" altLang="en-US" dirty="0"/>
+          </a:p>
+        </p:txBody>
+      </p:sp>
+      <p:sp>
+        <p:nvSpPr>
+          <p:cNvPr id="2" name="직사각형 1"/>
+          <p:cNvSpPr/>
+          <p:nvPr/>
+        </p:nvSpPr>
+        <p:spPr>
+          <a:xfrm>
+            <a:off x="327615" y="1549552"/>
+            <a:ext cx="11536772" cy="5041913"/>
+          </a:xfrm>
+          <a:prstGeom prst="rect">
+            <a:avLst/>
+          </a:prstGeom>
+          <a:solidFill>
+            <a:srgbClr val="F2F2F2">
+              <a:alpha val="50196"/>
+            </a:srgbClr>
+          </a:solidFill>
+        </p:spPr>
+        <p:style>
+          <a:lnRef idx="2">
+            <a:schemeClr val="accent1">
+              <a:shade val="50000"/>
+            </a:schemeClr>
+          </a:lnRef>
+          <a:fillRef idx="1">
+            <a:schemeClr val="accent1"/>
+          </a:fillRef>
+          <a:effectRef idx="0">
+            <a:schemeClr val="accent1"/>
+          </a:effectRef>
+          <a:fontRef idx="minor">
+            <a:schemeClr val="lt1"/>
+          </a:fontRef>
+        </p:style>
+        <p:txBody>
+          <a:bodyPr rtlCol="0" anchor="ctr"/>
+          <a:lstStyle/>
+          <a:p>
+            <a:pPr algn="ctr"/>
+            <a:endParaRPr lang="ko-KR" altLang="en-US"/>
+          </a:p>
+        </p:txBody>
+      </p:sp>
+      <p:sp>
+        <p:nvSpPr>
+          <p:cNvPr id="5" name="직사각형 4"/>
+          <p:cNvSpPr/>
+          <p:nvPr/>
+        </p:nvSpPr>
+        <p:spPr>
+          <a:xfrm>
+            <a:off x="10863291" y="1643568"/>
+            <a:ext cx="903449" cy="438036"/>
+          </a:xfrm>
+          <a:prstGeom prst="rect">
+            <a:avLst/>
+          </a:prstGeom>
+          <a:solidFill>
+            <a:schemeClr val="accent1"/>
+          </a:solidFill>
+        </p:spPr>
+        <p:style>
+          <a:lnRef idx="2">
+            <a:schemeClr val="accent1">
+              <a:shade val="50000"/>
+            </a:schemeClr>
+          </a:lnRef>
+          <a:fillRef idx="1">
+            <a:schemeClr val="accent1"/>
+          </a:fillRef>
+          <a:effectRef idx="0">
+            <a:schemeClr val="accent1"/>
+          </a:effectRef>
+          <a:fontRef idx="minor">
+            <a:schemeClr val="lt1"/>
+          </a:fontRef>
+        </p:style>
+        <p:txBody>
+          <a:bodyPr rtlCol="0" anchor="ctr"/>
+          <a:lstStyle/>
+          <a:p>
+            <a:pPr algn="ctr"/>
+            <a:r>
+              <a:rPr lang="ko-KR" altLang="en-US" dirty="0" smtClean="0"/>
+              <a:t>메뉴</a:t>
+            </a:r>
+            <a:endParaRPr lang="ko-KR" altLang="en-US" dirty="0"/>
+          </a:p>
+        </p:txBody>
+      </p:sp>
+      <p:sp>
+        <p:nvSpPr>
+          <p:cNvPr id="3" name="직사각형 2"/>
+          <p:cNvSpPr/>
+          <p:nvPr/>
+        </p:nvSpPr>
+        <p:spPr>
+          <a:xfrm>
+            <a:off x="327614" y="1556003"/>
+            <a:ext cx="5768385" cy="5041913"/>
+          </a:xfrm>
+          <a:prstGeom prst="rect">
+            <a:avLst/>
+          </a:prstGeom>
+        </p:spPr>
+        <p:style>
+          <a:lnRef idx="2">
+            <a:schemeClr val="accent1">
+              <a:shade val="50000"/>
+            </a:schemeClr>
+          </a:lnRef>
+          <a:fillRef idx="1">
+            <a:schemeClr val="accent1"/>
+          </a:fillRef>
+          <a:effectRef idx="0">
+            <a:schemeClr val="accent1"/>
+          </a:effectRef>
+          <a:fontRef idx="minor">
+            <a:schemeClr val="lt1"/>
+          </a:fontRef>
+        </p:style>
+        <p:txBody>
+          <a:bodyPr rtlCol="0" anchor="ctr"/>
+          <a:lstStyle/>
+          <a:p>
+            <a:pPr algn="ctr"/>
+            <a:endParaRPr lang="ko-KR" altLang="en-US"/>
+          </a:p>
+        </p:txBody>
+      </p:sp>
+      <p:sp>
+        <p:nvSpPr>
+          <p:cNvPr id="6" name="직사각형 5"/>
+          <p:cNvSpPr/>
+          <p:nvPr/>
+        </p:nvSpPr>
+        <p:spPr>
+          <a:xfrm>
+            <a:off x="538480" y="1780886"/>
+            <a:ext cx="1660506" cy="1340746"/>
+          </a:xfrm>
+          <a:prstGeom prst="rect">
+            <a:avLst/>
+          </a:prstGeom>
+          <a:solidFill>
+            <a:schemeClr val="bg1"/>
+          </a:solidFill>
+        </p:spPr>
+        <p:style>
+          <a:lnRef idx="2">
+            <a:schemeClr val="accent1">
+              <a:shade val="50000"/>
+            </a:schemeClr>
+          </a:lnRef>
+          <a:fillRef idx="1">
+            <a:schemeClr val="accent1"/>
+          </a:fillRef>
+          <a:effectRef idx="0">
+            <a:schemeClr val="accent1"/>
+          </a:effectRef>
+          <a:fontRef idx="minor">
+            <a:schemeClr val="lt1"/>
+          </a:fontRef>
+        </p:style>
+        <p:txBody>
+          <a:bodyPr rtlCol="0" anchor="ctr"/>
+          <a:lstStyle/>
+          <a:p>
+            <a:pPr algn="ctr"/>
+            <a:r>
+              <a:rPr lang="en-US" altLang="ko-KR" dirty="0" smtClean="0">
+                <a:solidFill>
+                  <a:schemeClr val="tx1"/>
+                </a:solidFill>
+              </a:rPr>
+              <a:t>Menu</a:t>
+            </a:r>
+            <a:endParaRPr lang="ko-KR" altLang="en-US" dirty="0">
+              <a:solidFill>
+                <a:schemeClr val="tx1"/>
+              </a:solidFill>
+            </a:endParaRPr>
+          </a:p>
+        </p:txBody>
+      </p:sp>
+      <p:sp>
+        <p:nvSpPr>
+          <p:cNvPr id="26" name="직사각형 25"/>
+          <p:cNvSpPr/>
+          <p:nvPr/>
+        </p:nvSpPr>
+        <p:spPr>
+          <a:xfrm>
+            <a:off x="5899143" y="1568377"/>
+            <a:ext cx="196857" cy="172281"/>
+          </a:xfrm>
+          <a:prstGeom prst="rect">
+            <a:avLst/>
+          </a:prstGeom>
+          <a:solidFill>
+            <a:schemeClr val="bg1"/>
+          </a:solidFill>
+        </p:spPr>
+        <p:style>
+          <a:lnRef idx="2">
+            <a:schemeClr val="accent1">
+              <a:shade val="50000"/>
+            </a:schemeClr>
+          </a:lnRef>
+          <a:fillRef idx="1">
+            <a:schemeClr val="accent1"/>
+          </a:fillRef>
+          <a:effectRef idx="0">
+            <a:schemeClr val="accent1"/>
+          </a:effectRef>
+          <a:fontRef idx="minor">
+            <a:schemeClr val="lt1"/>
+          </a:fontRef>
+        </p:style>
+        <p:txBody>
+          <a:bodyPr rtlCol="0" anchor="ctr"/>
+          <a:lstStyle/>
+          <a:p>
+            <a:pPr algn="ctr"/>
+            <a:r>
+              <a:rPr lang="en-US" altLang="ko-KR" dirty="0" smtClean="0">
+                <a:solidFill>
+                  <a:schemeClr val="tx1"/>
+                </a:solidFill>
+              </a:rPr>
+              <a:t>X</a:t>
+            </a:r>
+            <a:endParaRPr lang="ko-KR" altLang="en-US" dirty="0">
+              <a:solidFill>
+                <a:schemeClr val="tx1"/>
+              </a:solidFill>
+            </a:endParaRPr>
+          </a:p>
+        </p:txBody>
+      </p:sp>
+      <p:sp>
+        <p:nvSpPr>
+          <p:cNvPr id="27" name="직사각형 26"/>
+          <p:cNvSpPr/>
+          <p:nvPr/>
+        </p:nvSpPr>
+        <p:spPr>
+          <a:xfrm>
+            <a:off x="400156" y="6312364"/>
+            <a:ext cx="758607" cy="230797"/>
+          </a:xfrm>
+          <a:prstGeom prst="rect">
+            <a:avLst/>
+          </a:prstGeom>
+          <a:solidFill>
+            <a:schemeClr val="bg1"/>
+          </a:solidFill>
+        </p:spPr>
+        <p:style>
+          <a:lnRef idx="2">
+            <a:schemeClr val="accent1">
+              <a:shade val="50000"/>
+            </a:schemeClr>
+          </a:lnRef>
+          <a:fillRef idx="1">
+            <a:schemeClr val="accent1"/>
+          </a:fillRef>
+          <a:effectRef idx="0">
+            <a:schemeClr val="accent1"/>
+          </a:effectRef>
+          <a:fontRef idx="minor">
+            <a:schemeClr val="lt1"/>
+          </a:fontRef>
+        </p:style>
+        <p:txBody>
+          <a:bodyPr rtlCol="0" anchor="ctr"/>
+          <a:lstStyle/>
+          <a:p>
+            <a:pPr algn="ctr"/>
+            <a:r>
+              <a:rPr lang="ko-KR" altLang="en-US" sz="1400" dirty="0" smtClean="0">
+                <a:solidFill>
+                  <a:schemeClr val="tx1"/>
+                </a:solidFill>
+              </a:rPr>
+              <a:t>로그인</a:t>
+            </a:r>
+            <a:endParaRPr lang="ko-KR" altLang="en-US" sz="1400" dirty="0">
+              <a:solidFill>
+                <a:schemeClr val="tx1"/>
+              </a:solidFill>
+            </a:endParaRPr>
+          </a:p>
+        </p:txBody>
+      </p:sp>
+      <p:sp>
+        <p:nvSpPr>
+          <p:cNvPr id="28" name="직사각형 27"/>
+          <p:cNvSpPr/>
+          <p:nvPr/>
+        </p:nvSpPr>
+        <p:spPr>
+          <a:xfrm>
+            <a:off x="2399104" y="1781007"/>
+            <a:ext cx="1660506" cy="1340746"/>
+          </a:xfrm>
+          <a:prstGeom prst="rect">
+            <a:avLst/>
+          </a:prstGeom>
+          <a:solidFill>
+            <a:schemeClr val="bg1"/>
+          </a:solidFill>
+        </p:spPr>
+        <p:style>
+          <a:lnRef idx="2">
+            <a:schemeClr val="accent1">
+              <a:shade val="50000"/>
+            </a:schemeClr>
+          </a:lnRef>
+          <a:fillRef idx="1">
+            <a:schemeClr val="accent1"/>
+          </a:fillRef>
+          <a:effectRef idx="0">
+            <a:schemeClr val="accent1"/>
+          </a:effectRef>
+          <a:fontRef idx="minor">
+            <a:schemeClr val="lt1"/>
+          </a:fontRef>
+        </p:style>
+        <p:txBody>
+          <a:bodyPr rtlCol="0" anchor="ctr"/>
+          <a:lstStyle/>
+          <a:p>
+            <a:pPr algn="ctr"/>
+            <a:r>
+              <a:rPr lang="en-US" altLang="ko-KR" dirty="0" smtClean="0">
+                <a:solidFill>
+                  <a:schemeClr val="tx1"/>
+                </a:solidFill>
+              </a:rPr>
+              <a:t>Menu</a:t>
+            </a:r>
+            <a:endParaRPr lang="ko-KR" altLang="en-US" dirty="0">
+              <a:solidFill>
+                <a:schemeClr val="tx1"/>
+              </a:solidFill>
+            </a:endParaRPr>
+          </a:p>
+        </p:txBody>
+      </p:sp>
+      <p:sp>
+        <p:nvSpPr>
+          <p:cNvPr id="29" name="직사각형 28"/>
+          <p:cNvSpPr/>
+          <p:nvPr/>
+        </p:nvSpPr>
+        <p:spPr>
+          <a:xfrm>
+            <a:off x="4259727" y="1780869"/>
+            <a:ext cx="1660506" cy="1340746"/>
+          </a:xfrm>
+          <a:prstGeom prst="rect">
+            <a:avLst/>
+          </a:prstGeom>
+          <a:solidFill>
+            <a:schemeClr val="bg1"/>
+          </a:solidFill>
+        </p:spPr>
+        <p:style>
+          <a:lnRef idx="2">
+            <a:schemeClr val="accent1">
+              <a:shade val="50000"/>
+            </a:schemeClr>
+          </a:lnRef>
+          <a:fillRef idx="1">
+            <a:schemeClr val="accent1"/>
+          </a:fillRef>
+          <a:effectRef idx="0">
+            <a:schemeClr val="accent1"/>
+          </a:effectRef>
+          <a:fontRef idx="minor">
+            <a:schemeClr val="lt1"/>
+          </a:fontRef>
+        </p:style>
+        <p:txBody>
+          <a:bodyPr rtlCol="0" anchor="ctr"/>
+          <a:lstStyle/>
+          <a:p>
+            <a:pPr algn="ctr"/>
+            <a:r>
+              <a:rPr lang="en-US" altLang="ko-KR" dirty="0" smtClean="0">
+                <a:solidFill>
+                  <a:schemeClr val="tx1"/>
+                </a:solidFill>
+              </a:rPr>
+              <a:t>Menu</a:t>
+            </a:r>
+            <a:endParaRPr lang="ko-KR" altLang="en-US" dirty="0">
+              <a:solidFill>
+                <a:schemeClr val="tx1"/>
+              </a:solidFill>
+            </a:endParaRPr>
+          </a:p>
+        </p:txBody>
+      </p:sp>
+      <p:sp>
+        <p:nvSpPr>
+          <p:cNvPr id="30" name="직사각형 29"/>
+          <p:cNvSpPr/>
+          <p:nvPr/>
+        </p:nvSpPr>
+        <p:spPr>
+          <a:xfrm>
+            <a:off x="538480" y="3297527"/>
+            <a:ext cx="1660506" cy="1340746"/>
+          </a:xfrm>
+          <a:prstGeom prst="rect">
+            <a:avLst/>
+          </a:prstGeom>
+          <a:solidFill>
+            <a:schemeClr val="bg1"/>
+          </a:solidFill>
+        </p:spPr>
+        <p:style>
+          <a:lnRef idx="2">
+            <a:schemeClr val="accent1">
+              <a:shade val="50000"/>
+            </a:schemeClr>
+          </a:lnRef>
+          <a:fillRef idx="1">
+            <a:schemeClr val="accent1"/>
+          </a:fillRef>
+          <a:effectRef idx="0">
+            <a:schemeClr val="accent1"/>
+          </a:effectRef>
+          <a:fontRef idx="minor">
+            <a:schemeClr val="lt1"/>
+          </a:fontRef>
+        </p:style>
+        <p:txBody>
+          <a:bodyPr rtlCol="0" anchor="ctr"/>
+          <a:lstStyle/>
+          <a:p>
+            <a:pPr algn="ctr"/>
+            <a:r>
+              <a:rPr lang="en-US" altLang="ko-KR" dirty="0" smtClean="0">
+                <a:solidFill>
+                  <a:schemeClr val="tx1"/>
+                </a:solidFill>
+              </a:rPr>
+              <a:t>Menu</a:t>
+            </a:r>
+            <a:endParaRPr lang="ko-KR" altLang="en-US" dirty="0">
+              <a:solidFill>
+                <a:schemeClr val="tx1"/>
+              </a:solidFill>
+            </a:endParaRPr>
+          </a:p>
+        </p:txBody>
+      </p:sp>
+      <p:sp>
+        <p:nvSpPr>
+          <p:cNvPr id="33" name="직사각형 32"/>
+          <p:cNvSpPr/>
+          <p:nvPr/>
+        </p:nvSpPr>
+        <p:spPr>
+          <a:xfrm>
+            <a:off x="2399104" y="3297648"/>
+            <a:ext cx="1660506" cy="1340746"/>
+          </a:xfrm>
+          <a:prstGeom prst="rect">
+            <a:avLst/>
+          </a:prstGeom>
+          <a:solidFill>
+            <a:schemeClr val="bg1"/>
+          </a:solidFill>
+        </p:spPr>
+        <p:style>
+          <a:lnRef idx="2">
+            <a:schemeClr val="accent1">
+              <a:shade val="50000"/>
+            </a:schemeClr>
+          </a:lnRef>
+          <a:fillRef idx="1">
+            <a:schemeClr val="accent1"/>
+          </a:fillRef>
+          <a:effectRef idx="0">
+            <a:schemeClr val="accent1"/>
+          </a:effectRef>
+          <a:fontRef idx="minor">
+            <a:schemeClr val="lt1"/>
+          </a:fontRef>
+        </p:style>
+        <p:txBody>
+          <a:bodyPr rtlCol="0" anchor="ctr"/>
+          <a:lstStyle/>
+          <a:p>
+            <a:pPr algn="ctr"/>
+            <a:r>
+              <a:rPr lang="en-US" altLang="ko-KR" dirty="0">
+                <a:solidFill>
+                  <a:schemeClr val="tx1"/>
+                </a:solidFill>
+              </a:rPr>
+              <a:t>Menu</a:t>
+            </a:r>
+            <a:endParaRPr lang="ko-KR" altLang="en-US" dirty="0">
+              <a:solidFill>
+                <a:schemeClr val="tx1"/>
+              </a:solidFill>
+            </a:endParaRPr>
+          </a:p>
+        </p:txBody>
+      </p:sp>
+      <p:sp>
+        <p:nvSpPr>
+          <p:cNvPr id="34" name="직사각형 33"/>
+          <p:cNvSpPr/>
+          <p:nvPr/>
+        </p:nvSpPr>
+        <p:spPr>
+          <a:xfrm>
+            <a:off x="4259727" y="3297527"/>
+            <a:ext cx="1660506" cy="1340746"/>
+          </a:xfrm>
+          <a:prstGeom prst="rect">
+            <a:avLst/>
+          </a:prstGeom>
+          <a:solidFill>
+            <a:schemeClr val="bg1"/>
+          </a:solidFill>
+        </p:spPr>
+        <p:style>
+          <a:lnRef idx="2">
+            <a:schemeClr val="accent1">
+              <a:shade val="50000"/>
+            </a:schemeClr>
+          </a:lnRef>
+          <a:fillRef idx="1">
+            <a:schemeClr val="accent1"/>
+          </a:fillRef>
+          <a:effectRef idx="0">
+            <a:schemeClr val="accent1"/>
+          </a:effectRef>
+          <a:fontRef idx="minor">
+            <a:schemeClr val="lt1"/>
+          </a:fontRef>
+        </p:style>
+        <p:txBody>
+          <a:bodyPr rtlCol="0" anchor="ctr"/>
+          <a:lstStyle/>
+          <a:p>
+            <a:pPr algn="ctr"/>
+            <a:r>
+              <a:rPr lang="en-US" altLang="ko-KR" dirty="0">
+                <a:solidFill>
+                  <a:schemeClr val="tx1"/>
+                </a:solidFill>
+              </a:rPr>
+              <a:t>Menu</a:t>
+            </a:r>
+            <a:endParaRPr lang="ko-KR" altLang="en-US" dirty="0">
+              <a:solidFill>
+                <a:schemeClr val="tx1"/>
+              </a:solidFill>
+            </a:endParaRPr>
+          </a:p>
+        </p:txBody>
+      </p:sp>
+      <p:sp>
+        <p:nvSpPr>
+          <p:cNvPr id="35" name="직사각형 34"/>
+          <p:cNvSpPr/>
+          <p:nvPr/>
+        </p:nvSpPr>
+        <p:spPr>
+          <a:xfrm>
+            <a:off x="538480" y="4838663"/>
+            <a:ext cx="1660506" cy="1340746"/>
+          </a:xfrm>
+          <a:prstGeom prst="rect">
+            <a:avLst/>
+          </a:prstGeom>
+          <a:solidFill>
+            <a:schemeClr val="bg1"/>
+          </a:solidFill>
+        </p:spPr>
+        <p:style>
+          <a:lnRef idx="2">
+            <a:schemeClr val="accent1">
+              <a:shade val="50000"/>
+            </a:schemeClr>
+          </a:lnRef>
+          <a:fillRef idx="1">
+            <a:schemeClr val="accent1"/>
+          </a:fillRef>
+          <a:effectRef idx="0">
+            <a:schemeClr val="accent1"/>
+          </a:effectRef>
+          <a:fontRef idx="minor">
+            <a:schemeClr val="lt1"/>
+          </a:fontRef>
+        </p:style>
+        <p:txBody>
+          <a:bodyPr rtlCol="0" anchor="ctr"/>
+          <a:lstStyle/>
+          <a:p>
+            <a:pPr algn="ctr"/>
+            <a:r>
+              <a:rPr lang="en-US" altLang="ko-KR" dirty="0">
+                <a:solidFill>
+                  <a:schemeClr val="tx1"/>
+                </a:solidFill>
+              </a:rPr>
+              <a:t>Menu</a:t>
+            </a:r>
+            <a:endParaRPr lang="ko-KR" altLang="en-US" dirty="0">
+              <a:solidFill>
+                <a:schemeClr val="tx1"/>
+              </a:solidFill>
+            </a:endParaRPr>
+          </a:p>
+        </p:txBody>
+      </p:sp>
+      <p:sp>
+        <p:nvSpPr>
+          <p:cNvPr id="36" name="직사각형 35"/>
+          <p:cNvSpPr/>
+          <p:nvPr/>
+        </p:nvSpPr>
+        <p:spPr>
+          <a:xfrm>
+            <a:off x="2399104" y="4838784"/>
+            <a:ext cx="1660506" cy="1340746"/>
+          </a:xfrm>
+          <a:prstGeom prst="rect">
+            <a:avLst/>
+          </a:prstGeom>
+          <a:solidFill>
+            <a:schemeClr val="bg1"/>
+          </a:solidFill>
+        </p:spPr>
+        <p:style>
+          <a:lnRef idx="2">
+            <a:schemeClr val="accent1">
+              <a:shade val="50000"/>
+            </a:schemeClr>
+          </a:lnRef>
+          <a:fillRef idx="1">
+            <a:schemeClr val="accent1"/>
+          </a:fillRef>
+          <a:effectRef idx="0">
+            <a:schemeClr val="accent1"/>
+          </a:effectRef>
+          <a:fontRef idx="minor">
+            <a:schemeClr val="lt1"/>
+          </a:fontRef>
+        </p:style>
+        <p:txBody>
+          <a:bodyPr rtlCol="0" anchor="ctr"/>
+          <a:lstStyle/>
+          <a:p>
+            <a:pPr algn="ctr"/>
+            <a:r>
+              <a:rPr lang="en-US" altLang="ko-KR" dirty="0">
+                <a:solidFill>
+                  <a:schemeClr val="tx1"/>
+                </a:solidFill>
+              </a:rPr>
+              <a:t>Menu</a:t>
+            </a:r>
+            <a:endParaRPr lang="ko-KR" altLang="en-US" dirty="0">
+              <a:solidFill>
+                <a:schemeClr val="tx1"/>
+              </a:solidFill>
+            </a:endParaRPr>
+          </a:p>
+        </p:txBody>
+      </p:sp>
+      <p:sp>
+        <p:nvSpPr>
+          <p:cNvPr id="37" name="직사각형 36"/>
+          <p:cNvSpPr/>
+          <p:nvPr/>
+        </p:nvSpPr>
+        <p:spPr>
+          <a:xfrm>
+            <a:off x="4259727" y="4838663"/>
+            <a:ext cx="1660506" cy="1340746"/>
+          </a:xfrm>
+          <a:prstGeom prst="rect">
+            <a:avLst/>
+          </a:prstGeom>
+          <a:solidFill>
+            <a:schemeClr val="bg1"/>
+          </a:solidFill>
+        </p:spPr>
+        <p:style>
+          <a:lnRef idx="2">
+            <a:schemeClr val="accent1">
+              <a:shade val="50000"/>
+            </a:schemeClr>
+          </a:lnRef>
+          <a:fillRef idx="1">
+            <a:schemeClr val="accent1"/>
+          </a:fillRef>
+          <a:effectRef idx="0">
+            <a:schemeClr val="accent1"/>
+          </a:effectRef>
+          <a:fontRef idx="minor">
+            <a:schemeClr val="lt1"/>
+          </a:fontRef>
+        </p:style>
+        <p:txBody>
+          <a:bodyPr rtlCol="0" anchor="ctr"/>
+          <a:lstStyle/>
+          <a:p>
+            <a:pPr algn="ctr"/>
+            <a:r>
+              <a:rPr lang="en-US" altLang="ko-KR" dirty="0">
+                <a:solidFill>
+                  <a:schemeClr val="tx1"/>
+                </a:solidFill>
+              </a:rPr>
+              <a:t>Menu</a:t>
+            </a:r>
+            <a:endParaRPr lang="ko-KR" altLang="en-US" dirty="0">
+              <a:solidFill>
+                <a:schemeClr val="tx1"/>
+              </a:solidFill>
+            </a:endParaRPr>
+          </a:p>
+        </p:txBody>
+      </p:sp>
+    </p:spTree>
+    <p:extLst>
+      <p:ext uri="{BB962C8B-B14F-4D97-AF65-F5344CB8AC3E}">
+        <p14:creationId xmlns:p14="http://schemas.microsoft.com/office/powerpoint/2010/main" val="3940393926"/>
+      </p:ext>
+    </p:extLst>
+  </p:cSld>
+  <p:clrMapOvr>
+    <a:masterClrMapping/>
+  </p:clrMapOvr>
+  <mc:AlternateContent xmlns:mc="http://schemas.openxmlformats.org/markup-compatibility/2006">
+    <mc:Choice xmlns:p14="http://schemas.microsoft.com/office/powerpoint/2010/main" Requires="p14">
+      <p:transition spd="med" p14:dur="700">
+        <p:fade/>
+      </p:transition>
+    </mc:Choice>
+    <mc:Fallback>
+      <p:transition spd="med">
+        <p:fade/>
+      </p:transition>
+    </mc:Fallback>
+  </mc:AlternateContent>
+  <p:timing>
+    <p:tnLst>
+      <p:par>
+        <p:cTn id="1" dur="indefinite" restart="never" nodeType="tmRoot"/>
+      </p:par>
+    </p:tnLst>
+  </p:timing>
+</p:sld>
+</file>
+
+<file path=ppt/slides/slide16.xml><?xml version="1.0" encoding="utf-8"?>
+<p:sld xmlns:a="http://schemas.openxmlformats.org/drawingml/2006/main" xmlns:r="http://schemas.openxmlformats.org/officeDocument/2006/relationships" xmlns:p="http://schemas.openxmlformats.org/presentationml/2006/main">
+  <p:cSld>
+    <p:spTree>
+      <p:nvGrpSpPr>
+        <p:cNvPr id="1" name=""/>
+        <p:cNvGrpSpPr/>
+        <p:nvPr/>
+      </p:nvGrpSpPr>
+      <p:grpSpPr>
+        <a:xfrm>
+          <a:off x="0" y="0"/>
+          <a:ext cx="0" cy="0"/>
+          <a:chOff x="0" y="0"/>
+          <a:chExt cx="0" cy="0"/>
+        </a:xfrm>
+      </p:grpSpPr>
+      <p:grpSp>
+        <p:nvGrpSpPr>
+          <p:cNvPr id="21" name="그룹 20">
+            <a:extLst>
+              <a:ext uri="{FF2B5EF4-FFF2-40B4-BE49-F238E27FC236}">
+                <a16:creationId xmlns:a16="http://schemas.microsoft.com/office/drawing/2014/main" xmlns="" id="{34AF672D-F300-49ED-B1B1-C7AD77F1CF1D}"/>
+              </a:ext>
+            </a:extLst>
+          </p:cNvPr>
+          <p:cNvGrpSpPr/>
+          <p:nvPr/>
+        </p:nvGrpSpPr>
+        <p:grpSpPr>
+          <a:xfrm>
+            <a:off x="0" y="0"/>
+            <a:ext cx="12192000" cy="908925"/>
+            <a:chOff x="0" y="0"/>
+            <a:chExt cx="12192000" cy="1076960"/>
+          </a:xfrm>
+        </p:grpSpPr>
+        <p:sp>
+          <p:nvSpPr>
+            <p:cNvPr id="14" name="직사각형 13">
+              <a:extLst>
+                <a:ext uri="{FF2B5EF4-FFF2-40B4-BE49-F238E27FC236}">
+                  <a16:creationId xmlns:a16="http://schemas.microsoft.com/office/drawing/2014/main" xmlns="" id="{C47BEF14-6520-4B7C-A137-6786E163399F}"/>
+                </a:ext>
+              </a:extLst>
+            </p:cNvPr>
+            <p:cNvSpPr/>
+            <p:nvPr/>
+          </p:nvSpPr>
+          <p:spPr>
+            <a:xfrm>
+              <a:off x="0" y="0"/>
+              <a:ext cx="121920" cy="1076960"/>
+            </a:xfrm>
+            <a:prstGeom prst="rect">
+              <a:avLst/>
+            </a:prstGeom>
+            <a:ln>
+              <a:noFill/>
+            </a:ln>
+          </p:spPr>
+          <p:style>
+            <a:lnRef idx="2">
+              <a:schemeClr val="accent1">
+                <a:shade val="50000"/>
+              </a:schemeClr>
+            </a:lnRef>
+            <a:fillRef idx="1">
+              <a:schemeClr val="accent1"/>
+            </a:fillRef>
+            <a:effectRef idx="0">
+              <a:schemeClr val="accent1"/>
+            </a:effectRef>
+            <a:fontRef idx="minor">
+              <a:schemeClr val="lt1"/>
+            </a:fontRef>
+          </p:style>
+          <p:txBody>
+            <a:bodyPr rtlCol="0" anchor="ctr"/>
+            <a:lstStyle/>
+            <a:p>
+              <a:pPr algn="ctr"/>
+              <a:endParaRPr lang="ko-KR" altLang="en-US"/>
+            </a:p>
+          </p:txBody>
+        </p:sp>
+        <p:sp>
+          <p:nvSpPr>
+            <p:cNvPr id="15" name="직사각형 14">
+              <a:extLst>
+                <a:ext uri="{FF2B5EF4-FFF2-40B4-BE49-F238E27FC236}">
+                  <a16:creationId xmlns:a16="http://schemas.microsoft.com/office/drawing/2014/main" xmlns="" id="{AE7E944A-14D6-40FD-AC6E-795762F0A52A}"/>
+                </a:ext>
+              </a:extLst>
+            </p:cNvPr>
+            <p:cNvSpPr/>
+            <p:nvPr/>
+          </p:nvSpPr>
+          <p:spPr>
+            <a:xfrm rot="5400000">
+              <a:off x="269240" y="-147320"/>
+              <a:ext cx="121920" cy="416560"/>
+            </a:xfrm>
+            <a:prstGeom prst="rect">
+              <a:avLst/>
+            </a:prstGeom>
+            <a:solidFill>
+              <a:schemeClr val="accent4"/>
+            </a:solidFill>
+            <a:ln>
+              <a:noFill/>
+            </a:ln>
+          </p:spPr>
+          <p:style>
+            <a:lnRef idx="2">
+              <a:schemeClr val="accent1">
+                <a:shade val="50000"/>
+              </a:schemeClr>
+            </a:lnRef>
+            <a:fillRef idx="1">
+              <a:schemeClr val="accent1"/>
+            </a:fillRef>
+            <a:effectRef idx="0">
+              <a:schemeClr val="accent1"/>
+            </a:effectRef>
+            <a:fontRef idx="minor">
+              <a:schemeClr val="lt1"/>
+            </a:fontRef>
+          </p:style>
+          <p:txBody>
+            <a:bodyPr rtlCol="0" anchor="ctr"/>
+            <a:lstStyle/>
+            <a:p>
+              <a:pPr algn="ctr"/>
+              <a:endParaRPr lang="ko-KR" altLang="en-US"/>
+            </a:p>
+          </p:txBody>
+        </p:sp>
+        <p:sp>
+          <p:nvSpPr>
+            <p:cNvPr id="16" name="TextBox 15">
+              <a:extLst>
+                <a:ext uri="{FF2B5EF4-FFF2-40B4-BE49-F238E27FC236}">
+                  <a16:creationId xmlns:a16="http://schemas.microsoft.com/office/drawing/2014/main" xmlns="" id="{314989EB-2D66-48FD-AE45-E8AAC62D69DF}"/>
+                </a:ext>
+              </a:extLst>
+            </p:cNvPr>
+            <p:cNvSpPr txBox="1"/>
+            <p:nvPr/>
+          </p:nvSpPr>
+          <p:spPr>
+            <a:xfrm>
+              <a:off x="660400" y="238397"/>
+              <a:ext cx="2571538" cy="711118"/>
+            </a:xfrm>
+            <a:prstGeom prst="rect">
+              <a:avLst/>
+            </a:prstGeom>
+            <a:noFill/>
+          </p:spPr>
+          <p:txBody>
+            <a:bodyPr wrap="none" rtlCol="0">
+              <a:spAutoFit/>
+            </a:bodyPr>
+            <a:lstStyle/>
+            <a:p>
+              <a:r>
+                <a:rPr lang="ko-KR" altLang="en-US" sz="3300" spc="-300" dirty="0" smtClean="0">
+                  <a:solidFill>
+                    <a:schemeClr val="tx1">
+                      <a:lumMod val="85000"/>
+                      <a:lumOff val="15000"/>
+                    </a:schemeClr>
+                  </a:solidFill>
+                </a:rPr>
+                <a:t>와이어 프레임</a:t>
+              </a:r>
+              <a:endParaRPr lang="ko-KR" altLang="en-US" sz="3300" spc="-300" dirty="0">
+                <a:solidFill>
+                  <a:schemeClr val="tx1">
+                    <a:lumMod val="85000"/>
+                    <a:lumOff val="15000"/>
+                  </a:schemeClr>
+                </a:solidFill>
+              </a:endParaRPr>
+            </a:p>
+          </p:txBody>
+        </p:sp>
+        <p:sp>
+          <p:nvSpPr>
+            <p:cNvPr id="18" name="TextBox 17">
+              <a:extLst>
+                <a:ext uri="{FF2B5EF4-FFF2-40B4-BE49-F238E27FC236}">
+                  <a16:creationId xmlns:a16="http://schemas.microsoft.com/office/drawing/2014/main" xmlns="" id="{373F017D-1562-4D58-90BD-4CB746FFE587}"/>
+                </a:ext>
+              </a:extLst>
+            </p:cNvPr>
+            <p:cNvSpPr txBox="1"/>
+            <p:nvPr/>
+          </p:nvSpPr>
+          <p:spPr>
+            <a:xfrm>
+              <a:off x="111760" y="81618"/>
+              <a:ext cx="527709" cy="984625"/>
+            </a:xfrm>
+            <a:prstGeom prst="rect">
+              <a:avLst/>
+            </a:prstGeom>
+            <a:noFill/>
+          </p:spPr>
+          <p:txBody>
+            <a:bodyPr wrap="none" rtlCol="0">
+              <a:spAutoFit/>
+            </a:bodyPr>
+            <a:lstStyle/>
+            <a:p>
+              <a:r>
+                <a:rPr lang="en-US" altLang="ko-KR" sz="4800" b="1" dirty="0">
+                  <a:solidFill>
+                    <a:schemeClr val="bg1">
+                      <a:lumMod val="85000"/>
+                    </a:schemeClr>
+                  </a:solidFill>
+                  <a:latin typeface="+mj-lt"/>
+                  <a:ea typeface="+mj-ea"/>
+                </a:rPr>
+                <a:t>3</a:t>
+              </a:r>
+              <a:endParaRPr lang="ko-KR" altLang="en-US" sz="4800" b="1" dirty="0">
+                <a:solidFill>
+                  <a:schemeClr val="bg1">
+                    <a:lumMod val="85000"/>
+                  </a:schemeClr>
+                </a:solidFill>
+                <a:latin typeface="+mj-lt"/>
+                <a:ea typeface="+mj-ea"/>
+              </a:endParaRPr>
+            </a:p>
+          </p:txBody>
+        </p:sp>
+        <p:cxnSp>
+          <p:nvCxnSpPr>
+            <p:cNvPr id="20" name="직선 연결선 19">
+              <a:extLst>
+                <a:ext uri="{FF2B5EF4-FFF2-40B4-BE49-F238E27FC236}">
+                  <a16:creationId xmlns:a16="http://schemas.microsoft.com/office/drawing/2014/main" xmlns="" id="{694D31A9-4C98-4514-A4CD-FEE8123A95D4}"/>
+                </a:ext>
+              </a:extLst>
+            </p:cNvPr>
+            <p:cNvCxnSpPr/>
+            <p:nvPr/>
+          </p:nvCxnSpPr>
+          <p:spPr>
+            <a:xfrm>
+              <a:off x="660400" y="1073885"/>
+              <a:ext cx="11531600" cy="0"/>
+            </a:xfrm>
+            <a:prstGeom prst="line">
+              <a:avLst/>
+            </a:prstGeom>
+            <a:ln>
+              <a:solidFill>
+                <a:schemeClr val="bg1">
+                  <a:lumMod val="75000"/>
+                </a:schemeClr>
+              </a:solidFill>
+            </a:ln>
+          </p:spPr>
+          <p:style>
+            <a:lnRef idx="1">
+              <a:schemeClr val="accent1"/>
+            </a:lnRef>
+            <a:fillRef idx="0">
+              <a:schemeClr val="accent1"/>
+            </a:fillRef>
+            <a:effectRef idx="0">
+              <a:schemeClr val="accent1"/>
+            </a:effectRef>
+            <a:fontRef idx="minor">
+              <a:schemeClr val="tx1"/>
+            </a:fontRef>
+          </p:style>
+        </p:cxnSp>
+      </p:grpSp>
+      <p:sp>
+        <p:nvSpPr>
+          <p:cNvPr id="19" name="직사각형 18"/>
+          <p:cNvSpPr/>
+          <p:nvPr/>
+        </p:nvSpPr>
+        <p:spPr>
+          <a:xfrm>
+            <a:off x="9948891" y="6543162"/>
+            <a:ext cx="2155502" cy="271035"/>
+          </a:xfrm>
+          <a:prstGeom prst="rect">
+            <a:avLst/>
+          </a:prstGeom>
+          <a:solidFill>
+            <a:schemeClr val="bg1"/>
+          </a:solidFill>
+          <a:ln>
+            <a:solidFill>
+              <a:schemeClr val="bg1"/>
+            </a:solidFill>
+          </a:ln>
+        </p:spPr>
+        <p:style>
+          <a:lnRef idx="2">
+            <a:schemeClr val="accent1">
+              <a:shade val="50000"/>
+            </a:schemeClr>
+          </a:lnRef>
+          <a:fillRef idx="1">
+            <a:schemeClr val="accent1"/>
+          </a:fillRef>
+          <a:effectRef idx="0">
+            <a:schemeClr val="accent1"/>
+          </a:effectRef>
+          <a:fontRef idx="minor">
+            <a:schemeClr val="lt1"/>
+          </a:fontRef>
+        </p:style>
+        <p:txBody>
+          <a:bodyPr rtlCol="0" anchor="ctr"/>
+          <a:lstStyle/>
+          <a:p>
+            <a:pPr algn="ctr"/>
+            <a:endParaRPr lang="ko-KR" altLang="en-US"/>
+          </a:p>
+        </p:txBody>
+      </p:sp>
+      <p:sp>
+        <p:nvSpPr>
+          <p:cNvPr id="4" name="직사각형 3"/>
+          <p:cNvSpPr/>
+          <p:nvPr/>
+        </p:nvSpPr>
+        <p:spPr>
+          <a:xfrm>
+            <a:off x="327615" y="1549552"/>
+            <a:ext cx="11536771" cy="5048364"/>
+          </a:xfrm>
+          <a:prstGeom prst="rect">
+            <a:avLst/>
+          </a:prstGeom>
+          <a:solidFill>
+            <a:schemeClr val="bg1"/>
+          </a:solidFill>
+          <a:ln>
+            <a:solidFill>
+              <a:schemeClr val="tx1"/>
+            </a:solidFill>
+          </a:ln>
+        </p:spPr>
+        <p:style>
+          <a:lnRef idx="2">
+            <a:schemeClr val="accent1">
+              <a:shade val="50000"/>
+            </a:schemeClr>
+          </a:lnRef>
+          <a:fillRef idx="1">
+            <a:schemeClr val="accent1"/>
+          </a:fillRef>
+          <a:effectRef idx="0">
+            <a:schemeClr val="accent1"/>
+          </a:effectRef>
+          <a:fontRef idx="minor">
+            <a:schemeClr val="lt1"/>
+          </a:fontRef>
+        </p:style>
+        <p:txBody>
+          <a:bodyPr rtlCol="0" anchor="ctr"/>
+          <a:lstStyle/>
+          <a:p>
+            <a:pPr algn="ctr"/>
+            <a:endParaRPr lang="ko-KR" altLang="en-US"/>
+          </a:p>
+        </p:txBody>
+      </p:sp>
+    </p:spTree>
+    <p:extLst>
+      <p:ext uri="{BB962C8B-B14F-4D97-AF65-F5344CB8AC3E}">
+        <p14:creationId xmlns:p14="http://schemas.microsoft.com/office/powerpoint/2010/main" val="1920620142"/>
+      </p:ext>
+    </p:extLst>
+  </p:cSld>
+  <p:clrMapOvr>
+    <a:masterClrMapping/>
+  </p:clrMapOvr>
+  <mc:AlternateContent xmlns:mc="http://schemas.openxmlformats.org/markup-compatibility/2006">
+    <mc:Choice xmlns:p14="http://schemas.microsoft.com/office/powerpoint/2010/main" Requires="p14">
+      <p:transition spd="med" p14:dur="700">
+        <p:fade/>
+      </p:transition>
+    </mc:Choice>
+    <mc:Fallback>
       <p:transition spd="med">
         <p:fade/>
       </p:transition>
@@ -3695,7 +11068,7 @@
           <p:cNvPr id="3" name="그림 2">
             <a:extLst>
               <a:ext uri="{FF2B5EF4-FFF2-40B4-BE49-F238E27FC236}">
-                <a16:creationId xmlns="" xmlns:a16="http://schemas.microsoft.com/office/drawing/2014/main" id="{55BEB9E2-B50D-4FDD-900D-0F34D32DEC02}"/>
+                <a16:creationId xmlns:a16="http://schemas.microsoft.com/office/drawing/2014/main" xmlns="" id="{55BEB9E2-B50D-4FDD-900D-0F34D32DEC02}"/>
               </a:ext>
             </a:extLst>
           </p:cNvPr>
@@ -3730,7 +11103,7 @@
           <p:cNvPr id="4" name="직선 연결선 3">
             <a:extLst>
               <a:ext uri="{FF2B5EF4-FFF2-40B4-BE49-F238E27FC236}">
-                <a16:creationId xmlns="" xmlns:a16="http://schemas.microsoft.com/office/drawing/2014/main" id="{D75EAB39-6196-4CD6-B3E7-C80940983B80}"/>
+                <a16:creationId xmlns:a16="http://schemas.microsoft.com/office/drawing/2014/main" xmlns="" id="{D75EAB39-6196-4CD6-B3E7-C80940983B80}"/>
               </a:ext>
             </a:extLst>
           </p:cNvPr>
@@ -3773,7 +11146,7 @@
           <p:cNvPr id="5" name="직선 연결선 4">
             <a:extLst>
               <a:ext uri="{FF2B5EF4-FFF2-40B4-BE49-F238E27FC236}">
-                <a16:creationId xmlns="" xmlns:a16="http://schemas.microsoft.com/office/drawing/2014/main" id="{172B678D-D6FD-424A-AFAC-0D1C8373FDFA}"/>
+                <a16:creationId xmlns:a16="http://schemas.microsoft.com/office/drawing/2014/main" xmlns="" id="{172B678D-D6FD-424A-AFAC-0D1C8373FDFA}"/>
               </a:ext>
             </a:extLst>
           </p:cNvPr>
@@ -3816,7 +11189,7 @@
           <p:cNvPr id="7" name="TextBox 6">
             <a:extLst>
               <a:ext uri="{FF2B5EF4-FFF2-40B4-BE49-F238E27FC236}">
-                <a16:creationId xmlns="" xmlns:a16="http://schemas.microsoft.com/office/drawing/2014/main" id="{DB8ACD6B-73CC-4F2A-9BD1-A5F8A71B4FF6}"/>
+                <a16:creationId xmlns:a16="http://schemas.microsoft.com/office/drawing/2014/main" xmlns="" id="{DB8ACD6B-73CC-4F2A-9BD1-A5F8A71B4FF6}"/>
               </a:ext>
             </a:extLst>
           </p:cNvPr>
@@ -3877,7 +11250,7 @@
           <p:cNvPr id="10" name="그룹 9">
             <a:extLst>
               <a:ext uri="{FF2B5EF4-FFF2-40B4-BE49-F238E27FC236}">
-                <a16:creationId xmlns="" xmlns:a16="http://schemas.microsoft.com/office/drawing/2014/main" id="{43C08834-ED35-45E6-B147-6F64B4C6C295}"/>
+                <a16:creationId xmlns:a16="http://schemas.microsoft.com/office/drawing/2014/main" xmlns="" id="{43C08834-ED35-45E6-B147-6F64B4C6C295}"/>
               </a:ext>
             </a:extLst>
           </p:cNvPr>
@@ -3897,7 +11270,7 @@
             <p:cNvPr id="8" name="TextBox 7">
               <a:extLst>
                 <a:ext uri="{FF2B5EF4-FFF2-40B4-BE49-F238E27FC236}">
-                  <a16:creationId xmlns="" xmlns:a16="http://schemas.microsoft.com/office/drawing/2014/main" id="{9EF72330-7E35-4F3E-8233-5EF2FA75D0AC}"/>
+                  <a16:creationId xmlns:a16="http://schemas.microsoft.com/office/drawing/2014/main" xmlns="" id="{9EF72330-7E35-4F3E-8233-5EF2FA75D0AC}"/>
                 </a:ext>
               </a:extLst>
             </p:cNvPr>
@@ -3947,7 +11320,7 @@
             <p:cNvPr id="9" name="TextBox 8">
               <a:extLst>
                 <a:ext uri="{FF2B5EF4-FFF2-40B4-BE49-F238E27FC236}">
-                  <a16:creationId xmlns="" xmlns:a16="http://schemas.microsoft.com/office/drawing/2014/main" id="{3F5346A5-0E50-4A80-AECC-3CD8A3A24059}"/>
+                  <a16:creationId xmlns:a16="http://schemas.microsoft.com/office/drawing/2014/main" xmlns="" id="{3F5346A5-0E50-4A80-AECC-3CD8A3A24059}"/>
                 </a:ext>
               </a:extLst>
             </p:cNvPr>
@@ -3998,7 +11371,7 @@
           <p:cNvPr id="11" name="그룹 10">
             <a:extLst>
               <a:ext uri="{FF2B5EF4-FFF2-40B4-BE49-F238E27FC236}">
-                <a16:creationId xmlns="" xmlns:a16="http://schemas.microsoft.com/office/drawing/2014/main" id="{6F076CB6-D359-4E8A-B7BA-83335D6CFD8F}"/>
+                <a16:creationId xmlns:a16="http://schemas.microsoft.com/office/drawing/2014/main" xmlns="" id="{6F076CB6-D359-4E8A-B7BA-83335D6CFD8F}"/>
               </a:ext>
             </a:extLst>
           </p:cNvPr>
@@ -4018,7 +11391,7 @@
             <p:cNvPr id="12" name="TextBox 11">
               <a:extLst>
                 <a:ext uri="{FF2B5EF4-FFF2-40B4-BE49-F238E27FC236}">
-                  <a16:creationId xmlns="" xmlns:a16="http://schemas.microsoft.com/office/drawing/2014/main" id="{E6275C46-30D4-4E5A-A1AE-F7AB20CDC7FB}"/>
+                  <a16:creationId xmlns:a16="http://schemas.microsoft.com/office/drawing/2014/main" xmlns="" id="{E6275C46-30D4-4E5A-A1AE-F7AB20CDC7FB}"/>
                 </a:ext>
               </a:extLst>
             </p:cNvPr>
@@ -4068,7 +11441,7 @@
             <p:cNvPr id="13" name="TextBox 12">
               <a:extLst>
                 <a:ext uri="{FF2B5EF4-FFF2-40B4-BE49-F238E27FC236}">
-                  <a16:creationId xmlns="" xmlns:a16="http://schemas.microsoft.com/office/drawing/2014/main" id="{7339CCD7-3E49-43B4-BB9C-7D7D8A386A9A}"/>
+                  <a16:creationId xmlns:a16="http://schemas.microsoft.com/office/drawing/2014/main" xmlns="" id="{7339CCD7-3E49-43B4-BB9C-7D7D8A386A9A}"/>
                 </a:ext>
               </a:extLst>
             </p:cNvPr>
@@ -4130,7 +11503,7 @@
           <p:cNvPr id="14" name="그룹 13">
             <a:extLst>
               <a:ext uri="{FF2B5EF4-FFF2-40B4-BE49-F238E27FC236}">
-                <a16:creationId xmlns="" xmlns:a16="http://schemas.microsoft.com/office/drawing/2014/main" id="{7C3C80B5-AE52-41E1-806D-EC76DD5D2936}"/>
+                <a16:creationId xmlns:a16="http://schemas.microsoft.com/office/drawing/2014/main" xmlns="" id="{7C3C80B5-AE52-41E1-806D-EC76DD5D2936}"/>
               </a:ext>
             </a:extLst>
           </p:cNvPr>
@@ -4150,7 +11523,7 @@
             <p:cNvPr id="15" name="TextBox 14">
               <a:extLst>
                 <a:ext uri="{FF2B5EF4-FFF2-40B4-BE49-F238E27FC236}">
-                  <a16:creationId xmlns="" xmlns:a16="http://schemas.microsoft.com/office/drawing/2014/main" id="{5387F61B-E90A-4A24-8681-B60ABA115232}"/>
+                  <a16:creationId xmlns:a16="http://schemas.microsoft.com/office/drawing/2014/main" xmlns="" id="{5387F61B-E90A-4A24-8681-B60ABA115232}"/>
                 </a:ext>
               </a:extLst>
             </p:cNvPr>
@@ -4200,7 +11573,7 @@
             <p:cNvPr id="16" name="TextBox 15">
               <a:extLst>
                 <a:ext uri="{FF2B5EF4-FFF2-40B4-BE49-F238E27FC236}">
-                  <a16:creationId xmlns="" xmlns:a16="http://schemas.microsoft.com/office/drawing/2014/main" id="{EF39A7FC-8333-48EF-848E-56B2C85A9A85}"/>
+                  <a16:creationId xmlns:a16="http://schemas.microsoft.com/office/drawing/2014/main" xmlns="" id="{EF39A7FC-8333-48EF-848E-56B2C85A9A85}"/>
                 </a:ext>
               </a:extLst>
             </p:cNvPr>
@@ -4251,7 +11624,7 @@
           <p:cNvPr id="21" name="직선 연결선 20">
             <a:extLst>
               <a:ext uri="{FF2B5EF4-FFF2-40B4-BE49-F238E27FC236}">
-                <a16:creationId xmlns="" xmlns:a16="http://schemas.microsoft.com/office/drawing/2014/main" id="{37771067-C4DD-41B9-9D84-B0BFA12A5483}"/>
+                <a16:creationId xmlns:a16="http://schemas.microsoft.com/office/drawing/2014/main" xmlns="" id="{37771067-C4DD-41B9-9D84-B0BFA12A5483}"/>
               </a:ext>
             </a:extLst>
           </p:cNvPr>
@@ -4295,7 +11668,7 @@
           <p:cNvPr id="18" name="그룹 17">
             <a:extLst>
               <a:ext uri="{FF2B5EF4-FFF2-40B4-BE49-F238E27FC236}">
-                <a16:creationId xmlns="" xmlns:a16="http://schemas.microsoft.com/office/drawing/2014/main" id="{7C3C80B5-AE52-41E1-806D-EC76DD5D2936}"/>
+                <a16:creationId xmlns:a16="http://schemas.microsoft.com/office/drawing/2014/main" xmlns="" id="{7C3C80B5-AE52-41E1-806D-EC76DD5D2936}"/>
               </a:ext>
             </a:extLst>
           </p:cNvPr>
@@ -4315,7 +11688,7 @@
             <p:cNvPr id="19" name="TextBox 18">
               <a:extLst>
                 <a:ext uri="{FF2B5EF4-FFF2-40B4-BE49-F238E27FC236}">
-                  <a16:creationId xmlns="" xmlns:a16="http://schemas.microsoft.com/office/drawing/2014/main" id="{5387F61B-E90A-4A24-8681-B60ABA115232}"/>
+                  <a16:creationId xmlns:a16="http://schemas.microsoft.com/office/drawing/2014/main" xmlns="" id="{5387F61B-E90A-4A24-8681-B60ABA115232}"/>
                 </a:ext>
               </a:extLst>
             </p:cNvPr>
@@ -4365,7 +11738,7 @@
             <p:cNvPr id="20" name="TextBox 19">
               <a:extLst>
                 <a:ext uri="{FF2B5EF4-FFF2-40B4-BE49-F238E27FC236}">
-                  <a16:creationId xmlns="" xmlns:a16="http://schemas.microsoft.com/office/drawing/2014/main" id="{EF39A7FC-8333-48EF-848E-56B2C85A9A85}"/>
+                  <a16:creationId xmlns:a16="http://schemas.microsoft.com/office/drawing/2014/main" xmlns="" id="{EF39A7FC-8333-48EF-848E-56B2C85A9A85}"/>
                 </a:ext>
               </a:extLst>
             </p:cNvPr>
@@ -4465,7 +11838,7 @@
           <p:cNvPr id="3" name="그림 2">
             <a:extLst>
               <a:ext uri="{FF2B5EF4-FFF2-40B4-BE49-F238E27FC236}">
-                <a16:creationId xmlns="" xmlns:a16="http://schemas.microsoft.com/office/drawing/2014/main" id="{52A71C6D-3FC9-4ACB-8F32-BB5BB9CA6520}"/>
+                <a16:creationId xmlns:a16="http://schemas.microsoft.com/office/drawing/2014/main" xmlns="" id="{52A71C6D-3FC9-4ACB-8F32-BB5BB9CA6520}"/>
               </a:ext>
             </a:extLst>
           </p:cNvPr>
@@ -4500,7 +11873,7 @@
           <p:cNvPr id="7" name="TextBox 6">
             <a:extLst>
               <a:ext uri="{FF2B5EF4-FFF2-40B4-BE49-F238E27FC236}">
-                <a16:creationId xmlns="" xmlns:a16="http://schemas.microsoft.com/office/drawing/2014/main" id="{B5A420B0-4447-4446-832A-B193CF79F776}"/>
+                <a16:creationId xmlns:a16="http://schemas.microsoft.com/office/drawing/2014/main" xmlns="" id="{B5A420B0-4447-4446-832A-B193CF79F776}"/>
               </a:ext>
             </a:extLst>
           </p:cNvPr>
@@ -4561,7 +11934,7 @@
           <p:cNvPr id="8" name="TextBox 7">
             <a:extLst>
               <a:ext uri="{FF2B5EF4-FFF2-40B4-BE49-F238E27FC236}">
-                <a16:creationId xmlns="" xmlns:a16="http://schemas.microsoft.com/office/drawing/2014/main" id="{6DCFF045-76E5-4311-BF73-F6435BA26739}"/>
+                <a16:creationId xmlns:a16="http://schemas.microsoft.com/office/drawing/2014/main" xmlns="" id="{6DCFF045-76E5-4311-BF73-F6435BA26739}"/>
               </a:ext>
             </a:extLst>
           </p:cNvPr>
@@ -4614,7 +11987,7 @@
           <p:cNvPr id="14" name="직선 연결선 13">
             <a:extLst>
               <a:ext uri="{FF2B5EF4-FFF2-40B4-BE49-F238E27FC236}">
-                <a16:creationId xmlns="" xmlns:a16="http://schemas.microsoft.com/office/drawing/2014/main" id="{F3F63FED-FAEC-4CDD-A60B-AFCB761E3740}"/>
+                <a16:creationId xmlns:a16="http://schemas.microsoft.com/office/drawing/2014/main" xmlns="" id="{F3F63FED-FAEC-4CDD-A60B-AFCB761E3740}"/>
               </a:ext>
             </a:extLst>
           </p:cNvPr>
@@ -4657,7 +12030,7 @@
           <p:cNvPr id="16" name="직선 연결선 15">
             <a:extLst>
               <a:ext uri="{FF2B5EF4-FFF2-40B4-BE49-F238E27FC236}">
-                <a16:creationId xmlns="" xmlns:a16="http://schemas.microsoft.com/office/drawing/2014/main" id="{7CAD2DD1-51A5-40EF-A967-25936E2EF244}"/>
+                <a16:creationId xmlns:a16="http://schemas.microsoft.com/office/drawing/2014/main" xmlns="" id="{7CAD2DD1-51A5-40EF-A967-25936E2EF244}"/>
               </a:ext>
             </a:extLst>
           </p:cNvPr>
@@ -4700,7 +12073,7 @@
           <p:cNvPr id="19" name="직선 연결선 18">
             <a:extLst>
               <a:ext uri="{FF2B5EF4-FFF2-40B4-BE49-F238E27FC236}">
-                <a16:creationId xmlns="" xmlns:a16="http://schemas.microsoft.com/office/drawing/2014/main" id="{01EA1DCA-6C9B-4AC6-8E45-734183B280F6}"/>
+                <a16:creationId xmlns:a16="http://schemas.microsoft.com/office/drawing/2014/main" xmlns="" id="{01EA1DCA-6C9B-4AC6-8E45-734183B280F6}"/>
               </a:ext>
             </a:extLst>
           </p:cNvPr>
@@ -4748,13 +12121,13 @@
   <p:clrMapOvr>
     <a:masterClrMapping/>
   </p:clrMapOvr>
-  <mc:AlternateContent xmlns:mc="http://schemas.openxmlformats.org/markup-compatibility/2006">
-    <mc:Choice xmlns:p14="http://schemas.microsoft.com/office/powerpoint/2010/main" Requires="p14">
+  <mc:AlternateContent xmlns:mc="http://schemas.openxmlformats.org/markup-compatibility/2006" xmlns:p14="http://schemas.microsoft.com/office/powerpoint/2010/main">
+    <mc:Choice Requires="p14">
       <p:transition spd="med" p14:dur="700">
         <p:fade/>
       </p:transition>
     </mc:Choice>
-    <mc:Fallback>
+    <mc:Fallback xmlns="">
       <p:transition spd="med">
         <p:fade/>
       </p:transition>
@@ -4792,7 +12165,7 @@
           <p:cNvPr id="21" name="그룹 20">
             <a:extLst>
               <a:ext uri="{FF2B5EF4-FFF2-40B4-BE49-F238E27FC236}">
-                <a16:creationId xmlns="" xmlns:a16="http://schemas.microsoft.com/office/drawing/2014/main" id="{34AF672D-F300-49ED-B1B1-C7AD77F1CF1D}"/>
+                <a16:creationId xmlns:a16="http://schemas.microsoft.com/office/drawing/2014/main" xmlns="" id="{34AF672D-F300-49ED-B1B1-C7AD77F1CF1D}"/>
               </a:ext>
             </a:extLst>
           </p:cNvPr>
@@ -4812,7 +12185,7 @@
             <p:cNvPr id="14" name="직사각형 13">
               <a:extLst>
                 <a:ext uri="{FF2B5EF4-FFF2-40B4-BE49-F238E27FC236}">
-                  <a16:creationId xmlns="" xmlns:a16="http://schemas.microsoft.com/office/drawing/2014/main" id="{C47BEF14-6520-4B7C-A137-6786E163399F}"/>
+                  <a16:creationId xmlns:a16="http://schemas.microsoft.com/office/drawing/2014/main" xmlns="" id="{C47BEF14-6520-4B7C-A137-6786E163399F}"/>
                 </a:ext>
               </a:extLst>
             </p:cNvPr>
@@ -4861,7 +12234,7 @@
             <p:cNvPr id="15" name="직사각형 14">
               <a:extLst>
                 <a:ext uri="{FF2B5EF4-FFF2-40B4-BE49-F238E27FC236}">
-                  <a16:creationId xmlns="" xmlns:a16="http://schemas.microsoft.com/office/drawing/2014/main" id="{AE7E944A-14D6-40FD-AC6E-795762F0A52A}"/>
+                  <a16:creationId xmlns:a16="http://schemas.microsoft.com/office/drawing/2014/main" xmlns="" id="{AE7E944A-14D6-40FD-AC6E-795762F0A52A}"/>
                 </a:ext>
               </a:extLst>
             </p:cNvPr>
@@ -4913,7 +12286,7 @@
             <p:cNvPr id="16" name="TextBox 15">
               <a:extLst>
                 <a:ext uri="{FF2B5EF4-FFF2-40B4-BE49-F238E27FC236}">
-                  <a16:creationId xmlns="" xmlns:a16="http://schemas.microsoft.com/office/drawing/2014/main" id="{314989EB-2D66-48FD-AE45-E8AAC62D69DF}"/>
+                  <a16:creationId xmlns:a16="http://schemas.microsoft.com/office/drawing/2014/main" xmlns="" id="{314989EB-2D66-48FD-AE45-E8AAC62D69DF}"/>
                 </a:ext>
               </a:extLst>
             </p:cNvPr>
@@ -4963,7 +12336,7 @@
             <p:cNvPr id="18" name="TextBox 17">
               <a:extLst>
                 <a:ext uri="{FF2B5EF4-FFF2-40B4-BE49-F238E27FC236}">
-                  <a16:creationId xmlns="" xmlns:a16="http://schemas.microsoft.com/office/drawing/2014/main" id="{373F017D-1562-4D58-90BD-4CB746FFE587}"/>
+                  <a16:creationId xmlns:a16="http://schemas.microsoft.com/office/drawing/2014/main" xmlns="" id="{373F017D-1562-4D58-90BD-4CB746FFE587}"/>
                 </a:ext>
               </a:extLst>
             </p:cNvPr>
@@ -5015,7 +12388,7 @@
             <p:cNvPr id="20" name="직선 연결선 19">
               <a:extLst>
                 <a:ext uri="{FF2B5EF4-FFF2-40B4-BE49-F238E27FC236}">
-                  <a16:creationId xmlns="" xmlns:a16="http://schemas.microsoft.com/office/drawing/2014/main" id="{694D31A9-4C98-4514-A4CD-FEE8123A95D4}"/>
+                  <a16:creationId xmlns:a16="http://schemas.microsoft.com/office/drawing/2014/main" xmlns="" id="{694D31A9-4C98-4514-A4CD-FEE8123A95D4}"/>
                 </a:ext>
               </a:extLst>
             </p:cNvPr>
@@ -5354,13 +12727,13 @@
   <p:clrMapOvr>
     <a:masterClrMapping/>
   </p:clrMapOvr>
-  <mc:AlternateContent xmlns:mc="http://schemas.openxmlformats.org/markup-compatibility/2006">
-    <mc:Choice xmlns:p14="http://schemas.microsoft.com/office/powerpoint/2010/main" Requires="p14">
+  <mc:AlternateContent xmlns:mc="http://schemas.openxmlformats.org/markup-compatibility/2006" xmlns:p14="http://schemas.microsoft.com/office/powerpoint/2010/main">
+    <mc:Choice Requires="p14">
       <p:transition spd="med" p14:dur="700">
         <p:fade/>
       </p:transition>
     </mc:Choice>
-    <mc:Fallback>
+    <mc:Fallback xmlns="">
       <p:transition spd="med">
         <p:fade/>
       </p:transition>
@@ -5398,7 +12771,7 @@
           <p:cNvPr id="3" name="그림 2">
             <a:extLst>
               <a:ext uri="{FF2B5EF4-FFF2-40B4-BE49-F238E27FC236}">
-                <a16:creationId xmlns="" xmlns:a16="http://schemas.microsoft.com/office/drawing/2014/main" id="{52A71C6D-3FC9-4ACB-8F32-BB5BB9CA6520}"/>
+                <a16:creationId xmlns:a16="http://schemas.microsoft.com/office/drawing/2014/main" xmlns="" id="{52A71C6D-3FC9-4ACB-8F32-BB5BB9CA6520}"/>
               </a:ext>
             </a:extLst>
           </p:cNvPr>
@@ -5433,7 +12806,7 @@
           <p:cNvPr id="7" name="TextBox 6">
             <a:extLst>
               <a:ext uri="{FF2B5EF4-FFF2-40B4-BE49-F238E27FC236}">
-                <a16:creationId xmlns="" xmlns:a16="http://schemas.microsoft.com/office/drawing/2014/main" id="{B5A420B0-4447-4446-832A-B193CF79F776}"/>
+                <a16:creationId xmlns:a16="http://schemas.microsoft.com/office/drawing/2014/main" xmlns="" id="{B5A420B0-4447-4446-832A-B193CF79F776}"/>
               </a:ext>
             </a:extLst>
           </p:cNvPr>
@@ -5494,7 +12867,7 @@
           <p:cNvPr id="8" name="TextBox 7">
             <a:extLst>
               <a:ext uri="{FF2B5EF4-FFF2-40B4-BE49-F238E27FC236}">
-                <a16:creationId xmlns="" xmlns:a16="http://schemas.microsoft.com/office/drawing/2014/main" id="{6DCFF045-76E5-4311-BF73-F6435BA26739}"/>
+                <a16:creationId xmlns:a16="http://schemas.microsoft.com/office/drawing/2014/main" xmlns="" id="{6DCFF045-76E5-4311-BF73-F6435BA26739}"/>
               </a:ext>
             </a:extLst>
           </p:cNvPr>
@@ -5524,15 +12897,7 @@
                   <a:schemeClr val="accent6"/>
                 </a:solidFill>
               </a:rPr>
-              <a:t>Part </a:t>
-            </a:r>
-            <a:r>
-              <a:rPr lang="en-US" altLang="ko-KR" sz="3200" spc="600" dirty="0">
-                <a:solidFill>
-                  <a:schemeClr val="accent6"/>
-                </a:solidFill>
-              </a:rPr>
-              <a:t>2</a:t>
+              <a:t>Part 2</a:t>
             </a:r>
             <a:endParaRPr lang="ko-KR" altLang="en-US" sz="3200" spc="600" dirty="0">
               <a:solidFill>
@@ -5547,7 +12912,7 @@
           <p:cNvPr id="14" name="직선 연결선 13">
             <a:extLst>
               <a:ext uri="{FF2B5EF4-FFF2-40B4-BE49-F238E27FC236}">
-                <a16:creationId xmlns="" xmlns:a16="http://schemas.microsoft.com/office/drawing/2014/main" id="{F3F63FED-FAEC-4CDD-A60B-AFCB761E3740}"/>
+                <a16:creationId xmlns:a16="http://schemas.microsoft.com/office/drawing/2014/main" xmlns="" id="{F3F63FED-FAEC-4CDD-A60B-AFCB761E3740}"/>
               </a:ext>
             </a:extLst>
           </p:cNvPr>
@@ -5590,7 +12955,7 @@
           <p:cNvPr id="16" name="직선 연결선 15">
             <a:extLst>
               <a:ext uri="{FF2B5EF4-FFF2-40B4-BE49-F238E27FC236}">
-                <a16:creationId xmlns="" xmlns:a16="http://schemas.microsoft.com/office/drawing/2014/main" id="{7CAD2DD1-51A5-40EF-A967-25936E2EF244}"/>
+                <a16:creationId xmlns:a16="http://schemas.microsoft.com/office/drawing/2014/main" xmlns="" id="{7CAD2DD1-51A5-40EF-A967-25936E2EF244}"/>
               </a:ext>
             </a:extLst>
           </p:cNvPr>
@@ -5633,7 +12998,7 @@
           <p:cNvPr id="19" name="직선 연결선 18">
             <a:extLst>
               <a:ext uri="{FF2B5EF4-FFF2-40B4-BE49-F238E27FC236}">
-                <a16:creationId xmlns="" xmlns:a16="http://schemas.microsoft.com/office/drawing/2014/main" id="{01EA1DCA-6C9B-4AC6-8E45-734183B280F6}"/>
+                <a16:creationId xmlns:a16="http://schemas.microsoft.com/office/drawing/2014/main" xmlns="" id="{01EA1DCA-6C9B-4AC6-8E45-734183B280F6}"/>
               </a:ext>
             </a:extLst>
           </p:cNvPr>
@@ -5681,13 +13046,13 @@
   <p:clrMapOvr>
     <a:masterClrMapping/>
   </p:clrMapOvr>
-  <mc:AlternateContent xmlns:mc="http://schemas.openxmlformats.org/markup-compatibility/2006">
-    <mc:Choice xmlns:p14="http://schemas.microsoft.com/office/powerpoint/2010/main" Requires="p14">
+  <mc:AlternateContent xmlns:mc="http://schemas.openxmlformats.org/markup-compatibility/2006" xmlns:p14="http://schemas.microsoft.com/office/powerpoint/2010/main">
+    <mc:Choice Requires="p14">
       <p:transition spd="med" p14:dur="700">
         <p:fade/>
       </p:transition>
     </mc:Choice>
-    <mc:Fallback>
+    <mc:Fallback xmlns="">
       <p:transition spd="med">
         <p:fade/>
       </p:transition>
@@ -5725,7 +13090,7 @@
           <p:cNvPr id="21" name="그룹 20">
             <a:extLst>
               <a:ext uri="{FF2B5EF4-FFF2-40B4-BE49-F238E27FC236}">
-                <a16:creationId xmlns="" xmlns:a16="http://schemas.microsoft.com/office/drawing/2014/main" id="{34AF672D-F300-49ED-B1B1-C7AD77F1CF1D}"/>
+                <a16:creationId xmlns:a16="http://schemas.microsoft.com/office/drawing/2014/main" xmlns="" id="{34AF672D-F300-49ED-B1B1-C7AD77F1CF1D}"/>
               </a:ext>
             </a:extLst>
           </p:cNvPr>
@@ -5745,7 +13110,7 @@
             <p:cNvPr id="14" name="직사각형 13">
               <a:extLst>
                 <a:ext uri="{FF2B5EF4-FFF2-40B4-BE49-F238E27FC236}">
-                  <a16:creationId xmlns="" xmlns:a16="http://schemas.microsoft.com/office/drawing/2014/main" id="{C47BEF14-6520-4B7C-A137-6786E163399F}"/>
+                  <a16:creationId xmlns:a16="http://schemas.microsoft.com/office/drawing/2014/main" xmlns="" id="{C47BEF14-6520-4B7C-A137-6786E163399F}"/>
                 </a:ext>
               </a:extLst>
             </p:cNvPr>
@@ -5794,7 +13159,7 @@
             <p:cNvPr id="15" name="직사각형 14">
               <a:extLst>
                 <a:ext uri="{FF2B5EF4-FFF2-40B4-BE49-F238E27FC236}">
-                  <a16:creationId xmlns="" xmlns:a16="http://schemas.microsoft.com/office/drawing/2014/main" id="{AE7E944A-14D6-40FD-AC6E-795762F0A52A}"/>
+                  <a16:creationId xmlns:a16="http://schemas.microsoft.com/office/drawing/2014/main" xmlns="" id="{AE7E944A-14D6-40FD-AC6E-795762F0A52A}"/>
                 </a:ext>
               </a:extLst>
             </p:cNvPr>
@@ -5846,7 +13211,7 @@
             <p:cNvPr id="16" name="TextBox 15">
               <a:extLst>
                 <a:ext uri="{FF2B5EF4-FFF2-40B4-BE49-F238E27FC236}">
-                  <a16:creationId xmlns="" xmlns:a16="http://schemas.microsoft.com/office/drawing/2014/main" id="{314989EB-2D66-48FD-AE45-E8AAC62D69DF}"/>
+                  <a16:creationId xmlns:a16="http://schemas.microsoft.com/office/drawing/2014/main" xmlns="" id="{314989EB-2D66-48FD-AE45-E8AAC62D69DF}"/>
                 </a:ext>
               </a:extLst>
             </p:cNvPr>
@@ -5918,7 +13283,7 @@
             <p:cNvPr id="18" name="TextBox 17">
               <a:extLst>
                 <a:ext uri="{FF2B5EF4-FFF2-40B4-BE49-F238E27FC236}">
-                  <a16:creationId xmlns="" xmlns:a16="http://schemas.microsoft.com/office/drawing/2014/main" id="{373F017D-1562-4D58-90BD-4CB746FFE587}"/>
+                  <a16:creationId xmlns:a16="http://schemas.microsoft.com/office/drawing/2014/main" xmlns="" id="{373F017D-1562-4D58-90BD-4CB746FFE587}"/>
                 </a:ext>
               </a:extLst>
             </p:cNvPr>
@@ -5970,7 +13335,7 @@
             <p:cNvPr id="20" name="직선 연결선 19">
               <a:extLst>
                 <a:ext uri="{FF2B5EF4-FFF2-40B4-BE49-F238E27FC236}">
-                  <a16:creationId xmlns="" xmlns:a16="http://schemas.microsoft.com/office/drawing/2014/main" id="{694D31A9-4C98-4514-A4CD-FEE8123A95D4}"/>
+                  <a16:creationId xmlns:a16="http://schemas.microsoft.com/office/drawing/2014/main" xmlns="" id="{694D31A9-4C98-4514-A4CD-FEE8123A95D4}"/>
                 </a:ext>
               </a:extLst>
             </p:cNvPr>
@@ -6063,15 +13428,7 @@
           <a:p>
             <a:r>
               <a:rPr lang="en-US" altLang="ko-KR" sz="1600" dirty="0" smtClean="0"/>
-              <a:t>- </a:t>
-            </a:r>
-            <a:r>
-              <a:rPr lang="en-US" altLang="ko-KR" sz="1600" dirty="0" smtClean="0"/>
-              <a:t>portfolio</a:t>
-            </a:r>
-            <a:r>
-              <a:rPr lang="en-US" altLang="ko-KR" sz="1600" dirty="0" smtClean="0"/>
-              <a:t>-</a:t>
+              <a:t>- portfolio-</a:t>
             </a:r>
             <a:r>
               <a:rPr lang="ko-KR" altLang="en-US" sz="1600" dirty="0" err="1" smtClean="0"/>
@@ -6113,13 +13470,13 @@
   <p:clrMapOvr>
     <a:masterClrMapping/>
   </p:clrMapOvr>
-  <mc:AlternateContent xmlns:mc="http://schemas.openxmlformats.org/markup-compatibility/2006">
-    <mc:Choice xmlns:p14="http://schemas.microsoft.com/office/powerpoint/2010/main" Requires="p14">
+  <mc:AlternateContent xmlns:mc="http://schemas.openxmlformats.org/markup-compatibility/2006" xmlns:p14="http://schemas.microsoft.com/office/powerpoint/2010/main">
+    <mc:Choice Requires="p14">
       <p:transition spd="med" p14:dur="700">
         <p:fade/>
       </p:transition>
     </mc:Choice>
-    <mc:Fallback>
+    <mc:Fallback xmlns="">
       <p:transition spd="med">
         <p:fade/>
       </p:transition>
@@ -6201,7 +13558,7 @@
           <p:cNvPr id="21" name="그룹 20">
             <a:extLst>
               <a:ext uri="{FF2B5EF4-FFF2-40B4-BE49-F238E27FC236}">
-                <a16:creationId xmlns="" xmlns:a16="http://schemas.microsoft.com/office/drawing/2014/main" id="{34AF672D-F300-49ED-B1B1-C7AD77F1CF1D}"/>
+                <a16:creationId xmlns:a16="http://schemas.microsoft.com/office/drawing/2014/main" xmlns="" id="{34AF672D-F300-49ED-B1B1-C7AD77F1CF1D}"/>
               </a:ext>
             </a:extLst>
           </p:cNvPr>
@@ -6221,7 +13578,7 @@
             <p:cNvPr id="14" name="직사각형 13">
               <a:extLst>
                 <a:ext uri="{FF2B5EF4-FFF2-40B4-BE49-F238E27FC236}">
-                  <a16:creationId xmlns="" xmlns:a16="http://schemas.microsoft.com/office/drawing/2014/main" id="{C47BEF14-6520-4B7C-A137-6786E163399F}"/>
+                  <a16:creationId xmlns:a16="http://schemas.microsoft.com/office/drawing/2014/main" xmlns="" id="{C47BEF14-6520-4B7C-A137-6786E163399F}"/>
                 </a:ext>
               </a:extLst>
             </p:cNvPr>
@@ -6270,7 +13627,7 @@
             <p:cNvPr id="15" name="직사각형 14">
               <a:extLst>
                 <a:ext uri="{FF2B5EF4-FFF2-40B4-BE49-F238E27FC236}">
-                  <a16:creationId xmlns="" xmlns:a16="http://schemas.microsoft.com/office/drawing/2014/main" id="{AE7E944A-14D6-40FD-AC6E-795762F0A52A}"/>
+                  <a16:creationId xmlns:a16="http://schemas.microsoft.com/office/drawing/2014/main" xmlns="" id="{AE7E944A-14D6-40FD-AC6E-795762F0A52A}"/>
                 </a:ext>
               </a:extLst>
             </p:cNvPr>
@@ -6322,7 +13679,7 @@
             <p:cNvPr id="16" name="TextBox 15">
               <a:extLst>
                 <a:ext uri="{FF2B5EF4-FFF2-40B4-BE49-F238E27FC236}">
-                  <a16:creationId xmlns="" xmlns:a16="http://schemas.microsoft.com/office/drawing/2014/main" id="{314989EB-2D66-48FD-AE45-E8AAC62D69DF}"/>
+                  <a16:creationId xmlns:a16="http://schemas.microsoft.com/office/drawing/2014/main" xmlns="" id="{314989EB-2D66-48FD-AE45-E8AAC62D69DF}"/>
                 </a:ext>
               </a:extLst>
             </p:cNvPr>
@@ -6383,7 +13740,7 @@
             <p:cNvPr id="18" name="TextBox 17">
               <a:extLst>
                 <a:ext uri="{FF2B5EF4-FFF2-40B4-BE49-F238E27FC236}">
-                  <a16:creationId xmlns="" xmlns:a16="http://schemas.microsoft.com/office/drawing/2014/main" id="{373F017D-1562-4D58-90BD-4CB746FFE587}"/>
+                  <a16:creationId xmlns:a16="http://schemas.microsoft.com/office/drawing/2014/main" xmlns="" id="{373F017D-1562-4D58-90BD-4CB746FFE587}"/>
                 </a:ext>
               </a:extLst>
             </p:cNvPr>
@@ -6435,7 +13792,7 @@
             <p:cNvPr id="20" name="직선 연결선 19">
               <a:extLst>
                 <a:ext uri="{FF2B5EF4-FFF2-40B4-BE49-F238E27FC236}">
-                  <a16:creationId xmlns="" xmlns:a16="http://schemas.microsoft.com/office/drawing/2014/main" id="{694D31A9-4C98-4514-A4CD-FEE8123A95D4}"/>
+                  <a16:creationId xmlns:a16="http://schemas.microsoft.com/office/drawing/2014/main" xmlns="" id="{694D31A9-4C98-4514-A4CD-FEE8123A95D4}"/>
                 </a:ext>
               </a:extLst>
             </p:cNvPr>
@@ -6546,15 +13903,7 @@
           <a:p>
             <a:r>
               <a:rPr lang="en-US" altLang="ko-KR" sz="1600" dirty="0" smtClean="0"/>
-              <a:t>- </a:t>
-            </a:r>
-            <a:r>
-              <a:rPr lang="en-US" altLang="ko-KR" sz="1600" dirty="0" smtClean="0"/>
-              <a:t>portfolio</a:t>
-            </a:r>
-            <a:r>
-              <a:rPr lang="en-US" altLang="ko-KR" sz="1600" dirty="0" smtClean="0"/>
-              <a:t>-IA.xlsx</a:t>
+              <a:t>- portfolio-IA.xlsx</a:t>
             </a:r>
             <a:endParaRPr lang="ko-KR" altLang="en-US" sz="1600" dirty="0"/>
           </a:p>
@@ -6600,13 +13949,13 @@
   <p:clrMapOvr>
     <a:masterClrMapping/>
   </p:clrMapOvr>
-  <mc:AlternateContent xmlns:mc="http://schemas.openxmlformats.org/markup-compatibility/2006">
-    <mc:Choice xmlns:p14="http://schemas.microsoft.com/office/powerpoint/2010/main" Requires="p14">
+  <mc:AlternateContent xmlns:mc="http://schemas.openxmlformats.org/markup-compatibility/2006" xmlns:p14="http://schemas.microsoft.com/office/powerpoint/2010/main">
+    <mc:Choice Requires="p14">
       <p:transition spd="med" p14:dur="700">
         <p:fade/>
       </p:transition>
     </mc:Choice>
-    <mc:Fallback>
+    <mc:Fallback xmlns="">
       <p:transition spd="med">
         <p:fade/>
       </p:transition>
@@ -6644,7 +13993,7 @@
           <p:cNvPr id="3" name="그림 2">
             <a:extLst>
               <a:ext uri="{FF2B5EF4-FFF2-40B4-BE49-F238E27FC236}">
-                <a16:creationId xmlns="" xmlns:a16="http://schemas.microsoft.com/office/drawing/2014/main" id="{52A71C6D-3FC9-4ACB-8F32-BB5BB9CA6520}"/>
+                <a16:creationId xmlns:a16="http://schemas.microsoft.com/office/drawing/2014/main" xmlns="" id="{52A71C6D-3FC9-4ACB-8F32-BB5BB9CA6520}"/>
               </a:ext>
             </a:extLst>
           </p:cNvPr>
@@ -6679,7 +14028,7 @@
           <p:cNvPr id="7" name="TextBox 6">
             <a:extLst>
               <a:ext uri="{FF2B5EF4-FFF2-40B4-BE49-F238E27FC236}">
-                <a16:creationId xmlns="" xmlns:a16="http://schemas.microsoft.com/office/drawing/2014/main" id="{B5A420B0-4447-4446-832A-B193CF79F776}"/>
+                <a16:creationId xmlns:a16="http://schemas.microsoft.com/office/drawing/2014/main" xmlns="" id="{B5A420B0-4447-4446-832A-B193CF79F776}"/>
               </a:ext>
             </a:extLst>
           </p:cNvPr>
@@ -6740,7 +14089,7 @@
           <p:cNvPr id="8" name="TextBox 7">
             <a:extLst>
               <a:ext uri="{FF2B5EF4-FFF2-40B4-BE49-F238E27FC236}">
-                <a16:creationId xmlns="" xmlns:a16="http://schemas.microsoft.com/office/drawing/2014/main" id="{6DCFF045-76E5-4311-BF73-F6435BA26739}"/>
+                <a16:creationId xmlns:a16="http://schemas.microsoft.com/office/drawing/2014/main" xmlns="" id="{6DCFF045-76E5-4311-BF73-F6435BA26739}"/>
               </a:ext>
             </a:extLst>
           </p:cNvPr>
@@ -6793,7 +14142,7 @@
           <p:cNvPr id="14" name="직선 연결선 13">
             <a:extLst>
               <a:ext uri="{FF2B5EF4-FFF2-40B4-BE49-F238E27FC236}">
-                <a16:creationId xmlns="" xmlns:a16="http://schemas.microsoft.com/office/drawing/2014/main" id="{F3F63FED-FAEC-4CDD-A60B-AFCB761E3740}"/>
+                <a16:creationId xmlns:a16="http://schemas.microsoft.com/office/drawing/2014/main" xmlns="" id="{F3F63FED-FAEC-4CDD-A60B-AFCB761E3740}"/>
               </a:ext>
             </a:extLst>
           </p:cNvPr>
@@ -6836,7 +14185,7 @@
           <p:cNvPr id="16" name="직선 연결선 15">
             <a:extLst>
               <a:ext uri="{FF2B5EF4-FFF2-40B4-BE49-F238E27FC236}">
-                <a16:creationId xmlns="" xmlns:a16="http://schemas.microsoft.com/office/drawing/2014/main" id="{7CAD2DD1-51A5-40EF-A967-25936E2EF244}"/>
+                <a16:creationId xmlns:a16="http://schemas.microsoft.com/office/drawing/2014/main" xmlns="" id="{7CAD2DD1-51A5-40EF-A967-25936E2EF244}"/>
               </a:ext>
             </a:extLst>
           </p:cNvPr>
@@ -6879,7 +14228,7 @@
           <p:cNvPr id="19" name="직선 연결선 18">
             <a:extLst>
               <a:ext uri="{FF2B5EF4-FFF2-40B4-BE49-F238E27FC236}">
-                <a16:creationId xmlns="" xmlns:a16="http://schemas.microsoft.com/office/drawing/2014/main" id="{01EA1DCA-6C9B-4AC6-8E45-734183B280F6}"/>
+                <a16:creationId xmlns:a16="http://schemas.microsoft.com/office/drawing/2014/main" xmlns="" id="{01EA1DCA-6C9B-4AC6-8E45-734183B280F6}"/>
               </a:ext>
             </a:extLst>
           </p:cNvPr>
@@ -6921,6 +14270,649 @@
     <p:extLst>
       <p:ext uri="{BB962C8B-B14F-4D97-AF65-F5344CB8AC3E}">
         <p14:creationId xmlns:p14="http://schemas.microsoft.com/office/powerpoint/2010/main" val="4178404930"/>
+      </p:ext>
+    </p:extLst>
+  </p:cSld>
+  <p:clrMapOvr>
+    <a:masterClrMapping/>
+  </p:clrMapOvr>
+  <mc:AlternateContent xmlns:mc="http://schemas.openxmlformats.org/markup-compatibility/2006" xmlns:p14="http://schemas.microsoft.com/office/powerpoint/2010/main">
+    <mc:Choice Requires="p14">
+      <p:transition spd="med" p14:dur="700">
+        <p:fade/>
+      </p:transition>
+    </mc:Choice>
+    <mc:Fallback xmlns="">
+      <p:transition spd="med">
+        <p:fade/>
+      </p:transition>
+    </mc:Fallback>
+  </mc:AlternateContent>
+  <p:timing>
+    <p:tnLst>
+      <p:par>
+        <p:cTn id="1" dur="indefinite" restart="never" nodeType="tmRoot"/>
+      </p:par>
+    </p:tnLst>
+  </p:timing>
+</p:sld>
+</file>
+
+<file path=ppt/slides/slide9.xml><?xml version="1.0" encoding="utf-8"?>
+<p:sld xmlns:a="http://schemas.openxmlformats.org/drawingml/2006/main" xmlns:r="http://schemas.openxmlformats.org/officeDocument/2006/relationships" xmlns:p="http://schemas.openxmlformats.org/presentationml/2006/main">
+  <p:cSld>
+    <p:spTree>
+      <p:nvGrpSpPr>
+        <p:cNvPr id="1" name=""/>
+        <p:cNvGrpSpPr/>
+        <p:nvPr/>
+      </p:nvGrpSpPr>
+      <p:grpSpPr>
+        <a:xfrm>
+          <a:off x="0" y="0"/>
+          <a:ext cx="0" cy="0"/>
+          <a:chOff x="0" y="0"/>
+          <a:chExt cx="0" cy="0"/>
+        </a:xfrm>
+      </p:grpSpPr>
+      <p:grpSp>
+        <p:nvGrpSpPr>
+          <p:cNvPr id="21" name="그룹 20">
+            <a:extLst>
+              <a:ext uri="{FF2B5EF4-FFF2-40B4-BE49-F238E27FC236}">
+                <a16:creationId xmlns:a16="http://schemas.microsoft.com/office/drawing/2014/main" xmlns="" id="{34AF672D-F300-49ED-B1B1-C7AD77F1CF1D}"/>
+              </a:ext>
+            </a:extLst>
+          </p:cNvPr>
+          <p:cNvGrpSpPr/>
+          <p:nvPr/>
+        </p:nvGrpSpPr>
+        <p:grpSpPr>
+          <a:xfrm>
+            <a:off x="0" y="0"/>
+            <a:ext cx="12192000" cy="908925"/>
+            <a:chOff x="0" y="0"/>
+            <a:chExt cx="12192000" cy="1076960"/>
+          </a:xfrm>
+        </p:grpSpPr>
+        <p:sp>
+          <p:nvSpPr>
+            <p:cNvPr id="14" name="직사각형 13">
+              <a:extLst>
+                <a:ext uri="{FF2B5EF4-FFF2-40B4-BE49-F238E27FC236}">
+                  <a16:creationId xmlns:a16="http://schemas.microsoft.com/office/drawing/2014/main" xmlns="" id="{C47BEF14-6520-4B7C-A137-6786E163399F}"/>
+                </a:ext>
+              </a:extLst>
+            </p:cNvPr>
+            <p:cNvSpPr/>
+            <p:nvPr/>
+          </p:nvSpPr>
+          <p:spPr>
+            <a:xfrm>
+              <a:off x="0" y="0"/>
+              <a:ext cx="121920" cy="1076960"/>
+            </a:xfrm>
+            <a:prstGeom prst="rect">
+              <a:avLst/>
+            </a:prstGeom>
+            <a:ln>
+              <a:noFill/>
+            </a:ln>
+          </p:spPr>
+          <p:style>
+            <a:lnRef idx="2">
+              <a:schemeClr val="accent1">
+                <a:shade val="50000"/>
+              </a:schemeClr>
+            </a:lnRef>
+            <a:fillRef idx="1">
+              <a:schemeClr val="accent1"/>
+            </a:fillRef>
+            <a:effectRef idx="0">
+              <a:schemeClr val="accent1"/>
+            </a:effectRef>
+            <a:fontRef idx="minor">
+              <a:schemeClr val="lt1"/>
+            </a:fontRef>
+          </p:style>
+          <p:txBody>
+            <a:bodyPr rtlCol="0" anchor="ctr"/>
+            <a:lstStyle/>
+            <a:p>
+              <a:pPr algn="ctr"/>
+              <a:endParaRPr lang="ko-KR" altLang="en-US"/>
+            </a:p>
+          </p:txBody>
+        </p:sp>
+        <p:sp>
+          <p:nvSpPr>
+            <p:cNvPr id="15" name="직사각형 14">
+              <a:extLst>
+                <a:ext uri="{FF2B5EF4-FFF2-40B4-BE49-F238E27FC236}">
+                  <a16:creationId xmlns:a16="http://schemas.microsoft.com/office/drawing/2014/main" xmlns="" id="{AE7E944A-14D6-40FD-AC6E-795762F0A52A}"/>
+                </a:ext>
+              </a:extLst>
+            </p:cNvPr>
+            <p:cNvSpPr/>
+            <p:nvPr/>
+          </p:nvSpPr>
+          <p:spPr>
+            <a:xfrm rot="5400000">
+              <a:off x="269240" y="-147320"/>
+              <a:ext cx="121920" cy="416560"/>
+            </a:xfrm>
+            <a:prstGeom prst="rect">
+              <a:avLst/>
+            </a:prstGeom>
+            <a:solidFill>
+              <a:schemeClr val="accent4"/>
+            </a:solidFill>
+            <a:ln>
+              <a:noFill/>
+            </a:ln>
+          </p:spPr>
+          <p:style>
+            <a:lnRef idx="2">
+              <a:schemeClr val="accent1">
+                <a:shade val="50000"/>
+              </a:schemeClr>
+            </a:lnRef>
+            <a:fillRef idx="1">
+              <a:schemeClr val="accent1"/>
+            </a:fillRef>
+            <a:effectRef idx="0">
+              <a:schemeClr val="accent1"/>
+            </a:effectRef>
+            <a:fontRef idx="minor">
+              <a:schemeClr val="lt1"/>
+            </a:fontRef>
+          </p:style>
+          <p:txBody>
+            <a:bodyPr rtlCol="0" anchor="ctr"/>
+            <a:lstStyle/>
+            <a:p>
+              <a:pPr algn="ctr"/>
+              <a:endParaRPr lang="ko-KR" altLang="en-US"/>
+            </a:p>
+          </p:txBody>
+        </p:sp>
+        <p:sp>
+          <p:nvSpPr>
+            <p:cNvPr id="16" name="TextBox 15">
+              <a:extLst>
+                <a:ext uri="{FF2B5EF4-FFF2-40B4-BE49-F238E27FC236}">
+                  <a16:creationId xmlns:a16="http://schemas.microsoft.com/office/drawing/2014/main" xmlns="" id="{314989EB-2D66-48FD-AE45-E8AAC62D69DF}"/>
+                </a:ext>
+              </a:extLst>
+            </p:cNvPr>
+            <p:cNvSpPr txBox="1"/>
+            <p:nvPr/>
+          </p:nvSpPr>
+          <p:spPr>
+            <a:xfrm>
+              <a:off x="660400" y="238397"/>
+              <a:ext cx="2571538" cy="711118"/>
+            </a:xfrm>
+            <a:prstGeom prst="rect">
+              <a:avLst/>
+            </a:prstGeom>
+            <a:noFill/>
+          </p:spPr>
+          <p:txBody>
+            <a:bodyPr wrap="none" rtlCol="0">
+              <a:spAutoFit/>
+            </a:bodyPr>
+            <a:lstStyle/>
+            <a:p>
+              <a:r>
+                <a:rPr lang="ko-KR" altLang="en-US" sz="3300" spc="-300" dirty="0" smtClean="0">
+                  <a:solidFill>
+                    <a:schemeClr val="tx1">
+                      <a:lumMod val="85000"/>
+                      <a:lumOff val="15000"/>
+                    </a:schemeClr>
+                  </a:solidFill>
+                </a:rPr>
+                <a:t>와이어 프레임</a:t>
+              </a:r>
+              <a:endParaRPr lang="ko-KR" altLang="en-US" sz="3300" spc="-300" dirty="0">
+                <a:solidFill>
+                  <a:schemeClr val="tx1">
+                    <a:lumMod val="85000"/>
+                    <a:lumOff val="15000"/>
+                  </a:schemeClr>
+                </a:solidFill>
+              </a:endParaRPr>
+            </a:p>
+          </p:txBody>
+        </p:sp>
+        <p:sp>
+          <p:nvSpPr>
+            <p:cNvPr id="18" name="TextBox 17">
+              <a:extLst>
+                <a:ext uri="{FF2B5EF4-FFF2-40B4-BE49-F238E27FC236}">
+                  <a16:creationId xmlns:a16="http://schemas.microsoft.com/office/drawing/2014/main" xmlns="" id="{373F017D-1562-4D58-90BD-4CB746FFE587}"/>
+                </a:ext>
+              </a:extLst>
+            </p:cNvPr>
+            <p:cNvSpPr txBox="1"/>
+            <p:nvPr/>
+          </p:nvSpPr>
+          <p:spPr>
+            <a:xfrm>
+              <a:off x="111760" y="81618"/>
+              <a:ext cx="527709" cy="984625"/>
+            </a:xfrm>
+            <a:prstGeom prst="rect">
+              <a:avLst/>
+            </a:prstGeom>
+            <a:noFill/>
+          </p:spPr>
+          <p:txBody>
+            <a:bodyPr wrap="none" rtlCol="0">
+              <a:spAutoFit/>
+            </a:bodyPr>
+            <a:lstStyle/>
+            <a:p>
+              <a:r>
+                <a:rPr lang="en-US" altLang="ko-KR" sz="4800" b="1" dirty="0">
+                  <a:solidFill>
+                    <a:schemeClr val="bg1">
+                      <a:lumMod val="85000"/>
+                    </a:schemeClr>
+                  </a:solidFill>
+                  <a:latin typeface="+mj-lt"/>
+                  <a:ea typeface="+mj-ea"/>
+                </a:rPr>
+                <a:t>3</a:t>
+              </a:r>
+              <a:endParaRPr lang="ko-KR" altLang="en-US" sz="4800" b="1" dirty="0">
+                <a:solidFill>
+                  <a:schemeClr val="bg1">
+                    <a:lumMod val="85000"/>
+                  </a:schemeClr>
+                </a:solidFill>
+                <a:latin typeface="+mj-lt"/>
+                <a:ea typeface="+mj-ea"/>
+              </a:endParaRPr>
+            </a:p>
+          </p:txBody>
+        </p:sp>
+        <p:cxnSp>
+          <p:nvCxnSpPr>
+            <p:cNvPr id="20" name="직선 연결선 19">
+              <a:extLst>
+                <a:ext uri="{FF2B5EF4-FFF2-40B4-BE49-F238E27FC236}">
+                  <a16:creationId xmlns:a16="http://schemas.microsoft.com/office/drawing/2014/main" xmlns="" id="{694D31A9-4C98-4514-A4CD-FEE8123A95D4}"/>
+                </a:ext>
+              </a:extLst>
+            </p:cNvPr>
+            <p:cNvCxnSpPr/>
+            <p:nvPr/>
+          </p:nvCxnSpPr>
+          <p:spPr>
+            <a:xfrm>
+              <a:off x="660400" y="1073885"/>
+              <a:ext cx="11531600" cy="0"/>
+            </a:xfrm>
+            <a:prstGeom prst="line">
+              <a:avLst/>
+            </a:prstGeom>
+            <a:ln>
+              <a:solidFill>
+                <a:schemeClr val="bg1">
+                  <a:lumMod val="75000"/>
+                </a:schemeClr>
+              </a:solidFill>
+            </a:ln>
+          </p:spPr>
+          <p:style>
+            <a:lnRef idx="1">
+              <a:schemeClr val="accent1"/>
+            </a:lnRef>
+            <a:fillRef idx="0">
+              <a:schemeClr val="accent1"/>
+            </a:fillRef>
+            <a:effectRef idx="0">
+              <a:schemeClr val="accent1"/>
+            </a:effectRef>
+            <a:fontRef idx="minor">
+              <a:schemeClr val="tx1"/>
+            </a:fontRef>
+          </p:style>
+        </p:cxnSp>
+      </p:grpSp>
+      <p:sp>
+        <p:nvSpPr>
+          <p:cNvPr id="19" name="직사각형 18"/>
+          <p:cNvSpPr/>
+          <p:nvPr/>
+        </p:nvSpPr>
+        <p:spPr>
+          <a:xfrm>
+            <a:off x="9948891" y="6543162"/>
+            <a:ext cx="2155502" cy="271035"/>
+          </a:xfrm>
+          <a:prstGeom prst="rect">
+            <a:avLst/>
+          </a:prstGeom>
+          <a:solidFill>
+            <a:schemeClr val="bg1"/>
+          </a:solidFill>
+          <a:ln>
+            <a:solidFill>
+              <a:schemeClr val="bg1"/>
+            </a:solidFill>
+          </a:ln>
+        </p:spPr>
+        <p:style>
+          <a:lnRef idx="2">
+            <a:schemeClr val="accent1">
+              <a:shade val="50000"/>
+            </a:schemeClr>
+          </a:lnRef>
+          <a:fillRef idx="1">
+            <a:schemeClr val="accent1"/>
+          </a:fillRef>
+          <a:effectRef idx="0">
+            <a:schemeClr val="accent1"/>
+          </a:effectRef>
+          <a:fontRef idx="minor">
+            <a:schemeClr val="lt1"/>
+          </a:fontRef>
+        </p:style>
+        <p:txBody>
+          <a:bodyPr rtlCol="0" anchor="ctr"/>
+          <a:lstStyle/>
+          <a:p>
+            <a:pPr algn="ctr"/>
+            <a:endParaRPr lang="ko-KR" altLang="en-US"/>
+          </a:p>
+        </p:txBody>
+      </p:sp>
+      <p:sp>
+        <p:nvSpPr>
+          <p:cNvPr id="4" name="직사각형 3"/>
+          <p:cNvSpPr/>
+          <p:nvPr/>
+        </p:nvSpPr>
+        <p:spPr>
+          <a:xfrm>
+            <a:off x="327615" y="1549552"/>
+            <a:ext cx="11536771" cy="5048364"/>
+          </a:xfrm>
+          <a:prstGeom prst="rect">
+            <a:avLst/>
+          </a:prstGeom>
+          <a:solidFill>
+            <a:schemeClr val="bg1"/>
+          </a:solidFill>
+          <a:ln>
+            <a:solidFill>
+              <a:schemeClr val="tx1"/>
+            </a:solidFill>
+          </a:ln>
+        </p:spPr>
+        <p:style>
+          <a:lnRef idx="2">
+            <a:schemeClr val="accent1">
+              <a:shade val="50000"/>
+            </a:schemeClr>
+          </a:lnRef>
+          <a:fillRef idx="1">
+            <a:schemeClr val="accent1"/>
+          </a:fillRef>
+          <a:effectRef idx="0">
+            <a:schemeClr val="accent1"/>
+          </a:effectRef>
+          <a:fontRef idx="minor">
+            <a:schemeClr val="lt1"/>
+          </a:fontRef>
+        </p:style>
+        <p:txBody>
+          <a:bodyPr rtlCol="0" anchor="ctr"/>
+          <a:lstStyle/>
+          <a:p>
+            <a:pPr algn="ctr"/>
+            <a:endParaRPr lang="ko-KR" altLang="en-US"/>
+          </a:p>
+        </p:txBody>
+      </p:sp>
+      <p:sp>
+        <p:nvSpPr>
+          <p:cNvPr id="22" name="직사각형 21"/>
+          <p:cNvSpPr/>
+          <p:nvPr/>
+        </p:nvSpPr>
+        <p:spPr>
+          <a:xfrm>
+            <a:off x="5772036" y="6302242"/>
+            <a:ext cx="647928" cy="240919"/>
+          </a:xfrm>
+          <a:prstGeom prst="rect">
+            <a:avLst/>
+          </a:prstGeom>
+          <a:solidFill>
+            <a:schemeClr val="accent1"/>
+          </a:solidFill>
+        </p:spPr>
+        <p:style>
+          <a:lnRef idx="2">
+            <a:schemeClr val="accent1">
+              <a:shade val="50000"/>
+            </a:schemeClr>
+          </a:lnRef>
+          <a:fillRef idx="1">
+            <a:schemeClr val="accent1"/>
+          </a:fillRef>
+          <a:effectRef idx="0">
+            <a:schemeClr val="accent1"/>
+          </a:effectRef>
+          <a:fontRef idx="minor">
+            <a:schemeClr val="lt1"/>
+          </a:fontRef>
+        </p:style>
+        <p:txBody>
+          <a:bodyPr rtlCol="0" anchor="ctr"/>
+          <a:lstStyle/>
+          <a:p>
+            <a:pPr algn="ctr"/>
+            <a:r>
+              <a:rPr lang="ko-KR" altLang="en-US" sz="1000" dirty="0" smtClean="0"/>
+              <a:t>휠 모양</a:t>
+            </a:r>
+            <a:endParaRPr lang="ko-KR" altLang="en-US" sz="1000" dirty="0"/>
+          </a:p>
+        </p:txBody>
+      </p:sp>
+      <p:sp>
+        <p:nvSpPr>
+          <p:cNvPr id="5" name="직사각형 4"/>
+          <p:cNvSpPr/>
+          <p:nvPr/>
+        </p:nvSpPr>
+        <p:spPr>
+          <a:xfrm>
+            <a:off x="10863291" y="1643568"/>
+            <a:ext cx="903449" cy="438036"/>
+          </a:xfrm>
+          <a:prstGeom prst="rect">
+            <a:avLst/>
+          </a:prstGeom>
+          <a:solidFill>
+            <a:schemeClr val="accent1"/>
+          </a:solidFill>
+        </p:spPr>
+        <p:style>
+          <a:lnRef idx="2">
+            <a:schemeClr val="accent1">
+              <a:shade val="50000"/>
+            </a:schemeClr>
+          </a:lnRef>
+          <a:fillRef idx="1">
+            <a:schemeClr val="accent1"/>
+          </a:fillRef>
+          <a:effectRef idx="0">
+            <a:schemeClr val="accent1"/>
+          </a:effectRef>
+          <a:fontRef idx="minor">
+            <a:schemeClr val="lt1"/>
+          </a:fontRef>
+        </p:style>
+        <p:txBody>
+          <a:bodyPr rtlCol="0" anchor="ctr"/>
+          <a:lstStyle/>
+          <a:p>
+            <a:pPr algn="ctr"/>
+            <a:r>
+              <a:rPr lang="ko-KR" altLang="en-US" dirty="0" smtClean="0"/>
+              <a:t>메뉴</a:t>
+            </a:r>
+            <a:endParaRPr lang="ko-KR" altLang="en-US" dirty="0"/>
+          </a:p>
+        </p:txBody>
+      </p:sp>
+      <p:cxnSp>
+        <p:nvCxnSpPr>
+          <p:cNvPr id="12" name="직선 연결선 11"/>
+          <p:cNvCxnSpPr/>
+          <p:nvPr/>
+        </p:nvCxnSpPr>
+        <p:spPr>
+          <a:xfrm>
+            <a:off x="327615" y="1549552"/>
+            <a:ext cx="11536771" cy="5048364"/>
+          </a:xfrm>
+          <a:prstGeom prst="line">
+            <a:avLst/>
+          </a:prstGeom>
+        </p:spPr>
+        <p:style>
+          <a:lnRef idx="1">
+            <a:schemeClr val="accent1"/>
+          </a:lnRef>
+          <a:fillRef idx="0">
+            <a:schemeClr val="accent1"/>
+          </a:fillRef>
+          <a:effectRef idx="0">
+            <a:schemeClr val="accent1"/>
+          </a:effectRef>
+          <a:fontRef idx="minor">
+            <a:schemeClr val="tx1"/>
+          </a:fontRef>
+        </p:style>
+      </p:cxnSp>
+      <p:cxnSp>
+        <p:nvCxnSpPr>
+          <p:cNvPr id="31" name="직선 연결선 30"/>
+          <p:cNvCxnSpPr/>
+          <p:nvPr/>
+        </p:nvCxnSpPr>
+        <p:spPr>
+          <a:xfrm flipH="1">
+            <a:off x="327615" y="1549552"/>
+            <a:ext cx="11536771" cy="5048364"/>
+          </a:xfrm>
+          <a:prstGeom prst="line">
+            <a:avLst/>
+          </a:prstGeom>
+        </p:spPr>
+        <p:style>
+          <a:lnRef idx="1">
+            <a:schemeClr val="accent1"/>
+          </a:lnRef>
+          <a:fillRef idx="0">
+            <a:schemeClr val="accent1"/>
+          </a:fillRef>
+          <a:effectRef idx="0">
+            <a:schemeClr val="accent1"/>
+          </a:effectRef>
+          <a:fontRef idx="minor">
+            <a:schemeClr val="tx1"/>
+          </a:fontRef>
+        </p:style>
+      </p:cxnSp>
+      <p:sp>
+        <p:nvSpPr>
+          <p:cNvPr id="32" name="TextBox 31"/>
+          <p:cNvSpPr txBox="1"/>
+          <p:nvPr/>
+        </p:nvSpPr>
+        <p:spPr>
+          <a:xfrm>
+            <a:off x="9899612" y="1148605"/>
+            <a:ext cx="1964774" cy="369332"/>
+          </a:xfrm>
+          <a:prstGeom prst="rect">
+            <a:avLst/>
+          </a:prstGeom>
+          <a:noFill/>
+        </p:spPr>
+        <p:txBody>
+          <a:bodyPr wrap="square" rtlCol="0">
+            <a:spAutoFit/>
+          </a:bodyPr>
+          <a:lstStyle/>
+          <a:p>
+            <a:r>
+              <a:rPr lang="en-US" altLang="ko-KR" dirty="0" smtClean="0"/>
+              <a:t>Main Page / Main</a:t>
+            </a:r>
+            <a:endParaRPr lang="ko-KR" altLang="en-US" dirty="0"/>
+          </a:p>
+        </p:txBody>
+      </p:sp>
+      <p:sp>
+        <p:nvSpPr>
+          <p:cNvPr id="23" name="직사각형 22"/>
+          <p:cNvSpPr/>
+          <p:nvPr/>
+        </p:nvSpPr>
+        <p:spPr>
+          <a:xfrm>
+            <a:off x="3167485" y="3340278"/>
+            <a:ext cx="5857030" cy="1466912"/>
+          </a:xfrm>
+          <a:prstGeom prst="rect">
+            <a:avLst/>
+          </a:prstGeom>
+          <a:solidFill>
+            <a:schemeClr val="accent1"/>
+          </a:solidFill>
+        </p:spPr>
+        <p:style>
+          <a:lnRef idx="2">
+            <a:schemeClr val="accent1">
+              <a:shade val="50000"/>
+            </a:schemeClr>
+          </a:lnRef>
+          <a:fillRef idx="1">
+            <a:schemeClr val="accent1"/>
+          </a:fillRef>
+          <a:effectRef idx="0">
+            <a:schemeClr val="accent1"/>
+          </a:effectRef>
+          <a:fontRef idx="minor">
+            <a:schemeClr val="lt1"/>
+          </a:fontRef>
+        </p:style>
+        <p:txBody>
+          <a:bodyPr rtlCol="0" anchor="ctr"/>
+          <a:lstStyle/>
+          <a:p>
+            <a:pPr algn="ctr"/>
+            <a:r>
+              <a:rPr lang="en-US" altLang="ko-KR" dirty="0" smtClean="0"/>
+              <a:t>Text Area</a:t>
+            </a:r>
+            <a:endParaRPr lang="ko-KR" altLang="en-US" dirty="0"/>
+          </a:p>
+        </p:txBody>
+      </p:sp>
+    </p:spTree>
+    <p:extLst>
+      <p:ext uri="{BB962C8B-B14F-4D97-AF65-F5344CB8AC3E}">
+        <p14:creationId xmlns:p14="http://schemas.microsoft.com/office/powerpoint/2010/main" val="3874841722"/>
       </p:ext>
     </p:extLst>
   </p:cSld>
